--- a/MusicTherapy.pptx
+++ b/MusicTherapy.pptx
@@ -17477,7 +17477,12 @@
             <p:ph type="title"/>
           </p:nvPr>
         </p:nvSpPr>
-        <p:spPr/>
+        <p:spPr>
+          <a:xfrm>
+            <a:off x="1484312" y="0"/>
+            <a:ext cx="10018713" cy="1752599"/>
+          </a:xfrm>
+        </p:spPr>
         <p:txBody>
           <a:bodyPr/>
           <a:lstStyle/>
@@ -17506,14 +17511,14 @@
             <p:ph idx="1"/>
             <p:extLst>
               <p:ext uri="{D42A27DB-BD31-4B8C-83A1-F6EECF244321}">
-                <p14:modId xmlns:p14="http://schemas.microsoft.com/office/powerpoint/2010/main" val="1459820904"/>
+                <p14:modId xmlns:p14="http://schemas.microsoft.com/office/powerpoint/2010/main" val="2641303187"/>
               </p:ext>
             </p:extLst>
           </p:nvPr>
         </p:nvGraphicFramePr>
         <p:xfrm>
-          <a:off x="1484313" y="2667000"/>
-          <a:ext cx="10018712" cy="3124200"/>
+          <a:off x="1259456" y="1682153"/>
+          <a:ext cx="10752526" cy="4511614"/>
         </p:xfrm>
         <a:graphic>
           <a:graphicData uri="http://schemas.openxmlformats.org/drawingml/2006/chart">

--- a/MusicTherapy.pptx
+++ b/MusicTherapy.pptx
@@ -7,16 +7,15 @@
   <p:sldIdLst>
     <p:sldId id="256" r:id="rId2"/>
     <p:sldId id="257" r:id="rId3"/>
-    <p:sldId id="258" r:id="rId4"/>
-    <p:sldId id="259" r:id="rId5"/>
-    <p:sldId id="260" r:id="rId6"/>
-    <p:sldId id="261" r:id="rId7"/>
-    <p:sldId id="262" r:id="rId8"/>
-    <p:sldId id="263" r:id="rId9"/>
-    <p:sldId id="264" r:id="rId10"/>
-    <p:sldId id="271" r:id="rId11"/>
-    <p:sldId id="265" r:id="rId12"/>
-    <p:sldId id="270" r:id="rId13"/>
+    <p:sldId id="260" r:id="rId4"/>
+    <p:sldId id="261" r:id="rId5"/>
+    <p:sldId id="262" r:id="rId6"/>
+    <p:sldId id="265" r:id="rId7"/>
+    <p:sldId id="271" r:id="rId8"/>
+    <p:sldId id="264" r:id="rId9"/>
+    <p:sldId id="272" r:id="rId10"/>
+    <p:sldId id="273" r:id="rId11"/>
+    <p:sldId id="270" r:id="rId12"/>
   </p:sldIdLst>
   <p:sldSz cx="12192000" cy="6858000"/>
   <p:notesSz cx="6858000" cy="9144000"/>
@@ -199,7 +198,17 @@
     </c:title>
     <c:autoTitleDeleted val="0"/>
     <c:plotArea>
-      <c:layout/>
+      <c:layout>
+        <c:manualLayout>
+          <c:layoutTarget val="inner"/>
+          <c:xMode val="edge"/>
+          <c:yMode val="edge"/>
+          <c:x val="3.361870503730937E-2"/>
+          <c:y val="0.12395674807286261"/>
+          <c:w val="0.95220788119926425"/>
+          <c:h val="0.72074007217816061"/>
+        </c:manualLayout>
+      </c:layout>
       <c:barChart>
         <c:barDir val="col"/>
         <c:grouping val="clustered"/>
@@ -3438,6 +3447,788 @@
     <dgm:fillClrLst meth="repeat">
       <a:schemeClr val="accent1">
         <a:tint val="60000"/>
+      </a:schemeClr>
+    </dgm:fillClrLst>
+    <dgm:linClrLst meth="repeat">
+      <a:schemeClr val="lt1"/>
+    </dgm:linClrLst>
+    <dgm:effectClrLst/>
+    <dgm:txLinClrLst/>
+    <dgm:txFillClrLst meth="repeat">
+      <a:schemeClr val="dk1"/>
+    </dgm:txFillClrLst>
+    <dgm:txEffectClrLst/>
+  </dgm:styleLbl>
+  <dgm:styleLbl name="revTx">
+    <dgm:fillClrLst meth="repeat">
+      <a:schemeClr val="lt1">
+        <a:alpha val="0"/>
+      </a:schemeClr>
+    </dgm:fillClrLst>
+    <dgm:linClrLst meth="repeat">
+      <a:schemeClr val="dk1">
+        <a:alpha val="0"/>
+      </a:schemeClr>
+    </dgm:linClrLst>
+    <dgm:effectClrLst/>
+    <dgm:txLinClrLst/>
+    <dgm:txFillClrLst meth="repeat">
+      <a:schemeClr val="tx1"/>
+    </dgm:txFillClrLst>
+    <dgm:txEffectClrLst/>
+  </dgm:styleLbl>
+</dgm:colorsDef>
+</file>
+
+<file path=ppt/diagrams/colors4.xml><?xml version="1.0" encoding="utf-8"?>
+<dgm:colorsDef xmlns:dgm="http://schemas.openxmlformats.org/drawingml/2006/diagram" xmlns:a="http://schemas.openxmlformats.org/drawingml/2006/main" uniqueId="urn:microsoft.com/office/officeart/2005/8/colors/colorful2">
+  <dgm:title val=""/>
+  <dgm:desc val=""/>
+  <dgm:catLst>
+    <dgm:cat type="colorful" pri="10200"/>
+  </dgm:catLst>
+  <dgm:styleLbl name="node0">
+    <dgm:fillClrLst meth="repeat">
+      <a:schemeClr val="accent1"/>
+    </dgm:fillClrLst>
+    <dgm:linClrLst meth="repeat">
+      <a:schemeClr val="lt1"/>
+    </dgm:linClrLst>
+    <dgm:effectClrLst/>
+    <dgm:txLinClrLst/>
+    <dgm:txFillClrLst/>
+    <dgm:txEffectClrLst/>
+  </dgm:styleLbl>
+  <dgm:styleLbl name="node1">
+    <dgm:fillClrLst>
+      <a:schemeClr val="accent2"/>
+      <a:schemeClr val="accent3"/>
+    </dgm:fillClrLst>
+    <dgm:linClrLst meth="repeat">
+      <a:schemeClr val="lt1"/>
+    </dgm:linClrLst>
+    <dgm:effectClrLst/>
+    <dgm:txLinClrLst/>
+    <dgm:txFillClrLst/>
+    <dgm:txEffectClrLst/>
+  </dgm:styleLbl>
+  <dgm:styleLbl name="alignNode1">
+    <dgm:fillClrLst>
+      <a:schemeClr val="accent2"/>
+      <a:schemeClr val="accent3"/>
+    </dgm:fillClrLst>
+    <dgm:linClrLst>
+      <a:schemeClr val="accent2"/>
+      <a:schemeClr val="accent3"/>
+    </dgm:linClrLst>
+    <dgm:effectClrLst/>
+    <dgm:txLinClrLst/>
+    <dgm:txFillClrLst/>
+    <dgm:txEffectClrLst/>
+  </dgm:styleLbl>
+  <dgm:styleLbl name="lnNode1">
+    <dgm:fillClrLst>
+      <a:schemeClr val="accent2"/>
+      <a:schemeClr val="accent3"/>
+    </dgm:fillClrLst>
+    <dgm:linClrLst meth="repeat">
+      <a:schemeClr val="lt1"/>
+    </dgm:linClrLst>
+    <dgm:effectClrLst/>
+    <dgm:txLinClrLst/>
+    <dgm:txFillClrLst/>
+    <dgm:txEffectClrLst/>
+  </dgm:styleLbl>
+  <dgm:styleLbl name="vennNode1">
+    <dgm:fillClrLst>
+      <a:schemeClr val="accent2">
+        <a:alpha val="50000"/>
+      </a:schemeClr>
+      <a:schemeClr val="accent3">
+        <a:alpha val="50000"/>
+      </a:schemeClr>
+    </dgm:fillClrLst>
+    <dgm:linClrLst meth="repeat">
+      <a:schemeClr val="lt1"/>
+    </dgm:linClrLst>
+    <dgm:effectClrLst/>
+    <dgm:txLinClrLst/>
+    <dgm:txFillClrLst/>
+    <dgm:txEffectClrLst/>
+  </dgm:styleLbl>
+  <dgm:styleLbl name="node2">
+    <dgm:fillClrLst>
+      <a:schemeClr val="accent3"/>
+    </dgm:fillClrLst>
+    <dgm:linClrLst meth="repeat">
+      <a:schemeClr val="lt1"/>
+    </dgm:linClrLst>
+    <dgm:effectClrLst/>
+    <dgm:txLinClrLst/>
+    <dgm:txFillClrLst/>
+    <dgm:txEffectClrLst/>
+  </dgm:styleLbl>
+  <dgm:styleLbl name="node3">
+    <dgm:fillClrLst>
+      <a:schemeClr val="accent4"/>
+    </dgm:fillClrLst>
+    <dgm:linClrLst meth="repeat">
+      <a:schemeClr val="lt1"/>
+    </dgm:linClrLst>
+    <dgm:effectClrLst/>
+    <dgm:txLinClrLst/>
+    <dgm:txFillClrLst/>
+    <dgm:txEffectClrLst/>
+  </dgm:styleLbl>
+  <dgm:styleLbl name="node4">
+    <dgm:fillClrLst>
+      <a:schemeClr val="accent5"/>
+    </dgm:fillClrLst>
+    <dgm:linClrLst meth="repeat">
+      <a:schemeClr val="lt1"/>
+    </dgm:linClrLst>
+    <dgm:effectClrLst/>
+    <dgm:txLinClrLst/>
+    <dgm:txFillClrLst/>
+    <dgm:txEffectClrLst/>
+  </dgm:styleLbl>
+  <dgm:styleLbl name="fgImgPlace1">
+    <dgm:fillClrLst>
+      <a:schemeClr val="accent2">
+        <a:tint val="50000"/>
+      </a:schemeClr>
+      <a:schemeClr val="accent3">
+        <a:tint val="50000"/>
+      </a:schemeClr>
+    </dgm:fillClrLst>
+    <dgm:linClrLst meth="repeat">
+      <a:schemeClr val="lt1"/>
+    </dgm:linClrLst>
+    <dgm:effectClrLst/>
+    <dgm:txLinClrLst/>
+    <dgm:txFillClrLst meth="repeat">
+      <a:schemeClr val="lt1"/>
+    </dgm:txFillClrLst>
+    <dgm:txEffectClrLst/>
+  </dgm:styleLbl>
+  <dgm:styleLbl name="alignImgPlace1">
+    <dgm:fillClrLst>
+      <a:schemeClr val="accent2">
+        <a:tint val="50000"/>
+      </a:schemeClr>
+      <a:schemeClr val="accent3">
+        <a:tint val="20000"/>
+      </a:schemeClr>
+    </dgm:fillClrLst>
+    <dgm:linClrLst meth="repeat">
+      <a:schemeClr val="lt1"/>
+    </dgm:linClrLst>
+    <dgm:effectClrLst/>
+    <dgm:txLinClrLst/>
+    <dgm:txFillClrLst meth="repeat">
+      <a:schemeClr val="lt1"/>
+    </dgm:txFillClrLst>
+    <dgm:txEffectClrLst/>
+  </dgm:styleLbl>
+  <dgm:styleLbl name="bgImgPlace1">
+    <dgm:fillClrLst>
+      <a:schemeClr val="accent2">
+        <a:tint val="50000"/>
+      </a:schemeClr>
+      <a:schemeClr val="accent3">
+        <a:tint val="20000"/>
+      </a:schemeClr>
+    </dgm:fillClrLst>
+    <dgm:linClrLst meth="repeat">
+      <a:schemeClr val="lt1"/>
+    </dgm:linClrLst>
+    <dgm:effectClrLst/>
+    <dgm:txLinClrLst/>
+    <dgm:txFillClrLst meth="repeat">
+      <a:schemeClr val="lt1"/>
+    </dgm:txFillClrLst>
+    <dgm:txEffectClrLst/>
+  </dgm:styleLbl>
+  <dgm:styleLbl name="sibTrans2D1">
+    <dgm:fillClrLst>
+      <a:schemeClr val="accent2"/>
+      <a:schemeClr val="accent3"/>
+    </dgm:fillClrLst>
+    <dgm:linClrLst meth="repeat">
+      <a:schemeClr val="lt1"/>
+    </dgm:linClrLst>
+    <dgm:effectClrLst/>
+    <dgm:txLinClrLst/>
+    <dgm:txFillClrLst/>
+    <dgm:txEffectClrLst/>
+  </dgm:styleLbl>
+  <dgm:styleLbl name="fgSibTrans2D1">
+    <dgm:fillClrLst>
+      <a:schemeClr val="accent2"/>
+      <a:schemeClr val="accent3"/>
+    </dgm:fillClrLst>
+    <dgm:linClrLst meth="repeat">
+      <a:schemeClr val="lt1"/>
+    </dgm:linClrLst>
+    <dgm:effectClrLst/>
+    <dgm:txLinClrLst/>
+    <dgm:txFillClrLst meth="repeat">
+      <a:schemeClr val="lt1"/>
+    </dgm:txFillClrLst>
+    <dgm:txEffectClrLst/>
+  </dgm:styleLbl>
+  <dgm:styleLbl name="bgSibTrans2D1">
+    <dgm:fillClrLst>
+      <a:schemeClr val="accent2"/>
+      <a:schemeClr val="accent3"/>
+    </dgm:fillClrLst>
+    <dgm:linClrLst meth="repeat">
+      <a:schemeClr val="lt1"/>
+    </dgm:linClrLst>
+    <dgm:effectClrLst/>
+    <dgm:txLinClrLst/>
+    <dgm:txFillClrLst meth="repeat">
+      <a:schemeClr val="lt1"/>
+    </dgm:txFillClrLst>
+    <dgm:txEffectClrLst/>
+  </dgm:styleLbl>
+  <dgm:styleLbl name="sibTrans1D1">
+    <dgm:fillClrLst/>
+    <dgm:linClrLst>
+      <a:schemeClr val="accent2"/>
+      <a:schemeClr val="accent3"/>
+    </dgm:linClrLst>
+    <dgm:effectClrLst/>
+    <dgm:txLinClrLst/>
+    <dgm:txFillClrLst meth="repeat">
+      <a:schemeClr val="tx1"/>
+    </dgm:txFillClrLst>
+    <dgm:txEffectClrLst/>
+  </dgm:styleLbl>
+  <dgm:styleLbl name="callout">
+    <dgm:fillClrLst meth="repeat">
+      <a:schemeClr val="accent2"/>
+    </dgm:fillClrLst>
+    <dgm:linClrLst meth="repeat">
+      <a:schemeClr val="accent2">
+        <a:tint val="50000"/>
+      </a:schemeClr>
+    </dgm:linClrLst>
+    <dgm:effectClrLst/>
+    <dgm:txLinClrLst/>
+    <dgm:txFillClrLst meth="repeat">
+      <a:schemeClr val="tx1"/>
+    </dgm:txFillClrLst>
+    <dgm:txEffectClrLst/>
+  </dgm:styleLbl>
+  <dgm:styleLbl name="asst0">
+    <dgm:fillClrLst meth="repeat">
+      <a:schemeClr val="accent2"/>
+    </dgm:fillClrLst>
+    <dgm:linClrLst meth="repeat">
+      <a:schemeClr val="lt1">
+        <a:shade val="80000"/>
+      </a:schemeClr>
+    </dgm:linClrLst>
+    <dgm:effectClrLst/>
+    <dgm:txLinClrLst/>
+    <dgm:txFillClrLst/>
+    <dgm:txEffectClrLst/>
+  </dgm:styleLbl>
+  <dgm:styleLbl name="asst1">
+    <dgm:fillClrLst meth="repeat">
+      <a:schemeClr val="accent3"/>
+    </dgm:fillClrLst>
+    <dgm:linClrLst meth="repeat">
+      <a:schemeClr val="lt1">
+        <a:shade val="80000"/>
+      </a:schemeClr>
+    </dgm:linClrLst>
+    <dgm:effectClrLst/>
+    <dgm:txLinClrLst/>
+    <dgm:txFillClrLst/>
+    <dgm:txEffectClrLst/>
+  </dgm:styleLbl>
+  <dgm:styleLbl name="asst2">
+    <dgm:fillClrLst>
+      <a:schemeClr val="accent4"/>
+    </dgm:fillClrLst>
+    <dgm:linClrLst meth="repeat">
+      <a:schemeClr val="lt1"/>
+    </dgm:linClrLst>
+    <dgm:effectClrLst/>
+    <dgm:txLinClrLst/>
+    <dgm:txFillClrLst/>
+    <dgm:txEffectClrLst/>
+  </dgm:styleLbl>
+  <dgm:styleLbl name="asst3">
+    <dgm:fillClrLst>
+      <a:schemeClr val="accent5"/>
+    </dgm:fillClrLst>
+    <dgm:linClrLst meth="repeat">
+      <a:schemeClr val="lt1"/>
+    </dgm:linClrLst>
+    <dgm:effectClrLst/>
+    <dgm:txLinClrLst/>
+    <dgm:txFillClrLst/>
+    <dgm:txEffectClrLst/>
+  </dgm:styleLbl>
+  <dgm:styleLbl name="asst4">
+    <dgm:fillClrLst>
+      <a:schemeClr val="accent6"/>
+    </dgm:fillClrLst>
+    <dgm:linClrLst meth="repeat">
+      <a:schemeClr val="lt1"/>
+    </dgm:linClrLst>
+    <dgm:effectClrLst/>
+    <dgm:txLinClrLst/>
+    <dgm:txFillClrLst/>
+    <dgm:txEffectClrLst/>
+  </dgm:styleLbl>
+  <dgm:styleLbl name="parChTrans2D1">
+    <dgm:fillClrLst meth="repeat">
+      <a:schemeClr val="accent2"/>
+    </dgm:fillClrLst>
+    <dgm:linClrLst meth="repeat">
+      <a:schemeClr val="lt1"/>
+    </dgm:linClrLst>
+    <dgm:effectClrLst/>
+    <dgm:txLinClrLst/>
+    <dgm:txFillClrLst meth="repeat">
+      <a:schemeClr val="lt1"/>
+    </dgm:txFillClrLst>
+    <dgm:txEffectClrLst/>
+  </dgm:styleLbl>
+  <dgm:styleLbl name="parChTrans2D2">
+    <dgm:fillClrLst meth="repeat">
+      <a:schemeClr val="accent3"/>
+    </dgm:fillClrLst>
+    <dgm:linClrLst meth="repeat">
+      <a:schemeClr val="lt1"/>
+    </dgm:linClrLst>
+    <dgm:effectClrLst/>
+    <dgm:txLinClrLst/>
+    <dgm:txFillClrLst/>
+    <dgm:txEffectClrLst/>
+  </dgm:styleLbl>
+  <dgm:styleLbl name="parChTrans2D3">
+    <dgm:fillClrLst meth="repeat">
+      <a:schemeClr val="accent4"/>
+    </dgm:fillClrLst>
+    <dgm:linClrLst meth="repeat">
+      <a:schemeClr val="lt1"/>
+    </dgm:linClrLst>
+    <dgm:effectClrLst/>
+    <dgm:txLinClrLst/>
+    <dgm:txFillClrLst/>
+    <dgm:txEffectClrLst/>
+  </dgm:styleLbl>
+  <dgm:styleLbl name="parChTrans2D4">
+    <dgm:fillClrLst meth="repeat">
+      <a:schemeClr val="accent5"/>
+    </dgm:fillClrLst>
+    <dgm:linClrLst meth="repeat">
+      <a:schemeClr val="lt1"/>
+    </dgm:linClrLst>
+    <dgm:effectClrLst/>
+    <dgm:txLinClrLst/>
+    <dgm:txFillClrLst meth="repeat">
+      <a:schemeClr val="lt1"/>
+    </dgm:txFillClrLst>
+    <dgm:txEffectClrLst/>
+  </dgm:styleLbl>
+  <dgm:styleLbl name="parChTrans1D1">
+    <dgm:fillClrLst meth="repeat">
+      <a:schemeClr val="accent2"/>
+    </dgm:fillClrLst>
+    <dgm:linClrLst meth="repeat">
+      <a:schemeClr val="accent2"/>
+    </dgm:linClrLst>
+    <dgm:effectClrLst/>
+    <dgm:txLinClrLst/>
+    <dgm:txFillClrLst meth="repeat">
+      <a:schemeClr val="tx1"/>
+    </dgm:txFillClrLst>
+    <dgm:txEffectClrLst/>
+  </dgm:styleLbl>
+  <dgm:styleLbl name="parChTrans1D2">
+    <dgm:fillClrLst meth="repeat">
+      <a:schemeClr val="accent2">
+        <a:tint val="90000"/>
+      </a:schemeClr>
+    </dgm:fillClrLst>
+    <dgm:linClrLst meth="repeat">
+      <a:schemeClr val="accent3"/>
+    </dgm:linClrLst>
+    <dgm:effectClrLst/>
+    <dgm:txLinClrLst/>
+    <dgm:txFillClrLst meth="repeat">
+      <a:schemeClr val="tx1"/>
+    </dgm:txFillClrLst>
+    <dgm:txEffectClrLst/>
+  </dgm:styleLbl>
+  <dgm:styleLbl name="parChTrans1D3">
+    <dgm:fillClrLst meth="repeat">
+      <a:schemeClr val="accent2">
+        <a:tint val="70000"/>
+      </a:schemeClr>
+    </dgm:fillClrLst>
+    <dgm:linClrLst meth="repeat">
+      <a:schemeClr val="accent4"/>
+    </dgm:linClrLst>
+    <dgm:effectClrLst/>
+    <dgm:txLinClrLst/>
+    <dgm:txFillClrLst meth="repeat">
+      <a:schemeClr val="tx1"/>
+    </dgm:txFillClrLst>
+    <dgm:txEffectClrLst/>
+  </dgm:styleLbl>
+  <dgm:styleLbl name="parChTrans1D4">
+    <dgm:fillClrLst meth="repeat">
+      <a:schemeClr val="accent2">
+        <a:tint val="50000"/>
+      </a:schemeClr>
+    </dgm:fillClrLst>
+    <dgm:linClrLst meth="repeat">
+      <a:schemeClr val="accent5"/>
+    </dgm:linClrLst>
+    <dgm:effectClrLst/>
+    <dgm:txLinClrLst/>
+    <dgm:txFillClrLst meth="repeat">
+      <a:schemeClr val="tx1"/>
+    </dgm:txFillClrLst>
+    <dgm:txEffectClrLst/>
+  </dgm:styleLbl>
+  <dgm:styleLbl name="fgAcc1">
+    <dgm:fillClrLst meth="repeat">
+      <a:schemeClr val="lt1">
+        <a:alpha val="90000"/>
+      </a:schemeClr>
+    </dgm:fillClrLst>
+    <dgm:linClrLst>
+      <a:schemeClr val="accent2"/>
+      <a:schemeClr val="accent3"/>
+    </dgm:linClrLst>
+    <dgm:effectClrLst/>
+    <dgm:txLinClrLst/>
+    <dgm:txFillClrLst meth="repeat">
+      <a:schemeClr val="dk1"/>
+    </dgm:txFillClrLst>
+    <dgm:txEffectClrLst/>
+  </dgm:styleLbl>
+  <dgm:styleLbl name="conFgAcc1">
+    <dgm:fillClrLst meth="repeat">
+      <a:schemeClr val="lt1">
+        <a:alpha val="90000"/>
+      </a:schemeClr>
+    </dgm:fillClrLst>
+    <dgm:linClrLst>
+      <a:schemeClr val="accent2"/>
+      <a:schemeClr val="accent3"/>
+    </dgm:linClrLst>
+    <dgm:effectClrLst/>
+    <dgm:txLinClrLst/>
+    <dgm:txFillClrLst meth="repeat">
+      <a:schemeClr val="dk1"/>
+    </dgm:txFillClrLst>
+    <dgm:txEffectClrLst/>
+  </dgm:styleLbl>
+  <dgm:styleLbl name="alignAcc1">
+    <dgm:fillClrLst meth="repeat">
+      <a:schemeClr val="lt1">
+        <a:alpha val="90000"/>
+      </a:schemeClr>
+    </dgm:fillClrLst>
+    <dgm:linClrLst>
+      <a:schemeClr val="accent2"/>
+      <a:schemeClr val="accent3"/>
+    </dgm:linClrLst>
+    <dgm:effectClrLst/>
+    <dgm:txLinClrLst/>
+    <dgm:txFillClrLst meth="repeat">
+      <a:schemeClr val="dk1"/>
+    </dgm:txFillClrLst>
+    <dgm:txEffectClrLst/>
+  </dgm:styleLbl>
+  <dgm:styleLbl name="trAlignAcc1">
+    <dgm:fillClrLst meth="repeat">
+      <a:schemeClr val="lt1">
+        <a:alpha val="40000"/>
+      </a:schemeClr>
+    </dgm:fillClrLst>
+    <dgm:linClrLst meth="repeat">
+      <a:schemeClr val="accent2"/>
+    </dgm:linClrLst>
+    <dgm:effectClrLst/>
+    <dgm:txLinClrLst/>
+    <dgm:txFillClrLst meth="repeat">
+      <a:schemeClr val="dk1"/>
+    </dgm:txFillClrLst>
+    <dgm:txEffectClrLst/>
+  </dgm:styleLbl>
+  <dgm:styleLbl name="bgAcc1">
+    <dgm:fillClrLst meth="repeat">
+      <a:schemeClr val="lt1">
+        <a:alpha val="90000"/>
+      </a:schemeClr>
+    </dgm:fillClrLst>
+    <dgm:linClrLst>
+      <a:schemeClr val="accent2"/>
+      <a:schemeClr val="accent3"/>
+    </dgm:linClrLst>
+    <dgm:effectClrLst/>
+    <dgm:txLinClrLst/>
+    <dgm:txFillClrLst meth="repeat">
+      <a:schemeClr val="dk1"/>
+    </dgm:txFillClrLst>
+    <dgm:txEffectClrLst/>
+  </dgm:styleLbl>
+  <dgm:styleLbl name="solidFgAcc1">
+    <dgm:fillClrLst meth="repeat">
+      <a:schemeClr val="lt1"/>
+    </dgm:fillClrLst>
+    <dgm:linClrLst>
+      <a:schemeClr val="accent2"/>
+      <a:schemeClr val="accent3"/>
+    </dgm:linClrLst>
+    <dgm:effectClrLst/>
+    <dgm:txLinClrLst/>
+    <dgm:txFillClrLst meth="repeat">
+      <a:schemeClr val="dk1"/>
+    </dgm:txFillClrLst>
+    <dgm:txEffectClrLst/>
+  </dgm:styleLbl>
+  <dgm:styleLbl name="solidAlignAcc1">
+    <dgm:fillClrLst meth="repeat">
+      <a:schemeClr val="lt1"/>
+    </dgm:fillClrLst>
+    <dgm:linClrLst>
+      <a:schemeClr val="accent2"/>
+      <a:schemeClr val="accent3"/>
+    </dgm:linClrLst>
+    <dgm:effectClrLst/>
+    <dgm:txLinClrLst/>
+    <dgm:txFillClrLst meth="repeat">
+      <a:schemeClr val="dk1"/>
+    </dgm:txFillClrLst>
+    <dgm:txEffectClrLst/>
+  </dgm:styleLbl>
+  <dgm:styleLbl name="solidBgAcc1">
+    <dgm:fillClrLst meth="repeat">
+      <a:schemeClr val="lt1"/>
+    </dgm:fillClrLst>
+    <dgm:linClrLst>
+      <a:schemeClr val="accent2"/>
+      <a:schemeClr val="accent3"/>
+    </dgm:linClrLst>
+    <dgm:effectClrLst/>
+    <dgm:txLinClrLst/>
+    <dgm:txFillClrLst meth="repeat">
+      <a:schemeClr val="dk1"/>
+    </dgm:txFillClrLst>
+    <dgm:txEffectClrLst/>
+  </dgm:styleLbl>
+  <dgm:styleLbl name="fgAccFollowNode1">
+    <dgm:fillClrLst>
+      <a:schemeClr val="accent2">
+        <a:tint val="40000"/>
+        <a:alpha val="90000"/>
+      </a:schemeClr>
+      <a:schemeClr val="accent3">
+        <a:tint val="40000"/>
+        <a:alpha val="90000"/>
+      </a:schemeClr>
+    </dgm:fillClrLst>
+    <dgm:linClrLst>
+      <a:schemeClr val="accent2">
+        <a:tint val="40000"/>
+        <a:alpha val="90000"/>
+      </a:schemeClr>
+      <a:schemeClr val="accent3">
+        <a:tint val="40000"/>
+        <a:alpha val="90000"/>
+      </a:schemeClr>
+    </dgm:linClrLst>
+    <dgm:effectClrLst/>
+    <dgm:txLinClrLst/>
+    <dgm:txFillClrLst meth="repeat">
+      <a:schemeClr val="dk1"/>
+    </dgm:txFillClrLst>
+    <dgm:txEffectClrLst/>
+  </dgm:styleLbl>
+  <dgm:styleLbl name="alignAccFollowNode1">
+    <dgm:fillClrLst>
+      <a:schemeClr val="accent2">
+        <a:tint val="40000"/>
+        <a:alpha val="90000"/>
+      </a:schemeClr>
+      <a:schemeClr val="accent3">
+        <a:tint val="40000"/>
+        <a:alpha val="90000"/>
+      </a:schemeClr>
+    </dgm:fillClrLst>
+    <dgm:linClrLst>
+      <a:schemeClr val="accent2">
+        <a:tint val="40000"/>
+        <a:alpha val="90000"/>
+      </a:schemeClr>
+      <a:schemeClr val="accent3">
+        <a:tint val="40000"/>
+        <a:alpha val="90000"/>
+      </a:schemeClr>
+    </dgm:linClrLst>
+    <dgm:effectClrLst/>
+    <dgm:txLinClrLst/>
+    <dgm:txFillClrLst meth="repeat">
+      <a:schemeClr val="dk1"/>
+    </dgm:txFillClrLst>
+    <dgm:txEffectClrLst/>
+  </dgm:styleLbl>
+  <dgm:styleLbl name="bgAccFollowNode1">
+    <dgm:fillClrLst>
+      <a:schemeClr val="accent2">
+        <a:tint val="40000"/>
+        <a:alpha val="90000"/>
+      </a:schemeClr>
+      <a:schemeClr val="accent3">
+        <a:tint val="40000"/>
+        <a:alpha val="90000"/>
+      </a:schemeClr>
+    </dgm:fillClrLst>
+    <dgm:linClrLst>
+      <a:schemeClr val="accent2">
+        <a:tint val="40000"/>
+        <a:alpha val="90000"/>
+      </a:schemeClr>
+      <a:schemeClr val="accent3">
+        <a:tint val="40000"/>
+        <a:alpha val="90000"/>
+      </a:schemeClr>
+    </dgm:linClrLst>
+    <dgm:effectClrLst/>
+    <dgm:txLinClrLst/>
+    <dgm:txFillClrLst meth="repeat">
+      <a:schemeClr val="dk1"/>
+    </dgm:txFillClrLst>
+    <dgm:txEffectClrLst/>
+  </dgm:styleLbl>
+  <dgm:styleLbl name="fgAcc0">
+    <dgm:fillClrLst meth="repeat">
+      <a:schemeClr val="lt1">
+        <a:alpha val="90000"/>
+      </a:schemeClr>
+    </dgm:fillClrLst>
+    <dgm:linClrLst>
+      <a:schemeClr val="accent1"/>
+    </dgm:linClrLst>
+    <dgm:effectClrLst/>
+    <dgm:txLinClrLst/>
+    <dgm:txFillClrLst meth="repeat">
+      <a:schemeClr val="dk1"/>
+    </dgm:txFillClrLst>
+    <dgm:txEffectClrLst/>
+  </dgm:styleLbl>
+  <dgm:styleLbl name="fgAcc2">
+    <dgm:fillClrLst meth="repeat">
+      <a:schemeClr val="lt1">
+        <a:alpha val="90000"/>
+      </a:schemeClr>
+    </dgm:fillClrLst>
+    <dgm:linClrLst>
+      <a:schemeClr val="accent3"/>
+    </dgm:linClrLst>
+    <dgm:effectClrLst/>
+    <dgm:txLinClrLst/>
+    <dgm:txFillClrLst meth="repeat">
+      <a:schemeClr val="dk1"/>
+    </dgm:txFillClrLst>
+    <dgm:txEffectClrLst/>
+  </dgm:styleLbl>
+  <dgm:styleLbl name="fgAcc3">
+    <dgm:fillClrLst meth="repeat">
+      <a:schemeClr val="lt1">
+        <a:alpha val="90000"/>
+      </a:schemeClr>
+    </dgm:fillClrLst>
+    <dgm:linClrLst>
+      <a:schemeClr val="accent4"/>
+    </dgm:linClrLst>
+    <dgm:effectClrLst/>
+    <dgm:txLinClrLst/>
+    <dgm:txFillClrLst meth="repeat">
+      <a:schemeClr val="dk1"/>
+    </dgm:txFillClrLst>
+    <dgm:txEffectClrLst/>
+  </dgm:styleLbl>
+  <dgm:styleLbl name="fgAcc4">
+    <dgm:fillClrLst meth="repeat">
+      <a:schemeClr val="lt1">
+        <a:alpha val="90000"/>
+      </a:schemeClr>
+    </dgm:fillClrLst>
+    <dgm:linClrLst>
+      <a:schemeClr val="accent5"/>
+    </dgm:linClrLst>
+    <dgm:effectClrLst/>
+    <dgm:txLinClrLst/>
+    <dgm:txFillClrLst meth="repeat">
+      <a:schemeClr val="dk1"/>
+    </dgm:txFillClrLst>
+    <dgm:txEffectClrLst/>
+  </dgm:styleLbl>
+  <dgm:styleLbl name="bgShp">
+    <dgm:fillClrLst meth="repeat">
+      <a:schemeClr val="accent2">
+        <a:tint val="40000"/>
+      </a:schemeClr>
+    </dgm:fillClrLst>
+    <dgm:linClrLst meth="repeat">
+      <a:schemeClr val="dk1"/>
+    </dgm:linClrLst>
+    <dgm:effectClrLst/>
+    <dgm:txLinClrLst/>
+    <dgm:txFillClrLst meth="repeat">
+      <a:schemeClr val="dk1"/>
+    </dgm:txFillClrLst>
+    <dgm:txEffectClrLst/>
+  </dgm:styleLbl>
+  <dgm:styleLbl name="dkBgShp">
+    <dgm:fillClrLst meth="repeat">
+      <a:schemeClr val="accent2">
+        <a:shade val="90000"/>
+      </a:schemeClr>
+    </dgm:fillClrLst>
+    <dgm:linClrLst meth="repeat">
+      <a:schemeClr val="dk1"/>
+    </dgm:linClrLst>
+    <dgm:effectClrLst/>
+    <dgm:txLinClrLst/>
+    <dgm:txFillClrLst meth="repeat">
+      <a:schemeClr val="lt1"/>
+    </dgm:txFillClrLst>
+    <dgm:txEffectClrLst/>
+  </dgm:styleLbl>
+  <dgm:styleLbl name="trBgShp">
+    <dgm:fillClrLst meth="repeat">
+      <a:schemeClr val="accent2">
+        <a:tint val="50000"/>
+        <a:alpha val="40000"/>
+      </a:schemeClr>
+    </dgm:fillClrLst>
+    <dgm:linClrLst meth="repeat">
+      <a:schemeClr val="accent2"/>
+    </dgm:linClrLst>
+    <dgm:effectClrLst/>
+    <dgm:txLinClrLst/>
+    <dgm:txFillClrLst meth="repeat">
+      <a:schemeClr val="lt1"/>
+    </dgm:txFillClrLst>
+    <dgm:txEffectClrLst/>
+  </dgm:styleLbl>
+  <dgm:styleLbl name="fgShp">
+    <dgm:fillClrLst meth="repeat">
+      <a:schemeClr val="accent2">
+        <a:tint val="40000"/>
       </a:schemeClr>
     </dgm:fillClrLst>
     <dgm:linClrLst meth="repeat">
@@ -4525,6 +5316,250 @@
   <dgm:extLst>
     <a:ext uri="http://schemas.microsoft.com/office/drawing/2008/diagram">
       <dsp:dataModelExt xmlns:dsp="http://schemas.microsoft.com/office/drawing/2008/diagram" relId="rId7" minVer="http://schemas.openxmlformats.org/drawingml/2006/diagram"/>
+    </a:ext>
+  </dgm:extLst>
+</dgm:dataModel>
+</file>
+
+<file path=ppt/diagrams/data4.xml><?xml version="1.0" encoding="utf-8"?>
+<dgm:dataModel xmlns:dgm="http://schemas.openxmlformats.org/drawingml/2006/diagram" xmlns:a="http://schemas.openxmlformats.org/drawingml/2006/main">
+  <dgm:ptLst>
+    <dgm:pt modelId="{BDAAD4B4-9625-4686-8BBB-F11ED2290382}" type="doc">
+      <dgm:prSet loTypeId="urn:microsoft.com/office/officeart/2005/8/layout/hierarchy1" loCatId="hierarchy" qsTypeId="urn:microsoft.com/office/officeart/2005/8/quickstyle/simple1" qsCatId="simple" csTypeId="urn:microsoft.com/office/officeart/2005/8/colors/colorful2" csCatId="colorful"/>
+      <dgm:spPr/>
+      <dgm:t>
+        <a:bodyPr/>
+        <a:lstStyle/>
+        <a:p>
+          <a:endParaRPr lang="en-US"/>
+        </a:p>
+      </dgm:t>
+    </dgm:pt>
+    <dgm:pt modelId="{DB54694D-B18B-4B1F-8225-BADDB998A0A3}">
+      <dgm:prSet/>
+      <dgm:spPr/>
+      <dgm:t>
+        <a:bodyPr/>
+        <a:lstStyle/>
+        <a:p>
+          <a:r>
+            <a:rPr lang="en-GB"/>
+            <a:t>6 of these studies found improvement in mood, quality of life as well as depression in participants</a:t>
+          </a:r>
+          <a:endParaRPr lang="en-US"/>
+        </a:p>
+      </dgm:t>
+    </dgm:pt>
+    <dgm:pt modelId="{ECD6259D-3BBE-4BEC-A3B0-9DE5A54426DB}" type="parTrans" cxnId="{836D1F24-F9D7-42AF-B8B8-3A0619182229}">
+      <dgm:prSet/>
+      <dgm:spPr/>
+      <dgm:t>
+        <a:bodyPr/>
+        <a:lstStyle/>
+        <a:p>
+          <a:endParaRPr lang="en-US"/>
+        </a:p>
+      </dgm:t>
+    </dgm:pt>
+    <dgm:pt modelId="{9EA2ACDE-E4A4-4043-B941-4FC13E53BA3F}" type="sibTrans" cxnId="{836D1F24-F9D7-42AF-B8B8-3A0619182229}">
+      <dgm:prSet/>
+      <dgm:spPr/>
+      <dgm:t>
+        <a:bodyPr/>
+        <a:lstStyle/>
+        <a:p>
+          <a:endParaRPr lang="en-US"/>
+        </a:p>
+      </dgm:t>
+    </dgm:pt>
+    <dgm:pt modelId="{540F4A57-F043-4765-AA69-00F9F74BE436}">
+      <dgm:prSet/>
+      <dgm:spPr/>
+      <dgm:t>
+        <a:bodyPr/>
+        <a:lstStyle/>
+        <a:p>
+          <a:r>
+            <a:rPr lang="en-GB"/>
+            <a:t>5 showed improvement in cognitive function or delayed the deterioration</a:t>
+          </a:r>
+          <a:endParaRPr lang="en-US"/>
+        </a:p>
+      </dgm:t>
+    </dgm:pt>
+    <dgm:pt modelId="{23677A97-648A-460F-B648-B298A5DFB636}" type="parTrans" cxnId="{997AE33E-59A7-41DB-9198-3F7A777AFEE9}">
+      <dgm:prSet/>
+      <dgm:spPr/>
+      <dgm:t>
+        <a:bodyPr/>
+        <a:lstStyle/>
+        <a:p>
+          <a:endParaRPr lang="en-US"/>
+        </a:p>
+      </dgm:t>
+    </dgm:pt>
+    <dgm:pt modelId="{DCF7CB4A-3CB0-4130-940D-59E2CC12D821}" type="sibTrans" cxnId="{997AE33E-59A7-41DB-9198-3F7A777AFEE9}">
+      <dgm:prSet/>
+      <dgm:spPr/>
+      <dgm:t>
+        <a:bodyPr/>
+        <a:lstStyle/>
+        <a:p>
+          <a:endParaRPr lang="en-US"/>
+        </a:p>
+      </dgm:t>
+    </dgm:pt>
+    <dgm:pt modelId="{8AF77ABB-2373-436C-9725-32E44E6CE7EA}">
+      <dgm:prSet/>
+      <dgm:spPr/>
+      <dgm:t>
+        <a:bodyPr/>
+        <a:lstStyle/>
+        <a:p>
+          <a:r>
+            <a:rPr lang="en-GB"/>
+            <a:t>Only one study using singing as intervention showed no significant differences to the control group</a:t>
+          </a:r>
+          <a:endParaRPr lang="en-US"/>
+        </a:p>
+      </dgm:t>
+    </dgm:pt>
+    <dgm:pt modelId="{036C3F25-F251-40D0-B7F6-82324C68F6BC}" type="parTrans" cxnId="{61396AFD-E2C2-4AAA-864F-1882E86125CC}">
+      <dgm:prSet/>
+      <dgm:spPr/>
+      <dgm:t>
+        <a:bodyPr/>
+        <a:lstStyle/>
+        <a:p>
+          <a:endParaRPr lang="en-US"/>
+        </a:p>
+      </dgm:t>
+    </dgm:pt>
+    <dgm:pt modelId="{99D3E83B-B116-4DE9-B6DE-EEEAE9104B86}" type="sibTrans" cxnId="{61396AFD-E2C2-4AAA-864F-1882E86125CC}">
+      <dgm:prSet/>
+      <dgm:spPr/>
+      <dgm:t>
+        <a:bodyPr/>
+        <a:lstStyle/>
+        <a:p>
+          <a:endParaRPr lang="en-US"/>
+        </a:p>
+      </dgm:t>
+    </dgm:pt>
+    <dgm:pt modelId="{80061F9D-F647-4DB8-B683-F97D2D6DA4BA}" type="pres">
+      <dgm:prSet presAssocID="{BDAAD4B4-9625-4686-8BBB-F11ED2290382}" presName="hierChild1" presStyleCnt="0">
+        <dgm:presLayoutVars>
+          <dgm:chPref val="1"/>
+          <dgm:dir/>
+          <dgm:animOne val="branch"/>
+          <dgm:animLvl val="lvl"/>
+          <dgm:resizeHandles/>
+        </dgm:presLayoutVars>
+      </dgm:prSet>
+      <dgm:spPr/>
+    </dgm:pt>
+    <dgm:pt modelId="{D208CC98-7D83-458C-9217-30B3375D9CF1}" type="pres">
+      <dgm:prSet presAssocID="{DB54694D-B18B-4B1F-8225-BADDB998A0A3}" presName="hierRoot1" presStyleCnt="0"/>
+      <dgm:spPr/>
+    </dgm:pt>
+    <dgm:pt modelId="{3278F739-EA22-4148-8B79-C7F608336D6B}" type="pres">
+      <dgm:prSet presAssocID="{DB54694D-B18B-4B1F-8225-BADDB998A0A3}" presName="composite" presStyleCnt="0"/>
+      <dgm:spPr/>
+    </dgm:pt>
+    <dgm:pt modelId="{D1A1F90A-3D77-4037-A6E9-C68AD7801D9B}" type="pres">
+      <dgm:prSet presAssocID="{DB54694D-B18B-4B1F-8225-BADDB998A0A3}" presName="background" presStyleLbl="node0" presStyleIdx="0" presStyleCnt="3"/>
+      <dgm:spPr/>
+    </dgm:pt>
+    <dgm:pt modelId="{483F0805-60DD-4E70-A337-B758E5135DC5}" type="pres">
+      <dgm:prSet presAssocID="{DB54694D-B18B-4B1F-8225-BADDB998A0A3}" presName="text" presStyleLbl="fgAcc0" presStyleIdx="0" presStyleCnt="3">
+        <dgm:presLayoutVars>
+          <dgm:chPref val="3"/>
+        </dgm:presLayoutVars>
+      </dgm:prSet>
+      <dgm:spPr/>
+    </dgm:pt>
+    <dgm:pt modelId="{C75EC090-C2EC-4B73-A1AA-78F9D778B5BB}" type="pres">
+      <dgm:prSet presAssocID="{DB54694D-B18B-4B1F-8225-BADDB998A0A3}" presName="hierChild2" presStyleCnt="0"/>
+      <dgm:spPr/>
+    </dgm:pt>
+    <dgm:pt modelId="{29ED3D92-ACA4-4560-9212-3BECF106A66A}" type="pres">
+      <dgm:prSet presAssocID="{540F4A57-F043-4765-AA69-00F9F74BE436}" presName="hierRoot1" presStyleCnt="0"/>
+      <dgm:spPr/>
+    </dgm:pt>
+    <dgm:pt modelId="{9BC7F1FD-3964-4CF7-B7AC-D16EEE6D49C5}" type="pres">
+      <dgm:prSet presAssocID="{540F4A57-F043-4765-AA69-00F9F74BE436}" presName="composite" presStyleCnt="0"/>
+      <dgm:spPr/>
+    </dgm:pt>
+    <dgm:pt modelId="{AC272D62-8E37-4A74-92E8-19BCE81111E1}" type="pres">
+      <dgm:prSet presAssocID="{540F4A57-F043-4765-AA69-00F9F74BE436}" presName="background" presStyleLbl="node0" presStyleIdx="1" presStyleCnt="3"/>
+      <dgm:spPr/>
+    </dgm:pt>
+    <dgm:pt modelId="{19E12575-291F-448A-B98C-61FF40034457}" type="pres">
+      <dgm:prSet presAssocID="{540F4A57-F043-4765-AA69-00F9F74BE436}" presName="text" presStyleLbl="fgAcc0" presStyleIdx="1" presStyleCnt="3">
+        <dgm:presLayoutVars>
+          <dgm:chPref val="3"/>
+        </dgm:presLayoutVars>
+      </dgm:prSet>
+      <dgm:spPr/>
+    </dgm:pt>
+    <dgm:pt modelId="{DE9E5852-361C-448A-A7AE-F0B184EC906B}" type="pres">
+      <dgm:prSet presAssocID="{540F4A57-F043-4765-AA69-00F9F74BE436}" presName="hierChild2" presStyleCnt="0"/>
+      <dgm:spPr/>
+    </dgm:pt>
+    <dgm:pt modelId="{0923120F-9AA8-4B50-A98B-E0DA9521FC7F}" type="pres">
+      <dgm:prSet presAssocID="{8AF77ABB-2373-436C-9725-32E44E6CE7EA}" presName="hierRoot1" presStyleCnt="0"/>
+      <dgm:spPr/>
+    </dgm:pt>
+    <dgm:pt modelId="{8B8E5244-D4EA-4445-96D3-6361D71FB9DB}" type="pres">
+      <dgm:prSet presAssocID="{8AF77ABB-2373-436C-9725-32E44E6CE7EA}" presName="composite" presStyleCnt="0"/>
+      <dgm:spPr/>
+    </dgm:pt>
+    <dgm:pt modelId="{B63F720D-F72B-4141-AFCD-0A7FEDF0E940}" type="pres">
+      <dgm:prSet presAssocID="{8AF77ABB-2373-436C-9725-32E44E6CE7EA}" presName="background" presStyleLbl="node0" presStyleIdx="2" presStyleCnt="3"/>
+      <dgm:spPr/>
+    </dgm:pt>
+    <dgm:pt modelId="{307ABDA6-E07D-4401-A307-1A05CD7651D5}" type="pres">
+      <dgm:prSet presAssocID="{8AF77ABB-2373-436C-9725-32E44E6CE7EA}" presName="text" presStyleLbl="fgAcc0" presStyleIdx="2" presStyleCnt="3">
+        <dgm:presLayoutVars>
+          <dgm:chPref val="3"/>
+        </dgm:presLayoutVars>
+      </dgm:prSet>
+      <dgm:spPr/>
+    </dgm:pt>
+    <dgm:pt modelId="{1BEEE11E-BFCD-440F-BFC4-9BB16661A85E}" type="pres">
+      <dgm:prSet presAssocID="{8AF77ABB-2373-436C-9725-32E44E6CE7EA}" presName="hierChild2" presStyleCnt="0"/>
+      <dgm:spPr/>
+    </dgm:pt>
+  </dgm:ptLst>
+  <dgm:cxnLst>
+    <dgm:cxn modelId="{CB606A0F-F227-4D84-B65F-CDD32F8E25B9}" type="presOf" srcId="{8AF77ABB-2373-436C-9725-32E44E6CE7EA}" destId="{307ABDA6-E07D-4401-A307-1A05CD7651D5}" srcOrd="0" destOrd="0" presId="urn:microsoft.com/office/officeart/2005/8/layout/hierarchy1"/>
+    <dgm:cxn modelId="{836D1F24-F9D7-42AF-B8B8-3A0619182229}" srcId="{BDAAD4B4-9625-4686-8BBB-F11ED2290382}" destId="{DB54694D-B18B-4B1F-8225-BADDB998A0A3}" srcOrd="0" destOrd="0" parTransId="{ECD6259D-3BBE-4BEC-A3B0-9DE5A54426DB}" sibTransId="{9EA2ACDE-E4A4-4043-B941-4FC13E53BA3F}"/>
+    <dgm:cxn modelId="{997AE33E-59A7-41DB-9198-3F7A777AFEE9}" srcId="{BDAAD4B4-9625-4686-8BBB-F11ED2290382}" destId="{540F4A57-F043-4765-AA69-00F9F74BE436}" srcOrd="1" destOrd="0" parTransId="{23677A97-648A-460F-B648-B298A5DFB636}" sibTransId="{DCF7CB4A-3CB0-4130-940D-59E2CC12D821}"/>
+    <dgm:cxn modelId="{5133F292-1464-46AF-8218-23A8318CDF72}" type="presOf" srcId="{BDAAD4B4-9625-4686-8BBB-F11ED2290382}" destId="{80061F9D-F647-4DB8-B683-F97D2D6DA4BA}" srcOrd="0" destOrd="0" presId="urn:microsoft.com/office/officeart/2005/8/layout/hierarchy1"/>
+    <dgm:cxn modelId="{5B2B1ABE-CC08-4A23-B359-2293B20D7930}" type="presOf" srcId="{540F4A57-F043-4765-AA69-00F9F74BE436}" destId="{19E12575-291F-448A-B98C-61FF40034457}" srcOrd="0" destOrd="0" presId="urn:microsoft.com/office/officeart/2005/8/layout/hierarchy1"/>
+    <dgm:cxn modelId="{34BD1FF6-55C7-4E0B-9DFD-10585EA2920E}" type="presOf" srcId="{DB54694D-B18B-4B1F-8225-BADDB998A0A3}" destId="{483F0805-60DD-4E70-A337-B758E5135DC5}" srcOrd="0" destOrd="0" presId="urn:microsoft.com/office/officeart/2005/8/layout/hierarchy1"/>
+    <dgm:cxn modelId="{61396AFD-E2C2-4AAA-864F-1882E86125CC}" srcId="{BDAAD4B4-9625-4686-8BBB-F11ED2290382}" destId="{8AF77ABB-2373-436C-9725-32E44E6CE7EA}" srcOrd="2" destOrd="0" parTransId="{036C3F25-F251-40D0-B7F6-82324C68F6BC}" sibTransId="{99D3E83B-B116-4DE9-B6DE-EEEAE9104B86}"/>
+    <dgm:cxn modelId="{9C9D41D4-570B-4FB9-9BCA-7DDDEF4300AD}" type="presParOf" srcId="{80061F9D-F647-4DB8-B683-F97D2D6DA4BA}" destId="{D208CC98-7D83-458C-9217-30B3375D9CF1}" srcOrd="0" destOrd="0" presId="urn:microsoft.com/office/officeart/2005/8/layout/hierarchy1"/>
+    <dgm:cxn modelId="{D5CF4E90-350F-41DF-A40C-544FF072BA37}" type="presParOf" srcId="{D208CC98-7D83-458C-9217-30B3375D9CF1}" destId="{3278F739-EA22-4148-8B79-C7F608336D6B}" srcOrd="0" destOrd="0" presId="urn:microsoft.com/office/officeart/2005/8/layout/hierarchy1"/>
+    <dgm:cxn modelId="{33D3B26B-3D25-413C-950B-8EAB062EA076}" type="presParOf" srcId="{3278F739-EA22-4148-8B79-C7F608336D6B}" destId="{D1A1F90A-3D77-4037-A6E9-C68AD7801D9B}" srcOrd="0" destOrd="0" presId="urn:microsoft.com/office/officeart/2005/8/layout/hierarchy1"/>
+    <dgm:cxn modelId="{4E80C061-C4A1-4DA2-BD9C-5DBB16717FEB}" type="presParOf" srcId="{3278F739-EA22-4148-8B79-C7F608336D6B}" destId="{483F0805-60DD-4E70-A337-B758E5135DC5}" srcOrd="1" destOrd="0" presId="urn:microsoft.com/office/officeart/2005/8/layout/hierarchy1"/>
+    <dgm:cxn modelId="{6B071F6C-06A3-4AEA-9493-A44695C6D557}" type="presParOf" srcId="{D208CC98-7D83-458C-9217-30B3375D9CF1}" destId="{C75EC090-C2EC-4B73-A1AA-78F9D778B5BB}" srcOrd="1" destOrd="0" presId="urn:microsoft.com/office/officeart/2005/8/layout/hierarchy1"/>
+    <dgm:cxn modelId="{D5261665-3D74-4769-9D38-0090C40448E4}" type="presParOf" srcId="{80061F9D-F647-4DB8-B683-F97D2D6DA4BA}" destId="{29ED3D92-ACA4-4560-9212-3BECF106A66A}" srcOrd="1" destOrd="0" presId="urn:microsoft.com/office/officeart/2005/8/layout/hierarchy1"/>
+    <dgm:cxn modelId="{F5AEA201-9DF6-42B2-BDB7-9E72424461ED}" type="presParOf" srcId="{29ED3D92-ACA4-4560-9212-3BECF106A66A}" destId="{9BC7F1FD-3964-4CF7-B7AC-D16EEE6D49C5}" srcOrd="0" destOrd="0" presId="urn:microsoft.com/office/officeart/2005/8/layout/hierarchy1"/>
+    <dgm:cxn modelId="{062C3E58-BDF6-4FFE-83A8-BBD04987AB71}" type="presParOf" srcId="{9BC7F1FD-3964-4CF7-B7AC-D16EEE6D49C5}" destId="{AC272D62-8E37-4A74-92E8-19BCE81111E1}" srcOrd="0" destOrd="0" presId="urn:microsoft.com/office/officeart/2005/8/layout/hierarchy1"/>
+    <dgm:cxn modelId="{1D3C578E-BB47-4B0D-969E-67ECE1F0A261}" type="presParOf" srcId="{9BC7F1FD-3964-4CF7-B7AC-D16EEE6D49C5}" destId="{19E12575-291F-448A-B98C-61FF40034457}" srcOrd="1" destOrd="0" presId="urn:microsoft.com/office/officeart/2005/8/layout/hierarchy1"/>
+    <dgm:cxn modelId="{B7354F3F-AAAE-4CB9-B78B-12326BF1D0A3}" type="presParOf" srcId="{29ED3D92-ACA4-4560-9212-3BECF106A66A}" destId="{DE9E5852-361C-448A-A7AE-F0B184EC906B}" srcOrd="1" destOrd="0" presId="urn:microsoft.com/office/officeart/2005/8/layout/hierarchy1"/>
+    <dgm:cxn modelId="{266102F9-5966-4D95-BE8A-05DC6BF5ABEE}" type="presParOf" srcId="{80061F9D-F647-4DB8-B683-F97D2D6DA4BA}" destId="{0923120F-9AA8-4B50-A98B-E0DA9521FC7F}" srcOrd="2" destOrd="0" presId="urn:microsoft.com/office/officeart/2005/8/layout/hierarchy1"/>
+    <dgm:cxn modelId="{2AC4CE58-A90E-47BD-BACC-8EE27F3A5D4F}" type="presParOf" srcId="{0923120F-9AA8-4B50-A98B-E0DA9521FC7F}" destId="{8B8E5244-D4EA-4445-96D3-6361D71FB9DB}" srcOrd="0" destOrd="0" presId="urn:microsoft.com/office/officeart/2005/8/layout/hierarchy1"/>
+    <dgm:cxn modelId="{A8751145-DAE8-4ACE-B416-AC3FE55B776D}" type="presParOf" srcId="{8B8E5244-D4EA-4445-96D3-6361D71FB9DB}" destId="{B63F720D-F72B-4141-AFCD-0A7FEDF0E940}" srcOrd="0" destOrd="0" presId="urn:microsoft.com/office/officeart/2005/8/layout/hierarchy1"/>
+    <dgm:cxn modelId="{E82B0840-ECF1-4EB3-9958-38EC5BF6161C}" type="presParOf" srcId="{8B8E5244-D4EA-4445-96D3-6361D71FB9DB}" destId="{307ABDA6-E07D-4401-A307-1A05CD7651D5}" srcOrd="1" destOrd="0" presId="urn:microsoft.com/office/officeart/2005/8/layout/hierarchy1"/>
+    <dgm:cxn modelId="{08CAA467-B8AA-42CA-BDC9-37E2C13C3908}" type="presParOf" srcId="{0923120F-9AA8-4B50-A98B-E0DA9521FC7F}" destId="{1BEEE11E-BFCD-440F-BFC4-9BB16661A85E}" srcOrd="1" destOrd="0" presId="urn:microsoft.com/office/officeart/2005/8/layout/hierarchy1"/>
+  </dgm:cxnLst>
+  <dgm:bg/>
+  <dgm:whole/>
+  <dgm:extLst>
+    <a:ext uri="http://schemas.microsoft.com/office/drawing/2008/diagram">
+      <dsp:dataModelExt xmlns:dsp="http://schemas.microsoft.com/office/drawing/2008/diagram" relId="rId6" minVer="http://schemas.openxmlformats.org/drawingml/2006/diagram"/>
     </a:ext>
   </dgm:extLst>
 </dgm:dataModel>
@@ -6250,6 +7285,408 @@
       <dsp:txXfrm>
         <a:off x="40780" y="2081050"/>
         <a:ext cx="5700170" cy="753819"/>
+      </dsp:txXfrm>
+    </dsp:sp>
+  </dsp:spTree>
+</dsp:drawing>
+</file>
+
+<file path=ppt/diagrams/drawing4.xml><?xml version="1.0" encoding="utf-8"?>
+<dsp:drawing xmlns:dgm="http://schemas.openxmlformats.org/drawingml/2006/diagram" xmlns:dsp="http://schemas.microsoft.com/office/drawing/2008/diagram" xmlns:a="http://schemas.openxmlformats.org/drawingml/2006/main">
+  <dsp:spTree>
+    <dsp:nvGrpSpPr>
+      <dsp:cNvPr id="0" name=""/>
+      <dsp:cNvGrpSpPr/>
+    </dsp:nvGrpSpPr>
+    <dsp:grpSpPr/>
+    <dsp:sp modelId="{D1A1F90A-3D77-4037-A6E9-C68AD7801D9B}">
+      <dsp:nvSpPr>
+        <dsp:cNvPr id="0" name=""/>
+        <dsp:cNvSpPr/>
+      </dsp:nvSpPr>
+      <dsp:spPr>
+        <a:xfrm>
+          <a:off x="0" y="533747"/>
+          <a:ext cx="2740027" cy="1739917"/>
+        </a:xfrm>
+        <a:prstGeom prst="roundRect">
+          <a:avLst>
+            <a:gd name="adj" fmla="val 10000"/>
+          </a:avLst>
+        </a:prstGeom>
+        <a:solidFill>
+          <a:schemeClr val="accent1">
+            <a:hueOff val="0"/>
+            <a:satOff val="0"/>
+            <a:lumOff val="0"/>
+            <a:alphaOff val="0"/>
+          </a:schemeClr>
+        </a:solidFill>
+        <a:ln w="15875" cap="rnd" cmpd="sng" algn="ctr">
+          <a:solidFill>
+            <a:schemeClr val="lt1">
+              <a:hueOff val="0"/>
+              <a:satOff val="0"/>
+              <a:lumOff val="0"/>
+              <a:alphaOff val="0"/>
+            </a:schemeClr>
+          </a:solidFill>
+          <a:prstDash val="solid"/>
+        </a:ln>
+        <a:effectLst/>
+      </dsp:spPr>
+      <dsp:style>
+        <a:lnRef idx="2">
+          <a:scrgbClr r="0" g="0" b="0"/>
+        </a:lnRef>
+        <a:fillRef idx="1">
+          <a:scrgbClr r="0" g="0" b="0"/>
+        </a:fillRef>
+        <a:effectRef idx="0">
+          <a:scrgbClr r="0" g="0" b="0"/>
+        </a:effectRef>
+        <a:fontRef idx="minor">
+          <a:schemeClr val="lt1"/>
+        </a:fontRef>
+      </dsp:style>
+    </dsp:sp>
+    <dsp:sp modelId="{483F0805-60DD-4E70-A337-B758E5135DC5}">
+      <dsp:nvSpPr>
+        <dsp:cNvPr id="0" name=""/>
+        <dsp:cNvSpPr/>
+      </dsp:nvSpPr>
+      <dsp:spPr>
+        <a:xfrm>
+          <a:off x="304447" y="822972"/>
+          <a:ext cx="2740027" cy="1739917"/>
+        </a:xfrm>
+        <a:prstGeom prst="roundRect">
+          <a:avLst>
+            <a:gd name="adj" fmla="val 10000"/>
+          </a:avLst>
+        </a:prstGeom>
+        <a:solidFill>
+          <a:schemeClr val="lt1">
+            <a:alpha val="90000"/>
+            <a:hueOff val="0"/>
+            <a:satOff val="0"/>
+            <a:lumOff val="0"/>
+            <a:alphaOff val="0"/>
+          </a:schemeClr>
+        </a:solidFill>
+        <a:ln w="15875" cap="rnd" cmpd="sng" algn="ctr">
+          <a:solidFill>
+            <a:schemeClr val="accent1">
+              <a:hueOff val="0"/>
+              <a:satOff val="0"/>
+              <a:lumOff val="0"/>
+              <a:alphaOff val="0"/>
+            </a:schemeClr>
+          </a:solidFill>
+          <a:prstDash val="solid"/>
+        </a:ln>
+        <a:effectLst/>
+      </dsp:spPr>
+      <dsp:style>
+        <a:lnRef idx="2">
+          <a:scrgbClr r="0" g="0" b="0"/>
+        </a:lnRef>
+        <a:fillRef idx="1">
+          <a:scrgbClr r="0" g="0" b="0"/>
+        </a:fillRef>
+        <a:effectRef idx="0">
+          <a:scrgbClr r="0" g="0" b="0"/>
+        </a:effectRef>
+        <a:fontRef idx="minor"/>
+      </dsp:style>
+      <dsp:txBody>
+        <a:bodyPr spcFirstLastPara="0" vert="horz" wrap="square" lIns="76200" tIns="76200" rIns="76200" bIns="76200" numCol="1" spcCol="1270" anchor="ctr" anchorCtr="0">
+          <a:noAutofit/>
+        </a:bodyPr>
+        <a:lstStyle/>
+        <a:p>
+          <a:pPr marL="0" lvl="0" indent="0" algn="ctr" defTabSz="889000">
+            <a:lnSpc>
+              <a:spcPct val="90000"/>
+            </a:lnSpc>
+            <a:spcBef>
+              <a:spcPct val="0"/>
+            </a:spcBef>
+            <a:spcAft>
+              <a:spcPct val="35000"/>
+            </a:spcAft>
+            <a:buNone/>
+          </a:pPr>
+          <a:r>
+            <a:rPr lang="en-GB" sz="2000" kern="1200"/>
+            <a:t>6 of these studies found improvement in mood, quality of life as well as depression in participants</a:t>
+          </a:r>
+          <a:endParaRPr lang="en-US" sz="2000" kern="1200"/>
+        </a:p>
+      </dsp:txBody>
+      <dsp:txXfrm>
+        <a:off x="355407" y="873932"/>
+        <a:ext cx="2638107" cy="1637997"/>
+      </dsp:txXfrm>
+    </dsp:sp>
+    <dsp:sp modelId="{AC272D62-8E37-4A74-92E8-19BCE81111E1}">
+      <dsp:nvSpPr>
+        <dsp:cNvPr id="0" name=""/>
+        <dsp:cNvSpPr/>
+      </dsp:nvSpPr>
+      <dsp:spPr>
+        <a:xfrm>
+          <a:off x="3348922" y="533747"/>
+          <a:ext cx="2740027" cy="1739917"/>
+        </a:xfrm>
+        <a:prstGeom prst="roundRect">
+          <a:avLst>
+            <a:gd name="adj" fmla="val 10000"/>
+          </a:avLst>
+        </a:prstGeom>
+        <a:solidFill>
+          <a:schemeClr val="accent1">
+            <a:hueOff val="0"/>
+            <a:satOff val="0"/>
+            <a:lumOff val="0"/>
+            <a:alphaOff val="0"/>
+          </a:schemeClr>
+        </a:solidFill>
+        <a:ln w="15875" cap="rnd" cmpd="sng" algn="ctr">
+          <a:solidFill>
+            <a:schemeClr val="lt1">
+              <a:hueOff val="0"/>
+              <a:satOff val="0"/>
+              <a:lumOff val="0"/>
+              <a:alphaOff val="0"/>
+            </a:schemeClr>
+          </a:solidFill>
+          <a:prstDash val="solid"/>
+        </a:ln>
+        <a:effectLst/>
+      </dsp:spPr>
+      <dsp:style>
+        <a:lnRef idx="2">
+          <a:scrgbClr r="0" g="0" b="0"/>
+        </a:lnRef>
+        <a:fillRef idx="1">
+          <a:scrgbClr r="0" g="0" b="0"/>
+        </a:fillRef>
+        <a:effectRef idx="0">
+          <a:scrgbClr r="0" g="0" b="0"/>
+        </a:effectRef>
+        <a:fontRef idx="minor">
+          <a:schemeClr val="lt1"/>
+        </a:fontRef>
+      </dsp:style>
+    </dsp:sp>
+    <dsp:sp modelId="{19E12575-291F-448A-B98C-61FF40034457}">
+      <dsp:nvSpPr>
+        <dsp:cNvPr id="0" name=""/>
+        <dsp:cNvSpPr/>
+      </dsp:nvSpPr>
+      <dsp:spPr>
+        <a:xfrm>
+          <a:off x="3653369" y="822972"/>
+          <a:ext cx="2740027" cy="1739917"/>
+        </a:xfrm>
+        <a:prstGeom prst="roundRect">
+          <a:avLst>
+            <a:gd name="adj" fmla="val 10000"/>
+          </a:avLst>
+        </a:prstGeom>
+        <a:solidFill>
+          <a:schemeClr val="lt1">
+            <a:alpha val="90000"/>
+            <a:hueOff val="0"/>
+            <a:satOff val="0"/>
+            <a:lumOff val="0"/>
+            <a:alphaOff val="0"/>
+          </a:schemeClr>
+        </a:solidFill>
+        <a:ln w="15875" cap="rnd" cmpd="sng" algn="ctr">
+          <a:solidFill>
+            <a:schemeClr val="accent1">
+              <a:hueOff val="0"/>
+              <a:satOff val="0"/>
+              <a:lumOff val="0"/>
+              <a:alphaOff val="0"/>
+            </a:schemeClr>
+          </a:solidFill>
+          <a:prstDash val="solid"/>
+        </a:ln>
+        <a:effectLst/>
+      </dsp:spPr>
+      <dsp:style>
+        <a:lnRef idx="2">
+          <a:scrgbClr r="0" g="0" b="0"/>
+        </a:lnRef>
+        <a:fillRef idx="1">
+          <a:scrgbClr r="0" g="0" b="0"/>
+        </a:fillRef>
+        <a:effectRef idx="0">
+          <a:scrgbClr r="0" g="0" b="0"/>
+        </a:effectRef>
+        <a:fontRef idx="minor"/>
+      </dsp:style>
+      <dsp:txBody>
+        <a:bodyPr spcFirstLastPara="0" vert="horz" wrap="square" lIns="76200" tIns="76200" rIns="76200" bIns="76200" numCol="1" spcCol="1270" anchor="ctr" anchorCtr="0">
+          <a:noAutofit/>
+        </a:bodyPr>
+        <a:lstStyle/>
+        <a:p>
+          <a:pPr marL="0" lvl="0" indent="0" algn="ctr" defTabSz="889000">
+            <a:lnSpc>
+              <a:spcPct val="90000"/>
+            </a:lnSpc>
+            <a:spcBef>
+              <a:spcPct val="0"/>
+            </a:spcBef>
+            <a:spcAft>
+              <a:spcPct val="35000"/>
+            </a:spcAft>
+            <a:buNone/>
+          </a:pPr>
+          <a:r>
+            <a:rPr lang="en-GB" sz="2000" kern="1200"/>
+            <a:t>5 showed improvement in cognitive function or delayed the deterioration</a:t>
+          </a:r>
+          <a:endParaRPr lang="en-US" sz="2000" kern="1200"/>
+        </a:p>
+      </dsp:txBody>
+      <dsp:txXfrm>
+        <a:off x="3704329" y="873932"/>
+        <a:ext cx="2638107" cy="1637997"/>
+      </dsp:txXfrm>
+    </dsp:sp>
+    <dsp:sp modelId="{B63F720D-F72B-4141-AFCD-0A7FEDF0E940}">
+      <dsp:nvSpPr>
+        <dsp:cNvPr id="0" name=""/>
+        <dsp:cNvSpPr/>
+      </dsp:nvSpPr>
+      <dsp:spPr>
+        <a:xfrm>
+          <a:off x="6697844" y="533747"/>
+          <a:ext cx="2740027" cy="1739917"/>
+        </a:xfrm>
+        <a:prstGeom prst="roundRect">
+          <a:avLst>
+            <a:gd name="adj" fmla="val 10000"/>
+          </a:avLst>
+        </a:prstGeom>
+        <a:solidFill>
+          <a:schemeClr val="accent1">
+            <a:hueOff val="0"/>
+            <a:satOff val="0"/>
+            <a:lumOff val="0"/>
+            <a:alphaOff val="0"/>
+          </a:schemeClr>
+        </a:solidFill>
+        <a:ln w="15875" cap="rnd" cmpd="sng" algn="ctr">
+          <a:solidFill>
+            <a:schemeClr val="lt1">
+              <a:hueOff val="0"/>
+              <a:satOff val="0"/>
+              <a:lumOff val="0"/>
+              <a:alphaOff val="0"/>
+            </a:schemeClr>
+          </a:solidFill>
+          <a:prstDash val="solid"/>
+        </a:ln>
+        <a:effectLst/>
+      </dsp:spPr>
+      <dsp:style>
+        <a:lnRef idx="2">
+          <a:scrgbClr r="0" g="0" b="0"/>
+        </a:lnRef>
+        <a:fillRef idx="1">
+          <a:scrgbClr r="0" g="0" b="0"/>
+        </a:fillRef>
+        <a:effectRef idx="0">
+          <a:scrgbClr r="0" g="0" b="0"/>
+        </a:effectRef>
+        <a:fontRef idx="minor">
+          <a:schemeClr val="lt1"/>
+        </a:fontRef>
+      </dsp:style>
+    </dsp:sp>
+    <dsp:sp modelId="{307ABDA6-E07D-4401-A307-1A05CD7651D5}">
+      <dsp:nvSpPr>
+        <dsp:cNvPr id="0" name=""/>
+        <dsp:cNvSpPr/>
+      </dsp:nvSpPr>
+      <dsp:spPr>
+        <a:xfrm>
+          <a:off x="7002291" y="822972"/>
+          <a:ext cx="2740027" cy="1739917"/>
+        </a:xfrm>
+        <a:prstGeom prst="roundRect">
+          <a:avLst>
+            <a:gd name="adj" fmla="val 10000"/>
+          </a:avLst>
+        </a:prstGeom>
+        <a:solidFill>
+          <a:schemeClr val="lt1">
+            <a:alpha val="90000"/>
+            <a:hueOff val="0"/>
+            <a:satOff val="0"/>
+            <a:lumOff val="0"/>
+            <a:alphaOff val="0"/>
+          </a:schemeClr>
+        </a:solidFill>
+        <a:ln w="15875" cap="rnd" cmpd="sng" algn="ctr">
+          <a:solidFill>
+            <a:schemeClr val="accent1">
+              <a:hueOff val="0"/>
+              <a:satOff val="0"/>
+              <a:lumOff val="0"/>
+              <a:alphaOff val="0"/>
+            </a:schemeClr>
+          </a:solidFill>
+          <a:prstDash val="solid"/>
+        </a:ln>
+        <a:effectLst/>
+      </dsp:spPr>
+      <dsp:style>
+        <a:lnRef idx="2">
+          <a:scrgbClr r="0" g="0" b="0"/>
+        </a:lnRef>
+        <a:fillRef idx="1">
+          <a:scrgbClr r="0" g="0" b="0"/>
+        </a:fillRef>
+        <a:effectRef idx="0">
+          <a:scrgbClr r="0" g="0" b="0"/>
+        </a:effectRef>
+        <a:fontRef idx="minor"/>
+      </dsp:style>
+      <dsp:txBody>
+        <a:bodyPr spcFirstLastPara="0" vert="horz" wrap="square" lIns="76200" tIns="76200" rIns="76200" bIns="76200" numCol="1" spcCol="1270" anchor="ctr" anchorCtr="0">
+          <a:noAutofit/>
+        </a:bodyPr>
+        <a:lstStyle/>
+        <a:p>
+          <a:pPr marL="0" lvl="0" indent="0" algn="ctr" defTabSz="889000">
+            <a:lnSpc>
+              <a:spcPct val="90000"/>
+            </a:lnSpc>
+            <a:spcBef>
+              <a:spcPct val="0"/>
+            </a:spcBef>
+            <a:spcAft>
+              <a:spcPct val="35000"/>
+            </a:spcAft>
+            <a:buNone/>
+          </a:pPr>
+          <a:r>
+            <a:rPr lang="en-GB" sz="2000" kern="1200"/>
+            <a:t>Only one study using singing as intervention showed no significant differences to the control group</a:t>
+          </a:r>
+          <a:endParaRPr lang="en-US" sz="2000" kern="1200"/>
+        </a:p>
+      </dsp:txBody>
+      <dsp:txXfrm>
+        <a:off x="7053251" y="873932"/>
+        <a:ext cx="2638107" cy="1637997"/>
       </dsp:txXfrm>
     </dsp:sp>
   </dsp:spTree>
@@ -8115,6 +9552,569 @@
 </dgm:layoutDef>
 </file>
 
+<file path=ppt/diagrams/layout4.xml><?xml version="1.0" encoding="utf-8"?>
+<dgm:layoutDef xmlns:dgm="http://schemas.openxmlformats.org/drawingml/2006/diagram" xmlns:a="http://schemas.openxmlformats.org/drawingml/2006/main" uniqueId="urn:microsoft.com/office/officeart/2005/8/layout/hierarchy1">
+  <dgm:title val=""/>
+  <dgm:desc val=""/>
+  <dgm:catLst>
+    <dgm:cat type="hierarchy" pri="2000"/>
+  </dgm:catLst>
+  <dgm:sampData>
+    <dgm:dataModel>
+      <dgm:ptLst>
+        <dgm:pt modelId="0" type="doc"/>
+        <dgm:pt modelId="1">
+          <dgm:prSet phldr="1"/>
+        </dgm:pt>
+        <dgm:pt modelId="2">
+          <dgm:prSet phldr="1"/>
+        </dgm:pt>
+        <dgm:pt modelId="21">
+          <dgm:prSet phldr="1"/>
+        </dgm:pt>
+        <dgm:pt modelId="22">
+          <dgm:prSet phldr="1"/>
+        </dgm:pt>
+        <dgm:pt modelId="3">
+          <dgm:prSet phldr="1"/>
+        </dgm:pt>
+        <dgm:pt modelId="31">
+          <dgm:prSet phldr="1"/>
+        </dgm:pt>
+      </dgm:ptLst>
+      <dgm:cxnLst>
+        <dgm:cxn modelId="4" srcId="0" destId="1" srcOrd="0" destOrd="0"/>
+        <dgm:cxn modelId="5" srcId="1" destId="2" srcOrd="0" destOrd="0"/>
+        <dgm:cxn modelId="6" srcId="1" destId="3" srcOrd="1" destOrd="0"/>
+        <dgm:cxn modelId="23" srcId="2" destId="21" srcOrd="0" destOrd="0"/>
+        <dgm:cxn modelId="24" srcId="2" destId="22" srcOrd="1" destOrd="0"/>
+        <dgm:cxn modelId="33" srcId="3" destId="31" srcOrd="0" destOrd="0"/>
+      </dgm:cxnLst>
+      <dgm:bg/>
+      <dgm:whole/>
+    </dgm:dataModel>
+  </dgm:sampData>
+  <dgm:styleData>
+    <dgm:dataModel>
+      <dgm:ptLst>
+        <dgm:pt modelId="0" type="doc"/>
+        <dgm:pt modelId="1"/>
+        <dgm:pt modelId="11"/>
+        <dgm:pt modelId="12"/>
+      </dgm:ptLst>
+      <dgm:cxnLst>
+        <dgm:cxn modelId="2" srcId="0" destId="1" srcOrd="0" destOrd="0"/>
+        <dgm:cxn modelId="13" srcId="1" destId="11" srcOrd="0" destOrd="0"/>
+        <dgm:cxn modelId="14" srcId="1" destId="12" srcOrd="1" destOrd="0"/>
+      </dgm:cxnLst>
+      <dgm:bg/>
+      <dgm:whole/>
+    </dgm:dataModel>
+  </dgm:styleData>
+  <dgm:clrData>
+    <dgm:dataModel>
+      <dgm:ptLst>
+        <dgm:pt modelId="0" type="doc"/>
+        <dgm:pt modelId="1"/>
+        <dgm:pt modelId="2"/>
+        <dgm:pt modelId="21"/>
+        <dgm:pt modelId="211"/>
+        <dgm:pt modelId="3"/>
+        <dgm:pt modelId="31"/>
+        <dgm:pt modelId="311"/>
+      </dgm:ptLst>
+      <dgm:cxnLst>
+        <dgm:cxn modelId="4" srcId="0" destId="1" srcOrd="0" destOrd="0"/>
+        <dgm:cxn modelId="5" srcId="1" destId="2" srcOrd="0" destOrd="0"/>
+        <dgm:cxn modelId="6" srcId="1" destId="3" srcOrd="1" destOrd="0"/>
+        <dgm:cxn modelId="23" srcId="2" destId="21" srcOrd="0" destOrd="0"/>
+        <dgm:cxn modelId="24" srcId="21" destId="211" srcOrd="0" destOrd="0"/>
+        <dgm:cxn modelId="33" srcId="3" destId="31" srcOrd="0" destOrd="0"/>
+        <dgm:cxn modelId="34" srcId="31" destId="311" srcOrd="0" destOrd="0"/>
+      </dgm:cxnLst>
+      <dgm:bg/>
+      <dgm:whole/>
+    </dgm:dataModel>
+  </dgm:clrData>
+  <dgm:layoutNode name="hierChild1">
+    <dgm:varLst>
+      <dgm:chPref val="1"/>
+      <dgm:dir/>
+      <dgm:animOne val="branch"/>
+      <dgm:animLvl val="lvl"/>
+      <dgm:resizeHandles/>
+    </dgm:varLst>
+    <dgm:choose name="Name0">
+      <dgm:if name="Name1" func="var" arg="dir" op="equ" val="norm">
+        <dgm:alg type="hierChild">
+          <dgm:param type="linDir" val="fromL"/>
+        </dgm:alg>
+      </dgm:if>
+      <dgm:else name="Name2">
+        <dgm:alg type="hierChild">
+          <dgm:param type="linDir" val="fromR"/>
+        </dgm:alg>
+      </dgm:else>
+    </dgm:choose>
+    <dgm:shape xmlns:r="http://schemas.openxmlformats.org/officeDocument/2006/relationships" r:blip="">
+      <dgm:adjLst/>
+    </dgm:shape>
+    <dgm:presOf/>
+    <dgm:constrLst>
+      <dgm:constr type="primFontSz" for="des" ptType="node" op="equ" val="65"/>
+      <dgm:constr type="w" for="des" forName="composite" refType="w"/>
+      <dgm:constr type="h" for="des" forName="composite" refType="w" refFor="des" refForName="composite" fact="0.667"/>
+      <dgm:constr type="w" for="des" forName="composite2" refType="w" refFor="des" refForName="composite"/>
+      <dgm:constr type="h" for="des" forName="composite2" refType="h" refFor="des" refForName="composite"/>
+      <dgm:constr type="w" for="des" forName="composite3" refType="w" refFor="des" refForName="composite"/>
+      <dgm:constr type="h" for="des" forName="composite3" refType="h" refFor="des" refForName="composite"/>
+      <dgm:constr type="w" for="des" forName="composite4" refType="w" refFor="des" refForName="composite"/>
+      <dgm:constr type="h" for="des" forName="composite4" refType="h" refFor="des" refForName="composite"/>
+      <dgm:constr type="w" for="des" forName="composite5" refType="w" refFor="des" refForName="composite"/>
+      <dgm:constr type="h" for="des" forName="composite5" refType="h" refFor="des" refForName="composite"/>
+      <dgm:constr type="sibSp" refType="w" refFor="des" refForName="composite" fact="0.1"/>
+      <dgm:constr type="sibSp" for="des" forName="hierChild2" refType="sibSp"/>
+      <dgm:constr type="sibSp" for="des" forName="hierChild3" refType="sibSp"/>
+      <dgm:constr type="sibSp" for="des" forName="hierChild4" refType="sibSp"/>
+      <dgm:constr type="sibSp" for="des" forName="hierChild5" refType="sibSp"/>
+      <dgm:constr type="sibSp" for="des" forName="hierChild6" refType="sibSp"/>
+      <dgm:constr type="sp" for="des" forName="hierRoot1" refType="h" refFor="des" refForName="composite" fact="0.25"/>
+      <dgm:constr type="sp" for="des" forName="hierRoot2" refType="sp" refFor="des" refForName="hierRoot1"/>
+      <dgm:constr type="sp" for="des" forName="hierRoot3" refType="sp" refFor="des" refForName="hierRoot1"/>
+      <dgm:constr type="sp" for="des" forName="hierRoot4" refType="sp" refFor="des" refForName="hierRoot1"/>
+      <dgm:constr type="sp" for="des" forName="hierRoot5" refType="sp" refFor="des" refForName="hierRoot1"/>
+    </dgm:constrLst>
+    <dgm:ruleLst/>
+    <dgm:forEach name="Name3" axis="ch">
+      <dgm:forEach name="Name4" axis="self" ptType="node">
+        <dgm:layoutNode name="hierRoot1">
+          <dgm:alg type="hierRoot"/>
+          <dgm:shape xmlns:r="http://schemas.openxmlformats.org/officeDocument/2006/relationships" r:blip="">
+            <dgm:adjLst/>
+          </dgm:shape>
+          <dgm:presOf/>
+          <dgm:constrLst>
+            <dgm:constr type="bendDist" for="des" ptType="parTrans" refType="sp" fact="0.5"/>
+          </dgm:constrLst>
+          <dgm:ruleLst/>
+          <dgm:layoutNode name="composite">
+            <dgm:alg type="composite"/>
+            <dgm:shape xmlns:r="http://schemas.openxmlformats.org/officeDocument/2006/relationships" r:blip="">
+              <dgm:adjLst/>
+            </dgm:shape>
+            <dgm:presOf/>
+            <dgm:constrLst>
+              <dgm:constr type="w" for="ch" forName="background" refType="w" fact="0.9"/>
+              <dgm:constr type="h" for="ch" forName="background" refType="w" refFor="ch" refForName="background" fact="0.635"/>
+              <dgm:constr type="t" for="ch" forName="background"/>
+              <dgm:constr type="l" for="ch" forName="background"/>
+              <dgm:constr type="w" for="ch" forName="text" refType="w" fact="0.9"/>
+              <dgm:constr type="h" for="ch" forName="text" refType="w" refFor="ch" refForName="text" fact="0.635"/>
+              <dgm:constr type="t" for="ch" forName="text" refType="w" fact="0.095"/>
+              <dgm:constr type="l" for="ch" forName="text" refType="w" fact="0.1"/>
+            </dgm:constrLst>
+            <dgm:ruleLst/>
+            <dgm:layoutNode name="background" styleLbl="node0" moveWith="text">
+              <dgm:alg type="sp"/>
+              <dgm:shape xmlns:r="http://schemas.openxmlformats.org/officeDocument/2006/relationships" type="roundRect" r:blip="">
+                <dgm:adjLst>
+                  <dgm:adj idx="1" val="0.1"/>
+                </dgm:adjLst>
+              </dgm:shape>
+              <dgm:presOf/>
+              <dgm:constrLst/>
+              <dgm:ruleLst/>
+            </dgm:layoutNode>
+            <dgm:layoutNode name="text" styleLbl="fgAcc0">
+              <dgm:varLst>
+                <dgm:chPref val="3"/>
+              </dgm:varLst>
+              <dgm:alg type="tx"/>
+              <dgm:shape xmlns:r="http://schemas.openxmlformats.org/officeDocument/2006/relationships" type="roundRect" r:blip="">
+                <dgm:adjLst>
+                  <dgm:adj idx="1" val="0.1"/>
+                </dgm:adjLst>
+              </dgm:shape>
+              <dgm:presOf axis="self"/>
+              <dgm:constrLst>
+                <dgm:constr type="tMarg" refType="primFontSz" fact="0.3"/>
+                <dgm:constr type="bMarg" refType="primFontSz" fact="0.3"/>
+                <dgm:constr type="lMarg" refType="primFontSz" fact="0.3"/>
+                <dgm:constr type="rMarg" refType="primFontSz" fact="0.3"/>
+              </dgm:constrLst>
+              <dgm:ruleLst>
+                <dgm:rule type="primFontSz" val="5" fact="NaN" max="NaN"/>
+              </dgm:ruleLst>
+            </dgm:layoutNode>
+          </dgm:layoutNode>
+          <dgm:layoutNode name="hierChild2">
+            <dgm:choose name="Name5">
+              <dgm:if name="Name6" func="var" arg="dir" op="equ" val="norm">
+                <dgm:alg type="hierChild">
+                  <dgm:param type="linDir" val="fromL"/>
+                </dgm:alg>
+              </dgm:if>
+              <dgm:else name="Name7">
+                <dgm:alg type="hierChild">
+                  <dgm:param type="linDir" val="fromR"/>
+                </dgm:alg>
+              </dgm:else>
+            </dgm:choose>
+            <dgm:shape xmlns:r="http://schemas.openxmlformats.org/officeDocument/2006/relationships" r:blip="">
+              <dgm:adjLst/>
+            </dgm:shape>
+            <dgm:presOf/>
+            <dgm:constrLst/>
+            <dgm:ruleLst/>
+            <dgm:forEach name="Name8" axis="ch">
+              <dgm:forEach name="Name9" axis="self" ptType="parTrans" cnt="1">
+                <dgm:layoutNode name="Name10">
+                  <dgm:alg type="conn">
+                    <dgm:param type="dim" val="1D"/>
+                    <dgm:param type="endSty" val="noArr"/>
+                    <dgm:param type="connRout" val="bend"/>
+                    <dgm:param type="bendPt" val="end"/>
+                    <dgm:param type="begPts" val="bCtr"/>
+                    <dgm:param type="endPts" val="tCtr"/>
+                    <dgm:param type="srcNode" val="background"/>
+                    <dgm:param type="dstNode" val="background2"/>
+                  </dgm:alg>
+                  <dgm:shape xmlns:r="http://schemas.openxmlformats.org/officeDocument/2006/relationships" type="conn" r:blip="" zOrderOff="-999">
+                    <dgm:adjLst/>
+                  </dgm:shape>
+                  <dgm:presOf axis="self"/>
+                  <dgm:constrLst>
+                    <dgm:constr type="begPad"/>
+                    <dgm:constr type="endPad"/>
+                  </dgm:constrLst>
+                  <dgm:ruleLst/>
+                </dgm:layoutNode>
+              </dgm:forEach>
+              <dgm:forEach name="Name11" axis="self" ptType="node">
+                <dgm:layoutNode name="hierRoot2">
+                  <dgm:alg type="hierRoot"/>
+                  <dgm:shape xmlns:r="http://schemas.openxmlformats.org/officeDocument/2006/relationships" r:blip="">
+                    <dgm:adjLst/>
+                  </dgm:shape>
+                  <dgm:presOf/>
+                  <dgm:constrLst>
+                    <dgm:constr type="bendDist" for="des" ptType="parTrans" refType="sp" fact="0.5"/>
+                  </dgm:constrLst>
+                  <dgm:ruleLst/>
+                  <dgm:layoutNode name="composite2">
+                    <dgm:alg type="composite"/>
+                    <dgm:shape xmlns:r="http://schemas.openxmlformats.org/officeDocument/2006/relationships" r:blip="">
+                      <dgm:adjLst/>
+                    </dgm:shape>
+                    <dgm:presOf/>
+                    <dgm:constrLst>
+                      <dgm:constr type="w" for="ch" forName="background2" refType="w" fact="0.9"/>
+                      <dgm:constr type="h" for="ch" forName="background2" refType="w" refFor="ch" refForName="background2" fact="0.635"/>
+                      <dgm:constr type="t" for="ch" forName="background2"/>
+                      <dgm:constr type="l" for="ch" forName="background2"/>
+                      <dgm:constr type="w" for="ch" forName="text2" refType="w" fact="0.9"/>
+                      <dgm:constr type="h" for="ch" forName="text2" refType="w" refFor="ch" refForName="text2" fact="0.635"/>
+                      <dgm:constr type="t" for="ch" forName="text2" refType="w" fact="0.095"/>
+                      <dgm:constr type="l" for="ch" forName="text2" refType="w" fact="0.1"/>
+                    </dgm:constrLst>
+                    <dgm:ruleLst/>
+                    <dgm:layoutNode name="background2" moveWith="text2">
+                      <dgm:alg type="sp"/>
+                      <dgm:shape xmlns:r="http://schemas.openxmlformats.org/officeDocument/2006/relationships" type="roundRect" r:blip="">
+                        <dgm:adjLst>
+                          <dgm:adj idx="1" val="0.1"/>
+                        </dgm:adjLst>
+                      </dgm:shape>
+                      <dgm:presOf/>
+                      <dgm:constrLst/>
+                      <dgm:ruleLst/>
+                    </dgm:layoutNode>
+                    <dgm:layoutNode name="text2" styleLbl="fgAcc2">
+                      <dgm:varLst>
+                        <dgm:chPref val="3"/>
+                      </dgm:varLst>
+                      <dgm:alg type="tx"/>
+                      <dgm:shape xmlns:r="http://schemas.openxmlformats.org/officeDocument/2006/relationships" type="roundRect" r:blip="">
+                        <dgm:adjLst>
+                          <dgm:adj idx="1" val="0.1"/>
+                        </dgm:adjLst>
+                      </dgm:shape>
+                      <dgm:presOf axis="self"/>
+                      <dgm:constrLst>
+                        <dgm:constr type="tMarg" refType="primFontSz" fact="0.3"/>
+                        <dgm:constr type="bMarg" refType="primFontSz" fact="0.3"/>
+                        <dgm:constr type="lMarg" refType="primFontSz" fact="0.3"/>
+                        <dgm:constr type="rMarg" refType="primFontSz" fact="0.3"/>
+                      </dgm:constrLst>
+                      <dgm:ruleLst>
+                        <dgm:rule type="primFontSz" val="5" fact="NaN" max="NaN"/>
+                      </dgm:ruleLst>
+                    </dgm:layoutNode>
+                  </dgm:layoutNode>
+                  <dgm:layoutNode name="hierChild3">
+                    <dgm:choose name="Name12">
+                      <dgm:if name="Name13" func="var" arg="dir" op="equ" val="norm">
+                        <dgm:alg type="hierChild">
+                          <dgm:param type="linDir" val="fromL"/>
+                        </dgm:alg>
+                      </dgm:if>
+                      <dgm:else name="Name14">
+                        <dgm:alg type="hierChild">
+                          <dgm:param type="linDir" val="fromR"/>
+                        </dgm:alg>
+                      </dgm:else>
+                    </dgm:choose>
+                    <dgm:shape xmlns:r="http://schemas.openxmlformats.org/officeDocument/2006/relationships" r:blip="">
+                      <dgm:adjLst/>
+                    </dgm:shape>
+                    <dgm:presOf/>
+                    <dgm:constrLst/>
+                    <dgm:ruleLst/>
+                    <dgm:forEach name="Name15" axis="ch">
+                      <dgm:forEach name="Name16" axis="self" ptType="parTrans" cnt="1">
+                        <dgm:layoutNode name="Name17">
+                          <dgm:alg type="conn">
+                            <dgm:param type="dim" val="1D"/>
+                            <dgm:param type="endSty" val="noArr"/>
+                            <dgm:param type="connRout" val="bend"/>
+                            <dgm:param type="bendPt" val="end"/>
+                            <dgm:param type="begPts" val="bCtr"/>
+                            <dgm:param type="endPts" val="tCtr"/>
+                            <dgm:param type="srcNode" val="background2"/>
+                            <dgm:param type="dstNode" val="background3"/>
+                          </dgm:alg>
+                          <dgm:shape xmlns:r="http://schemas.openxmlformats.org/officeDocument/2006/relationships" type="conn" r:blip="" zOrderOff="-999">
+                            <dgm:adjLst/>
+                          </dgm:shape>
+                          <dgm:presOf axis="self"/>
+                          <dgm:constrLst>
+                            <dgm:constr type="begPad"/>
+                            <dgm:constr type="endPad"/>
+                          </dgm:constrLst>
+                          <dgm:ruleLst/>
+                        </dgm:layoutNode>
+                      </dgm:forEach>
+                      <dgm:forEach name="Name18" axis="self" ptType="node">
+                        <dgm:layoutNode name="hierRoot3">
+                          <dgm:alg type="hierRoot"/>
+                          <dgm:shape xmlns:r="http://schemas.openxmlformats.org/officeDocument/2006/relationships" r:blip="">
+                            <dgm:adjLst/>
+                          </dgm:shape>
+                          <dgm:presOf/>
+                          <dgm:constrLst>
+                            <dgm:constr type="bendDist" for="des" ptType="parTrans" refType="sp" fact="0.5"/>
+                          </dgm:constrLst>
+                          <dgm:ruleLst/>
+                          <dgm:layoutNode name="composite3">
+                            <dgm:alg type="composite"/>
+                            <dgm:shape xmlns:r="http://schemas.openxmlformats.org/officeDocument/2006/relationships" r:blip="">
+                              <dgm:adjLst/>
+                            </dgm:shape>
+                            <dgm:presOf/>
+                            <dgm:constrLst>
+                              <dgm:constr type="w" for="ch" forName="background3" refType="w" fact="0.9"/>
+                              <dgm:constr type="h" for="ch" forName="background3" refType="w" refFor="ch" refForName="background3" fact="0.635"/>
+                              <dgm:constr type="t" for="ch" forName="background3"/>
+                              <dgm:constr type="l" for="ch" forName="background3"/>
+                              <dgm:constr type="w" for="ch" forName="text3" refType="w" fact="0.9"/>
+                              <dgm:constr type="h" for="ch" forName="text3" refType="w" refFor="ch" refForName="text3" fact="0.635"/>
+                              <dgm:constr type="t" for="ch" forName="text3" refType="w" fact="0.095"/>
+                              <dgm:constr type="l" for="ch" forName="text3" refType="w" fact="0.1"/>
+                            </dgm:constrLst>
+                            <dgm:ruleLst/>
+                            <dgm:layoutNode name="background3" moveWith="text3">
+                              <dgm:alg type="sp"/>
+                              <dgm:shape xmlns:r="http://schemas.openxmlformats.org/officeDocument/2006/relationships" type="roundRect" r:blip="">
+                                <dgm:adjLst>
+                                  <dgm:adj idx="1" val="0.1"/>
+                                </dgm:adjLst>
+                              </dgm:shape>
+                              <dgm:presOf/>
+                              <dgm:constrLst/>
+                              <dgm:ruleLst/>
+                            </dgm:layoutNode>
+                            <dgm:layoutNode name="text3" styleLbl="fgAcc3">
+                              <dgm:varLst>
+                                <dgm:chPref val="3"/>
+                              </dgm:varLst>
+                              <dgm:alg type="tx"/>
+                              <dgm:shape xmlns:r="http://schemas.openxmlformats.org/officeDocument/2006/relationships" type="roundRect" r:blip="">
+                                <dgm:adjLst>
+                                  <dgm:adj idx="1" val="0.1"/>
+                                </dgm:adjLst>
+                              </dgm:shape>
+                              <dgm:presOf axis="self"/>
+                              <dgm:constrLst>
+                                <dgm:constr type="tMarg" refType="primFontSz" fact="0.3"/>
+                                <dgm:constr type="bMarg" refType="primFontSz" fact="0.3"/>
+                                <dgm:constr type="lMarg" refType="primFontSz" fact="0.3"/>
+                                <dgm:constr type="rMarg" refType="primFontSz" fact="0.3"/>
+                              </dgm:constrLst>
+                              <dgm:ruleLst>
+                                <dgm:rule type="primFontSz" val="5" fact="NaN" max="NaN"/>
+                              </dgm:ruleLst>
+                            </dgm:layoutNode>
+                          </dgm:layoutNode>
+                          <dgm:layoutNode name="hierChild4">
+                            <dgm:choose name="Name19">
+                              <dgm:if name="Name20" func="var" arg="dir" op="equ" val="norm">
+                                <dgm:alg type="hierChild">
+                                  <dgm:param type="linDir" val="fromL"/>
+                                </dgm:alg>
+                              </dgm:if>
+                              <dgm:else name="Name21">
+                                <dgm:alg type="hierChild">
+                                  <dgm:param type="linDir" val="fromR"/>
+                                </dgm:alg>
+                              </dgm:else>
+                            </dgm:choose>
+                            <dgm:shape xmlns:r="http://schemas.openxmlformats.org/officeDocument/2006/relationships" r:blip="">
+                              <dgm:adjLst/>
+                            </dgm:shape>
+                            <dgm:presOf/>
+                            <dgm:constrLst/>
+                            <dgm:ruleLst/>
+                            <dgm:forEach name="repeat" axis="ch">
+                              <dgm:forEach name="Name22" axis="self" ptType="parTrans" cnt="1">
+                                <dgm:layoutNode name="Name23">
+                                  <dgm:choose name="Name24">
+                                    <dgm:if name="Name25" axis="self" func="depth" op="lte" val="4">
+                                      <dgm:alg type="conn">
+                                        <dgm:param type="dim" val="1D"/>
+                                        <dgm:param type="endSty" val="noArr"/>
+                                        <dgm:param type="connRout" val="bend"/>
+                                        <dgm:param type="bendPt" val="end"/>
+                                        <dgm:param type="begPts" val="bCtr"/>
+                                        <dgm:param type="endPts" val="tCtr"/>
+                                        <dgm:param type="srcNode" val="background3"/>
+                                        <dgm:param type="dstNode" val="background4"/>
+                                      </dgm:alg>
+                                    </dgm:if>
+                                    <dgm:else name="Name26">
+                                      <dgm:alg type="conn">
+                                        <dgm:param type="dim" val="1D"/>
+                                        <dgm:param type="endSty" val="noArr"/>
+                                        <dgm:param type="connRout" val="bend"/>
+                                        <dgm:param type="bendPt" val="end"/>
+                                        <dgm:param type="begPts" val="bCtr"/>
+                                        <dgm:param type="endPts" val="tCtr"/>
+                                        <dgm:param type="srcNode" val="background4"/>
+                                        <dgm:param type="dstNode" val="background4"/>
+                                      </dgm:alg>
+                                    </dgm:else>
+                                  </dgm:choose>
+                                  <dgm:shape xmlns:r="http://schemas.openxmlformats.org/officeDocument/2006/relationships" type="conn" r:blip="" zOrderOff="-999">
+                                    <dgm:adjLst/>
+                                  </dgm:shape>
+                                  <dgm:presOf axis="self"/>
+                                  <dgm:constrLst>
+                                    <dgm:constr type="begPad"/>
+                                    <dgm:constr type="endPad"/>
+                                  </dgm:constrLst>
+                                  <dgm:ruleLst/>
+                                </dgm:layoutNode>
+                              </dgm:forEach>
+                              <dgm:forEach name="Name27" axis="self" ptType="node">
+                                <dgm:layoutNode name="hierRoot4">
+                                  <dgm:alg type="hierRoot"/>
+                                  <dgm:shape xmlns:r="http://schemas.openxmlformats.org/officeDocument/2006/relationships" r:blip="">
+                                    <dgm:adjLst/>
+                                  </dgm:shape>
+                                  <dgm:presOf/>
+                                  <dgm:constrLst>
+                                    <dgm:constr type="bendDist" for="des" ptType="parTrans" refType="sp" fact="0.5"/>
+                                  </dgm:constrLst>
+                                  <dgm:ruleLst/>
+                                  <dgm:layoutNode name="composite4">
+                                    <dgm:alg type="composite"/>
+                                    <dgm:shape xmlns:r="http://schemas.openxmlformats.org/officeDocument/2006/relationships" r:blip="">
+                                      <dgm:adjLst/>
+                                    </dgm:shape>
+                                    <dgm:presOf/>
+                                    <dgm:constrLst>
+                                      <dgm:constr type="w" for="ch" forName="background4" refType="w" fact="0.9"/>
+                                      <dgm:constr type="h" for="ch" forName="background4" refType="w" refFor="ch" refForName="background4" fact="0.635"/>
+                                      <dgm:constr type="t" for="ch" forName="background4"/>
+                                      <dgm:constr type="l" for="ch" forName="background4"/>
+                                      <dgm:constr type="w" for="ch" forName="text4" refType="w" fact="0.9"/>
+                                      <dgm:constr type="h" for="ch" forName="text4" refType="w" refFor="ch" refForName="text4" fact="0.635"/>
+                                      <dgm:constr type="t" for="ch" forName="text4" refType="w" fact="0.095"/>
+                                      <dgm:constr type="l" for="ch" forName="text4" refType="w" fact="0.1"/>
+                                    </dgm:constrLst>
+                                    <dgm:ruleLst/>
+                                    <dgm:layoutNode name="background4" moveWith="text4">
+                                      <dgm:alg type="sp"/>
+                                      <dgm:shape xmlns:r="http://schemas.openxmlformats.org/officeDocument/2006/relationships" type="roundRect" r:blip="">
+                                        <dgm:adjLst>
+                                          <dgm:adj idx="1" val="0.1"/>
+                                        </dgm:adjLst>
+                                      </dgm:shape>
+                                      <dgm:presOf/>
+                                      <dgm:constrLst/>
+                                      <dgm:ruleLst/>
+                                    </dgm:layoutNode>
+                                    <dgm:layoutNode name="text4" styleLbl="fgAcc4">
+                                      <dgm:varLst>
+                                        <dgm:chPref val="3"/>
+                                      </dgm:varLst>
+                                      <dgm:alg type="tx"/>
+                                      <dgm:shape xmlns:r="http://schemas.openxmlformats.org/officeDocument/2006/relationships" type="roundRect" r:blip="">
+                                        <dgm:adjLst>
+                                          <dgm:adj idx="1" val="0.1"/>
+                                        </dgm:adjLst>
+                                      </dgm:shape>
+                                      <dgm:presOf axis="self"/>
+                                      <dgm:constrLst>
+                                        <dgm:constr type="tMarg" refType="primFontSz" fact="0.3"/>
+                                        <dgm:constr type="bMarg" refType="primFontSz" fact="0.3"/>
+                                        <dgm:constr type="lMarg" refType="primFontSz" fact="0.3"/>
+                                        <dgm:constr type="rMarg" refType="primFontSz" fact="0.3"/>
+                                      </dgm:constrLst>
+                                      <dgm:ruleLst>
+                                        <dgm:rule type="primFontSz" val="5" fact="NaN" max="NaN"/>
+                                      </dgm:ruleLst>
+                                    </dgm:layoutNode>
+                                  </dgm:layoutNode>
+                                  <dgm:layoutNode name="hierChild5">
+                                    <dgm:choose name="Name28">
+                                      <dgm:if name="Name29" func="var" arg="dir" op="equ" val="norm">
+                                        <dgm:alg type="hierChild">
+                                          <dgm:param type="linDir" val="fromL"/>
+                                        </dgm:alg>
+                                      </dgm:if>
+                                      <dgm:else name="Name30">
+                                        <dgm:alg type="hierChild">
+                                          <dgm:param type="linDir" val="fromR"/>
+                                        </dgm:alg>
+                                      </dgm:else>
+                                    </dgm:choose>
+                                    <dgm:shape xmlns:r="http://schemas.openxmlformats.org/officeDocument/2006/relationships" r:blip="">
+                                      <dgm:adjLst/>
+                                    </dgm:shape>
+                                    <dgm:presOf/>
+                                    <dgm:constrLst/>
+                                    <dgm:ruleLst/>
+                                    <dgm:forEach name="Name31" ref="repeat"/>
+                                  </dgm:layoutNode>
+                                </dgm:layoutNode>
+                              </dgm:forEach>
+                            </dgm:forEach>
+                          </dgm:layoutNode>
+                        </dgm:layoutNode>
+                      </dgm:forEach>
+                    </dgm:forEach>
+                  </dgm:layoutNode>
+                </dgm:layoutNode>
+              </dgm:forEach>
+            </dgm:forEach>
+          </dgm:layoutNode>
+        </dgm:layoutNode>
+      </dgm:forEach>
+    </dgm:forEach>
+  </dgm:layoutNode>
+</dgm:layoutDef>
+</file>
+
 <file path=ppt/diagrams/quickStyle1.xml><?xml version="1.0" encoding="utf-8"?>
 <dgm:styleDef xmlns:dgm="http://schemas.openxmlformats.org/drawingml/2006/diagram" xmlns:a="http://schemas.openxmlformats.org/drawingml/2006/main" uniqueId="urn:microsoft.com/office/officeart/2005/8/quickstyle/simple1">
   <dgm:title val=""/>
@@ -10184,6 +12184,1040 @@
 </file>
 
 <file path=ppt/diagrams/quickStyle3.xml><?xml version="1.0" encoding="utf-8"?>
+<dgm:styleDef xmlns:dgm="http://schemas.openxmlformats.org/drawingml/2006/diagram" xmlns:a="http://schemas.openxmlformats.org/drawingml/2006/main" uniqueId="urn:microsoft.com/office/officeart/2005/8/quickstyle/simple1">
+  <dgm:title val=""/>
+  <dgm:desc val=""/>
+  <dgm:catLst>
+    <dgm:cat type="simple" pri="10100"/>
+  </dgm:catLst>
+  <dgm:scene3d>
+    <a:camera prst="orthographicFront"/>
+    <a:lightRig rig="threePt" dir="t"/>
+  </dgm:scene3d>
+  <dgm:styleLbl name="node0">
+    <dgm:scene3d>
+      <a:camera prst="orthographicFront"/>
+      <a:lightRig rig="threePt" dir="t"/>
+    </dgm:scene3d>
+    <dgm:sp3d/>
+    <dgm:txPr/>
+    <dgm:style>
+      <a:lnRef idx="2">
+        <a:scrgbClr r="0" g="0" b="0"/>
+      </a:lnRef>
+      <a:fillRef idx="1">
+        <a:scrgbClr r="0" g="0" b="0"/>
+      </a:fillRef>
+      <a:effectRef idx="0">
+        <a:scrgbClr r="0" g="0" b="0"/>
+      </a:effectRef>
+      <a:fontRef idx="minor">
+        <a:schemeClr val="lt1"/>
+      </a:fontRef>
+    </dgm:style>
+  </dgm:styleLbl>
+  <dgm:styleLbl name="lnNode1">
+    <dgm:scene3d>
+      <a:camera prst="orthographicFront"/>
+      <a:lightRig rig="threePt" dir="t"/>
+    </dgm:scene3d>
+    <dgm:sp3d/>
+    <dgm:txPr/>
+    <dgm:style>
+      <a:lnRef idx="2">
+        <a:scrgbClr r="0" g="0" b="0"/>
+      </a:lnRef>
+      <a:fillRef idx="1">
+        <a:scrgbClr r="0" g="0" b="0"/>
+      </a:fillRef>
+      <a:effectRef idx="0">
+        <a:scrgbClr r="0" g="0" b="0"/>
+      </a:effectRef>
+      <a:fontRef idx="minor">
+        <a:schemeClr val="lt1"/>
+      </a:fontRef>
+    </dgm:style>
+  </dgm:styleLbl>
+  <dgm:styleLbl name="vennNode1">
+    <dgm:scene3d>
+      <a:camera prst="orthographicFront"/>
+      <a:lightRig rig="threePt" dir="t"/>
+    </dgm:scene3d>
+    <dgm:sp3d/>
+    <dgm:txPr/>
+    <dgm:style>
+      <a:lnRef idx="2">
+        <a:scrgbClr r="0" g="0" b="0"/>
+      </a:lnRef>
+      <a:fillRef idx="1">
+        <a:scrgbClr r="0" g="0" b="0"/>
+      </a:fillRef>
+      <a:effectRef idx="0">
+        <a:scrgbClr r="0" g="0" b="0"/>
+      </a:effectRef>
+      <a:fontRef idx="minor">
+        <a:schemeClr val="tx1"/>
+      </a:fontRef>
+    </dgm:style>
+  </dgm:styleLbl>
+  <dgm:styleLbl name="alignNode1">
+    <dgm:scene3d>
+      <a:camera prst="orthographicFront"/>
+      <a:lightRig rig="threePt" dir="t"/>
+    </dgm:scene3d>
+    <dgm:sp3d/>
+    <dgm:txPr/>
+    <dgm:style>
+      <a:lnRef idx="2">
+        <a:scrgbClr r="0" g="0" b="0"/>
+      </a:lnRef>
+      <a:fillRef idx="1">
+        <a:scrgbClr r="0" g="0" b="0"/>
+      </a:fillRef>
+      <a:effectRef idx="0">
+        <a:scrgbClr r="0" g="0" b="0"/>
+      </a:effectRef>
+      <a:fontRef idx="minor">
+        <a:schemeClr val="lt1"/>
+      </a:fontRef>
+    </dgm:style>
+  </dgm:styleLbl>
+  <dgm:styleLbl name="node1">
+    <dgm:scene3d>
+      <a:camera prst="orthographicFront"/>
+      <a:lightRig rig="threePt" dir="t"/>
+    </dgm:scene3d>
+    <dgm:sp3d/>
+    <dgm:txPr/>
+    <dgm:style>
+      <a:lnRef idx="2">
+        <a:scrgbClr r="0" g="0" b="0"/>
+      </a:lnRef>
+      <a:fillRef idx="1">
+        <a:scrgbClr r="0" g="0" b="0"/>
+      </a:fillRef>
+      <a:effectRef idx="0">
+        <a:scrgbClr r="0" g="0" b="0"/>
+      </a:effectRef>
+      <a:fontRef idx="minor">
+        <a:schemeClr val="lt1"/>
+      </a:fontRef>
+    </dgm:style>
+  </dgm:styleLbl>
+  <dgm:styleLbl name="node2">
+    <dgm:scene3d>
+      <a:camera prst="orthographicFront"/>
+      <a:lightRig rig="threePt" dir="t"/>
+    </dgm:scene3d>
+    <dgm:sp3d/>
+    <dgm:txPr/>
+    <dgm:style>
+      <a:lnRef idx="2">
+        <a:scrgbClr r="0" g="0" b="0"/>
+      </a:lnRef>
+      <a:fillRef idx="1">
+        <a:scrgbClr r="0" g="0" b="0"/>
+      </a:fillRef>
+      <a:effectRef idx="0">
+        <a:scrgbClr r="0" g="0" b="0"/>
+      </a:effectRef>
+      <a:fontRef idx="minor">
+        <a:schemeClr val="lt1"/>
+      </a:fontRef>
+    </dgm:style>
+  </dgm:styleLbl>
+  <dgm:styleLbl name="node3">
+    <dgm:scene3d>
+      <a:camera prst="orthographicFront"/>
+      <a:lightRig rig="threePt" dir="t"/>
+    </dgm:scene3d>
+    <dgm:sp3d/>
+    <dgm:txPr/>
+    <dgm:style>
+      <a:lnRef idx="2">
+        <a:scrgbClr r="0" g="0" b="0"/>
+      </a:lnRef>
+      <a:fillRef idx="1">
+        <a:scrgbClr r="0" g="0" b="0"/>
+      </a:fillRef>
+      <a:effectRef idx="0">
+        <a:scrgbClr r="0" g="0" b="0"/>
+      </a:effectRef>
+      <a:fontRef idx="minor">
+        <a:schemeClr val="lt1"/>
+      </a:fontRef>
+    </dgm:style>
+  </dgm:styleLbl>
+  <dgm:styleLbl name="node4">
+    <dgm:scene3d>
+      <a:camera prst="orthographicFront"/>
+      <a:lightRig rig="threePt" dir="t"/>
+    </dgm:scene3d>
+    <dgm:sp3d/>
+    <dgm:txPr/>
+    <dgm:style>
+      <a:lnRef idx="2">
+        <a:scrgbClr r="0" g="0" b="0"/>
+      </a:lnRef>
+      <a:fillRef idx="1">
+        <a:scrgbClr r="0" g="0" b="0"/>
+      </a:fillRef>
+      <a:effectRef idx="0">
+        <a:scrgbClr r="0" g="0" b="0"/>
+      </a:effectRef>
+      <a:fontRef idx="minor">
+        <a:schemeClr val="lt1"/>
+      </a:fontRef>
+    </dgm:style>
+  </dgm:styleLbl>
+  <dgm:styleLbl name="fgImgPlace1">
+    <dgm:scene3d>
+      <a:camera prst="orthographicFront"/>
+      <a:lightRig rig="threePt" dir="t"/>
+    </dgm:scene3d>
+    <dgm:sp3d/>
+    <dgm:txPr/>
+    <dgm:style>
+      <a:lnRef idx="2">
+        <a:scrgbClr r="0" g="0" b="0"/>
+      </a:lnRef>
+      <a:fillRef idx="1">
+        <a:scrgbClr r="0" g="0" b="0"/>
+      </a:fillRef>
+      <a:effectRef idx="0">
+        <a:scrgbClr r="0" g="0" b="0"/>
+      </a:effectRef>
+      <a:fontRef idx="minor"/>
+    </dgm:style>
+  </dgm:styleLbl>
+  <dgm:styleLbl name="alignImgPlace1">
+    <dgm:scene3d>
+      <a:camera prst="orthographicFront"/>
+      <a:lightRig rig="threePt" dir="t"/>
+    </dgm:scene3d>
+    <dgm:sp3d/>
+    <dgm:txPr/>
+    <dgm:style>
+      <a:lnRef idx="2">
+        <a:scrgbClr r="0" g="0" b="0"/>
+      </a:lnRef>
+      <a:fillRef idx="1">
+        <a:scrgbClr r="0" g="0" b="0"/>
+      </a:fillRef>
+      <a:effectRef idx="0">
+        <a:scrgbClr r="0" g="0" b="0"/>
+      </a:effectRef>
+      <a:fontRef idx="minor"/>
+    </dgm:style>
+  </dgm:styleLbl>
+  <dgm:styleLbl name="bgImgPlace1">
+    <dgm:scene3d>
+      <a:camera prst="orthographicFront"/>
+      <a:lightRig rig="threePt" dir="t"/>
+    </dgm:scene3d>
+    <dgm:sp3d/>
+    <dgm:txPr/>
+    <dgm:style>
+      <a:lnRef idx="2">
+        <a:scrgbClr r="0" g="0" b="0"/>
+      </a:lnRef>
+      <a:fillRef idx="1">
+        <a:scrgbClr r="0" g="0" b="0"/>
+      </a:fillRef>
+      <a:effectRef idx="0">
+        <a:scrgbClr r="0" g="0" b="0"/>
+      </a:effectRef>
+      <a:fontRef idx="minor"/>
+    </dgm:style>
+  </dgm:styleLbl>
+  <dgm:styleLbl name="sibTrans2D1">
+    <dgm:scene3d>
+      <a:camera prst="orthographicFront"/>
+      <a:lightRig rig="threePt" dir="t"/>
+    </dgm:scene3d>
+    <dgm:sp3d/>
+    <dgm:txPr/>
+    <dgm:style>
+      <a:lnRef idx="0">
+        <a:scrgbClr r="0" g="0" b="0"/>
+      </a:lnRef>
+      <a:fillRef idx="1">
+        <a:scrgbClr r="0" g="0" b="0"/>
+      </a:fillRef>
+      <a:effectRef idx="0">
+        <a:scrgbClr r="0" g="0" b="0"/>
+      </a:effectRef>
+      <a:fontRef idx="minor">
+        <a:schemeClr val="lt1"/>
+      </a:fontRef>
+    </dgm:style>
+  </dgm:styleLbl>
+  <dgm:styleLbl name="fgSibTrans2D1">
+    <dgm:scene3d>
+      <a:camera prst="orthographicFront"/>
+      <a:lightRig rig="threePt" dir="t"/>
+    </dgm:scene3d>
+    <dgm:sp3d/>
+    <dgm:txPr/>
+    <dgm:style>
+      <a:lnRef idx="0">
+        <a:scrgbClr r="0" g="0" b="0"/>
+      </a:lnRef>
+      <a:fillRef idx="1">
+        <a:scrgbClr r="0" g="0" b="0"/>
+      </a:fillRef>
+      <a:effectRef idx="0">
+        <a:scrgbClr r="0" g="0" b="0"/>
+      </a:effectRef>
+      <a:fontRef idx="minor">
+        <a:schemeClr val="lt1"/>
+      </a:fontRef>
+    </dgm:style>
+  </dgm:styleLbl>
+  <dgm:styleLbl name="bgSibTrans2D1">
+    <dgm:scene3d>
+      <a:camera prst="orthographicFront"/>
+      <a:lightRig rig="threePt" dir="t"/>
+    </dgm:scene3d>
+    <dgm:sp3d/>
+    <dgm:txPr/>
+    <dgm:style>
+      <a:lnRef idx="0">
+        <a:scrgbClr r="0" g="0" b="0"/>
+      </a:lnRef>
+      <a:fillRef idx="1">
+        <a:scrgbClr r="0" g="0" b="0"/>
+      </a:fillRef>
+      <a:effectRef idx="0">
+        <a:scrgbClr r="0" g="0" b="0"/>
+      </a:effectRef>
+      <a:fontRef idx="minor">
+        <a:schemeClr val="lt1"/>
+      </a:fontRef>
+    </dgm:style>
+  </dgm:styleLbl>
+  <dgm:styleLbl name="sibTrans1D1">
+    <dgm:scene3d>
+      <a:camera prst="orthographicFront"/>
+      <a:lightRig rig="threePt" dir="t"/>
+    </dgm:scene3d>
+    <dgm:sp3d/>
+    <dgm:txPr/>
+    <dgm:style>
+      <a:lnRef idx="1">
+        <a:scrgbClr r="0" g="0" b="0"/>
+      </a:lnRef>
+      <a:fillRef idx="0">
+        <a:scrgbClr r="0" g="0" b="0"/>
+      </a:fillRef>
+      <a:effectRef idx="0">
+        <a:scrgbClr r="0" g="0" b="0"/>
+      </a:effectRef>
+      <a:fontRef idx="minor"/>
+    </dgm:style>
+  </dgm:styleLbl>
+  <dgm:styleLbl name="callout">
+    <dgm:scene3d>
+      <a:camera prst="orthographicFront"/>
+      <a:lightRig rig="threePt" dir="t"/>
+    </dgm:scene3d>
+    <dgm:sp3d/>
+    <dgm:txPr/>
+    <dgm:style>
+      <a:lnRef idx="2">
+        <a:scrgbClr r="0" g="0" b="0"/>
+      </a:lnRef>
+      <a:fillRef idx="1">
+        <a:scrgbClr r="0" g="0" b="0"/>
+      </a:fillRef>
+      <a:effectRef idx="0">
+        <a:scrgbClr r="0" g="0" b="0"/>
+      </a:effectRef>
+      <a:fontRef idx="minor"/>
+    </dgm:style>
+  </dgm:styleLbl>
+  <dgm:styleLbl name="asst0">
+    <dgm:scene3d>
+      <a:camera prst="orthographicFront"/>
+      <a:lightRig rig="threePt" dir="t"/>
+    </dgm:scene3d>
+    <dgm:sp3d/>
+    <dgm:txPr/>
+    <dgm:style>
+      <a:lnRef idx="2">
+        <a:scrgbClr r="0" g="0" b="0"/>
+      </a:lnRef>
+      <a:fillRef idx="1">
+        <a:scrgbClr r="0" g="0" b="0"/>
+      </a:fillRef>
+      <a:effectRef idx="0">
+        <a:scrgbClr r="0" g="0" b="0"/>
+      </a:effectRef>
+      <a:fontRef idx="minor">
+        <a:schemeClr val="lt1"/>
+      </a:fontRef>
+    </dgm:style>
+  </dgm:styleLbl>
+  <dgm:styleLbl name="asst1">
+    <dgm:scene3d>
+      <a:camera prst="orthographicFront"/>
+      <a:lightRig rig="threePt" dir="t"/>
+    </dgm:scene3d>
+    <dgm:sp3d/>
+    <dgm:txPr/>
+    <dgm:style>
+      <a:lnRef idx="2">
+        <a:scrgbClr r="0" g="0" b="0"/>
+      </a:lnRef>
+      <a:fillRef idx="1">
+        <a:scrgbClr r="0" g="0" b="0"/>
+      </a:fillRef>
+      <a:effectRef idx="0">
+        <a:scrgbClr r="0" g="0" b="0"/>
+      </a:effectRef>
+      <a:fontRef idx="minor">
+        <a:schemeClr val="lt1"/>
+      </a:fontRef>
+    </dgm:style>
+  </dgm:styleLbl>
+  <dgm:styleLbl name="asst2">
+    <dgm:scene3d>
+      <a:camera prst="orthographicFront"/>
+      <a:lightRig rig="threePt" dir="t"/>
+    </dgm:scene3d>
+    <dgm:sp3d/>
+    <dgm:txPr/>
+    <dgm:style>
+      <a:lnRef idx="2">
+        <a:scrgbClr r="0" g="0" b="0"/>
+      </a:lnRef>
+      <a:fillRef idx="1">
+        <a:scrgbClr r="0" g="0" b="0"/>
+      </a:fillRef>
+      <a:effectRef idx="0">
+        <a:scrgbClr r="0" g="0" b="0"/>
+      </a:effectRef>
+      <a:fontRef idx="minor">
+        <a:schemeClr val="lt1"/>
+      </a:fontRef>
+    </dgm:style>
+  </dgm:styleLbl>
+  <dgm:styleLbl name="asst3">
+    <dgm:scene3d>
+      <a:camera prst="orthographicFront"/>
+      <a:lightRig rig="threePt" dir="t"/>
+    </dgm:scene3d>
+    <dgm:sp3d/>
+    <dgm:txPr/>
+    <dgm:style>
+      <a:lnRef idx="2">
+        <a:scrgbClr r="0" g="0" b="0"/>
+      </a:lnRef>
+      <a:fillRef idx="1">
+        <a:scrgbClr r="0" g="0" b="0"/>
+      </a:fillRef>
+      <a:effectRef idx="0">
+        <a:scrgbClr r="0" g="0" b="0"/>
+      </a:effectRef>
+      <a:fontRef idx="minor">
+        <a:schemeClr val="lt1"/>
+      </a:fontRef>
+    </dgm:style>
+  </dgm:styleLbl>
+  <dgm:styleLbl name="asst4">
+    <dgm:scene3d>
+      <a:camera prst="orthographicFront"/>
+      <a:lightRig rig="threePt" dir="t"/>
+    </dgm:scene3d>
+    <dgm:sp3d/>
+    <dgm:txPr/>
+    <dgm:style>
+      <a:lnRef idx="2">
+        <a:scrgbClr r="0" g="0" b="0"/>
+      </a:lnRef>
+      <a:fillRef idx="1">
+        <a:scrgbClr r="0" g="0" b="0"/>
+      </a:fillRef>
+      <a:effectRef idx="0">
+        <a:scrgbClr r="0" g="0" b="0"/>
+      </a:effectRef>
+      <a:fontRef idx="minor">
+        <a:schemeClr val="lt1"/>
+      </a:fontRef>
+    </dgm:style>
+  </dgm:styleLbl>
+  <dgm:styleLbl name="parChTrans2D1">
+    <dgm:scene3d>
+      <a:camera prst="orthographicFront"/>
+      <a:lightRig rig="threePt" dir="t"/>
+    </dgm:scene3d>
+    <dgm:sp3d/>
+    <dgm:txPr/>
+    <dgm:style>
+      <a:lnRef idx="2">
+        <a:scrgbClr r="0" g="0" b="0"/>
+      </a:lnRef>
+      <a:fillRef idx="1">
+        <a:scrgbClr r="0" g="0" b="0"/>
+      </a:fillRef>
+      <a:effectRef idx="0">
+        <a:scrgbClr r="0" g="0" b="0"/>
+      </a:effectRef>
+      <a:fontRef idx="minor">
+        <a:schemeClr val="lt1"/>
+      </a:fontRef>
+    </dgm:style>
+  </dgm:styleLbl>
+  <dgm:styleLbl name="parChTrans2D2">
+    <dgm:scene3d>
+      <a:camera prst="orthographicFront"/>
+      <a:lightRig rig="threePt" dir="t"/>
+    </dgm:scene3d>
+    <dgm:sp3d/>
+    <dgm:txPr/>
+    <dgm:style>
+      <a:lnRef idx="2">
+        <a:scrgbClr r="0" g="0" b="0"/>
+      </a:lnRef>
+      <a:fillRef idx="1">
+        <a:scrgbClr r="0" g="0" b="0"/>
+      </a:fillRef>
+      <a:effectRef idx="0">
+        <a:scrgbClr r="0" g="0" b="0"/>
+      </a:effectRef>
+      <a:fontRef idx="minor">
+        <a:schemeClr val="lt1"/>
+      </a:fontRef>
+    </dgm:style>
+  </dgm:styleLbl>
+  <dgm:styleLbl name="parChTrans2D3">
+    <dgm:scene3d>
+      <a:camera prst="orthographicFront"/>
+      <a:lightRig rig="threePt" dir="t"/>
+    </dgm:scene3d>
+    <dgm:sp3d/>
+    <dgm:txPr/>
+    <dgm:style>
+      <a:lnRef idx="2">
+        <a:scrgbClr r="0" g="0" b="0"/>
+      </a:lnRef>
+      <a:fillRef idx="1">
+        <a:scrgbClr r="0" g="0" b="0"/>
+      </a:fillRef>
+      <a:effectRef idx="0">
+        <a:scrgbClr r="0" g="0" b="0"/>
+      </a:effectRef>
+      <a:fontRef idx="minor">
+        <a:schemeClr val="lt1"/>
+      </a:fontRef>
+    </dgm:style>
+  </dgm:styleLbl>
+  <dgm:styleLbl name="parChTrans2D4">
+    <dgm:scene3d>
+      <a:camera prst="orthographicFront"/>
+      <a:lightRig rig="threePt" dir="t"/>
+    </dgm:scene3d>
+    <dgm:sp3d/>
+    <dgm:txPr/>
+    <dgm:style>
+      <a:lnRef idx="2">
+        <a:scrgbClr r="0" g="0" b="0"/>
+      </a:lnRef>
+      <a:fillRef idx="1">
+        <a:scrgbClr r="0" g="0" b="0"/>
+      </a:fillRef>
+      <a:effectRef idx="0">
+        <a:scrgbClr r="0" g="0" b="0"/>
+      </a:effectRef>
+      <a:fontRef idx="minor">
+        <a:schemeClr val="lt1"/>
+      </a:fontRef>
+    </dgm:style>
+  </dgm:styleLbl>
+  <dgm:styleLbl name="parChTrans1D1">
+    <dgm:scene3d>
+      <a:camera prst="orthographicFront"/>
+      <a:lightRig rig="threePt" dir="t"/>
+    </dgm:scene3d>
+    <dgm:sp3d/>
+    <dgm:txPr/>
+    <dgm:style>
+      <a:lnRef idx="2">
+        <a:scrgbClr r="0" g="0" b="0"/>
+      </a:lnRef>
+      <a:fillRef idx="0">
+        <a:scrgbClr r="0" g="0" b="0"/>
+      </a:fillRef>
+      <a:effectRef idx="0">
+        <a:scrgbClr r="0" g="0" b="0"/>
+      </a:effectRef>
+      <a:fontRef idx="minor"/>
+    </dgm:style>
+  </dgm:styleLbl>
+  <dgm:styleLbl name="parChTrans1D2">
+    <dgm:scene3d>
+      <a:camera prst="orthographicFront"/>
+      <a:lightRig rig="threePt" dir="t"/>
+    </dgm:scene3d>
+    <dgm:sp3d/>
+    <dgm:txPr/>
+    <dgm:style>
+      <a:lnRef idx="2">
+        <a:scrgbClr r="0" g="0" b="0"/>
+      </a:lnRef>
+      <a:fillRef idx="0">
+        <a:scrgbClr r="0" g="0" b="0"/>
+      </a:fillRef>
+      <a:effectRef idx="0">
+        <a:scrgbClr r="0" g="0" b="0"/>
+      </a:effectRef>
+      <a:fontRef idx="minor"/>
+    </dgm:style>
+  </dgm:styleLbl>
+  <dgm:styleLbl name="parChTrans1D3">
+    <dgm:scene3d>
+      <a:camera prst="orthographicFront"/>
+      <a:lightRig rig="threePt" dir="t"/>
+    </dgm:scene3d>
+    <dgm:sp3d/>
+    <dgm:txPr/>
+    <dgm:style>
+      <a:lnRef idx="2">
+        <a:scrgbClr r="0" g="0" b="0"/>
+      </a:lnRef>
+      <a:fillRef idx="0">
+        <a:scrgbClr r="0" g="0" b="0"/>
+      </a:fillRef>
+      <a:effectRef idx="0">
+        <a:scrgbClr r="0" g="0" b="0"/>
+      </a:effectRef>
+      <a:fontRef idx="minor"/>
+    </dgm:style>
+  </dgm:styleLbl>
+  <dgm:styleLbl name="parChTrans1D4">
+    <dgm:scene3d>
+      <a:camera prst="orthographicFront"/>
+      <a:lightRig rig="threePt" dir="t"/>
+    </dgm:scene3d>
+    <dgm:sp3d/>
+    <dgm:txPr/>
+    <dgm:style>
+      <a:lnRef idx="2">
+        <a:scrgbClr r="0" g="0" b="0"/>
+      </a:lnRef>
+      <a:fillRef idx="0">
+        <a:scrgbClr r="0" g="0" b="0"/>
+      </a:fillRef>
+      <a:effectRef idx="0">
+        <a:scrgbClr r="0" g="0" b="0"/>
+      </a:effectRef>
+      <a:fontRef idx="minor"/>
+    </dgm:style>
+  </dgm:styleLbl>
+  <dgm:styleLbl name="fgAcc1">
+    <dgm:scene3d>
+      <a:camera prst="orthographicFront"/>
+      <a:lightRig rig="threePt" dir="t"/>
+    </dgm:scene3d>
+    <dgm:sp3d/>
+    <dgm:txPr/>
+    <dgm:style>
+      <a:lnRef idx="2">
+        <a:scrgbClr r="0" g="0" b="0"/>
+      </a:lnRef>
+      <a:fillRef idx="1">
+        <a:scrgbClr r="0" g="0" b="0"/>
+      </a:fillRef>
+      <a:effectRef idx="0">
+        <a:scrgbClr r="0" g="0" b="0"/>
+      </a:effectRef>
+      <a:fontRef idx="minor"/>
+    </dgm:style>
+  </dgm:styleLbl>
+  <dgm:styleLbl name="conFgAcc1">
+    <dgm:scene3d>
+      <a:camera prst="orthographicFront"/>
+      <a:lightRig rig="threePt" dir="t"/>
+    </dgm:scene3d>
+    <dgm:sp3d/>
+    <dgm:txPr/>
+    <dgm:style>
+      <a:lnRef idx="2">
+        <a:scrgbClr r="0" g="0" b="0"/>
+      </a:lnRef>
+      <a:fillRef idx="1">
+        <a:scrgbClr r="0" g="0" b="0"/>
+      </a:fillRef>
+      <a:effectRef idx="0">
+        <a:scrgbClr r="0" g="0" b="0"/>
+      </a:effectRef>
+      <a:fontRef idx="minor"/>
+    </dgm:style>
+  </dgm:styleLbl>
+  <dgm:styleLbl name="alignAcc1">
+    <dgm:scene3d>
+      <a:camera prst="orthographicFront"/>
+      <a:lightRig rig="threePt" dir="t"/>
+    </dgm:scene3d>
+    <dgm:sp3d/>
+    <dgm:txPr/>
+    <dgm:style>
+      <a:lnRef idx="2">
+        <a:scrgbClr r="0" g="0" b="0"/>
+      </a:lnRef>
+      <a:fillRef idx="1">
+        <a:scrgbClr r="0" g="0" b="0"/>
+      </a:fillRef>
+      <a:effectRef idx="0">
+        <a:scrgbClr r="0" g="0" b="0"/>
+      </a:effectRef>
+      <a:fontRef idx="minor"/>
+    </dgm:style>
+  </dgm:styleLbl>
+  <dgm:styleLbl name="trAlignAcc1">
+    <dgm:scene3d>
+      <a:camera prst="orthographicFront"/>
+      <a:lightRig rig="threePt" dir="t"/>
+    </dgm:scene3d>
+    <dgm:sp3d/>
+    <dgm:txPr/>
+    <dgm:style>
+      <a:lnRef idx="1">
+        <a:scrgbClr r="0" g="0" b="0"/>
+      </a:lnRef>
+      <a:fillRef idx="1">
+        <a:scrgbClr r="0" g="0" b="0"/>
+      </a:fillRef>
+      <a:effectRef idx="0">
+        <a:scrgbClr r="0" g="0" b="0"/>
+      </a:effectRef>
+      <a:fontRef idx="minor"/>
+    </dgm:style>
+  </dgm:styleLbl>
+  <dgm:styleLbl name="bgAcc1">
+    <dgm:scene3d>
+      <a:camera prst="orthographicFront"/>
+      <a:lightRig rig="threePt" dir="t"/>
+    </dgm:scene3d>
+    <dgm:sp3d/>
+    <dgm:txPr/>
+    <dgm:style>
+      <a:lnRef idx="2">
+        <a:scrgbClr r="0" g="0" b="0"/>
+      </a:lnRef>
+      <a:fillRef idx="1">
+        <a:scrgbClr r="0" g="0" b="0"/>
+      </a:fillRef>
+      <a:effectRef idx="0">
+        <a:scrgbClr r="0" g="0" b="0"/>
+      </a:effectRef>
+      <a:fontRef idx="minor"/>
+    </dgm:style>
+  </dgm:styleLbl>
+  <dgm:styleLbl name="solidFgAcc1">
+    <dgm:scene3d>
+      <a:camera prst="orthographicFront"/>
+      <a:lightRig rig="threePt" dir="t"/>
+    </dgm:scene3d>
+    <dgm:sp3d/>
+    <dgm:txPr/>
+    <dgm:style>
+      <a:lnRef idx="2">
+        <a:scrgbClr r="0" g="0" b="0"/>
+      </a:lnRef>
+      <a:fillRef idx="1">
+        <a:scrgbClr r="0" g="0" b="0"/>
+      </a:fillRef>
+      <a:effectRef idx="0">
+        <a:scrgbClr r="0" g="0" b="0"/>
+      </a:effectRef>
+      <a:fontRef idx="minor"/>
+    </dgm:style>
+  </dgm:styleLbl>
+  <dgm:styleLbl name="solidAlignAcc1">
+    <dgm:scene3d>
+      <a:camera prst="orthographicFront"/>
+      <a:lightRig rig="threePt" dir="t"/>
+    </dgm:scene3d>
+    <dgm:sp3d/>
+    <dgm:txPr/>
+    <dgm:style>
+      <a:lnRef idx="2">
+        <a:scrgbClr r="0" g="0" b="0"/>
+      </a:lnRef>
+      <a:fillRef idx="1">
+        <a:scrgbClr r="0" g="0" b="0"/>
+      </a:fillRef>
+      <a:effectRef idx="0">
+        <a:scrgbClr r="0" g="0" b="0"/>
+      </a:effectRef>
+      <a:fontRef idx="minor"/>
+    </dgm:style>
+  </dgm:styleLbl>
+  <dgm:styleLbl name="solidBgAcc1">
+    <dgm:scene3d>
+      <a:camera prst="orthographicFront"/>
+      <a:lightRig rig="threePt" dir="t"/>
+    </dgm:scene3d>
+    <dgm:sp3d/>
+    <dgm:txPr/>
+    <dgm:style>
+      <a:lnRef idx="2">
+        <a:scrgbClr r="0" g="0" b="0"/>
+      </a:lnRef>
+      <a:fillRef idx="1">
+        <a:scrgbClr r="0" g="0" b="0"/>
+      </a:fillRef>
+      <a:effectRef idx="0">
+        <a:scrgbClr r="0" g="0" b="0"/>
+      </a:effectRef>
+      <a:fontRef idx="minor"/>
+    </dgm:style>
+  </dgm:styleLbl>
+  <dgm:styleLbl name="fgAccFollowNode1">
+    <dgm:scene3d>
+      <a:camera prst="orthographicFront"/>
+      <a:lightRig rig="threePt" dir="t"/>
+    </dgm:scene3d>
+    <dgm:sp3d/>
+    <dgm:txPr/>
+    <dgm:style>
+      <a:lnRef idx="2">
+        <a:scrgbClr r="0" g="0" b="0"/>
+      </a:lnRef>
+      <a:fillRef idx="1">
+        <a:scrgbClr r="0" g="0" b="0"/>
+      </a:fillRef>
+      <a:effectRef idx="0">
+        <a:scrgbClr r="0" g="0" b="0"/>
+      </a:effectRef>
+      <a:fontRef idx="minor"/>
+    </dgm:style>
+  </dgm:styleLbl>
+  <dgm:styleLbl name="alignAccFollowNode1">
+    <dgm:scene3d>
+      <a:camera prst="orthographicFront"/>
+      <a:lightRig rig="threePt" dir="t"/>
+    </dgm:scene3d>
+    <dgm:sp3d/>
+    <dgm:txPr/>
+    <dgm:style>
+      <a:lnRef idx="2">
+        <a:scrgbClr r="0" g="0" b="0"/>
+      </a:lnRef>
+      <a:fillRef idx="1">
+        <a:scrgbClr r="0" g="0" b="0"/>
+      </a:fillRef>
+      <a:effectRef idx="0">
+        <a:scrgbClr r="0" g="0" b="0"/>
+      </a:effectRef>
+      <a:fontRef idx="minor"/>
+    </dgm:style>
+  </dgm:styleLbl>
+  <dgm:styleLbl name="bgAccFollowNode1">
+    <dgm:scene3d>
+      <a:camera prst="orthographicFront"/>
+      <a:lightRig rig="threePt" dir="t"/>
+    </dgm:scene3d>
+    <dgm:sp3d/>
+    <dgm:txPr/>
+    <dgm:style>
+      <a:lnRef idx="2">
+        <a:scrgbClr r="0" g="0" b="0"/>
+      </a:lnRef>
+      <a:fillRef idx="1">
+        <a:scrgbClr r="0" g="0" b="0"/>
+      </a:fillRef>
+      <a:effectRef idx="0">
+        <a:scrgbClr r="0" g="0" b="0"/>
+      </a:effectRef>
+      <a:fontRef idx="minor"/>
+    </dgm:style>
+  </dgm:styleLbl>
+  <dgm:styleLbl name="fgAcc0">
+    <dgm:scene3d>
+      <a:camera prst="orthographicFront"/>
+      <a:lightRig rig="threePt" dir="t"/>
+    </dgm:scene3d>
+    <dgm:sp3d/>
+    <dgm:txPr/>
+    <dgm:style>
+      <a:lnRef idx="2">
+        <a:scrgbClr r="0" g="0" b="0"/>
+      </a:lnRef>
+      <a:fillRef idx="1">
+        <a:scrgbClr r="0" g="0" b="0"/>
+      </a:fillRef>
+      <a:effectRef idx="0">
+        <a:scrgbClr r="0" g="0" b="0"/>
+      </a:effectRef>
+      <a:fontRef idx="minor"/>
+    </dgm:style>
+  </dgm:styleLbl>
+  <dgm:styleLbl name="fgAcc2">
+    <dgm:scene3d>
+      <a:camera prst="orthographicFront"/>
+      <a:lightRig rig="threePt" dir="t"/>
+    </dgm:scene3d>
+    <dgm:sp3d/>
+    <dgm:txPr/>
+    <dgm:style>
+      <a:lnRef idx="2">
+        <a:scrgbClr r="0" g="0" b="0"/>
+      </a:lnRef>
+      <a:fillRef idx="1">
+        <a:scrgbClr r="0" g="0" b="0"/>
+      </a:fillRef>
+      <a:effectRef idx="0">
+        <a:scrgbClr r="0" g="0" b="0"/>
+      </a:effectRef>
+      <a:fontRef idx="minor"/>
+    </dgm:style>
+  </dgm:styleLbl>
+  <dgm:styleLbl name="fgAcc3">
+    <dgm:scene3d>
+      <a:camera prst="orthographicFront"/>
+      <a:lightRig rig="threePt" dir="t"/>
+    </dgm:scene3d>
+    <dgm:sp3d/>
+    <dgm:txPr/>
+    <dgm:style>
+      <a:lnRef idx="2">
+        <a:scrgbClr r="0" g="0" b="0"/>
+      </a:lnRef>
+      <a:fillRef idx="1">
+        <a:scrgbClr r="0" g="0" b="0"/>
+      </a:fillRef>
+      <a:effectRef idx="0">
+        <a:scrgbClr r="0" g="0" b="0"/>
+      </a:effectRef>
+      <a:fontRef idx="minor"/>
+    </dgm:style>
+  </dgm:styleLbl>
+  <dgm:styleLbl name="fgAcc4">
+    <dgm:scene3d>
+      <a:camera prst="orthographicFront"/>
+      <a:lightRig rig="threePt" dir="t"/>
+    </dgm:scene3d>
+    <dgm:sp3d/>
+    <dgm:txPr/>
+    <dgm:style>
+      <a:lnRef idx="2">
+        <a:scrgbClr r="0" g="0" b="0"/>
+      </a:lnRef>
+      <a:fillRef idx="1">
+        <a:scrgbClr r="0" g="0" b="0"/>
+      </a:fillRef>
+      <a:effectRef idx="0">
+        <a:scrgbClr r="0" g="0" b="0"/>
+      </a:effectRef>
+      <a:fontRef idx="minor"/>
+    </dgm:style>
+  </dgm:styleLbl>
+  <dgm:styleLbl name="bgShp">
+    <dgm:scene3d>
+      <a:camera prst="orthographicFront"/>
+      <a:lightRig rig="threePt" dir="t"/>
+    </dgm:scene3d>
+    <dgm:sp3d/>
+    <dgm:txPr/>
+    <dgm:style>
+      <a:lnRef idx="0">
+        <a:scrgbClr r="0" g="0" b="0"/>
+      </a:lnRef>
+      <a:fillRef idx="1">
+        <a:scrgbClr r="0" g="0" b="0"/>
+      </a:fillRef>
+      <a:effectRef idx="0">
+        <a:scrgbClr r="0" g="0" b="0"/>
+      </a:effectRef>
+      <a:fontRef idx="minor"/>
+    </dgm:style>
+  </dgm:styleLbl>
+  <dgm:styleLbl name="dkBgShp">
+    <dgm:scene3d>
+      <a:camera prst="orthographicFront"/>
+      <a:lightRig rig="threePt" dir="t"/>
+    </dgm:scene3d>
+    <dgm:sp3d/>
+    <dgm:txPr/>
+    <dgm:style>
+      <a:lnRef idx="0">
+        <a:scrgbClr r="0" g="0" b="0"/>
+      </a:lnRef>
+      <a:fillRef idx="1">
+        <a:scrgbClr r="0" g="0" b="0"/>
+      </a:fillRef>
+      <a:effectRef idx="0">
+        <a:scrgbClr r="0" g="0" b="0"/>
+      </a:effectRef>
+      <a:fontRef idx="minor"/>
+    </dgm:style>
+  </dgm:styleLbl>
+  <dgm:styleLbl name="trBgShp">
+    <dgm:scene3d>
+      <a:camera prst="orthographicFront"/>
+      <a:lightRig rig="threePt" dir="t"/>
+    </dgm:scene3d>
+    <dgm:sp3d/>
+    <dgm:txPr/>
+    <dgm:style>
+      <a:lnRef idx="0">
+        <a:scrgbClr r="0" g="0" b="0"/>
+      </a:lnRef>
+      <a:fillRef idx="1">
+        <a:scrgbClr r="0" g="0" b="0"/>
+      </a:fillRef>
+      <a:effectRef idx="0">
+        <a:scrgbClr r="0" g="0" b="0"/>
+      </a:effectRef>
+      <a:fontRef idx="minor"/>
+    </dgm:style>
+  </dgm:styleLbl>
+  <dgm:styleLbl name="fgShp">
+    <dgm:scene3d>
+      <a:camera prst="orthographicFront"/>
+      <a:lightRig rig="threePt" dir="t"/>
+    </dgm:scene3d>
+    <dgm:sp3d/>
+    <dgm:txPr/>
+    <dgm:style>
+      <a:lnRef idx="2">
+        <a:scrgbClr r="0" g="0" b="0"/>
+      </a:lnRef>
+      <a:fillRef idx="1">
+        <a:scrgbClr r="0" g="0" b="0"/>
+      </a:fillRef>
+      <a:effectRef idx="0">
+        <a:scrgbClr r="0" g="0" b="0"/>
+      </a:effectRef>
+      <a:fontRef idx="minor"/>
+    </dgm:style>
+  </dgm:styleLbl>
+  <dgm:styleLbl name="revTx">
+    <dgm:scene3d>
+      <a:camera prst="orthographicFront"/>
+      <a:lightRig rig="threePt" dir="t"/>
+    </dgm:scene3d>
+    <dgm:sp3d/>
+    <dgm:txPr/>
+    <dgm:style>
+      <a:lnRef idx="0">
+        <a:scrgbClr r="0" g="0" b="0"/>
+      </a:lnRef>
+      <a:fillRef idx="0">
+        <a:scrgbClr r="0" g="0" b="0"/>
+      </a:fillRef>
+      <a:effectRef idx="0">
+        <a:scrgbClr r="0" g="0" b="0"/>
+      </a:effectRef>
+      <a:fontRef idx="minor"/>
+    </dgm:style>
+  </dgm:styleLbl>
+</dgm:styleDef>
+</file>
+
+<file path=ppt/diagrams/quickStyle4.xml><?xml version="1.0" encoding="utf-8"?>
 <dgm:styleDef xmlns:dgm="http://schemas.openxmlformats.org/drawingml/2006/diagram" xmlns:a="http://schemas.openxmlformats.org/drawingml/2006/main" uniqueId="urn:microsoft.com/office/officeart/2005/8/quickstyle/simple1">
   <dgm:title val=""/>
   <dgm:desc val=""/>
@@ -11719,7 +14753,7 @@
           <a:p>
             <a:fld id="{9464C98B-4B0C-4F0B-B9E3-E60DDF6355F8}" type="datetimeFigureOut">
               <a:rPr lang="en-ZA" smtClean="0"/>
-              <a:t>2023/03/06</a:t>
+              <a:t>2023/03/07</a:t>
             </a:fld>
             <a:endParaRPr lang="en-ZA"/>
           </a:p>
@@ -12015,7 +15049,7 @@
           <a:p>
             <a:fld id="{9464C98B-4B0C-4F0B-B9E3-E60DDF6355F8}" type="datetimeFigureOut">
               <a:rPr lang="en-ZA" smtClean="0"/>
-              <a:t>2023/03/06</a:t>
+              <a:t>2023/03/07</a:t>
             </a:fld>
             <a:endParaRPr lang="en-ZA"/>
           </a:p>
@@ -12263,7 +15297,7 @@
           <a:p>
             <a:fld id="{9464C98B-4B0C-4F0B-B9E3-E60DDF6355F8}" type="datetimeFigureOut">
               <a:rPr lang="en-ZA" smtClean="0"/>
-              <a:t>2023/03/06</a:t>
+              <a:t>2023/03/07</a:t>
             </a:fld>
             <a:endParaRPr lang="en-ZA"/>
           </a:p>
@@ -12803,7 +15837,7 @@
           <a:p>
             <a:fld id="{9464C98B-4B0C-4F0B-B9E3-E60DDF6355F8}" type="datetimeFigureOut">
               <a:rPr lang="en-ZA" smtClean="0"/>
-              <a:t>2023/03/06</a:t>
+              <a:t>2023/03/07</a:t>
             </a:fld>
             <a:endParaRPr lang="en-ZA"/>
           </a:p>
@@ -13051,7 +16085,7 @@
           <a:p>
             <a:fld id="{9464C98B-4B0C-4F0B-B9E3-E60DDF6355F8}" type="datetimeFigureOut">
               <a:rPr lang="en-ZA" smtClean="0"/>
-              <a:t>2023/03/06</a:t>
+              <a:t>2023/03/07</a:t>
             </a:fld>
             <a:endParaRPr lang="en-ZA"/>
           </a:p>
@@ -13583,7 +16617,7 @@
           <a:p>
             <a:fld id="{9464C98B-4B0C-4F0B-B9E3-E60DDF6355F8}" type="datetimeFigureOut">
               <a:rPr lang="en-ZA" smtClean="0"/>
-              <a:t>2023/03/06</a:t>
+              <a:t>2023/03/07</a:t>
             </a:fld>
             <a:endParaRPr lang="en-ZA"/>
           </a:p>
@@ -13880,7 +16914,7 @@
           <a:p>
             <a:fld id="{9464C98B-4B0C-4F0B-B9E3-E60DDF6355F8}" type="datetimeFigureOut">
               <a:rPr lang="en-ZA" smtClean="0"/>
-              <a:t>2023/03/06</a:t>
+              <a:t>2023/03/07</a:t>
             </a:fld>
             <a:endParaRPr lang="en-ZA"/>
           </a:p>
@@ -14054,7 +17088,7 @@
           <a:p>
             <a:fld id="{9464C98B-4B0C-4F0B-B9E3-E60DDF6355F8}" type="datetimeFigureOut">
               <a:rPr lang="en-ZA" smtClean="0"/>
-              <a:t>2023/03/06</a:t>
+              <a:t>2023/03/07</a:t>
             </a:fld>
             <a:endParaRPr lang="en-ZA"/>
           </a:p>
@@ -14234,7 +17268,7 @@
           <a:p>
             <a:fld id="{9464C98B-4B0C-4F0B-B9E3-E60DDF6355F8}" type="datetimeFigureOut">
               <a:rPr lang="en-ZA" smtClean="0"/>
-              <a:t>2023/03/06</a:t>
+              <a:t>2023/03/07</a:t>
             </a:fld>
             <a:endParaRPr lang="en-ZA"/>
           </a:p>
@@ -14404,7 +17438,7 @@
           <a:p>
             <a:fld id="{9464C98B-4B0C-4F0B-B9E3-E60DDF6355F8}" type="datetimeFigureOut">
               <a:rPr lang="en-ZA" smtClean="0"/>
-              <a:t>2023/03/06</a:t>
+              <a:t>2023/03/07</a:t>
             </a:fld>
             <a:endParaRPr lang="en-ZA"/>
           </a:p>
@@ -14655,7 +17689,7 @@
           <a:p>
             <a:fld id="{9464C98B-4B0C-4F0B-B9E3-E60DDF6355F8}" type="datetimeFigureOut">
               <a:rPr lang="en-ZA" smtClean="0"/>
-              <a:t>2023/03/06</a:t>
+              <a:t>2023/03/07</a:t>
             </a:fld>
             <a:endParaRPr lang="en-ZA"/>
           </a:p>
@@ -14952,7 +17986,7 @@
           <a:p>
             <a:fld id="{9464C98B-4B0C-4F0B-B9E3-E60DDF6355F8}" type="datetimeFigureOut">
               <a:rPr lang="en-ZA" smtClean="0"/>
-              <a:t>2023/03/06</a:t>
+              <a:t>2023/03/07</a:t>
             </a:fld>
             <a:endParaRPr lang="en-ZA"/>
           </a:p>
@@ -15394,7 +18428,7 @@
           <a:p>
             <a:fld id="{9464C98B-4B0C-4F0B-B9E3-E60DDF6355F8}" type="datetimeFigureOut">
               <a:rPr lang="en-ZA" smtClean="0"/>
-              <a:t>2023/03/06</a:t>
+              <a:t>2023/03/07</a:t>
             </a:fld>
             <a:endParaRPr lang="en-ZA"/>
           </a:p>
@@ -15512,7 +18546,7 @@
           <a:p>
             <a:fld id="{9464C98B-4B0C-4F0B-B9E3-E60DDF6355F8}" type="datetimeFigureOut">
               <a:rPr lang="en-ZA" smtClean="0"/>
-              <a:t>2023/03/06</a:t>
+              <a:t>2023/03/07</a:t>
             </a:fld>
             <a:endParaRPr lang="en-ZA"/>
           </a:p>
@@ -15607,7 +18641,7 @@
           <a:p>
             <a:fld id="{9464C98B-4B0C-4F0B-B9E3-E60DDF6355F8}" type="datetimeFigureOut">
               <a:rPr lang="en-ZA" smtClean="0"/>
-              <a:t>2023/03/06</a:t>
+              <a:t>2023/03/07</a:t>
             </a:fld>
             <a:endParaRPr lang="en-ZA"/>
           </a:p>
@@ -15890,7 +18924,7 @@
           <a:p>
             <a:fld id="{9464C98B-4B0C-4F0B-B9E3-E60DDF6355F8}" type="datetimeFigureOut">
               <a:rPr lang="en-ZA" smtClean="0"/>
-              <a:t>2023/03/06</a:t>
+              <a:t>2023/03/07</a:t>
             </a:fld>
             <a:endParaRPr lang="en-ZA"/>
           </a:p>
@@ -16181,7 +19215,7 @@
           <a:p>
             <a:fld id="{9464C98B-4B0C-4F0B-B9E3-E60DDF6355F8}" type="datetimeFigureOut">
               <a:rPr lang="en-ZA" smtClean="0"/>
-              <a:t>2023/03/06</a:t>
+              <a:t>2023/03/07</a:t>
             </a:fld>
             <a:endParaRPr lang="en-ZA"/>
           </a:p>
@@ -16711,7 +19745,7 @@
           <a:p>
             <a:fld id="{9464C98B-4B0C-4F0B-B9E3-E60DDF6355F8}" type="datetimeFigureOut">
               <a:rPr lang="en-ZA" smtClean="0"/>
-              <a:t>2023/03/06</a:t>
+              <a:t>2023/03/07</a:t>
             </a:fld>
             <a:endParaRPr lang="en-ZA"/>
           </a:p>
@@ -17336,6 +20370,41 @@
 <file path=ppt/slides/slide10.xml><?xml version="1.0" encoding="utf-8"?>
 <p:sld xmlns:a="http://schemas.openxmlformats.org/drawingml/2006/main" xmlns:r="http://schemas.openxmlformats.org/officeDocument/2006/relationships" xmlns:p="http://schemas.openxmlformats.org/presentationml/2006/main">
   <p:cSld>
+    <p:bg>
+      <p:bgPr>
+        <a:gradFill rotWithShape="1">
+          <a:gsLst>
+            <a:gs pos="0">
+              <a:schemeClr val="bg2">
+                <a:tint val="96000"/>
+                <a:shade val="100000"/>
+                <a:hueMod val="270000"/>
+                <a:satMod val="200000"/>
+                <a:lumMod val="128000"/>
+              </a:schemeClr>
+            </a:gs>
+            <a:gs pos="50000">
+              <a:schemeClr val="bg2">
+                <a:shade val="100000"/>
+                <a:hueMod val="100000"/>
+                <a:satMod val="110000"/>
+                <a:lumMod val="130000"/>
+              </a:schemeClr>
+            </a:gs>
+            <a:gs pos="100000">
+              <a:schemeClr val="bg2">
+                <a:shade val="78000"/>
+                <a:hueMod val="44000"/>
+                <a:satMod val="200000"/>
+                <a:lumMod val="69000"/>
+              </a:schemeClr>
+            </a:gs>
+          </a:gsLst>
+          <a:lin ang="2520000" scaled="0"/>
+        </a:gradFill>
+        <a:effectLst/>
+      </p:bgPr>
+    </p:bg>
     <p:spTree>
       <p:nvGrpSpPr>
         <p:cNvPr id="1" name=""/>
@@ -17355,7 +20424,7 @@
           <p:cNvPr id="2" name="Title 1">
             <a:extLst>
               <a:ext uri="{FF2B5EF4-FFF2-40B4-BE49-F238E27FC236}">
-                <a16:creationId xmlns:a16="http://schemas.microsoft.com/office/drawing/2014/main" id="{CCCA8173-DB39-0BBA-45B3-6410C6F07EEE}"/>
+                <a16:creationId xmlns:a16="http://schemas.microsoft.com/office/drawing/2014/main" id="{DCF5A9AB-D7A3-52C1-BBAB-9CA217326193}"/>
               </a:ext>
             </a:extLst>
           </p:cNvPr>
@@ -17368,12 +20437,14 @@
         </p:nvSpPr>
         <p:spPr/>
         <p:txBody>
-          <a:bodyPr/>
+          <a:bodyPr>
+            <a:normAutofit/>
+          </a:bodyPr>
           <a:lstStyle/>
           <a:p>
             <a:r>
               <a:rPr lang="en-GB" dirty="0"/>
-              <a:t>Studies</a:t>
+              <a:t>Efficacy of Musical Intervention in the Depressive State</a:t>
             </a:r>
             <a:endParaRPr lang="en-ZA" dirty="0"/>
           </a:p>
@@ -17381,10 +20452,10 @@
       </p:sp>
       <p:sp>
         <p:nvSpPr>
-          <p:cNvPr id="3" name="Content Placeholder 2">
+          <p:cNvPr id="8" name="Content Placeholder 2">
             <a:extLst>
               <a:ext uri="{FF2B5EF4-FFF2-40B4-BE49-F238E27FC236}">
-                <a16:creationId xmlns:a16="http://schemas.microsoft.com/office/drawing/2014/main" id="{796863F3-E308-EDDC-9CF8-61849816F028}"/>
+                <a16:creationId xmlns:a16="http://schemas.microsoft.com/office/drawing/2014/main" id="{6850682E-104E-9712-E328-02417E6ED92C}"/>
               </a:ext>
             </a:extLst>
           </p:cNvPr>
@@ -17395,154 +20466,114 @@
             <p:ph idx="1"/>
           </p:nvPr>
         </p:nvSpPr>
-        <p:spPr/>
+        <p:spPr>
+          <a:xfrm>
+            <a:off x="680321" y="2336873"/>
+            <a:ext cx="9613861" cy="3395060"/>
+          </a:xfrm>
+        </p:spPr>
         <p:txBody>
-          <a:bodyPr>
-            <a:normAutofit fontScale="92500" lnSpcReduction="10000"/>
+          <a:bodyPr anchor="ctr">
+            <a:normAutofit/>
           </a:bodyPr>
           <a:lstStyle/>
           <a:p>
+            <a:pPr marL="0" indent="0">
+              <a:buNone/>
+            </a:pPr>
             <a:r>
-              <a:rPr lang="en-GB" dirty="0"/>
-              <a:t>6 studies could be used to evaluate effectiveness where 4 saw improvement in cognitive function and 1 had stable MMSE score where the CG MMSE score declined</a:t>
+              <a:rPr lang="en-US" sz="2000" dirty="0"/>
+              <a:t>The effectiveness of serious games were </a:t>
+            </a:r>
+            <a:r>
+              <a:rPr lang="en-US" sz="2000" dirty="0" err="1"/>
+              <a:t>avaluated</a:t>
+            </a:r>
+            <a:r>
+              <a:rPr lang="en-US" sz="2000" dirty="0"/>
+              <a:t> using the following outcome domains:</a:t>
             </a:r>
           </a:p>
           <a:p>
+            <a:pPr marL="514350" indent="-514350">
+              <a:buFont typeface="+mj-lt"/>
+              <a:buAutoNum type="romanUcPeriod"/>
+            </a:pPr>
             <a:r>
-              <a:rPr lang="en-GB" dirty="0"/>
-              <a:t>2 Studies found that the overall design of the game should be simple with few moving parts and big buttons</a:t>
+              <a:rPr lang="en-US" sz="2000" dirty="0"/>
+              <a:t>Cognitive function</a:t>
             </a:r>
           </a:p>
           <a:p>
+            <a:pPr lvl="1"/>
             <a:r>
-              <a:rPr lang="en-GB" dirty="0"/>
-              <a:t>5 studies found that participants enjoyed and appreciated the games. 3 studies reported that participants especially enjoyed playing in groups.</a:t>
+              <a:rPr lang="en-US" sz="1600" dirty="0"/>
+              <a:t>Attention, language, memory, orientation, verbal learning etc.</a:t>
             </a:r>
           </a:p>
           <a:p>
+            <a:pPr marL="514350" indent="-514350">
+              <a:buFont typeface="+mj-lt"/>
+              <a:buAutoNum type="romanUcPeriod"/>
+            </a:pPr>
             <a:r>
-              <a:rPr lang="en-GB" dirty="0"/>
-              <a:t>No study reported any adverse affect caused by the serious games</a:t>
+              <a:rPr lang="en-US" sz="2000" dirty="0"/>
+              <a:t>Physical function</a:t>
             </a:r>
-            <a:endParaRPr lang="en-ZA" dirty="0"/>
+          </a:p>
+          <a:p>
+            <a:pPr lvl="1"/>
+            <a:r>
+              <a:rPr lang="en-US" sz="1600" dirty="0"/>
+              <a:t>Balance, gait, and ADL(activities of daily living)</a:t>
+            </a:r>
+          </a:p>
+          <a:p>
+            <a:pPr marL="514350" indent="-514350">
+              <a:buFont typeface="+mj-lt"/>
+              <a:buAutoNum type="romanUcPeriod"/>
+            </a:pPr>
+            <a:r>
+              <a:rPr lang="en-US" sz="2000" dirty="0"/>
+              <a:t>Personal/behavioral aspects</a:t>
+            </a:r>
+          </a:p>
+          <a:p>
+            <a:pPr lvl="1"/>
+            <a:r>
+              <a:rPr lang="en-US" sz="1600" dirty="0"/>
+              <a:t>QoL(Quality of Life) and mood</a:t>
+            </a:r>
+            <a:endParaRPr lang="en-ZA" sz="1600" dirty="0"/>
           </a:p>
         </p:txBody>
       </p:sp>
     </p:spTree>
     <p:extLst>
       <p:ext uri="{BB962C8B-B14F-4D97-AF65-F5344CB8AC3E}">
-        <p14:creationId xmlns:p14="http://schemas.microsoft.com/office/powerpoint/2010/main" val="215969375"/>
+        <p14:creationId xmlns:p14="http://schemas.microsoft.com/office/powerpoint/2010/main" val="3906523803"/>
       </p:ext>
     </p:extLst>
   </p:cSld>
   <p:clrMapOvr>
     <a:masterClrMapping/>
   </p:clrMapOvr>
-  <p:transition spd="slow">
-    <p:cover/>
-  </p:transition>
+  <mc:AlternateContent xmlns:mc="http://schemas.openxmlformats.org/markup-compatibility/2006">
+    <mc:Choice xmlns:p14="http://schemas.microsoft.com/office/powerpoint/2010/main" Requires="p14">
+      <p:transition spd="slow" p14:dur="1500">
+        <p:split orient="vert"/>
+      </p:transition>
+    </mc:Choice>
+    <mc:Fallback>
+      <p:transition spd="slow">
+        <p:split orient="vert"/>
+      </p:transition>
+    </mc:Fallback>
+  </mc:AlternateContent>
 </p:sld>
 </file>
 
 <file path=ppt/slides/slide11.xml><?xml version="1.0" encoding="utf-8"?>
-<p:sld xmlns:a="http://schemas.openxmlformats.org/drawingml/2006/main" xmlns:r="http://schemas.openxmlformats.org/officeDocument/2006/relationships" xmlns:p="http://schemas.openxmlformats.org/presentationml/2006/main">
-  <p:cSld>
-    <p:spTree>
-      <p:nvGrpSpPr>
-        <p:cNvPr id="1" name=""/>
-        <p:cNvGrpSpPr/>
-        <p:nvPr/>
-      </p:nvGrpSpPr>
-      <p:grpSpPr>
-        <a:xfrm>
-          <a:off x="0" y="0"/>
-          <a:ext cx="0" cy="0"/>
-          <a:chOff x="0" y="0"/>
-          <a:chExt cx="0" cy="0"/>
-        </a:xfrm>
-      </p:grpSpPr>
-      <p:sp>
-        <p:nvSpPr>
-          <p:cNvPr id="2" name="Title 1">
-            <a:extLst>
-              <a:ext uri="{FF2B5EF4-FFF2-40B4-BE49-F238E27FC236}">
-                <a16:creationId xmlns:a16="http://schemas.microsoft.com/office/drawing/2014/main" id="{427C294E-6AAC-7684-3B3F-DCFD7B304AE5}"/>
-              </a:ext>
-            </a:extLst>
-          </p:cNvPr>
-          <p:cNvSpPr>
-            <a:spLocks noGrp="1"/>
-          </p:cNvSpPr>
-          <p:nvPr>
-            <p:ph type="title"/>
-          </p:nvPr>
-        </p:nvSpPr>
-        <p:spPr>
-          <a:xfrm>
-            <a:off x="1484312" y="0"/>
-            <a:ext cx="10018713" cy="1752599"/>
-          </a:xfrm>
-        </p:spPr>
-        <p:txBody>
-          <a:bodyPr/>
-          <a:lstStyle/>
-          <a:p>
-            <a:r>
-              <a:rPr lang="en-US" dirty="0"/>
-              <a:t>Studies used</a:t>
-            </a:r>
-            <a:endParaRPr lang="en-ZA" dirty="0"/>
-          </a:p>
-        </p:txBody>
-      </p:sp>
-      <p:graphicFrame>
-        <p:nvGraphicFramePr>
-          <p:cNvPr id="6" name="Content Placeholder 5">
-            <a:extLst>
-              <a:ext uri="{FF2B5EF4-FFF2-40B4-BE49-F238E27FC236}">
-                <a16:creationId xmlns:a16="http://schemas.microsoft.com/office/drawing/2014/main" id="{67A4DA51-BFC4-4D21-4164-7C58DB6079FA}"/>
-              </a:ext>
-            </a:extLst>
-          </p:cNvPr>
-          <p:cNvGraphicFramePr>
-            <a:graphicFrameLocks noGrp="1"/>
-          </p:cNvGraphicFramePr>
-          <p:nvPr>
-            <p:ph idx="1"/>
-            <p:extLst>
-              <p:ext uri="{D42A27DB-BD31-4B8C-83A1-F6EECF244321}">
-                <p14:modId xmlns:p14="http://schemas.microsoft.com/office/powerpoint/2010/main" val="2641303187"/>
-              </p:ext>
-            </p:extLst>
-          </p:nvPr>
-        </p:nvGraphicFramePr>
-        <p:xfrm>
-          <a:off x="1259456" y="1682153"/>
-          <a:ext cx="10752526" cy="4511614"/>
-        </p:xfrm>
-        <a:graphic>
-          <a:graphicData uri="http://schemas.openxmlformats.org/drawingml/2006/chart">
-            <c:chart xmlns:c="http://schemas.openxmlformats.org/drawingml/2006/chart" xmlns:r="http://schemas.openxmlformats.org/officeDocument/2006/relationships" r:id="rId2"/>
-          </a:graphicData>
-        </a:graphic>
-      </p:graphicFrame>
-    </p:spTree>
-    <p:extLst>
-      <p:ext uri="{BB962C8B-B14F-4D97-AF65-F5344CB8AC3E}">
-        <p14:creationId xmlns:p14="http://schemas.microsoft.com/office/powerpoint/2010/main" val="4185902406"/>
-      </p:ext>
-    </p:extLst>
-  </p:cSld>
-  <p:clrMapOvr>
-    <a:masterClrMapping/>
-  </p:clrMapOvr>
-  <p:transition spd="med">
-    <p:pull/>
-  </p:transition>
-</p:sld>
-</file>
-
-<file path=ppt/slides/slide12.xml><?xml version="1.0" encoding="utf-8"?>
 <p:sld xmlns:a="http://schemas.openxmlformats.org/drawingml/2006/main" xmlns:r="http://schemas.openxmlformats.org/officeDocument/2006/relationships" xmlns:p="http://schemas.openxmlformats.org/presentationml/2006/main">
   <p:cSld>
     <p:bg>
@@ -19086,376 +22117,6 @@
 <file path=ppt/slides/slide3.xml><?xml version="1.0" encoding="utf-8"?>
 <p:sld xmlns:a="http://schemas.openxmlformats.org/drawingml/2006/main" xmlns:r="http://schemas.openxmlformats.org/officeDocument/2006/relationships" xmlns:p="http://schemas.openxmlformats.org/presentationml/2006/main">
   <p:cSld>
-    <p:spTree>
-      <p:nvGrpSpPr>
-        <p:cNvPr id="1" name=""/>
-        <p:cNvGrpSpPr/>
-        <p:nvPr/>
-      </p:nvGrpSpPr>
-      <p:grpSpPr>
-        <a:xfrm>
-          <a:off x="0" y="0"/>
-          <a:ext cx="0" cy="0"/>
-          <a:chOff x="0" y="0"/>
-          <a:chExt cx="0" cy="0"/>
-        </a:xfrm>
-      </p:grpSpPr>
-      <p:sp>
-        <p:nvSpPr>
-          <p:cNvPr id="2" name="Title 1">
-            <a:extLst>
-              <a:ext uri="{FF2B5EF4-FFF2-40B4-BE49-F238E27FC236}">
-                <a16:creationId xmlns:a16="http://schemas.microsoft.com/office/drawing/2014/main" id="{E41703A0-4686-89E2-97D7-D49D4C6FFA2D}"/>
-              </a:ext>
-            </a:extLst>
-          </p:cNvPr>
-          <p:cNvSpPr>
-            <a:spLocks noGrp="1"/>
-          </p:cNvSpPr>
-          <p:nvPr>
-            <p:ph type="title"/>
-          </p:nvPr>
-        </p:nvSpPr>
-        <p:spPr/>
-        <p:txBody>
-          <a:bodyPr/>
-          <a:lstStyle/>
-          <a:p>
-            <a:r>
-              <a:rPr lang="en-GB" dirty="0"/>
-              <a:t>Academics</a:t>
-            </a:r>
-            <a:endParaRPr lang="en-ZA" dirty="0"/>
-          </a:p>
-        </p:txBody>
-      </p:sp>
-      <p:sp>
-        <p:nvSpPr>
-          <p:cNvPr id="3" name="Content Placeholder 2">
-            <a:extLst>
-              <a:ext uri="{FF2B5EF4-FFF2-40B4-BE49-F238E27FC236}">
-                <a16:creationId xmlns:a16="http://schemas.microsoft.com/office/drawing/2014/main" id="{49664650-4834-D331-39EB-A75F7762F385}"/>
-              </a:ext>
-            </a:extLst>
-          </p:cNvPr>
-          <p:cNvSpPr>
-            <a:spLocks noGrp="1"/>
-          </p:cNvSpPr>
-          <p:nvPr>
-            <p:ph idx="1"/>
-          </p:nvPr>
-        </p:nvSpPr>
-        <p:spPr/>
-        <p:txBody>
-          <a:bodyPr>
-            <a:normAutofit fontScale="70000" lnSpcReduction="20000"/>
-          </a:bodyPr>
-          <a:lstStyle/>
-          <a:p>
-            <a:r>
-              <a:rPr lang="en-GB" dirty="0"/>
-              <a:t>Institute of Movement and Sport Gerontology, German Sport University Cologne, Cologne, Germany</a:t>
-            </a:r>
-            <a:br>
-              <a:rPr lang="en-GB" dirty="0"/>
-            </a:br>
-            <a:endParaRPr lang="en-ZA" dirty="0"/>
-          </a:p>
-          <a:p>
-            <a:pPr lvl="1"/>
-            <a:r>
-              <a:rPr lang="en-ZA" dirty="0"/>
-              <a:t>Corinna </a:t>
-            </a:r>
-            <a:r>
-              <a:rPr lang="en-ZA" dirty="0" err="1"/>
-              <a:t>Dietlein</a:t>
-            </a:r>
-            <a:endParaRPr lang="en-ZA" dirty="0"/>
-          </a:p>
-          <a:p>
-            <a:pPr lvl="1"/>
-            <a:endParaRPr lang="en-ZA" dirty="0"/>
-          </a:p>
-          <a:p>
-            <a:pPr lvl="1"/>
-            <a:r>
-              <a:rPr lang="en-ZA" dirty="0" err="1"/>
-              <a:t>Dr.</a:t>
-            </a:r>
-            <a:r>
-              <a:rPr lang="en-ZA" dirty="0"/>
-              <a:t> Sabine </a:t>
-            </a:r>
-            <a:r>
-              <a:rPr lang="en-ZA" dirty="0" err="1"/>
-              <a:t>Eichberg</a:t>
-            </a:r>
-            <a:endParaRPr lang="en-ZA" dirty="0"/>
-          </a:p>
-          <a:p>
-            <a:pPr lvl="1"/>
-            <a:endParaRPr lang="en-ZA" dirty="0"/>
-          </a:p>
-          <a:p>
-            <a:pPr lvl="1"/>
-            <a:r>
-              <a:rPr lang="en-ZA" dirty="0" err="1"/>
-              <a:t>Dr.</a:t>
-            </a:r>
-            <a:r>
-              <a:rPr lang="en-ZA" dirty="0"/>
-              <a:t> Tim </a:t>
-            </a:r>
-            <a:r>
-              <a:rPr lang="en-ZA" dirty="0" err="1"/>
-              <a:t>Fleiner</a:t>
-            </a:r>
-            <a:endParaRPr lang="en-ZA" dirty="0"/>
-          </a:p>
-          <a:p>
-            <a:pPr lvl="1"/>
-            <a:endParaRPr lang="en-ZA" dirty="0"/>
-          </a:p>
-          <a:p>
-            <a:pPr lvl="1"/>
-            <a:r>
-              <a:rPr lang="en-ZA" dirty="0" err="1"/>
-              <a:t>Dr.</a:t>
-            </a:r>
-            <a:r>
-              <a:rPr lang="en-ZA" dirty="0"/>
-              <a:t> </a:t>
-            </a:r>
-            <a:r>
-              <a:rPr lang="en-ZA" dirty="0" err="1"/>
-              <a:t>Wiebren</a:t>
-            </a:r>
-            <a:r>
-              <a:rPr lang="en-ZA" dirty="0"/>
-              <a:t> </a:t>
-            </a:r>
-            <a:r>
-              <a:rPr lang="en-ZA" dirty="0" err="1"/>
-              <a:t>Zijlstra</a:t>
-            </a:r>
-            <a:endParaRPr lang="en-ZA" dirty="0"/>
-          </a:p>
-          <a:p>
-            <a:pPr lvl="2"/>
-            <a:r>
-              <a:rPr lang="en-ZA" dirty="0"/>
-              <a:t>Current head of department</a:t>
-            </a:r>
-          </a:p>
-        </p:txBody>
-      </p:sp>
-    </p:spTree>
-    <p:extLst>
-      <p:ext uri="{BB962C8B-B14F-4D97-AF65-F5344CB8AC3E}">
-        <p14:creationId xmlns:p14="http://schemas.microsoft.com/office/powerpoint/2010/main" val="610991606"/>
-      </p:ext>
-    </p:extLst>
-  </p:cSld>
-  <p:clrMapOvr>
-    <a:masterClrMapping/>
-  </p:clrMapOvr>
-  <p:transition spd="slow">
-    <p:wipe/>
-  </p:transition>
-</p:sld>
-</file>
-
-<file path=ppt/slides/slide4.xml><?xml version="1.0" encoding="utf-8"?>
-<p:sld xmlns:a="http://schemas.openxmlformats.org/drawingml/2006/main" xmlns:r="http://schemas.openxmlformats.org/officeDocument/2006/relationships" xmlns:p="http://schemas.openxmlformats.org/presentationml/2006/main">
-  <p:cSld>
-    <p:bg>
-      <p:bgPr>
-        <a:gradFill rotWithShape="1">
-          <a:gsLst>
-            <a:gs pos="0">
-              <a:schemeClr val="bg2">
-                <a:tint val="96000"/>
-                <a:shade val="100000"/>
-                <a:hueMod val="270000"/>
-                <a:satMod val="200000"/>
-                <a:lumMod val="128000"/>
-              </a:schemeClr>
-            </a:gs>
-            <a:gs pos="50000">
-              <a:schemeClr val="bg2">
-                <a:shade val="100000"/>
-                <a:hueMod val="100000"/>
-                <a:satMod val="110000"/>
-                <a:lumMod val="130000"/>
-              </a:schemeClr>
-            </a:gs>
-            <a:gs pos="100000">
-              <a:schemeClr val="bg2">
-                <a:shade val="78000"/>
-                <a:hueMod val="44000"/>
-                <a:satMod val="200000"/>
-                <a:lumMod val="69000"/>
-              </a:schemeClr>
-            </a:gs>
-          </a:gsLst>
-          <a:lin ang="2520000" scaled="0"/>
-        </a:gradFill>
-        <a:effectLst/>
-      </p:bgPr>
-    </p:bg>
-    <p:spTree>
-      <p:nvGrpSpPr>
-        <p:cNvPr id="1" name=""/>
-        <p:cNvGrpSpPr/>
-        <p:nvPr/>
-      </p:nvGrpSpPr>
-      <p:grpSpPr>
-        <a:xfrm>
-          <a:off x="0" y="0"/>
-          <a:ext cx="0" cy="0"/>
-          <a:chOff x="0" y="0"/>
-          <a:chExt cx="0" cy="0"/>
-        </a:xfrm>
-      </p:grpSpPr>
-      <p:sp>
-        <p:nvSpPr>
-          <p:cNvPr id="2" name="Title 1">
-            <a:extLst>
-              <a:ext uri="{FF2B5EF4-FFF2-40B4-BE49-F238E27FC236}">
-                <a16:creationId xmlns:a16="http://schemas.microsoft.com/office/drawing/2014/main" id="{39BF3F0B-7072-F7A2-110E-89827E688374}"/>
-              </a:ext>
-            </a:extLst>
-          </p:cNvPr>
-          <p:cNvSpPr>
-            <a:spLocks noGrp="1"/>
-          </p:cNvSpPr>
-          <p:nvPr>
-            <p:ph type="title"/>
-          </p:nvPr>
-        </p:nvSpPr>
-        <p:spPr>
-          <a:xfrm>
-            <a:off x="6770849" y="643466"/>
-            <a:ext cx="3846292" cy="5205943"/>
-          </a:xfrm>
-        </p:spPr>
-        <p:txBody>
-          <a:bodyPr anchor="b">
-            <a:normAutofit/>
-          </a:bodyPr>
-          <a:lstStyle/>
-          <a:p>
-            <a:pPr algn="r"/>
-            <a:r>
-              <a:rPr lang="en-GB" sz="4800">
-                <a:solidFill>
-                  <a:schemeClr val="accent1"/>
-                </a:solidFill>
-              </a:rPr>
-              <a:t>Serious game Defenition</a:t>
-            </a:r>
-            <a:endParaRPr lang="en-ZA" sz="4800">
-              <a:solidFill>
-                <a:schemeClr val="accent1"/>
-              </a:solidFill>
-            </a:endParaRPr>
-          </a:p>
-        </p:txBody>
-      </p:sp>
-      <p:sp>
-        <p:nvSpPr>
-          <p:cNvPr id="24" name="Content Placeholder 2">
-            <a:extLst>
-              <a:ext uri="{FF2B5EF4-FFF2-40B4-BE49-F238E27FC236}">
-                <a16:creationId xmlns:a16="http://schemas.microsoft.com/office/drawing/2014/main" id="{86A027CB-DF80-24B2-A367-0873AFA24D90}"/>
-              </a:ext>
-            </a:extLst>
-          </p:cNvPr>
-          <p:cNvSpPr>
-            <a:spLocks noGrp="1"/>
-          </p:cNvSpPr>
-          <p:nvPr>
-            <p:ph idx="1"/>
-          </p:nvPr>
-        </p:nvSpPr>
-        <p:spPr>
-          <a:xfrm>
-            <a:off x="680321" y="965200"/>
-            <a:ext cx="5410207" cy="4884209"/>
-          </a:xfrm>
-        </p:spPr>
-        <p:txBody>
-          <a:bodyPr anchor="ctr">
-            <a:normAutofit/>
-          </a:bodyPr>
-          <a:lstStyle/>
-          <a:p>
-            <a:pPr marL="0" indent="0">
-              <a:buNone/>
-            </a:pPr>
-            <a:r>
-              <a:rPr lang="en-GB" sz="2000" dirty="0"/>
-              <a:t>This Study defines a serious game as:</a:t>
-            </a:r>
-          </a:p>
-          <a:p>
-            <a:pPr marL="0" indent="0">
-              <a:buNone/>
-            </a:pPr>
-            <a:r>
-              <a:rPr lang="en-ZA" sz="2000" dirty="0"/>
-              <a:t>A game that does not have entertainment, enjoyment, or fun as their primary purpose.</a:t>
-            </a:r>
-          </a:p>
-          <a:p>
-            <a:pPr marL="0" indent="0">
-              <a:buNone/>
-            </a:pPr>
-            <a:r>
-              <a:rPr lang="en-ZA" sz="2000" dirty="0"/>
-              <a:t>“Serious” indicates that the game is assumed to have effects on the player in the context of education, knowledge, training, skills, health or inter-personal communication.</a:t>
-            </a:r>
-          </a:p>
-          <a:p>
-            <a:pPr marL="0" indent="0">
-              <a:buNone/>
-            </a:pPr>
-            <a:r>
-              <a:rPr lang="en-ZA" sz="2000" dirty="0"/>
-              <a:t>Serious games provide a low cost alternative that can easily be installed in the users home, which allows users to train whenever they want.</a:t>
-            </a:r>
-          </a:p>
-        </p:txBody>
-      </p:sp>
-    </p:spTree>
-    <p:extLst>
-      <p:ext uri="{BB962C8B-B14F-4D97-AF65-F5344CB8AC3E}">
-        <p14:creationId xmlns:p14="http://schemas.microsoft.com/office/powerpoint/2010/main" val="2540933568"/>
-      </p:ext>
-    </p:extLst>
-  </p:cSld>
-  <p:clrMapOvr>
-    <a:masterClrMapping/>
-  </p:clrMapOvr>
-  <mc:AlternateContent xmlns:mc="http://schemas.openxmlformats.org/markup-compatibility/2006" xmlns:p14="http://schemas.microsoft.com/office/powerpoint/2010/main">
-    <mc:Choice Requires="p14">
-      <p:transition spd="slow" p14:dur="1500">
-        <p:split orient="vert"/>
-      </p:transition>
-    </mc:Choice>
-    <mc:Fallback xmlns="">
-      <p:transition spd="slow">
-        <p:split orient="vert"/>
-      </p:transition>
-    </mc:Fallback>
-  </mc:AlternateContent>
-</p:sld>
-</file>
-
-<file path=ppt/slides/slide5.xml><?xml version="1.0" encoding="utf-8"?>
-<p:sld xmlns:a="http://schemas.openxmlformats.org/drawingml/2006/main" xmlns:r="http://schemas.openxmlformats.org/officeDocument/2006/relationships" xmlns:p="http://schemas.openxmlformats.org/presentationml/2006/main">
-  <p:cSld>
     <p:bg>
       <p:bgPr>
         <a:gradFill rotWithShape="1">
@@ -19624,7 +22285,7 @@
 </p:sld>
 </file>
 
-<file path=ppt/slides/slide6.xml><?xml version="1.0" encoding="utf-8"?>
+<file path=ppt/slides/slide4.xml><?xml version="1.0" encoding="utf-8"?>
 <p:sld xmlns:a="http://schemas.openxmlformats.org/drawingml/2006/main" xmlns:r="http://schemas.openxmlformats.org/officeDocument/2006/relationships" xmlns:p="http://schemas.openxmlformats.org/presentationml/2006/main">
   <p:cSld>
     <p:bg>
@@ -19746,7 +22407,7 @@
 </p:sld>
 </file>
 
-<file path=ppt/slides/slide7.xml><?xml version="1.0" encoding="utf-8"?>
+<file path=ppt/slides/slide5.xml><?xml version="1.0" encoding="utf-8"?>
 <p:sld xmlns:a="http://schemas.openxmlformats.org/drawingml/2006/main" xmlns:r="http://schemas.openxmlformats.org/officeDocument/2006/relationships" xmlns:p="http://schemas.openxmlformats.org/presentationml/2006/main">
   <p:cSld>
     <p:bg>
@@ -20409,7 +23070,851 @@
 </p:sld>
 </file>
 
+<file path=ppt/slides/slide6.xml><?xml version="1.0" encoding="utf-8"?>
+<p:sld xmlns:a="http://schemas.openxmlformats.org/drawingml/2006/main" xmlns:r="http://schemas.openxmlformats.org/officeDocument/2006/relationships" xmlns:p="http://schemas.openxmlformats.org/presentationml/2006/main">
+  <p:cSld>
+    <p:spTree>
+      <p:nvGrpSpPr>
+        <p:cNvPr id="1" name=""/>
+        <p:cNvGrpSpPr/>
+        <p:nvPr/>
+      </p:nvGrpSpPr>
+      <p:grpSpPr>
+        <a:xfrm>
+          <a:off x="0" y="0"/>
+          <a:ext cx="0" cy="0"/>
+          <a:chOff x="0" y="0"/>
+          <a:chExt cx="0" cy="0"/>
+        </a:xfrm>
+      </p:grpSpPr>
+      <p:sp>
+        <p:nvSpPr>
+          <p:cNvPr id="2" name="Title 1">
+            <a:extLst>
+              <a:ext uri="{FF2B5EF4-FFF2-40B4-BE49-F238E27FC236}">
+                <a16:creationId xmlns:a16="http://schemas.microsoft.com/office/drawing/2014/main" id="{427C294E-6AAC-7684-3B3F-DCFD7B304AE5}"/>
+              </a:ext>
+            </a:extLst>
+          </p:cNvPr>
+          <p:cNvSpPr>
+            <a:spLocks noGrp="1"/>
+          </p:cNvSpPr>
+          <p:nvPr>
+            <p:ph type="title"/>
+          </p:nvPr>
+        </p:nvSpPr>
+        <p:spPr>
+          <a:xfrm>
+            <a:off x="1484312" y="0"/>
+            <a:ext cx="10018713" cy="1752599"/>
+          </a:xfrm>
+        </p:spPr>
+        <p:txBody>
+          <a:bodyPr/>
+          <a:lstStyle/>
+          <a:p>
+            <a:r>
+              <a:rPr lang="en-US" dirty="0"/>
+              <a:t>Studies used</a:t>
+            </a:r>
+            <a:endParaRPr lang="en-ZA" dirty="0"/>
+          </a:p>
+        </p:txBody>
+      </p:sp>
+      <p:graphicFrame>
+        <p:nvGraphicFramePr>
+          <p:cNvPr id="6" name="Content Placeholder 5">
+            <a:extLst>
+              <a:ext uri="{FF2B5EF4-FFF2-40B4-BE49-F238E27FC236}">
+                <a16:creationId xmlns:a16="http://schemas.microsoft.com/office/drawing/2014/main" id="{67A4DA51-BFC4-4D21-4164-7C58DB6079FA}"/>
+              </a:ext>
+            </a:extLst>
+          </p:cNvPr>
+          <p:cNvGraphicFramePr>
+            <a:graphicFrameLocks noGrp="1"/>
+          </p:cNvGraphicFramePr>
+          <p:nvPr>
+            <p:ph idx="1"/>
+            <p:extLst>
+              <p:ext uri="{D42A27DB-BD31-4B8C-83A1-F6EECF244321}">
+                <p14:modId xmlns:p14="http://schemas.microsoft.com/office/powerpoint/2010/main" val="1577821235"/>
+              </p:ext>
+            </p:extLst>
+          </p:nvPr>
+        </p:nvGraphicFramePr>
+        <p:xfrm>
+          <a:off x="1259456" y="1682153"/>
+          <a:ext cx="10752526" cy="4511614"/>
+        </p:xfrm>
+        <a:graphic>
+          <a:graphicData uri="http://schemas.openxmlformats.org/drawingml/2006/chart">
+            <c:chart xmlns:c="http://schemas.openxmlformats.org/drawingml/2006/chart" xmlns:r="http://schemas.openxmlformats.org/officeDocument/2006/relationships" r:id="rId2"/>
+          </a:graphicData>
+        </a:graphic>
+      </p:graphicFrame>
+    </p:spTree>
+    <p:extLst>
+      <p:ext uri="{BB962C8B-B14F-4D97-AF65-F5344CB8AC3E}">
+        <p14:creationId xmlns:p14="http://schemas.microsoft.com/office/powerpoint/2010/main" val="4185902406"/>
+      </p:ext>
+    </p:extLst>
+  </p:cSld>
+  <p:clrMapOvr>
+    <a:masterClrMapping/>
+  </p:clrMapOvr>
+  <p:transition spd="med">
+    <p:pull/>
+  </p:transition>
+</p:sld>
+</file>
+
+<file path=ppt/slides/slide7.xml><?xml version="1.0" encoding="utf-8"?>
+<p:sld xmlns:a="http://schemas.openxmlformats.org/drawingml/2006/main" xmlns:r="http://schemas.openxmlformats.org/officeDocument/2006/relationships" xmlns:p="http://schemas.openxmlformats.org/presentationml/2006/main">
+  <p:cSld>
+    <p:bg>
+      <p:bgPr>
+        <a:gradFill rotWithShape="1">
+          <a:gsLst>
+            <a:gs pos="0">
+              <a:schemeClr val="bg2">
+                <a:tint val="90000"/>
+                <a:lumMod val="110000"/>
+              </a:schemeClr>
+            </a:gs>
+            <a:gs pos="100000">
+              <a:schemeClr val="bg2">
+                <a:shade val="64000"/>
+                <a:lumMod val="98000"/>
+              </a:schemeClr>
+            </a:gs>
+          </a:gsLst>
+          <a:lin ang="5400000" scaled="0"/>
+        </a:gradFill>
+        <a:effectLst/>
+      </p:bgPr>
+    </p:bg>
+    <p:spTree>
+      <p:nvGrpSpPr>
+        <p:cNvPr id="1" name=""/>
+        <p:cNvGrpSpPr/>
+        <p:nvPr/>
+      </p:nvGrpSpPr>
+      <p:grpSpPr>
+        <a:xfrm>
+          <a:off x="0" y="0"/>
+          <a:ext cx="0" cy="0"/>
+          <a:chOff x="0" y="0"/>
+          <a:chExt cx="0" cy="0"/>
+        </a:xfrm>
+      </p:grpSpPr>
+      <p:sp>
+        <p:nvSpPr>
+          <p:cNvPr id="2" name="Title 1">
+            <a:extLst>
+              <a:ext uri="{FF2B5EF4-FFF2-40B4-BE49-F238E27FC236}">
+                <a16:creationId xmlns:a16="http://schemas.microsoft.com/office/drawing/2014/main" id="{CCCA8173-DB39-0BBA-45B3-6410C6F07EEE}"/>
+              </a:ext>
+            </a:extLst>
+          </p:cNvPr>
+          <p:cNvSpPr>
+            <a:spLocks noGrp="1"/>
+          </p:cNvSpPr>
+          <p:nvPr>
+            <p:ph type="title"/>
+          </p:nvPr>
+        </p:nvSpPr>
+        <p:spPr>
+          <a:xfrm>
+            <a:off x="1760706" y="685800"/>
+            <a:ext cx="9742318" cy="1752599"/>
+          </a:xfrm>
+        </p:spPr>
+        <p:txBody>
+          <a:bodyPr>
+            <a:normAutofit/>
+          </a:bodyPr>
+          <a:lstStyle/>
+          <a:p>
+            <a:r>
+              <a:rPr lang="en-GB"/>
+              <a:t>Findings</a:t>
+            </a:r>
+            <a:endParaRPr lang="en-ZA" dirty="0"/>
+          </a:p>
+        </p:txBody>
+      </p:sp>
+      <p:graphicFrame>
+        <p:nvGraphicFramePr>
+          <p:cNvPr id="5" name="Content Placeholder 2">
+            <a:extLst>
+              <a:ext uri="{FF2B5EF4-FFF2-40B4-BE49-F238E27FC236}">
+                <a16:creationId xmlns:a16="http://schemas.microsoft.com/office/drawing/2014/main" id="{C4D76DE1-981E-A565-7E13-428641461943}"/>
+              </a:ext>
+            </a:extLst>
+          </p:cNvPr>
+          <p:cNvGraphicFramePr>
+            <a:graphicFrameLocks noGrp="1"/>
+          </p:cNvGraphicFramePr>
+          <p:nvPr>
+            <p:ph idx="1"/>
+            <p:extLst>
+              <p:ext uri="{D42A27DB-BD31-4B8C-83A1-F6EECF244321}">
+                <p14:modId xmlns:p14="http://schemas.microsoft.com/office/powerpoint/2010/main" val="709299920"/>
+              </p:ext>
+            </p:extLst>
+          </p:nvPr>
+        </p:nvGraphicFramePr>
+        <p:xfrm>
+          <a:off x="1760705" y="2694562"/>
+          <a:ext cx="9742319" cy="3096638"/>
+        </p:xfrm>
+        <a:graphic>
+          <a:graphicData uri="http://schemas.openxmlformats.org/drawingml/2006/diagram">
+            <dgm:relIds xmlns:dgm="http://schemas.openxmlformats.org/drawingml/2006/diagram" xmlns:r="http://schemas.openxmlformats.org/officeDocument/2006/relationships" r:dm="rId2" r:lo="rId3" r:qs="rId4" r:cs="rId5"/>
+          </a:graphicData>
+        </a:graphic>
+      </p:graphicFrame>
+    </p:spTree>
+    <p:extLst>
+      <p:ext uri="{BB962C8B-B14F-4D97-AF65-F5344CB8AC3E}">
+        <p14:creationId xmlns:p14="http://schemas.microsoft.com/office/powerpoint/2010/main" val="215969375"/>
+      </p:ext>
+    </p:extLst>
+  </p:cSld>
+  <p:clrMapOvr>
+    <a:masterClrMapping/>
+  </p:clrMapOvr>
+  <p:transition spd="slow">
+    <p:cover/>
+  </p:transition>
+</p:sld>
+</file>
+
 <file path=ppt/slides/slide8.xml><?xml version="1.0" encoding="utf-8"?>
+<p:sld xmlns:a="http://schemas.openxmlformats.org/drawingml/2006/main" xmlns:r="http://schemas.openxmlformats.org/officeDocument/2006/relationships" xmlns:p="http://schemas.openxmlformats.org/presentationml/2006/main">
+  <p:cSld>
+    <p:bg>
+      <p:bgPr>
+        <a:gradFill rotWithShape="1">
+          <a:gsLst>
+            <a:gs pos="0">
+              <a:schemeClr val="bg1">
+                <a:tint val="90000"/>
+                <a:lumMod val="110000"/>
+              </a:schemeClr>
+            </a:gs>
+            <a:gs pos="100000">
+              <a:schemeClr val="bg1">
+                <a:shade val="64000"/>
+                <a:lumMod val="98000"/>
+              </a:schemeClr>
+            </a:gs>
+          </a:gsLst>
+          <a:lin ang="5400000" scaled="0"/>
+        </a:gradFill>
+        <a:effectLst/>
+      </p:bgPr>
+    </p:bg>
+    <p:spTree>
+      <p:nvGrpSpPr>
+        <p:cNvPr id="1" name=""/>
+        <p:cNvGrpSpPr/>
+        <p:nvPr/>
+      </p:nvGrpSpPr>
+      <p:grpSpPr>
+        <a:xfrm>
+          <a:off x="0" y="0"/>
+          <a:ext cx="0" cy="0"/>
+          <a:chOff x="0" y="0"/>
+          <a:chExt cx="0" cy="0"/>
+        </a:xfrm>
+      </p:grpSpPr>
+      <p:sp useBgFill="1">
+        <p:nvSpPr>
+          <p:cNvPr id="13" name="Rectangle 12">
+            <a:extLst>
+              <a:ext uri="{FF2B5EF4-FFF2-40B4-BE49-F238E27FC236}">
+                <a16:creationId xmlns:a16="http://schemas.microsoft.com/office/drawing/2014/main" id="{01355D4F-439D-46D1-9007-6D39B8422A19}"/>
+              </a:ext>
+              <a:ext uri="{C183D7F6-B498-43B3-948B-1728B52AA6E4}">
+                <adec:decorative xmlns:adec="http://schemas.microsoft.com/office/drawing/2017/decorative" val="1"/>
+              </a:ext>
+            </a:extLst>
+          </p:cNvPr>
+          <p:cNvSpPr>
+            <a:spLocks noGrp="1" noRot="1" noChangeAspect="1" noMove="1" noResize="1" noEditPoints="1" noAdjustHandles="1" noChangeArrowheads="1" noChangeShapeType="1" noTextEdit="1"/>
+          </p:cNvSpPr>
+          <p:nvPr>
+            <p:extLst>
+              <p:ext uri="{386F3935-93C4-4BCD-93E2-E3B085C9AB24}">
+                <p16:designElem xmlns:p16="http://schemas.microsoft.com/office/powerpoint/2015/main" val="1"/>
+              </p:ext>
+            </p:extLst>
+          </p:nvPr>
+        </p:nvSpPr>
+        <p:spPr>
+          <a:xfrm>
+            <a:off x="0" y="0"/>
+            <a:ext cx="12192000" cy="6858000"/>
+          </a:xfrm>
+          <a:prstGeom prst="rect">
+            <a:avLst/>
+          </a:prstGeom>
+          <a:ln>
+            <a:noFill/>
+          </a:ln>
+        </p:spPr>
+        <p:style>
+          <a:lnRef idx="2">
+            <a:schemeClr val="accent1">
+              <a:shade val="50000"/>
+            </a:schemeClr>
+          </a:lnRef>
+          <a:fillRef idx="1">
+            <a:schemeClr val="accent1"/>
+          </a:fillRef>
+          <a:effectRef idx="0">
+            <a:schemeClr val="accent1"/>
+          </a:effectRef>
+          <a:fontRef idx="minor">
+            <a:schemeClr val="lt1"/>
+          </a:fontRef>
+        </p:style>
+        <p:txBody>
+          <a:bodyPr rtlCol="0" anchor="ctr"/>
+          <a:lstStyle/>
+          <a:p>
+            <a:pPr algn="ctr"/>
+            <a:endParaRPr lang="en-US"/>
+          </a:p>
+        </p:txBody>
+      </p:sp>
+      <p:grpSp>
+        <p:nvGrpSpPr>
+          <p:cNvPr id="15" name="Group 14">
+            <a:extLst>
+              <a:ext uri="{FF2B5EF4-FFF2-40B4-BE49-F238E27FC236}">
+                <a16:creationId xmlns:a16="http://schemas.microsoft.com/office/drawing/2014/main" id="{BAACB4EA-FD87-4345-AC16-8265F9596779}"/>
+              </a:ext>
+              <a:ext uri="{C183D7F6-B498-43B3-948B-1728B52AA6E4}">
+                <adec:decorative xmlns:adec="http://schemas.microsoft.com/office/drawing/2017/decorative" val="1"/>
+              </a:ext>
+            </a:extLst>
+          </p:cNvPr>
+          <p:cNvGrpSpPr>
+            <a:grpSpLocks noGrp="1" noUngrp="1" noRot="1" noChangeAspect="1" noMove="1" noResize="1"/>
+          </p:cNvGrpSpPr>
+          <p:nvPr>
+            <p:extLst>
+              <p:ext uri="{386F3935-93C4-4BCD-93E2-E3B085C9AB24}">
+                <p16:designElem xmlns:p16="http://schemas.microsoft.com/office/powerpoint/2015/main" val="1"/>
+              </p:ext>
+            </p:extLst>
+          </p:nvPr>
+        </p:nvGrpSpPr>
+        <p:grpSpPr>
+          <a:xfrm>
+            <a:off x="150812" y="0"/>
+            <a:ext cx="2436813" cy="6858001"/>
+            <a:chOff x="1320800" y="0"/>
+            <a:chExt cx="2436813" cy="6858001"/>
+          </a:xfrm>
+        </p:grpSpPr>
+        <p:sp>
+          <p:nvSpPr>
+            <p:cNvPr id="16" name="Freeform 6">
+              <a:extLst>
+                <a:ext uri="{FF2B5EF4-FFF2-40B4-BE49-F238E27FC236}">
+                  <a16:creationId xmlns:a16="http://schemas.microsoft.com/office/drawing/2014/main" id="{91CE3EAB-07A7-4263-8D91-D1D36B4A6B3E}"/>
+                </a:ext>
+                <a:ext uri="{C183D7F6-B498-43B3-948B-1728B52AA6E4}">
+                  <adec:decorative xmlns:adec="http://schemas.microsoft.com/office/drawing/2017/decorative" val="1"/>
+                </a:ext>
+              </a:extLst>
+            </p:cNvPr>
+            <p:cNvSpPr/>
+            <p:nvPr>
+              <p:extLst>
+                <p:ext uri="{386F3935-93C4-4BCD-93E2-E3B085C9AB24}">
+                  <p16:designElem xmlns:p16="http://schemas.microsoft.com/office/powerpoint/2015/main" val="1"/>
+                </p:ext>
+              </p:extLst>
+            </p:nvPr>
+          </p:nvSpPr>
+          <p:spPr bwMode="auto">
+            <a:xfrm>
+              <a:off x="1627188" y="0"/>
+              <a:ext cx="1122363" cy="5329238"/>
+            </a:xfrm>
+            <a:custGeom>
+              <a:avLst/>
+              <a:gdLst/>
+              <a:ahLst/>
+              <a:cxnLst/>
+              <a:rect l="0" t="0" r="r" b="b"/>
+              <a:pathLst>
+                <a:path w="707" h="3357">
+                  <a:moveTo>
+                    <a:pt x="0" y="3330"/>
+                  </a:moveTo>
+                  <a:lnTo>
+                    <a:pt x="156" y="3357"/>
+                  </a:lnTo>
+                  <a:lnTo>
+                    <a:pt x="707" y="0"/>
+                  </a:lnTo>
+                  <a:lnTo>
+                    <a:pt x="547" y="0"/>
+                  </a:lnTo>
+                  <a:lnTo>
+                    <a:pt x="0" y="3330"/>
+                  </a:lnTo>
+                  <a:close/>
+                </a:path>
+              </a:pathLst>
+            </a:custGeom>
+            <a:solidFill>
+              <a:srgbClr val="B2B2B2"/>
+            </a:solidFill>
+            <a:ln>
+              <a:noFill/>
+            </a:ln>
+          </p:spPr>
+        </p:sp>
+        <p:sp>
+          <p:nvSpPr>
+            <p:cNvPr id="17" name="Freeform 7">
+              <a:extLst>
+                <a:ext uri="{FF2B5EF4-FFF2-40B4-BE49-F238E27FC236}">
+                  <a16:creationId xmlns:a16="http://schemas.microsoft.com/office/drawing/2014/main" id="{E0A91B66-B6C6-48D2-8559-1B010D31C9E9}"/>
+                </a:ext>
+                <a:ext uri="{C183D7F6-B498-43B3-948B-1728B52AA6E4}">
+                  <adec:decorative xmlns:adec="http://schemas.microsoft.com/office/drawing/2017/decorative" val="1"/>
+                </a:ext>
+              </a:extLst>
+            </p:cNvPr>
+            <p:cNvSpPr/>
+            <p:nvPr>
+              <p:extLst>
+                <p:ext uri="{386F3935-93C4-4BCD-93E2-E3B085C9AB24}">
+                  <p16:designElem xmlns:p16="http://schemas.microsoft.com/office/powerpoint/2015/main" val="1"/>
+                </p:ext>
+              </p:extLst>
+            </p:nvPr>
+          </p:nvSpPr>
+          <p:spPr bwMode="auto">
+            <a:xfrm>
+              <a:off x="1320800" y="0"/>
+              <a:ext cx="1117600" cy="5276850"/>
+            </a:xfrm>
+            <a:custGeom>
+              <a:avLst/>
+              <a:gdLst/>
+              <a:ahLst/>
+              <a:cxnLst/>
+              <a:rect l="0" t="0" r="r" b="b"/>
+              <a:pathLst>
+                <a:path w="704" h="3324">
+                  <a:moveTo>
+                    <a:pt x="704" y="0"/>
+                  </a:moveTo>
+                  <a:lnTo>
+                    <a:pt x="545" y="0"/>
+                  </a:lnTo>
+                  <a:lnTo>
+                    <a:pt x="0" y="3300"/>
+                  </a:lnTo>
+                  <a:lnTo>
+                    <a:pt x="157" y="3324"/>
+                  </a:lnTo>
+                  <a:lnTo>
+                    <a:pt x="704" y="0"/>
+                  </a:lnTo>
+                  <a:close/>
+                </a:path>
+              </a:pathLst>
+            </a:custGeom>
+            <a:solidFill>
+              <a:schemeClr val="tx1"/>
+            </a:solidFill>
+            <a:ln>
+              <a:noFill/>
+            </a:ln>
+          </p:spPr>
+        </p:sp>
+        <p:sp>
+          <p:nvSpPr>
+            <p:cNvPr id="18" name="Freeform 8">
+              <a:extLst>
+                <a:ext uri="{FF2B5EF4-FFF2-40B4-BE49-F238E27FC236}">
+                  <a16:creationId xmlns:a16="http://schemas.microsoft.com/office/drawing/2014/main" id="{B61816F4-67FD-4DFC-949B-8BB3492974B7}"/>
+                </a:ext>
+                <a:ext uri="{C183D7F6-B498-43B3-948B-1728B52AA6E4}">
+                  <adec:decorative xmlns:adec="http://schemas.microsoft.com/office/drawing/2017/decorative" val="1"/>
+                </a:ext>
+              </a:extLst>
+            </p:cNvPr>
+            <p:cNvSpPr/>
+            <p:nvPr>
+              <p:extLst>
+                <p:ext uri="{386F3935-93C4-4BCD-93E2-E3B085C9AB24}">
+                  <p16:designElem xmlns:p16="http://schemas.microsoft.com/office/powerpoint/2015/main" val="1"/>
+                </p:ext>
+              </p:extLst>
+            </p:nvPr>
+          </p:nvSpPr>
+          <p:spPr bwMode="auto">
+            <a:xfrm>
+              <a:off x="1320800" y="5238750"/>
+              <a:ext cx="1228725" cy="1619250"/>
+            </a:xfrm>
+            <a:custGeom>
+              <a:avLst/>
+              <a:gdLst/>
+              <a:ahLst/>
+              <a:cxnLst/>
+              <a:rect l="0" t="0" r="r" b="b"/>
+              <a:pathLst>
+                <a:path w="774" h="1020">
+                  <a:moveTo>
+                    <a:pt x="0" y="0"/>
+                  </a:moveTo>
+                  <a:lnTo>
+                    <a:pt x="740" y="1020"/>
+                  </a:lnTo>
+                  <a:lnTo>
+                    <a:pt x="774" y="1020"/>
+                  </a:lnTo>
+                  <a:lnTo>
+                    <a:pt x="0" y="0"/>
+                  </a:lnTo>
+                  <a:close/>
+                </a:path>
+              </a:pathLst>
+            </a:custGeom>
+            <a:solidFill>
+              <a:schemeClr val="tx1">
+                <a:lumMod val="85000"/>
+                <a:lumOff val="15000"/>
+              </a:schemeClr>
+            </a:solidFill>
+            <a:ln>
+              <a:noFill/>
+            </a:ln>
+          </p:spPr>
+        </p:sp>
+        <p:sp>
+          <p:nvSpPr>
+            <p:cNvPr id="19" name="Freeform 9">
+              <a:extLst>
+                <a:ext uri="{FF2B5EF4-FFF2-40B4-BE49-F238E27FC236}">
+                  <a16:creationId xmlns:a16="http://schemas.microsoft.com/office/drawing/2014/main" id="{0A3C8AD5-353F-44A3-8D9C-B2879484CD59}"/>
+                </a:ext>
+                <a:ext uri="{C183D7F6-B498-43B3-948B-1728B52AA6E4}">
+                  <adec:decorative xmlns:adec="http://schemas.microsoft.com/office/drawing/2017/decorative" val="1"/>
+                </a:ext>
+              </a:extLst>
+            </p:cNvPr>
+            <p:cNvSpPr/>
+            <p:nvPr>
+              <p:extLst>
+                <p:ext uri="{386F3935-93C4-4BCD-93E2-E3B085C9AB24}">
+                  <p16:designElem xmlns:p16="http://schemas.microsoft.com/office/powerpoint/2015/main" val="1"/>
+                </p:ext>
+              </p:extLst>
+            </p:nvPr>
+          </p:nvSpPr>
+          <p:spPr bwMode="auto">
+            <a:xfrm>
+              <a:off x="1627188" y="5291138"/>
+              <a:ext cx="1495425" cy="1566863"/>
+            </a:xfrm>
+            <a:custGeom>
+              <a:avLst/>
+              <a:gdLst/>
+              <a:ahLst/>
+              <a:cxnLst/>
+              <a:rect l="0" t="0" r="r" b="b"/>
+              <a:pathLst>
+                <a:path w="942" h="987">
+                  <a:moveTo>
+                    <a:pt x="0" y="0"/>
+                  </a:moveTo>
+                  <a:lnTo>
+                    <a:pt x="909" y="987"/>
+                  </a:lnTo>
+                  <a:lnTo>
+                    <a:pt x="942" y="987"/>
+                  </a:lnTo>
+                  <a:lnTo>
+                    <a:pt x="0" y="0"/>
+                  </a:lnTo>
+                  <a:close/>
+                </a:path>
+              </a:pathLst>
+            </a:custGeom>
+            <a:solidFill>
+              <a:srgbClr val="404040"/>
+            </a:solidFill>
+            <a:ln>
+              <a:noFill/>
+            </a:ln>
+          </p:spPr>
+        </p:sp>
+        <p:sp>
+          <p:nvSpPr>
+            <p:cNvPr id="20" name="Freeform 10">
+              <a:extLst>
+                <a:ext uri="{FF2B5EF4-FFF2-40B4-BE49-F238E27FC236}">
+                  <a16:creationId xmlns:a16="http://schemas.microsoft.com/office/drawing/2014/main" id="{45C8C8DD-D701-477C-BDEB-A11E77CBEE18}"/>
+                </a:ext>
+                <a:ext uri="{C183D7F6-B498-43B3-948B-1728B52AA6E4}">
+                  <adec:decorative xmlns:adec="http://schemas.microsoft.com/office/drawing/2017/decorative" val="1"/>
+                </a:ext>
+              </a:extLst>
+            </p:cNvPr>
+            <p:cNvSpPr/>
+            <p:nvPr>
+              <p:extLst>
+                <p:ext uri="{386F3935-93C4-4BCD-93E2-E3B085C9AB24}">
+                  <p16:designElem xmlns:p16="http://schemas.microsoft.com/office/powerpoint/2015/main" val="1"/>
+                </p:ext>
+              </p:extLst>
+            </p:nvPr>
+          </p:nvSpPr>
+          <p:spPr bwMode="auto">
+            <a:xfrm>
+              <a:off x="1627188" y="5286375"/>
+              <a:ext cx="2130425" cy="1571625"/>
+            </a:xfrm>
+            <a:custGeom>
+              <a:avLst/>
+              <a:gdLst/>
+              <a:ahLst/>
+              <a:cxnLst/>
+              <a:rect l="0" t="0" r="r" b="b"/>
+              <a:pathLst>
+                <a:path w="1342" h="990">
+                  <a:moveTo>
+                    <a:pt x="0" y="3"/>
+                  </a:moveTo>
+                  <a:lnTo>
+                    <a:pt x="942" y="990"/>
+                  </a:lnTo>
+                  <a:lnTo>
+                    <a:pt x="1342" y="990"/>
+                  </a:lnTo>
+                  <a:lnTo>
+                    <a:pt x="156" y="27"/>
+                  </a:lnTo>
+                  <a:lnTo>
+                    <a:pt x="0" y="0"/>
+                  </a:lnTo>
+                  <a:lnTo>
+                    <a:pt x="0" y="3"/>
+                  </a:lnTo>
+                  <a:close/>
+                </a:path>
+              </a:pathLst>
+            </a:custGeom>
+            <a:solidFill>
+              <a:srgbClr val="969696"/>
+            </a:solidFill>
+            <a:ln>
+              <a:noFill/>
+            </a:ln>
+          </p:spPr>
+        </p:sp>
+        <p:sp>
+          <p:nvSpPr>
+            <p:cNvPr id="21" name="Freeform 11">
+              <a:extLst>
+                <a:ext uri="{FF2B5EF4-FFF2-40B4-BE49-F238E27FC236}">
+                  <a16:creationId xmlns:a16="http://schemas.microsoft.com/office/drawing/2014/main" id="{785FD395-5D8A-4EEC-9DFE-41A84A5831E3}"/>
+                </a:ext>
+                <a:ext uri="{C183D7F6-B498-43B3-948B-1728B52AA6E4}">
+                  <adec:decorative xmlns:adec="http://schemas.microsoft.com/office/drawing/2017/decorative" val="1"/>
+                </a:ext>
+              </a:extLst>
+            </p:cNvPr>
+            <p:cNvSpPr/>
+            <p:nvPr>
+              <p:extLst>
+                <p:ext uri="{386F3935-93C4-4BCD-93E2-E3B085C9AB24}">
+                  <p16:designElem xmlns:p16="http://schemas.microsoft.com/office/powerpoint/2015/main" val="1"/>
+                </p:ext>
+              </p:extLst>
+            </p:nvPr>
+          </p:nvSpPr>
+          <p:spPr bwMode="auto">
+            <a:xfrm>
+              <a:off x="1320800" y="5238750"/>
+              <a:ext cx="1695450" cy="1619250"/>
+            </a:xfrm>
+            <a:custGeom>
+              <a:avLst/>
+              <a:gdLst/>
+              <a:ahLst/>
+              <a:cxnLst/>
+              <a:rect l="0" t="0" r="r" b="b"/>
+              <a:pathLst>
+                <a:path w="1068" h="1020">
+                  <a:moveTo>
+                    <a:pt x="1068" y="1020"/>
+                  </a:moveTo>
+                  <a:lnTo>
+                    <a:pt x="184" y="60"/>
+                  </a:lnTo>
+                  <a:lnTo>
+                    <a:pt x="154" y="27"/>
+                  </a:lnTo>
+                  <a:lnTo>
+                    <a:pt x="157" y="27"/>
+                  </a:lnTo>
+                  <a:lnTo>
+                    <a:pt x="157" y="24"/>
+                  </a:lnTo>
+                  <a:lnTo>
+                    <a:pt x="154" y="24"/>
+                  </a:lnTo>
+                  <a:lnTo>
+                    <a:pt x="0" y="0"/>
+                  </a:lnTo>
+                  <a:lnTo>
+                    <a:pt x="0" y="0"/>
+                  </a:lnTo>
+                  <a:lnTo>
+                    <a:pt x="774" y="1020"/>
+                  </a:lnTo>
+                  <a:lnTo>
+                    <a:pt x="1068" y="1020"/>
+                  </a:lnTo>
+                  <a:close/>
+                </a:path>
+              </a:pathLst>
+            </a:custGeom>
+            <a:solidFill>
+              <a:schemeClr val="tx1">
+                <a:lumMod val="75000"/>
+                <a:lumOff val="25000"/>
+              </a:schemeClr>
+            </a:solidFill>
+            <a:ln>
+              <a:noFill/>
+            </a:ln>
+          </p:spPr>
+        </p:sp>
+      </p:grpSp>
+      <p:sp>
+        <p:nvSpPr>
+          <p:cNvPr id="2" name="Title 1">
+            <a:extLst>
+              <a:ext uri="{FF2B5EF4-FFF2-40B4-BE49-F238E27FC236}">
+                <a16:creationId xmlns:a16="http://schemas.microsoft.com/office/drawing/2014/main" id="{DCF5A9AB-D7A3-52C1-BBAB-9CA217326193}"/>
+              </a:ext>
+            </a:extLst>
+          </p:cNvPr>
+          <p:cNvSpPr>
+            <a:spLocks noGrp="1"/>
+          </p:cNvSpPr>
+          <p:nvPr>
+            <p:ph type="title"/>
+          </p:nvPr>
+        </p:nvSpPr>
+        <p:spPr>
+          <a:xfrm>
+            <a:off x="1484311" y="685800"/>
+            <a:ext cx="10018713" cy="1752599"/>
+          </a:xfrm>
+        </p:spPr>
+        <p:txBody>
+          <a:bodyPr>
+            <a:normAutofit/>
+          </a:bodyPr>
+          <a:lstStyle/>
+          <a:p>
+            <a:r>
+              <a:rPr lang="en-GB" dirty="0"/>
+              <a:t>Efficacy of Musical Intervention in Cognitive Function</a:t>
+            </a:r>
+            <a:endParaRPr lang="en-ZA" dirty="0"/>
+          </a:p>
+        </p:txBody>
+      </p:sp>
+      <p:sp>
+        <p:nvSpPr>
+          <p:cNvPr id="8" name="Content Placeholder 2">
+            <a:extLst>
+              <a:ext uri="{FF2B5EF4-FFF2-40B4-BE49-F238E27FC236}">
+                <a16:creationId xmlns:a16="http://schemas.microsoft.com/office/drawing/2014/main" id="{6850682E-104E-9712-E328-02417E6ED92C}"/>
+              </a:ext>
+            </a:extLst>
+          </p:cNvPr>
+          <p:cNvSpPr>
+            <a:spLocks noGrp="1"/>
+          </p:cNvSpPr>
+          <p:nvPr>
+            <p:ph idx="1"/>
+          </p:nvPr>
+        </p:nvSpPr>
+        <p:spPr>
+          <a:xfrm>
+            <a:off x="1484310" y="2666999"/>
+            <a:ext cx="10018713" cy="3124201"/>
+          </a:xfrm>
+        </p:spPr>
+        <p:txBody>
+          <a:bodyPr>
+            <a:normAutofit/>
+          </a:bodyPr>
+          <a:lstStyle/>
+          <a:p>
+            <a:pPr marL="0" indent="0">
+              <a:buNone/>
+            </a:pPr>
+            <a:r>
+              <a:rPr lang="en-GB"/>
+              <a:t>It was observed that shorter intervention periods, less than 20 weeks  and passive intervention such as listening to music had greater effects on people living with dementia.</a:t>
+            </a:r>
+          </a:p>
+          <a:p>
+            <a:pPr marL="0" indent="0">
+              <a:buNone/>
+            </a:pPr>
+            <a:r>
+              <a:rPr lang="en-GB" dirty="0"/>
+              <a:t>Playing an instrument and signing  did not appear to have an effect on cognitive function unless it is pared with listening to music but does not improve the effect of just listening to music.</a:t>
+            </a:r>
+            <a:endParaRPr lang="en-ZA" dirty="0"/>
+          </a:p>
+        </p:txBody>
+      </p:sp>
+    </p:spTree>
+    <p:extLst>
+      <p:ext uri="{BB962C8B-B14F-4D97-AF65-F5344CB8AC3E}">
+        <p14:creationId xmlns:p14="http://schemas.microsoft.com/office/powerpoint/2010/main" val="4223017238"/>
+      </p:ext>
+    </p:extLst>
+  </p:cSld>
+  <p:clrMapOvr>
+    <a:masterClrMapping/>
+  </p:clrMapOvr>
+  <mc:AlternateContent xmlns:mc="http://schemas.openxmlformats.org/markup-compatibility/2006" xmlns:p14="http://schemas.microsoft.com/office/powerpoint/2010/main">
+    <mc:Choice Requires="p14">
+      <p:transition spd="slow" p14:dur="1500">
+        <p:split orient="vert"/>
+      </p:transition>
+    </mc:Choice>
+    <mc:Fallback xmlns="">
+      <p:transition spd="slow">
+        <p:split orient="vert"/>
+      </p:transition>
+    </mc:Fallback>
+  </mc:AlternateContent>
+</p:sld>
+</file>
+
+<file path=ppt/slides/slide9.xml><?xml version="1.0" encoding="utf-8"?>
 <p:sld xmlns:a="http://schemas.openxmlformats.org/drawingml/2006/main" xmlns:r="http://schemas.openxmlformats.org/officeDocument/2006/relationships" xmlns:p="http://schemas.openxmlformats.org/presentationml/2006/main">
   <p:cSld>
     <p:bg>
@@ -20466,236 +23971,6 @@
           <p:cNvPr id="2" name="Title 1">
             <a:extLst>
               <a:ext uri="{FF2B5EF4-FFF2-40B4-BE49-F238E27FC236}">
-                <a16:creationId xmlns:a16="http://schemas.microsoft.com/office/drawing/2014/main" id="{D441C6E3-0318-4C32-F0C7-328568732006}"/>
-              </a:ext>
-            </a:extLst>
-          </p:cNvPr>
-          <p:cNvSpPr>
-            <a:spLocks noGrp="1"/>
-          </p:cNvSpPr>
-          <p:nvPr>
-            <p:ph type="title"/>
-          </p:nvPr>
-        </p:nvSpPr>
-        <p:spPr/>
-        <p:txBody>
-          <a:bodyPr>
-            <a:normAutofit/>
-          </a:bodyPr>
-          <a:lstStyle/>
-          <a:p>
-            <a:r>
-              <a:rPr lang="en-GB">
-                <a:solidFill>
-                  <a:schemeClr val="accent1"/>
-                </a:solidFill>
-              </a:rPr>
-              <a:t>Feasibility analysis</a:t>
-            </a:r>
-            <a:endParaRPr lang="en-ZA">
-              <a:solidFill>
-                <a:schemeClr val="accent1"/>
-              </a:solidFill>
-            </a:endParaRPr>
-          </a:p>
-        </p:txBody>
-      </p:sp>
-      <p:sp>
-        <p:nvSpPr>
-          <p:cNvPr id="44" name="Content Placeholder 2">
-            <a:extLst>
-              <a:ext uri="{FF2B5EF4-FFF2-40B4-BE49-F238E27FC236}">
-                <a16:creationId xmlns:a16="http://schemas.microsoft.com/office/drawing/2014/main" id="{F7D7FD9F-2DC3-CDD7-6E32-A15D8856D4A3}"/>
-              </a:ext>
-            </a:extLst>
-          </p:cNvPr>
-          <p:cNvSpPr>
-            <a:spLocks noGrp="1"/>
-          </p:cNvSpPr>
-          <p:nvPr>
-            <p:ph idx="1"/>
-          </p:nvPr>
-        </p:nvSpPr>
-        <p:spPr>
-          <a:xfrm>
-            <a:off x="680321" y="2336873"/>
-            <a:ext cx="6834299" cy="3599316"/>
-          </a:xfrm>
-        </p:spPr>
-        <p:txBody>
-          <a:bodyPr>
-            <a:normAutofit/>
-          </a:bodyPr>
-          <a:lstStyle/>
-          <a:p>
-            <a:pPr marL="0" indent="0">
-              <a:buNone/>
-            </a:pPr>
-            <a:r>
-              <a:rPr lang="en-GB" sz="2000" dirty="0"/>
-              <a:t>Evaluated according to </a:t>
-            </a:r>
-            <a:r>
-              <a:rPr lang="en-GB" sz="2000" dirty="0" err="1"/>
-              <a:t>Mayring’s</a:t>
-            </a:r>
-            <a:r>
-              <a:rPr lang="en-GB" sz="2000" dirty="0"/>
-              <a:t> approach for qualitative content analysis based on the following categories:</a:t>
-            </a:r>
-          </a:p>
-          <a:p>
-            <a:pPr marL="514350" indent="-514350">
-              <a:buFont typeface="+mj-lt"/>
-              <a:buAutoNum type="romanUcPeriod"/>
-            </a:pPr>
-            <a:r>
-              <a:rPr lang="en-GB" sz="2000" dirty="0"/>
-              <a:t>Comprehension</a:t>
-            </a:r>
-            <a:r>
-              <a:rPr lang="en-ZA" sz="2000" dirty="0"/>
-              <a:t>/Playability</a:t>
-            </a:r>
-          </a:p>
-          <a:p>
-            <a:pPr marL="514350" indent="-514350">
-              <a:buFont typeface="+mj-lt"/>
-              <a:buAutoNum type="romanUcPeriod"/>
-            </a:pPr>
-            <a:r>
-              <a:rPr lang="en-ZA" sz="2000" dirty="0"/>
-              <a:t>Adherence/Commitment</a:t>
-            </a:r>
-          </a:p>
-          <a:p>
-            <a:pPr marL="514350" indent="-514350">
-              <a:buFont typeface="+mj-lt"/>
-              <a:buAutoNum type="romanUcPeriod"/>
-            </a:pPr>
-            <a:r>
-              <a:rPr lang="en-ZA" sz="2000" dirty="0"/>
-              <a:t>Acceptance/Enjoyment</a:t>
-            </a:r>
-          </a:p>
-          <a:p>
-            <a:pPr marL="514350" indent="-514350">
-              <a:buFont typeface="+mj-lt"/>
-              <a:buAutoNum type="romanUcPeriod"/>
-            </a:pPr>
-            <a:r>
-              <a:rPr lang="en-ZA" sz="2000" dirty="0"/>
-              <a:t>Risk/Safety Issues</a:t>
-            </a:r>
-            <a:endParaRPr lang="en-GB" sz="2000" dirty="0"/>
-          </a:p>
-        </p:txBody>
-      </p:sp>
-    </p:spTree>
-    <p:extLst>
-      <p:ext uri="{BB962C8B-B14F-4D97-AF65-F5344CB8AC3E}">
-        <p14:creationId xmlns:p14="http://schemas.microsoft.com/office/powerpoint/2010/main" val="1982232230"/>
-      </p:ext>
-    </p:extLst>
-  </p:cSld>
-  <p:clrMapOvr>
-    <a:masterClrMapping/>
-  </p:clrMapOvr>
-  <p:transition spd="slow">
-    <p:wipe/>
-  </p:transition>
-</p:sld>
-</file>
-
-<file path=ppt/slides/slide9.xml><?xml version="1.0" encoding="utf-8"?>
-<p:sld xmlns:a="http://schemas.openxmlformats.org/drawingml/2006/main" xmlns:r="http://schemas.openxmlformats.org/officeDocument/2006/relationships" xmlns:p="http://schemas.openxmlformats.org/presentationml/2006/main">
-  <p:cSld>
-    <p:bg>
-      <p:bgPr>
-        <a:gradFill rotWithShape="1">
-          <a:gsLst>
-            <a:gs pos="0">
-              <a:schemeClr val="bg2">
-                <a:tint val="96000"/>
-                <a:shade val="100000"/>
-                <a:hueMod val="270000"/>
-                <a:satMod val="200000"/>
-                <a:lumMod val="128000"/>
-              </a:schemeClr>
-            </a:gs>
-            <a:gs pos="50000">
-              <a:schemeClr val="bg2">
-                <a:shade val="100000"/>
-                <a:hueMod val="100000"/>
-                <a:satMod val="110000"/>
-                <a:lumMod val="130000"/>
-              </a:schemeClr>
-            </a:gs>
-            <a:gs pos="100000">
-              <a:schemeClr val="bg2">
-                <a:shade val="78000"/>
-                <a:hueMod val="44000"/>
-                <a:satMod val="200000"/>
-                <a:lumMod val="69000"/>
-              </a:schemeClr>
-            </a:gs>
-          </a:gsLst>
-          <a:lin ang="2520000" scaled="0"/>
-        </a:gradFill>
-        <a:effectLst/>
-      </p:bgPr>
-    </p:bg>
-    <p:spTree>
-      <p:nvGrpSpPr>
-        <p:cNvPr id="1" name=""/>
-        <p:cNvGrpSpPr/>
-        <p:nvPr/>
-      </p:nvGrpSpPr>
-      <p:grpSpPr>
-        <a:xfrm>
-          <a:off x="0" y="0"/>
-          <a:ext cx="0" cy="0"/>
-          <a:chOff x="0" y="0"/>
-          <a:chExt cx="0" cy="0"/>
-        </a:xfrm>
-      </p:grpSpPr>
-      <p:pic>
-        <p:nvPicPr>
-          <p:cNvPr id="7" name="Picture 4" descr="A stack of dice on a boardgame">
-            <a:extLst>
-              <a:ext uri="{FF2B5EF4-FFF2-40B4-BE49-F238E27FC236}">
-                <a16:creationId xmlns:a16="http://schemas.microsoft.com/office/drawing/2014/main" id="{208C756D-D1D0-6E4D-F644-F1E8182B9790}"/>
-              </a:ext>
-            </a:extLst>
-          </p:cNvPr>
-          <p:cNvPicPr>
-            <a:picLocks noChangeAspect="1"/>
-          </p:cNvPicPr>
-          <p:nvPr/>
-        </p:nvPicPr>
-        <p:blipFill rotWithShape="1">
-          <a:blip r:embed="rId2">
-            <a:alphaModFix amt="15000"/>
-            <a:grayscl/>
-          </a:blip>
-          <a:srcRect t="39856" b="3894"/>
-          <a:stretch/>
-        </p:blipFill>
-        <p:spPr>
-          <a:xfrm>
-            <a:off x="-608749" y="753227"/>
-            <a:ext cx="12192000" cy="6858001"/>
-          </a:xfrm>
-          <a:prstGeom prst="rect">
-            <a:avLst/>
-          </a:prstGeom>
-        </p:spPr>
-      </p:pic>
-      <p:sp>
-        <p:nvSpPr>
-          <p:cNvPr id="2" name="Title 1">
-            <a:extLst>
-              <a:ext uri="{FF2B5EF4-FFF2-40B4-BE49-F238E27FC236}">
                 <a16:creationId xmlns:a16="http://schemas.microsoft.com/office/drawing/2014/main" id="{DCF5A9AB-D7A3-52C1-BBAB-9CA217326193}"/>
               </a:ext>
             </a:extLst>
@@ -20715,8 +23990,8 @@
           <a:lstStyle/>
           <a:p>
             <a:r>
-              <a:rPr lang="en-US" dirty="0"/>
-              <a:t>Effectiveness</a:t>
+              <a:rPr lang="en-GB" dirty="0"/>
+              <a:t>Efficacy of Musical Intervention in Quality of Life </a:t>
             </a:r>
             <a:endParaRPr lang="en-ZA" dirty="0"/>
           </a:p>
@@ -20823,20 +24098,20 @@
     </p:spTree>
     <p:extLst>
       <p:ext uri="{BB962C8B-B14F-4D97-AF65-F5344CB8AC3E}">
-        <p14:creationId xmlns:p14="http://schemas.microsoft.com/office/powerpoint/2010/main" val="4223017238"/>
+        <p14:creationId xmlns:p14="http://schemas.microsoft.com/office/powerpoint/2010/main" val="2988115921"/>
       </p:ext>
     </p:extLst>
   </p:cSld>
   <p:clrMapOvr>
     <a:masterClrMapping/>
   </p:clrMapOvr>
-  <mc:AlternateContent xmlns:mc="http://schemas.openxmlformats.org/markup-compatibility/2006" xmlns:p14="http://schemas.microsoft.com/office/powerpoint/2010/main">
-    <mc:Choice Requires="p14">
+  <mc:AlternateContent xmlns:mc="http://schemas.openxmlformats.org/markup-compatibility/2006">
+    <mc:Choice xmlns:p14="http://schemas.microsoft.com/office/powerpoint/2010/main" Requires="p14">
       <p:transition spd="slow" p14:dur="1500">
         <p:split orient="vert"/>
       </p:transition>
     </mc:Choice>
-    <mc:Fallback xmlns="">
+    <mc:Fallback>
       <p:transition spd="slow">
         <p:split orient="vert"/>
       </p:transition>

--- a/MusicTherapy.pptx
+++ b/MusicTherapy.pptx
@@ -10,12 +10,13 @@
     <p:sldId id="260" r:id="rId4"/>
     <p:sldId id="261" r:id="rId5"/>
     <p:sldId id="262" r:id="rId6"/>
-    <p:sldId id="265" r:id="rId7"/>
-    <p:sldId id="271" r:id="rId8"/>
-    <p:sldId id="264" r:id="rId9"/>
-    <p:sldId id="272" r:id="rId10"/>
-    <p:sldId id="273" r:id="rId11"/>
-    <p:sldId id="270" r:id="rId12"/>
+    <p:sldId id="274" r:id="rId7"/>
+    <p:sldId id="265" r:id="rId8"/>
+    <p:sldId id="271" r:id="rId9"/>
+    <p:sldId id="264" r:id="rId10"/>
+    <p:sldId id="272" r:id="rId11"/>
+    <p:sldId id="273" r:id="rId12"/>
+    <p:sldId id="270" r:id="rId13"/>
   </p:sldIdLst>
   <p:sldSz cx="12192000" cy="6858000"/>
   <p:notesSz cx="6858000" cy="9144000"/>
@@ -123,6 +124,381 @@
 </file>
 
 <file path=ppt/charts/chart1.xml><?xml version="1.0" encoding="utf-8"?>
+<c:chartSpace xmlns:c="http://schemas.openxmlformats.org/drawingml/2006/chart" xmlns:a="http://schemas.openxmlformats.org/drawingml/2006/main" xmlns:r="http://schemas.openxmlformats.org/officeDocument/2006/relationships" xmlns:c16r2="http://schemas.microsoft.com/office/drawing/2015/06/chart">
+  <c:date1904 val="0"/>
+  <c:lang val="en-US"/>
+  <c:roundedCorners val="0"/>
+  <mc:AlternateContent xmlns:mc="http://schemas.openxmlformats.org/markup-compatibility/2006">
+    <mc:Choice xmlns:c14="http://schemas.microsoft.com/office/drawing/2007/8/2/chart" Requires="c14">
+      <c14:style val="102"/>
+    </mc:Choice>
+    <mc:Fallback>
+      <c:style val="2"/>
+    </mc:Fallback>
+  </mc:AlternateContent>
+  <c:chart>
+    <c:title>
+      <c:tx>
+        <c:rich>
+          <a:bodyPr rot="0" spcFirstLastPara="1" vertOverflow="ellipsis" vert="horz" wrap="square" anchor="ctr" anchorCtr="1"/>
+          <a:lstStyle/>
+          <a:p>
+            <a:pPr>
+              <a:defRPr sz="1862" b="0" i="0" u="none" strike="noStrike" kern="1200" spc="0" baseline="0">
+                <a:solidFill>
+                  <a:schemeClr val="tx1">
+                    <a:lumMod val="65000"/>
+                    <a:lumOff val="35000"/>
+                  </a:schemeClr>
+                </a:solidFill>
+                <a:latin typeface="+mn-lt"/>
+                <a:ea typeface="+mn-ea"/>
+                <a:cs typeface="+mn-cs"/>
+              </a:defRPr>
+            </a:pPr>
+            <a:r>
+              <a:rPr lang="en-GB" dirty="0"/>
+              <a:t>Participants</a:t>
+            </a:r>
+            <a:endParaRPr lang="en-ZA" dirty="0"/>
+          </a:p>
+        </c:rich>
+      </c:tx>
+      <c:overlay val="0"/>
+      <c:spPr>
+        <a:noFill/>
+        <a:ln>
+          <a:noFill/>
+        </a:ln>
+        <a:effectLst/>
+      </c:spPr>
+      <c:txPr>
+        <a:bodyPr rot="0" spcFirstLastPara="1" vertOverflow="ellipsis" vert="horz" wrap="square" anchor="ctr" anchorCtr="1"/>
+        <a:lstStyle/>
+        <a:p>
+          <a:pPr>
+            <a:defRPr sz="1862" b="0" i="0" u="none" strike="noStrike" kern="1200" spc="0" baseline="0">
+              <a:solidFill>
+                <a:schemeClr val="tx1">
+                  <a:lumMod val="65000"/>
+                  <a:lumOff val="35000"/>
+                </a:schemeClr>
+              </a:solidFill>
+              <a:latin typeface="+mn-lt"/>
+              <a:ea typeface="+mn-ea"/>
+              <a:cs typeface="+mn-cs"/>
+            </a:defRPr>
+          </a:pPr>
+          <a:endParaRPr lang="en-US"/>
+        </a:p>
+      </c:txPr>
+    </c:title>
+    <c:autoTitleDeleted val="0"/>
+    <c:plotArea>
+      <c:layout>
+        <c:manualLayout>
+          <c:layoutTarget val="inner"/>
+          <c:xMode val="edge"/>
+          <c:yMode val="edge"/>
+          <c:x val="3.361870503730937E-2"/>
+          <c:y val="0.12395674807286261"/>
+          <c:w val="0.95220788119926425"/>
+          <c:h val="0.72074007217816061"/>
+        </c:manualLayout>
+      </c:layout>
+      <c:barChart>
+        <c:barDir val="col"/>
+        <c:grouping val="clustered"/>
+        <c:varyColors val="0"/>
+        <c:ser>
+          <c:idx val="0"/>
+          <c:order val="0"/>
+          <c:tx>
+            <c:strRef>
+              <c:f>Sheet1!$B$1</c:f>
+              <c:strCache>
+                <c:ptCount val="1"/>
+                <c:pt idx="0">
+                  <c:v>Participants</c:v>
+                </c:pt>
+              </c:strCache>
+            </c:strRef>
+          </c:tx>
+          <c:spPr>
+            <a:solidFill>
+              <a:schemeClr val="accent1"/>
+            </a:solidFill>
+            <a:ln>
+              <a:noFill/>
+            </a:ln>
+            <a:effectLst/>
+          </c:spPr>
+          <c:invertIfNegative val="0"/>
+          <c:cat>
+            <c:strRef>
+              <c:f>Sheet1!$A$2:$A$9</c:f>
+              <c:strCache>
+                <c:ptCount val="8"/>
+                <c:pt idx="0">
+                  <c:v>Särkämö et al. 2014</c:v>
+                </c:pt>
+                <c:pt idx="1">
+                  <c:v>Särkämö et al. 2016</c:v>
+                </c:pt>
+                <c:pt idx="2">
+                  <c:v>Doi et al. 2017</c:v>
+                </c:pt>
+                <c:pt idx="3">
+                  <c:v>Han et al. 2017</c:v>
+                </c:pt>
+                <c:pt idx="4">
+                  <c:v>Ceccato et al. 2012</c:v>
+                </c:pt>
+                <c:pt idx="5">
+                  <c:v>Lyu et al. 2018</c:v>
+                </c:pt>
+                <c:pt idx="6">
+                  <c:v>Chu et al. 2014</c:v>
+                </c:pt>
+                <c:pt idx="7">
+                  <c:v>Guétin et al. 2009</c:v>
+                </c:pt>
+              </c:strCache>
+            </c:strRef>
+          </c:cat>
+          <c:val>
+            <c:numRef>
+              <c:f>Sheet1!$B$2:$B$9</c:f>
+              <c:numCache>
+                <c:formatCode>General</c:formatCode>
+                <c:ptCount val="8"/>
+                <c:pt idx="0">
+                  <c:v>89</c:v>
+                </c:pt>
+                <c:pt idx="1">
+                  <c:v>89</c:v>
+                </c:pt>
+                <c:pt idx="2">
+                  <c:v>201</c:v>
+                </c:pt>
+                <c:pt idx="3">
+                  <c:v>64</c:v>
+                </c:pt>
+                <c:pt idx="4">
+                  <c:v>51</c:v>
+                </c:pt>
+                <c:pt idx="5">
+                  <c:v>192</c:v>
+                </c:pt>
+                <c:pt idx="6">
+                  <c:v>100</c:v>
+                </c:pt>
+                <c:pt idx="7">
+                  <c:v>30</c:v>
+                </c:pt>
+              </c:numCache>
+            </c:numRef>
+          </c:val>
+          <c:extLst>
+            <c:ext xmlns:c16="http://schemas.microsoft.com/office/drawing/2014/chart" uri="{C3380CC4-5D6E-409C-BE32-E72D297353CC}">
+              <c16:uniqueId val="{00000000-3267-4C62-9F89-3A90BA821084}"/>
+            </c:ext>
+          </c:extLst>
+        </c:ser>
+        <c:dLbls>
+          <c:showLegendKey val="0"/>
+          <c:showVal val="0"/>
+          <c:showCatName val="0"/>
+          <c:showSerName val="0"/>
+          <c:showPercent val="0"/>
+          <c:showBubbleSize val="0"/>
+        </c:dLbls>
+        <c:gapWidth val="219"/>
+        <c:overlap val="-27"/>
+        <c:axId val="427645999"/>
+        <c:axId val="427647663"/>
+      </c:barChart>
+      <c:catAx>
+        <c:axId val="427645999"/>
+        <c:scaling>
+          <c:orientation val="minMax"/>
+        </c:scaling>
+        <c:delete val="0"/>
+        <c:axPos val="b"/>
+        <c:numFmt formatCode="General" sourceLinked="1"/>
+        <c:majorTickMark val="none"/>
+        <c:minorTickMark val="none"/>
+        <c:tickLblPos val="nextTo"/>
+        <c:spPr>
+          <a:noFill/>
+          <a:ln w="9525" cap="flat" cmpd="sng" algn="ctr">
+            <a:solidFill>
+              <a:schemeClr val="tx1">
+                <a:lumMod val="15000"/>
+                <a:lumOff val="85000"/>
+              </a:schemeClr>
+            </a:solidFill>
+            <a:round/>
+          </a:ln>
+          <a:effectLst/>
+        </c:spPr>
+        <c:txPr>
+          <a:bodyPr rot="-60000000" spcFirstLastPara="1" vertOverflow="ellipsis" vert="horz" wrap="square" anchor="ctr" anchorCtr="1"/>
+          <a:lstStyle/>
+          <a:p>
+            <a:pPr>
+              <a:defRPr sz="1197" b="0" i="0" u="none" strike="noStrike" kern="1200" baseline="0">
+                <a:solidFill>
+                  <a:schemeClr val="tx1">
+                    <a:lumMod val="65000"/>
+                    <a:lumOff val="35000"/>
+                  </a:schemeClr>
+                </a:solidFill>
+                <a:latin typeface="+mn-lt"/>
+                <a:ea typeface="+mn-ea"/>
+                <a:cs typeface="+mn-cs"/>
+              </a:defRPr>
+            </a:pPr>
+            <a:endParaRPr lang="en-US"/>
+          </a:p>
+        </c:txPr>
+        <c:crossAx val="427647663"/>
+        <c:crosses val="autoZero"/>
+        <c:auto val="1"/>
+        <c:lblAlgn val="ctr"/>
+        <c:lblOffset val="100"/>
+        <c:noMultiLvlLbl val="0"/>
+      </c:catAx>
+      <c:valAx>
+        <c:axId val="427647663"/>
+        <c:scaling>
+          <c:orientation val="minMax"/>
+        </c:scaling>
+        <c:delete val="0"/>
+        <c:axPos val="l"/>
+        <c:majorGridlines>
+          <c:spPr>
+            <a:ln w="9525" cap="flat" cmpd="sng" algn="ctr">
+              <a:solidFill>
+                <a:schemeClr val="tx1">
+                  <a:lumMod val="15000"/>
+                  <a:lumOff val="85000"/>
+                </a:schemeClr>
+              </a:solidFill>
+              <a:round/>
+            </a:ln>
+            <a:effectLst/>
+          </c:spPr>
+        </c:majorGridlines>
+        <c:numFmt formatCode="General" sourceLinked="1"/>
+        <c:majorTickMark val="none"/>
+        <c:minorTickMark val="none"/>
+        <c:tickLblPos val="nextTo"/>
+        <c:spPr>
+          <a:noFill/>
+          <a:ln>
+            <a:noFill/>
+          </a:ln>
+          <a:effectLst/>
+        </c:spPr>
+        <c:txPr>
+          <a:bodyPr rot="-60000000" spcFirstLastPara="1" vertOverflow="ellipsis" vert="horz" wrap="square" anchor="ctr" anchorCtr="1"/>
+          <a:lstStyle/>
+          <a:p>
+            <a:pPr>
+              <a:defRPr sz="1197" b="0" i="0" u="none" strike="noStrike" kern="1200" baseline="0">
+                <a:solidFill>
+                  <a:schemeClr val="tx1">
+                    <a:lumMod val="65000"/>
+                    <a:lumOff val="35000"/>
+                  </a:schemeClr>
+                </a:solidFill>
+                <a:latin typeface="+mn-lt"/>
+                <a:ea typeface="+mn-ea"/>
+                <a:cs typeface="+mn-cs"/>
+              </a:defRPr>
+            </a:pPr>
+            <a:endParaRPr lang="en-US"/>
+          </a:p>
+        </c:txPr>
+        <c:crossAx val="427645999"/>
+        <c:crosses val="autoZero"/>
+        <c:crossBetween val="between"/>
+      </c:valAx>
+      <c:spPr>
+        <a:noFill/>
+        <a:ln>
+          <a:noFill/>
+        </a:ln>
+        <a:effectLst/>
+      </c:spPr>
+    </c:plotArea>
+    <c:legend>
+      <c:legendPos val="b"/>
+      <c:overlay val="0"/>
+      <c:spPr>
+        <a:noFill/>
+        <a:ln>
+          <a:noFill/>
+        </a:ln>
+        <a:effectLst/>
+      </c:spPr>
+      <c:txPr>
+        <a:bodyPr rot="0" spcFirstLastPara="1" vertOverflow="ellipsis" vert="horz" wrap="square" anchor="ctr" anchorCtr="1"/>
+        <a:lstStyle/>
+        <a:p>
+          <a:pPr>
+            <a:defRPr sz="1197" b="0" i="0" u="none" strike="noStrike" kern="1200" baseline="0">
+              <a:solidFill>
+                <a:schemeClr val="tx1">
+                  <a:lumMod val="65000"/>
+                  <a:lumOff val="35000"/>
+                </a:schemeClr>
+              </a:solidFill>
+              <a:latin typeface="+mn-lt"/>
+              <a:ea typeface="+mn-ea"/>
+              <a:cs typeface="+mn-cs"/>
+            </a:defRPr>
+          </a:pPr>
+          <a:endParaRPr lang="en-US"/>
+        </a:p>
+      </c:txPr>
+    </c:legend>
+    <c:plotVisOnly val="1"/>
+    <c:dispBlanksAs val="gap"/>
+    <c:extLst>
+      <c:ext xmlns:c16r3="http://schemas.microsoft.com/office/drawing/2017/03/chart" uri="{56B9EC1D-385E-4148-901F-78D8002777C0}">
+        <c16r3:dataDisplayOptions16>
+          <c16r3:dispNaAsBlank val="1"/>
+        </c16r3:dataDisplayOptions16>
+      </c:ext>
+    </c:extLst>
+    <c:showDLblsOverMax val="0"/>
+  </c:chart>
+  <c:spPr>
+    <a:noFill/>
+    <a:ln>
+      <a:noFill/>
+    </a:ln>
+    <a:effectLst/>
+  </c:spPr>
+  <c:txPr>
+    <a:bodyPr/>
+    <a:lstStyle/>
+    <a:p>
+      <a:pPr>
+        <a:defRPr/>
+      </a:pPr>
+      <a:endParaRPr lang="en-US"/>
+    </a:p>
+  </c:txPr>
+  <c:externalData r:id="rId3">
+    <c:autoUpdate val="0"/>
+  </c:externalData>
+</c:chartSpace>
+</file>
+
+<file path=ppt/charts/chart2.xml><?xml version="1.0" encoding="utf-8"?>
 <c:chartSpace xmlns:c="http://schemas.openxmlformats.org/drawingml/2006/chart" xmlns:a="http://schemas.openxmlformats.org/drawingml/2006/main" xmlns:r="http://schemas.openxmlformats.org/officeDocument/2006/relationships" xmlns:c16r2="http://schemas.microsoft.com/office/drawing/2015/06/chart">
   <c:date1904 val="0"/>
   <c:lang val="en-US"/>
@@ -701,7 +1077,550 @@
 </cs:colorStyle>
 </file>
 
+<file path=ppt/charts/colors2.xml><?xml version="1.0" encoding="utf-8"?>
+<cs:colorStyle xmlns:cs="http://schemas.microsoft.com/office/drawing/2012/chartStyle" xmlns:a="http://schemas.openxmlformats.org/drawingml/2006/main" meth="cycle" id="10">
+  <a:schemeClr val="accent1"/>
+  <a:schemeClr val="accent2"/>
+  <a:schemeClr val="accent3"/>
+  <a:schemeClr val="accent4"/>
+  <a:schemeClr val="accent5"/>
+  <a:schemeClr val="accent6"/>
+  <cs:variation/>
+  <cs:variation>
+    <a:lumMod val="60000"/>
+  </cs:variation>
+  <cs:variation>
+    <a:lumMod val="80000"/>
+    <a:lumOff val="20000"/>
+  </cs:variation>
+  <cs:variation>
+    <a:lumMod val="80000"/>
+  </cs:variation>
+  <cs:variation>
+    <a:lumMod val="60000"/>
+    <a:lumOff val="40000"/>
+  </cs:variation>
+  <cs:variation>
+    <a:lumMod val="50000"/>
+  </cs:variation>
+  <cs:variation>
+    <a:lumMod val="70000"/>
+    <a:lumOff val="30000"/>
+  </cs:variation>
+  <cs:variation>
+    <a:lumMod val="70000"/>
+  </cs:variation>
+  <cs:variation>
+    <a:lumMod val="50000"/>
+    <a:lumOff val="50000"/>
+  </cs:variation>
+</cs:colorStyle>
+</file>
+
 <file path=ppt/charts/style1.xml><?xml version="1.0" encoding="utf-8"?>
+<cs:chartStyle xmlns:cs="http://schemas.microsoft.com/office/drawing/2012/chartStyle" xmlns:a="http://schemas.openxmlformats.org/drawingml/2006/main" id="201">
+  <cs:axisTitle>
+    <cs:lnRef idx="0"/>
+    <cs:fillRef idx="0"/>
+    <cs:effectRef idx="0"/>
+    <cs:fontRef idx="minor">
+      <a:schemeClr val="tx1">
+        <a:lumMod val="65000"/>
+        <a:lumOff val="35000"/>
+      </a:schemeClr>
+    </cs:fontRef>
+    <cs:defRPr sz="1330" kern="1200"/>
+  </cs:axisTitle>
+  <cs:categoryAxis>
+    <cs:lnRef idx="0"/>
+    <cs:fillRef idx="0"/>
+    <cs:effectRef idx="0"/>
+    <cs:fontRef idx="minor">
+      <a:schemeClr val="tx1">
+        <a:lumMod val="65000"/>
+        <a:lumOff val="35000"/>
+      </a:schemeClr>
+    </cs:fontRef>
+    <cs:spPr>
+      <a:ln w="9525" cap="flat" cmpd="sng" algn="ctr">
+        <a:solidFill>
+          <a:schemeClr val="tx1">
+            <a:lumMod val="15000"/>
+            <a:lumOff val="85000"/>
+          </a:schemeClr>
+        </a:solidFill>
+        <a:round/>
+      </a:ln>
+    </cs:spPr>
+    <cs:defRPr sz="1197" kern="1200"/>
+  </cs:categoryAxis>
+  <cs:chartArea mods="allowNoFillOverride allowNoLineOverride">
+    <cs:lnRef idx="0"/>
+    <cs:fillRef idx="0"/>
+    <cs:effectRef idx="0"/>
+    <cs:fontRef idx="minor">
+      <a:schemeClr val="tx1"/>
+    </cs:fontRef>
+    <cs:spPr>
+      <a:solidFill>
+        <a:schemeClr val="bg1"/>
+      </a:solidFill>
+      <a:ln w="9525" cap="flat" cmpd="sng" algn="ctr">
+        <a:solidFill>
+          <a:schemeClr val="tx1">
+            <a:lumMod val="15000"/>
+            <a:lumOff val="85000"/>
+          </a:schemeClr>
+        </a:solidFill>
+        <a:round/>
+      </a:ln>
+    </cs:spPr>
+    <cs:defRPr sz="1330" kern="1200"/>
+  </cs:chartArea>
+  <cs:dataLabel>
+    <cs:lnRef idx="0"/>
+    <cs:fillRef idx="0"/>
+    <cs:effectRef idx="0"/>
+    <cs:fontRef idx="minor">
+      <a:schemeClr val="tx1">
+        <a:lumMod val="75000"/>
+        <a:lumOff val="25000"/>
+      </a:schemeClr>
+    </cs:fontRef>
+    <cs:defRPr sz="1197" kern="1200"/>
+  </cs:dataLabel>
+  <cs:dataLabelCallout>
+    <cs:lnRef idx="0"/>
+    <cs:fillRef idx="0"/>
+    <cs:effectRef idx="0"/>
+    <cs:fontRef idx="minor">
+      <a:schemeClr val="dk1">
+        <a:lumMod val="65000"/>
+        <a:lumOff val="35000"/>
+      </a:schemeClr>
+    </cs:fontRef>
+    <cs:spPr>
+      <a:solidFill>
+        <a:schemeClr val="lt1"/>
+      </a:solidFill>
+      <a:ln>
+        <a:solidFill>
+          <a:schemeClr val="dk1">
+            <a:lumMod val="25000"/>
+            <a:lumOff val="75000"/>
+          </a:schemeClr>
+        </a:solidFill>
+      </a:ln>
+    </cs:spPr>
+    <cs:defRPr sz="1197" kern="1200"/>
+    <cs:bodyPr rot="0" spcFirstLastPara="1" vertOverflow="clip" horzOverflow="clip" vert="horz" wrap="square" lIns="36576" tIns="18288" rIns="36576" bIns="18288" anchor="ctr" anchorCtr="1">
+      <a:spAutoFit/>
+    </cs:bodyPr>
+  </cs:dataLabelCallout>
+  <cs:dataPoint>
+    <cs:lnRef idx="0"/>
+    <cs:fillRef idx="1">
+      <cs:styleClr val="auto"/>
+    </cs:fillRef>
+    <cs:effectRef idx="0"/>
+    <cs:fontRef idx="minor">
+      <a:schemeClr val="tx1"/>
+    </cs:fontRef>
+  </cs:dataPoint>
+  <cs:dataPoint3D>
+    <cs:lnRef idx="0"/>
+    <cs:fillRef idx="1">
+      <cs:styleClr val="auto"/>
+    </cs:fillRef>
+    <cs:effectRef idx="0"/>
+    <cs:fontRef idx="minor">
+      <a:schemeClr val="tx1"/>
+    </cs:fontRef>
+  </cs:dataPoint3D>
+  <cs:dataPointLine>
+    <cs:lnRef idx="0">
+      <cs:styleClr val="auto"/>
+    </cs:lnRef>
+    <cs:fillRef idx="1"/>
+    <cs:effectRef idx="0"/>
+    <cs:fontRef idx="minor">
+      <a:schemeClr val="tx1"/>
+    </cs:fontRef>
+    <cs:spPr>
+      <a:ln w="28575" cap="rnd">
+        <a:solidFill>
+          <a:schemeClr val="phClr"/>
+        </a:solidFill>
+        <a:round/>
+      </a:ln>
+    </cs:spPr>
+  </cs:dataPointLine>
+  <cs:dataPointMarker>
+    <cs:lnRef idx="0">
+      <cs:styleClr val="auto"/>
+    </cs:lnRef>
+    <cs:fillRef idx="1">
+      <cs:styleClr val="auto"/>
+    </cs:fillRef>
+    <cs:effectRef idx="0"/>
+    <cs:fontRef idx="minor">
+      <a:schemeClr val="tx1"/>
+    </cs:fontRef>
+    <cs:spPr>
+      <a:ln w="9525">
+        <a:solidFill>
+          <a:schemeClr val="phClr"/>
+        </a:solidFill>
+      </a:ln>
+    </cs:spPr>
+  </cs:dataPointMarker>
+  <cs:dataPointMarkerLayout symbol="circle" size="5"/>
+  <cs:dataPointWireframe>
+    <cs:lnRef idx="0">
+      <cs:styleClr val="auto"/>
+    </cs:lnRef>
+    <cs:fillRef idx="1"/>
+    <cs:effectRef idx="0"/>
+    <cs:fontRef idx="minor">
+      <a:schemeClr val="tx1"/>
+    </cs:fontRef>
+    <cs:spPr>
+      <a:ln w="9525" cap="rnd">
+        <a:solidFill>
+          <a:schemeClr val="phClr"/>
+        </a:solidFill>
+        <a:round/>
+      </a:ln>
+    </cs:spPr>
+  </cs:dataPointWireframe>
+  <cs:dataTable>
+    <cs:lnRef idx="0"/>
+    <cs:fillRef idx="0"/>
+    <cs:effectRef idx="0"/>
+    <cs:fontRef idx="minor">
+      <a:schemeClr val="tx1">
+        <a:lumMod val="65000"/>
+        <a:lumOff val="35000"/>
+      </a:schemeClr>
+    </cs:fontRef>
+    <cs:spPr>
+      <a:noFill/>
+      <a:ln w="9525" cap="flat" cmpd="sng" algn="ctr">
+        <a:solidFill>
+          <a:schemeClr val="tx1">
+            <a:lumMod val="15000"/>
+            <a:lumOff val="85000"/>
+          </a:schemeClr>
+        </a:solidFill>
+        <a:round/>
+      </a:ln>
+    </cs:spPr>
+    <cs:defRPr sz="1197" kern="1200"/>
+  </cs:dataTable>
+  <cs:downBar>
+    <cs:lnRef idx="0"/>
+    <cs:fillRef idx="0"/>
+    <cs:effectRef idx="0"/>
+    <cs:fontRef idx="minor">
+      <a:schemeClr val="dk1"/>
+    </cs:fontRef>
+    <cs:spPr>
+      <a:solidFill>
+        <a:schemeClr val="dk1">
+          <a:lumMod val="65000"/>
+          <a:lumOff val="35000"/>
+        </a:schemeClr>
+      </a:solidFill>
+      <a:ln w="9525">
+        <a:solidFill>
+          <a:schemeClr val="tx1">
+            <a:lumMod val="65000"/>
+            <a:lumOff val="35000"/>
+          </a:schemeClr>
+        </a:solidFill>
+      </a:ln>
+    </cs:spPr>
+  </cs:downBar>
+  <cs:dropLine>
+    <cs:lnRef idx="0"/>
+    <cs:fillRef idx="0"/>
+    <cs:effectRef idx="0"/>
+    <cs:fontRef idx="minor">
+      <a:schemeClr val="tx1"/>
+    </cs:fontRef>
+    <cs:spPr>
+      <a:ln w="9525" cap="flat" cmpd="sng" algn="ctr">
+        <a:solidFill>
+          <a:schemeClr val="tx1">
+            <a:lumMod val="35000"/>
+            <a:lumOff val="65000"/>
+          </a:schemeClr>
+        </a:solidFill>
+        <a:round/>
+      </a:ln>
+    </cs:spPr>
+  </cs:dropLine>
+  <cs:errorBar>
+    <cs:lnRef idx="0"/>
+    <cs:fillRef idx="0"/>
+    <cs:effectRef idx="0"/>
+    <cs:fontRef idx="minor">
+      <a:schemeClr val="tx1"/>
+    </cs:fontRef>
+    <cs:spPr>
+      <a:ln w="9525" cap="flat" cmpd="sng" algn="ctr">
+        <a:solidFill>
+          <a:schemeClr val="tx1">
+            <a:lumMod val="65000"/>
+            <a:lumOff val="35000"/>
+          </a:schemeClr>
+        </a:solidFill>
+        <a:round/>
+      </a:ln>
+    </cs:spPr>
+  </cs:errorBar>
+  <cs:floor>
+    <cs:lnRef idx="0"/>
+    <cs:fillRef idx="0"/>
+    <cs:effectRef idx="0"/>
+    <cs:fontRef idx="minor">
+      <a:schemeClr val="tx1"/>
+    </cs:fontRef>
+    <cs:spPr>
+      <a:noFill/>
+      <a:ln>
+        <a:noFill/>
+      </a:ln>
+    </cs:spPr>
+  </cs:floor>
+  <cs:gridlineMajor>
+    <cs:lnRef idx="0"/>
+    <cs:fillRef idx="0"/>
+    <cs:effectRef idx="0"/>
+    <cs:fontRef idx="minor">
+      <a:schemeClr val="tx1"/>
+    </cs:fontRef>
+    <cs:spPr>
+      <a:ln w="9525" cap="flat" cmpd="sng" algn="ctr">
+        <a:solidFill>
+          <a:schemeClr val="tx1">
+            <a:lumMod val="15000"/>
+            <a:lumOff val="85000"/>
+          </a:schemeClr>
+        </a:solidFill>
+        <a:round/>
+      </a:ln>
+    </cs:spPr>
+  </cs:gridlineMajor>
+  <cs:gridlineMinor>
+    <cs:lnRef idx="0"/>
+    <cs:fillRef idx="0"/>
+    <cs:effectRef idx="0"/>
+    <cs:fontRef idx="minor">
+      <a:schemeClr val="tx1"/>
+    </cs:fontRef>
+    <cs:spPr>
+      <a:ln w="9525" cap="flat" cmpd="sng" algn="ctr">
+        <a:solidFill>
+          <a:schemeClr val="tx1">
+            <a:lumMod val="5000"/>
+            <a:lumOff val="95000"/>
+          </a:schemeClr>
+        </a:solidFill>
+        <a:round/>
+      </a:ln>
+    </cs:spPr>
+  </cs:gridlineMinor>
+  <cs:hiLoLine>
+    <cs:lnRef idx="0"/>
+    <cs:fillRef idx="0"/>
+    <cs:effectRef idx="0"/>
+    <cs:fontRef idx="minor">
+      <a:schemeClr val="tx1"/>
+    </cs:fontRef>
+    <cs:spPr>
+      <a:ln w="9525" cap="flat" cmpd="sng" algn="ctr">
+        <a:solidFill>
+          <a:schemeClr val="tx1">
+            <a:lumMod val="75000"/>
+            <a:lumOff val="25000"/>
+          </a:schemeClr>
+        </a:solidFill>
+        <a:round/>
+      </a:ln>
+    </cs:spPr>
+  </cs:hiLoLine>
+  <cs:leaderLine>
+    <cs:lnRef idx="0"/>
+    <cs:fillRef idx="0"/>
+    <cs:effectRef idx="0"/>
+    <cs:fontRef idx="minor">
+      <a:schemeClr val="tx1"/>
+    </cs:fontRef>
+    <cs:spPr>
+      <a:ln w="9525" cap="flat" cmpd="sng" algn="ctr">
+        <a:solidFill>
+          <a:schemeClr val="tx1">
+            <a:lumMod val="35000"/>
+            <a:lumOff val="65000"/>
+          </a:schemeClr>
+        </a:solidFill>
+        <a:round/>
+      </a:ln>
+    </cs:spPr>
+  </cs:leaderLine>
+  <cs:legend>
+    <cs:lnRef idx="0"/>
+    <cs:fillRef idx="0"/>
+    <cs:effectRef idx="0"/>
+    <cs:fontRef idx="minor">
+      <a:schemeClr val="tx1">
+        <a:lumMod val="65000"/>
+        <a:lumOff val="35000"/>
+      </a:schemeClr>
+    </cs:fontRef>
+    <cs:defRPr sz="1197" kern="1200"/>
+  </cs:legend>
+  <cs:plotArea mods="allowNoFillOverride allowNoLineOverride">
+    <cs:lnRef idx="0"/>
+    <cs:fillRef idx="0"/>
+    <cs:effectRef idx="0"/>
+    <cs:fontRef idx="minor">
+      <a:schemeClr val="tx1"/>
+    </cs:fontRef>
+  </cs:plotArea>
+  <cs:plotArea3D mods="allowNoFillOverride allowNoLineOverride">
+    <cs:lnRef idx="0"/>
+    <cs:fillRef idx="0"/>
+    <cs:effectRef idx="0"/>
+    <cs:fontRef idx="minor">
+      <a:schemeClr val="tx1"/>
+    </cs:fontRef>
+  </cs:plotArea3D>
+  <cs:seriesAxis>
+    <cs:lnRef idx="0"/>
+    <cs:fillRef idx="0"/>
+    <cs:effectRef idx="0"/>
+    <cs:fontRef idx="minor">
+      <a:schemeClr val="tx1">
+        <a:lumMod val="65000"/>
+        <a:lumOff val="35000"/>
+      </a:schemeClr>
+    </cs:fontRef>
+    <cs:defRPr sz="1197" kern="1200"/>
+  </cs:seriesAxis>
+  <cs:seriesLine>
+    <cs:lnRef idx="0"/>
+    <cs:fillRef idx="0"/>
+    <cs:effectRef idx="0"/>
+    <cs:fontRef idx="minor">
+      <a:schemeClr val="tx1"/>
+    </cs:fontRef>
+    <cs:spPr>
+      <a:ln w="9525" cap="flat" cmpd="sng" algn="ctr">
+        <a:solidFill>
+          <a:schemeClr val="tx1">
+            <a:lumMod val="35000"/>
+            <a:lumOff val="65000"/>
+          </a:schemeClr>
+        </a:solidFill>
+        <a:round/>
+      </a:ln>
+    </cs:spPr>
+  </cs:seriesLine>
+  <cs:title>
+    <cs:lnRef idx="0"/>
+    <cs:fillRef idx="0"/>
+    <cs:effectRef idx="0"/>
+    <cs:fontRef idx="minor">
+      <a:schemeClr val="tx1">
+        <a:lumMod val="65000"/>
+        <a:lumOff val="35000"/>
+      </a:schemeClr>
+    </cs:fontRef>
+    <cs:defRPr sz="1862" b="0" kern="1200" spc="0" baseline="0"/>
+  </cs:title>
+  <cs:trendline>
+    <cs:lnRef idx="0">
+      <cs:styleClr val="auto"/>
+    </cs:lnRef>
+    <cs:fillRef idx="0"/>
+    <cs:effectRef idx="0"/>
+    <cs:fontRef idx="minor">
+      <a:schemeClr val="tx1"/>
+    </cs:fontRef>
+    <cs:spPr>
+      <a:ln w="19050" cap="rnd">
+        <a:solidFill>
+          <a:schemeClr val="phClr"/>
+        </a:solidFill>
+        <a:prstDash val="sysDot"/>
+      </a:ln>
+    </cs:spPr>
+  </cs:trendline>
+  <cs:trendlineLabel>
+    <cs:lnRef idx="0"/>
+    <cs:fillRef idx="0"/>
+    <cs:effectRef idx="0"/>
+    <cs:fontRef idx="minor">
+      <a:schemeClr val="tx1">
+        <a:lumMod val="65000"/>
+        <a:lumOff val="35000"/>
+      </a:schemeClr>
+    </cs:fontRef>
+    <cs:defRPr sz="1197" kern="1200"/>
+  </cs:trendlineLabel>
+  <cs:upBar>
+    <cs:lnRef idx="0"/>
+    <cs:fillRef idx="0"/>
+    <cs:effectRef idx="0"/>
+    <cs:fontRef idx="minor">
+      <a:schemeClr val="dk1"/>
+    </cs:fontRef>
+    <cs:spPr>
+      <a:solidFill>
+        <a:schemeClr val="lt1"/>
+      </a:solidFill>
+      <a:ln w="9525">
+        <a:solidFill>
+          <a:schemeClr val="tx1">
+            <a:lumMod val="15000"/>
+            <a:lumOff val="85000"/>
+          </a:schemeClr>
+        </a:solidFill>
+      </a:ln>
+    </cs:spPr>
+  </cs:upBar>
+  <cs:valueAxis>
+    <cs:lnRef idx="0"/>
+    <cs:fillRef idx="0"/>
+    <cs:effectRef idx="0"/>
+    <cs:fontRef idx="minor">
+      <a:schemeClr val="tx1">
+        <a:lumMod val="65000"/>
+        <a:lumOff val="35000"/>
+      </a:schemeClr>
+    </cs:fontRef>
+    <cs:defRPr sz="1197" kern="1200"/>
+  </cs:valueAxis>
+  <cs:wall>
+    <cs:lnRef idx="0"/>
+    <cs:fillRef idx="0"/>
+    <cs:effectRef idx="0"/>
+    <cs:fontRef idx="minor">
+      <a:schemeClr val="tx1"/>
+    </cs:fontRef>
+    <cs:spPr>
+      <a:noFill/>
+      <a:ln>
+        <a:noFill/>
+      </a:ln>
+    </cs:spPr>
+  </cs:wall>
+</cs:chartStyle>
+</file>
+
+<file path=ppt/charts/style2.xml><?xml version="1.0" encoding="utf-8"?>
 <cs:chartStyle xmlns:cs="http://schemas.microsoft.com/office/drawing/2012/chartStyle" xmlns:a="http://schemas.openxmlformats.org/drawingml/2006/main" id="201">
   <cs:axisTitle>
     <cs:lnRef idx="0"/>
@@ -4266,7 +5185,7 @@
 <dgm:dataModel xmlns:dgm="http://schemas.openxmlformats.org/drawingml/2006/diagram" xmlns:a="http://schemas.openxmlformats.org/drawingml/2006/main">
   <dgm:ptLst>
     <dgm:pt modelId="{4595F06F-9620-4B00-8401-AB586D4338E0}" type="doc">
-      <dgm:prSet loTypeId="urn:microsoft.com/office/officeart/2008/layout/LinedList" loCatId="list" qsTypeId="urn:microsoft.com/office/officeart/2005/8/quickstyle/simple1" qsCatId="simple" csTypeId="urn:microsoft.com/office/officeart/2005/8/colors/colorful2" csCatId="colorful"/>
+      <dgm:prSet loTypeId="urn:microsoft.com/office/officeart/2008/layout/LinedList" loCatId="list" qsTypeId="urn:microsoft.com/office/officeart/2005/8/quickstyle/simple1" qsCatId="simple" csTypeId="urn:microsoft.com/office/officeart/2005/8/colors/colorful2" csCatId="colorful" phldr="1"/>
       <dgm:spPr/>
       <dgm:t>
         <a:bodyPr/>
@@ -4284,10 +5203,9 @@
         <a:lstStyle/>
         <a:p>
           <a:r>
-            <a:rPr lang="en-GB" dirty="0"/>
-            <a:t>Study done by</a:t>
+            <a:rPr lang="en-US" dirty="0"/>
+            <a:t>Objective of the review</a:t>
           </a:r>
-          <a:endParaRPr lang="en-US" dirty="0"/>
         </a:p>
       </dgm:t>
     </dgm:pt>
@@ -4313,80 +5231,6 @@
         </a:p>
       </dgm:t>
     </dgm:pt>
-    <dgm:pt modelId="{FE400A98-CDA3-4EC8-92CF-C1782F0DE02C}">
-      <dgm:prSet/>
-      <dgm:spPr/>
-      <dgm:t>
-        <a:bodyPr/>
-        <a:lstStyle/>
-        <a:p>
-          <a:r>
-            <a:rPr lang="en-GB"/>
-            <a:t>Serious game as defined by the study</a:t>
-          </a:r>
-          <a:endParaRPr lang="en-US"/>
-        </a:p>
-      </dgm:t>
-    </dgm:pt>
-    <dgm:pt modelId="{D00C2D63-2E15-46AA-A33D-1A3276208956}" type="parTrans" cxnId="{47C6A558-C3E5-4DD7-9094-0E384A178916}">
-      <dgm:prSet/>
-      <dgm:spPr/>
-      <dgm:t>
-        <a:bodyPr/>
-        <a:lstStyle/>
-        <a:p>
-          <a:endParaRPr lang="en-US"/>
-        </a:p>
-      </dgm:t>
-    </dgm:pt>
-    <dgm:pt modelId="{4841C0F3-0247-4186-9FB2-5E515A37ED88}" type="sibTrans" cxnId="{47C6A558-C3E5-4DD7-9094-0E384A178916}">
-      <dgm:prSet/>
-      <dgm:spPr/>
-      <dgm:t>
-        <a:bodyPr/>
-        <a:lstStyle/>
-        <a:p>
-          <a:endParaRPr lang="en-US"/>
-        </a:p>
-      </dgm:t>
-    </dgm:pt>
-    <dgm:pt modelId="{A1F3173E-701E-426E-B685-6F874EA94487}">
-      <dgm:prSet/>
-      <dgm:spPr/>
-      <dgm:t>
-        <a:bodyPr/>
-        <a:lstStyle/>
-        <a:p>
-          <a:r>
-            <a:rPr lang="en-GB"/>
-            <a:t>Focus of the review</a:t>
-          </a:r>
-          <a:endParaRPr lang="en-US"/>
-        </a:p>
-      </dgm:t>
-    </dgm:pt>
-    <dgm:pt modelId="{4E6D56EC-E071-4B2D-911C-36B1DA2BA581}" type="parTrans" cxnId="{5BB4279D-1944-439D-B7E0-82E977C52B20}">
-      <dgm:prSet/>
-      <dgm:spPr/>
-      <dgm:t>
-        <a:bodyPr/>
-        <a:lstStyle/>
-        <a:p>
-          <a:endParaRPr lang="en-US"/>
-        </a:p>
-      </dgm:t>
-    </dgm:pt>
-    <dgm:pt modelId="{28878280-EA69-45D4-9A92-91AA83ABE34A}" type="sibTrans" cxnId="{5BB4279D-1944-439D-B7E0-82E977C52B20}">
-      <dgm:prSet/>
-      <dgm:spPr/>
-      <dgm:t>
-        <a:bodyPr/>
-        <a:lstStyle/>
-        <a:p>
-          <a:endParaRPr lang="en-US"/>
-        </a:p>
-      </dgm:t>
-    </dgm:pt>
     <dgm:pt modelId="{D6CDE314-9DDB-4570-A914-D8822E581BB1}">
       <dgm:prSet/>
       <dgm:spPr/>
@@ -4395,10 +5239,10 @@
         <a:lstStyle/>
         <a:p>
           <a:r>
-            <a:rPr lang="en-GB"/>
+            <a:rPr lang="en-GB" dirty="0"/>
             <a:t>Methods used</a:t>
           </a:r>
-          <a:endParaRPr lang="en-US"/>
+          <a:endParaRPr lang="en-US" dirty="0"/>
         </a:p>
       </dgm:t>
     </dgm:pt>
@@ -4432,10 +5276,10 @@
         <a:lstStyle/>
         <a:p>
           <a:r>
-            <a:rPr lang="en-ZA"/>
+            <a:rPr lang="en-ZA" dirty="0"/>
             <a:t>Search strategy</a:t>
           </a:r>
-          <a:endParaRPr lang="en-US"/>
+          <a:endParaRPr lang="en-US" dirty="0"/>
         </a:p>
       </dgm:t>
     </dgm:pt>
@@ -4461,80 +5305,6 @@
         </a:p>
       </dgm:t>
     </dgm:pt>
-    <dgm:pt modelId="{19FDFB1B-DDEA-40E2-A8D9-06D26DD581A7}">
-      <dgm:prSet/>
-      <dgm:spPr/>
-      <dgm:t>
-        <a:bodyPr/>
-        <a:lstStyle/>
-        <a:p>
-          <a:r>
-            <a:rPr lang="en-ZA"/>
-            <a:t>Feasibility analysis</a:t>
-          </a:r>
-          <a:endParaRPr lang="en-US"/>
-        </a:p>
-      </dgm:t>
-    </dgm:pt>
-    <dgm:pt modelId="{F9117135-7C08-4F1C-999B-F4EF8D41EB3D}" type="parTrans" cxnId="{BF2357E9-354F-4B88-AB58-73CD52D47D93}">
-      <dgm:prSet/>
-      <dgm:spPr/>
-      <dgm:t>
-        <a:bodyPr/>
-        <a:lstStyle/>
-        <a:p>
-          <a:endParaRPr lang="en-US"/>
-        </a:p>
-      </dgm:t>
-    </dgm:pt>
-    <dgm:pt modelId="{F9DE8E39-E5AC-4009-8709-01AC678CE5A3}" type="sibTrans" cxnId="{BF2357E9-354F-4B88-AB58-73CD52D47D93}">
-      <dgm:prSet/>
-      <dgm:spPr/>
-      <dgm:t>
-        <a:bodyPr/>
-        <a:lstStyle/>
-        <a:p>
-          <a:endParaRPr lang="en-US"/>
-        </a:p>
-      </dgm:t>
-    </dgm:pt>
-    <dgm:pt modelId="{54402EDD-A62E-4CF5-97C3-C6055188DDCD}">
-      <dgm:prSet/>
-      <dgm:spPr/>
-      <dgm:t>
-        <a:bodyPr/>
-        <a:lstStyle/>
-        <a:p>
-          <a:r>
-            <a:rPr lang="en-ZA"/>
-            <a:t>Effectiveness</a:t>
-          </a:r>
-          <a:endParaRPr lang="en-US"/>
-        </a:p>
-      </dgm:t>
-    </dgm:pt>
-    <dgm:pt modelId="{E8B3BB37-0079-4CDD-B319-E650CBCB4501}" type="parTrans" cxnId="{5779FD4C-0A39-4123-97D4-55B5D79E7819}">
-      <dgm:prSet/>
-      <dgm:spPr/>
-      <dgm:t>
-        <a:bodyPr/>
-        <a:lstStyle/>
-        <a:p>
-          <a:endParaRPr lang="en-US"/>
-        </a:p>
-      </dgm:t>
-    </dgm:pt>
-    <dgm:pt modelId="{93F2D3F5-F9DD-4F9C-A365-860E98BC99E4}" type="sibTrans" cxnId="{5779FD4C-0A39-4123-97D4-55B5D79E7819}">
-      <dgm:prSet/>
-      <dgm:spPr/>
-      <dgm:t>
-        <a:bodyPr/>
-        <a:lstStyle/>
-        <a:p>
-          <a:endParaRPr lang="en-US"/>
-        </a:p>
-      </dgm:t>
-    </dgm:pt>
     <dgm:pt modelId="{B11D697A-6131-4D1A-838A-202CBA9B88EA}">
       <dgm:prSet/>
       <dgm:spPr/>
@@ -4543,10 +5313,10 @@
         <a:lstStyle/>
         <a:p>
           <a:r>
-            <a:rPr lang="en-ZA"/>
+            <a:rPr lang="en-ZA" dirty="0"/>
             <a:t>Studies used</a:t>
           </a:r>
-          <a:endParaRPr lang="en-US"/>
+          <a:endParaRPr lang="en-US" dirty="0"/>
         </a:p>
       </dgm:t>
     </dgm:pt>
@@ -4572,80 +5342,6 @@
         </a:p>
       </dgm:t>
     </dgm:pt>
-    <dgm:pt modelId="{CC2DDDD0-8849-4B7E-B41E-7EEDE4405B25}">
-      <dgm:prSet/>
-      <dgm:spPr/>
-      <dgm:t>
-        <a:bodyPr/>
-        <a:lstStyle/>
-        <a:p>
-          <a:r>
-            <a:rPr lang="en-ZA"/>
-            <a:t>Studies focused on</a:t>
-          </a:r>
-          <a:endParaRPr lang="en-US"/>
-        </a:p>
-      </dgm:t>
-    </dgm:pt>
-    <dgm:pt modelId="{129385EC-34CF-4518-A94C-365CB274D759}" type="parTrans" cxnId="{4D655894-BFD5-4FE0-B45E-665C87681B2C}">
-      <dgm:prSet/>
-      <dgm:spPr/>
-      <dgm:t>
-        <a:bodyPr/>
-        <a:lstStyle/>
-        <a:p>
-          <a:endParaRPr lang="en-US"/>
-        </a:p>
-      </dgm:t>
-    </dgm:pt>
-    <dgm:pt modelId="{075D1977-FCAE-4405-BEB8-E08BFAF6E356}" type="sibTrans" cxnId="{4D655894-BFD5-4FE0-B45E-665C87681B2C}">
-      <dgm:prSet/>
-      <dgm:spPr/>
-      <dgm:t>
-        <a:bodyPr/>
-        <a:lstStyle/>
-        <a:p>
-          <a:endParaRPr lang="en-US"/>
-        </a:p>
-      </dgm:t>
-    </dgm:pt>
-    <dgm:pt modelId="{5CF1F397-07B1-46B3-B75C-8199681587EE}">
-      <dgm:prSet/>
-      <dgm:spPr/>
-      <dgm:t>
-        <a:bodyPr/>
-        <a:lstStyle/>
-        <a:p>
-          <a:r>
-            <a:rPr lang="en-ZA"/>
-            <a:t>Results</a:t>
-          </a:r>
-          <a:endParaRPr lang="en-US"/>
-        </a:p>
-      </dgm:t>
-    </dgm:pt>
-    <dgm:pt modelId="{07075355-EB16-41E3-9D72-0FB759387D0A}" type="parTrans" cxnId="{20637C44-66CA-4E05-92FA-38EACB66F839}">
-      <dgm:prSet/>
-      <dgm:spPr/>
-      <dgm:t>
-        <a:bodyPr/>
-        <a:lstStyle/>
-        <a:p>
-          <a:endParaRPr lang="en-US"/>
-        </a:p>
-      </dgm:t>
-    </dgm:pt>
-    <dgm:pt modelId="{BBEFE91F-D353-4AEB-A12A-113FC5531DEF}" type="sibTrans" cxnId="{20637C44-66CA-4E05-92FA-38EACB66F839}">
-      <dgm:prSet/>
-      <dgm:spPr/>
-      <dgm:t>
-        <a:bodyPr/>
-        <a:lstStyle/>
-        <a:p>
-          <a:endParaRPr lang="en-US"/>
-        </a:p>
-      </dgm:t>
-    </dgm:pt>
     <dgm:pt modelId="{1375BA05-2243-4BAC-92F5-B41E65EA582C}">
       <dgm:prSet/>
       <dgm:spPr/>
@@ -4654,10 +5350,10 @@
         <a:lstStyle/>
         <a:p>
           <a:r>
-            <a:rPr lang="en-ZA"/>
+            <a:rPr lang="en-ZA" dirty="0"/>
             <a:t>conclusion</a:t>
           </a:r>
-          <a:endParaRPr lang="en-US"/>
+          <a:endParaRPr lang="en-US" dirty="0"/>
         </a:p>
       </dgm:t>
     </dgm:pt>
@@ -4683,6 +5379,78 @@
         </a:p>
       </dgm:t>
     </dgm:pt>
+    <dgm:pt modelId="{ED176455-57E0-40C1-9E6D-2E424211087F}">
+      <dgm:prSet/>
+      <dgm:spPr/>
+      <dgm:t>
+        <a:bodyPr/>
+        <a:lstStyle/>
+        <a:p>
+          <a:r>
+            <a:rPr lang="en-US" dirty="0"/>
+            <a:t>Findings</a:t>
+          </a:r>
+        </a:p>
+      </dgm:t>
+    </dgm:pt>
+    <dgm:pt modelId="{A55E7D1E-6C29-4419-9C39-DB65762CD422}" type="parTrans" cxnId="{28B9F339-5CF3-44F4-8255-7218653B26D2}">
+      <dgm:prSet/>
+      <dgm:spPr/>
+      <dgm:t>
+        <a:bodyPr/>
+        <a:lstStyle/>
+        <a:p>
+          <a:endParaRPr lang="en-ZA"/>
+        </a:p>
+      </dgm:t>
+    </dgm:pt>
+    <dgm:pt modelId="{8AB280F3-B8F9-4CF5-9C51-D257C2A390AE}" type="sibTrans" cxnId="{28B9F339-5CF3-44F4-8255-7218653B26D2}">
+      <dgm:prSet/>
+      <dgm:spPr/>
+      <dgm:t>
+        <a:bodyPr/>
+        <a:lstStyle/>
+        <a:p>
+          <a:endParaRPr lang="en-ZA"/>
+        </a:p>
+      </dgm:t>
+    </dgm:pt>
+    <dgm:pt modelId="{C9164DEF-688D-48BD-8B2D-95F884BEB17C}">
+      <dgm:prSet/>
+      <dgm:spPr/>
+      <dgm:t>
+        <a:bodyPr/>
+        <a:lstStyle/>
+        <a:p>
+          <a:r>
+            <a:rPr lang="en-US" dirty="0"/>
+            <a:t>Efficacy findings</a:t>
+          </a:r>
+        </a:p>
+      </dgm:t>
+    </dgm:pt>
+    <dgm:pt modelId="{D5B7A67E-3957-4E72-93D4-0D3EA7C30343}" type="parTrans" cxnId="{FE6089FE-8AC8-408E-A7C8-09D355887949}">
+      <dgm:prSet/>
+      <dgm:spPr/>
+      <dgm:t>
+        <a:bodyPr/>
+        <a:lstStyle/>
+        <a:p>
+          <a:endParaRPr lang="en-ZA"/>
+        </a:p>
+      </dgm:t>
+    </dgm:pt>
+    <dgm:pt modelId="{B1B2FC15-D130-4B96-92E3-69DCC8C0F8E1}" type="sibTrans" cxnId="{FE6089FE-8AC8-408E-A7C8-09D355887949}">
+      <dgm:prSet/>
+      <dgm:spPr/>
+      <dgm:t>
+        <a:bodyPr/>
+        <a:lstStyle/>
+        <a:p>
+          <a:endParaRPr lang="en-ZA"/>
+        </a:p>
+      </dgm:t>
+    </dgm:pt>
     <dgm:pt modelId="{93774174-AED8-41C8-A20A-5D6833F79211}" type="pres">
       <dgm:prSet presAssocID="{4595F06F-9620-4B00-8401-AB586D4338E0}" presName="vert0" presStyleCnt="0">
         <dgm:presLayoutVars>
@@ -4694,7 +5462,7 @@
       <dgm:spPr/>
     </dgm:pt>
     <dgm:pt modelId="{E8A89E55-906E-4C7A-B651-66978894A9B8}" type="pres">
-      <dgm:prSet presAssocID="{3C64E810-5122-4B58-8966-E79070BF8047}" presName="thickLine" presStyleLbl="alignNode1" presStyleIdx="0" presStyleCnt="11"/>
+      <dgm:prSet presAssocID="{3C64E810-5122-4B58-8966-E79070BF8047}" presName="thickLine" presStyleLbl="alignNode1" presStyleIdx="0" presStyleCnt="7"/>
       <dgm:spPr/>
     </dgm:pt>
     <dgm:pt modelId="{D0E220CE-C292-4837-B314-0C66380E829E}" type="pres">
@@ -4702,47 +5470,15 @@
       <dgm:spPr/>
     </dgm:pt>
     <dgm:pt modelId="{6E8DC6BA-D0B1-40E3-8A56-ACF0219C2D9A}" type="pres">
-      <dgm:prSet presAssocID="{3C64E810-5122-4B58-8966-E79070BF8047}" presName="tx1" presStyleLbl="revTx" presStyleIdx="0" presStyleCnt="11"/>
+      <dgm:prSet presAssocID="{3C64E810-5122-4B58-8966-E79070BF8047}" presName="tx1" presStyleLbl="revTx" presStyleIdx="0" presStyleCnt="7"/>
       <dgm:spPr/>
     </dgm:pt>
     <dgm:pt modelId="{8E58F532-0D1E-4F67-A068-9E39637EAD18}" type="pres">
       <dgm:prSet presAssocID="{3C64E810-5122-4B58-8966-E79070BF8047}" presName="vert1" presStyleCnt="0"/>
       <dgm:spPr/>
     </dgm:pt>
-    <dgm:pt modelId="{E2DE8678-ED72-491A-AFD6-412536E0D934}" type="pres">
-      <dgm:prSet presAssocID="{FE400A98-CDA3-4EC8-92CF-C1782F0DE02C}" presName="thickLine" presStyleLbl="alignNode1" presStyleIdx="1" presStyleCnt="11"/>
-      <dgm:spPr/>
-    </dgm:pt>
-    <dgm:pt modelId="{908913E8-23EE-4082-A133-6B3EEF208EDD}" type="pres">
-      <dgm:prSet presAssocID="{FE400A98-CDA3-4EC8-92CF-C1782F0DE02C}" presName="horz1" presStyleCnt="0"/>
-      <dgm:spPr/>
-    </dgm:pt>
-    <dgm:pt modelId="{CAEBDBF7-3417-43B2-A679-EE11BB6401C3}" type="pres">
-      <dgm:prSet presAssocID="{FE400A98-CDA3-4EC8-92CF-C1782F0DE02C}" presName="tx1" presStyleLbl="revTx" presStyleIdx="1" presStyleCnt="11"/>
-      <dgm:spPr/>
-    </dgm:pt>
-    <dgm:pt modelId="{12DAEF00-ED85-4D0F-A07A-C589A6ABB15B}" type="pres">
-      <dgm:prSet presAssocID="{FE400A98-CDA3-4EC8-92CF-C1782F0DE02C}" presName="vert1" presStyleCnt="0"/>
-      <dgm:spPr/>
-    </dgm:pt>
-    <dgm:pt modelId="{FC7EE33C-985F-4105-81D7-48336D2F2D54}" type="pres">
-      <dgm:prSet presAssocID="{A1F3173E-701E-426E-B685-6F874EA94487}" presName="thickLine" presStyleLbl="alignNode1" presStyleIdx="2" presStyleCnt="11"/>
-      <dgm:spPr/>
-    </dgm:pt>
-    <dgm:pt modelId="{D842717F-926D-43D6-B05C-1C3C291DAC66}" type="pres">
-      <dgm:prSet presAssocID="{A1F3173E-701E-426E-B685-6F874EA94487}" presName="horz1" presStyleCnt="0"/>
-      <dgm:spPr/>
-    </dgm:pt>
-    <dgm:pt modelId="{330A25EE-422E-4FD7-8D8F-C4251569371D}" type="pres">
-      <dgm:prSet presAssocID="{A1F3173E-701E-426E-B685-6F874EA94487}" presName="tx1" presStyleLbl="revTx" presStyleIdx="2" presStyleCnt="11"/>
-      <dgm:spPr/>
-    </dgm:pt>
-    <dgm:pt modelId="{BD615213-CA4D-4F5A-8684-8082BF4A213C}" type="pres">
-      <dgm:prSet presAssocID="{A1F3173E-701E-426E-B685-6F874EA94487}" presName="vert1" presStyleCnt="0"/>
-      <dgm:spPr/>
-    </dgm:pt>
     <dgm:pt modelId="{840D6560-AEE1-4392-8014-784E1DCFA043}" type="pres">
-      <dgm:prSet presAssocID="{D6CDE314-9DDB-4570-A914-D8822E581BB1}" presName="thickLine" presStyleLbl="alignNode1" presStyleIdx="3" presStyleCnt="11"/>
+      <dgm:prSet presAssocID="{D6CDE314-9DDB-4570-A914-D8822E581BB1}" presName="thickLine" presStyleLbl="alignNode1" presStyleIdx="1" presStyleCnt="7"/>
       <dgm:spPr/>
     </dgm:pt>
     <dgm:pt modelId="{5F216B2B-A781-4507-99B9-7DD151DB5060}" type="pres">
@@ -4750,7 +5486,7 @@
       <dgm:spPr/>
     </dgm:pt>
     <dgm:pt modelId="{E75FE6AC-7E95-4172-8C1F-0825C5F6F069}" type="pres">
-      <dgm:prSet presAssocID="{D6CDE314-9DDB-4570-A914-D8822E581BB1}" presName="tx1" presStyleLbl="revTx" presStyleIdx="3" presStyleCnt="11"/>
+      <dgm:prSet presAssocID="{D6CDE314-9DDB-4570-A914-D8822E581BB1}" presName="tx1" presStyleLbl="revTx" presStyleIdx="1" presStyleCnt="7"/>
       <dgm:spPr/>
     </dgm:pt>
     <dgm:pt modelId="{31F3EC6A-A746-4F80-A0C5-1CAD72E8CD49}" type="pres">
@@ -4758,7 +5494,7 @@
       <dgm:spPr/>
     </dgm:pt>
     <dgm:pt modelId="{93A181F3-0133-49B9-818F-3DBE61CD3A42}" type="pres">
-      <dgm:prSet presAssocID="{C396129C-6F6D-483D-8804-CDA82D7784E6}" presName="thickLine" presStyleLbl="alignNode1" presStyleIdx="4" presStyleCnt="11"/>
+      <dgm:prSet presAssocID="{C396129C-6F6D-483D-8804-CDA82D7784E6}" presName="thickLine" presStyleLbl="alignNode1" presStyleIdx="2" presStyleCnt="7"/>
       <dgm:spPr/>
     </dgm:pt>
     <dgm:pt modelId="{898A1EAC-6DAB-4F4B-9BB4-0A405814659F}" type="pres">
@@ -4766,47 +5502,15 @@
       <dgm:spPr/>
     </dgm:pt>
     <dgm:pt modelId="{27AEF0E9-B4F5-4367-87AA-47117623D82A}" type="pres">
-      <dgm:prSet presAssocID="{C396129C-6F6D-483D-8804-CDA82D7784E6}" presName="tx1" presStyleLbl="revTx" presStyleIdx="4" presStyleCnt="11"/>
+      <dgm:prSet presAssocID="{C396129C-6F6D-483D-8804-CDA82D7784E6}" presName="tx1" presStyleLbl="revTx" presStyleIdx="2" presStyleCnt="7"/>
       <dgm:spPr/>
     </dgm:pt>
     <dgm:pt modelId="{FB8CF28F-61C6-46EE-9F8F-5FEBC92BCA30}" type="pres">
       <dgm:prSet presAssocID="{C396129C-6F6D-483D-8804-CDA82D7784E6}" presName="vert1" presStyleCnt="0"/>
       <dgm:spPr/>
     </dgm:pt>
-    <dgm:pt modelId="{FEC71D7B-1433-4DAD-9BC9-A9CA39F494A2}" type="pres">
-      <dgm:prSet presAssocID="{19FDFB1B-DDEA-40E2-A8D9-06D26DD581A7}" presName="thickLine" presStyleLbl="alignNode1" presStyleIdx="5" presStyleCnt="11"/>
-      <dgm:spPr/>
-    </dgm:pt>
-    <dgm:pt modelId="{B84E9B4F-86BB-4E44-A4E5-934A6097B3CD}" type="pres">
-      <dgm:prSet presAssocID="{19FDFB1B-DDEA-40E2-A8D9-06D26DD581A7}" presName="horz1" presStyleCnt="0"/>
-      <dgm:spPr/>
-    </dgm:pt>
-    <dgm:pt modelId="{BC07E0A2-C561-4919-8EF5-03126FA1CA37}" type="pres">
-      <dgm:prSet presAssocID="{19FDFB1B-DDEA-40E2-A8D9-06D26DD581A7}" presName="tx1" presStyleLbl="revTx" presStyleIdx="5" presStyleCnt="11"/>
-      <dgm:spPr/>
-    </dgm:pt>
-    <dgm:pt modelId="{8BC76ABF-30C9-47B5-B7CD-E57B370DC074}" type="pres">
-      <dgm:prSet presAssocID="{19FDFB1B-DDEA-40E2-A8D9-06D26DD581A7}" presName="vert1" presStyleCnt="0"/>
-      <dgm:spPr/>
-    </dgm:pt>
-    <dgm:pt modelId="{6A4AF827-D48F-4A7F-817A-BD8DC7970487}" type="pres">
-      <dgm:prSet presAssocID="{54402EDD-A62E-4CF5-97C3-C6055188DDCD}" presName="thickLine" presStyleLbl="alignNode1" presStyleIdx="6" presStyleCnt="11"/>
-      <dgm:spPr/>
-    </dgm:pt>
-    <dgm:pt modelId="{7CAAA903-E270-46D4-871A-5848D92F5BCA}" type="pres">
-      <dgm:prSet presAssocID="{54402EDD-A62E-4CF5-97C3-C6055188DDCD}" presName="horz1" presStyleCnt="0"/>
-      <dgm:spPr/>
-    </dgm:pt>
-    <dgm:pt modelId="{EC577089-7F11-4FFD-8B71-AC58E894EAAA}" type="pres">
-      <dgm:prSet presAssocID="{54402EDD-A62E-4CF5-97C3-C6055188DDCD}" presName="tx1" presStyleLbl="revTx" presStyleIdx="6" presStyleCnt="11"/>
-      <dgm:spPr/>
-    </dgm:pt>
-    <dgm:pt modelId="{DA08A61A-677E-4023-B8F9-6B8F1329281F}" type="pres">
-      <dgm:prSet presAssocID="{54402EDD-A62E-4CF5-97C3-C6055188DDCD}" presName="vert1" presStyleCnt="0"/>
-      <dgm:spPr/>
-    </dgm:pt>
     <dgm:pt modelId="{76BFB57D-0E7D-46C8-860F-776201DB020D}" type="pres">
-      <dgm:prSet presAssocID="{B11D697A-6131-4D1A-838A-202CBA9B88EA}" presName="thickLine" presStyleLbl="alignNode1" presStyleIdx="7" presStyleCnt="11"/>
+      <dgm:prSet presAssocID="{B11D697A-6131-4D1A-838A-202CBA9B88EA}" presName="thickLine" presStyleLbl="alignNode1" presStyleIdx="3" presStyleCnt="7"/>
       <dgm:spPr/>
     </dgm:pt>
     <dgm:pt modelId="{1F4A01ED-7954-4AC7-8870-FEAC577086AC}" type="pres">
@@ -4814,47 +5518,47 @@
       <dgm:spPr/>
     </dgm:pt>
     <dgm:pt modelId="{99639AD6-3EFF-45B5-8A4F-FC6627B4C4D5}" type="pres">
-      <dgm:prSet presAssocID="{B11D697A-6131-4D1A-838A-202CBA9B88EA}" presName="tx1" presStyleLbl="revTx" presStyleIdx="7" presStyleCnt="11"/>
+      <dgm:prSet presAssocID="{B11D697A-6131-4D1A-838A-202CBA9B88EA}" presName="tx1" presStyleLbl="revTx" presStyleIdx="3" presStyleCnt="7"/>
       <dgm:spPr/>
     </dgm:pt>
     <dgm:pt modelId="{1976EB6D-CDCA-4FDC-8DD0-DBA6C41D7D5E}" type="pres">
       <dgm:prSet presAssocID="{B11D697A-6131-4D1A-838A-202CBA9B88EA}" presName="vert1" presStyleCnt="0"/>
       <dgm:spPr/>
     </dgm:pt>
-    <dgm:pt modelId="{23221E2E-A573-4712-8AC3-AE13C884B747}" type="pres">
-      <dgm:prSet presAssocID="{CC2DDDD0-8849-4B7E-B41E-7EEDE4405B25}" presName="thickLine" presStyleLbl="alignNode1" presStyleIdx="8" presStyleCnt="11"/>
+    <dgm:pt modelId="{D3C88023-5EBF-4DB3-A53B-C2064006C5A4}" type="pres">
+      <dgm:prSet presAssocID="{ED176455-57E0-40C1-9E6D-2E424211087F}" presName="thickLine" presStyleLbl="alignNode1" presStyleIdx="4" presStyleCnt="7"/>
       <dgm:spPr/>
     </dgm:pt>
-    <dgm:pt modelId="{7D817B58-AB1A-4CC4-B8FF-913F2E9F21B5}" type="pres">
-      <dgm:prSet presAssocID="{CC2DDDD0-8849-4B7E-B41E-7EEDE4405B25}" presName="horz1" presStyleCnt="0"/>
+    <dgm:pt modelId="{06B52680-0DC4-41EC-8DFF-7AB99062101F}" type="pres">
+      <dgm:prSet presAssocID="{ED176455-57E0-40C1-9E6D-2E424211087F}" presName="horz1" presStyleCnt="0"/>
       <dgm:spPr/>
     </dgm:pt>
-    <dgm:pt modelId="{13A4F3BC-3693-4264-A40E-A80E1F903DDB}" type="pres">
-      <dgm:prSet presAssocID="{CC2DDDD0-8849-4B7E-B41E-7EEDE4405B25}" presName="tx1" presStyleLbl="revTx" presStyleIdx="8" presStyleCnt="11"/>
+    <dgm:pt modelId="{4A4DDC54-B2AB-4086-B353-CBA045074281}" type="pres">
+      <dgm:prSet presAssocID="{ED176455-57E0-40C1-9E6D-2E424211087F}" presName="tx1" presStyleLbl="revTx" presStyleIdx="4" presStyleCnt="7"/>
       <dgm:spPr/>
     </dgm:pt>
-    <dgm:pt modelId="{D2173F33-88E8-40D8-89F2-0DE442E71D47}" type="pres">
-      <dgm:prSet presAssocID="{CC2DDDD0-8849-4B7E-B41E-7EEDE4405B25}" presName="vert1" presStyleCnt="0"/>
+    <dgm:pt modelId="{9F771DCA-E982-473F-8B21-5568858C2AC6}" type="pres">
+      <dgm:prSet presAssocID="{ED176455-57E0-40C1-9E6D-2E424211087F}" presName="vert1" presStyleCnt="0"/>
       <dgm:spPr/>
     </dgm:pt>
-    <dgm:pt modelId="{8906D57F-4603-42F3-B539-611F80D8B3FF}" type="pres">
-      <dgm:prSet presAssocID="{5CF1F397-07B1-46B3-B75C-8199681587EE}" presName="thickLine" presStyleLbl="alignNode1" presStyleIdx="9" presStyleCnt="11"/>
+    <dgm:pt modelId="{8F7FECC6-849E-486E-A6A7-31BEAB1292A6}" type="pres">
+      <dgm:prSet presAssocID="{C9164DEF-688D-48BD-8B2D-95F884BEB17C}" presName="thickLine" presStyleLbl="alignNode1" presStyleIdx="5" presStyleCnt="7"/>
       <dgm:spPr/>
     </dgm:pt>
-    <dgm:pt modelId="{9E976C45-40F3-4333-9390-1A8E4CB2A8EE}" type="pres">
-      <dgm:prSet presAssocID="{5CF1F397-07B1-46B3-B75C-8199681587EE}" presName="horz1" presStyleCnt="0"/>
+    <dgm:pt modelId="{2149248E-21CB-4C6B-ABE6-F3E68EEEDAEF}" type="pres">
+      <dgm:prSet presAssocID="{C9164DEF-688D-48BD-8B2D-95F884BEB17C}" presName="horz1" presStyleCnt="0"/>
       <dgm:spPr/>
     </dgm:pt>
-    <dgm:pt modelId="{294B491B-03FF-4494-A91E-4E4C6FC983F4}" type="pres">
-      <dgm:prSet presAssocID="{5CF1F397-07B1-46B3-B75C-8199681587EE}" presName="tx1" presStyleLbl="revTx" presStyleIdx="9" presStyleCnt="11"/>
+    <dgm:pt modelId="{E9BF1683-1EFE-4323-BC19-A58E2F150A19}" type="pres">
+      <dgm:prSet presAssocID="{C9164DEF-688D-48BD-8B2D-95F884BEB17C}" presName="tx1" presStyleLbl="revTx" presStyleIdx="5" presStyleCnt="7"/>
       <dgm:spPr/>
     </dgm:pt>
-    <dgm:pt modelId="{69EB0970-DEAF-40B4-91D6-B8C8EA34640A}" type="pres">
-      <dgm:prSet presAssocID="{5CF1F397-07B1-46B3-B75C-8199681587EE}" presName="vert1" presStyleCnt="0"/>
+    <dgm:pt modelId="{73AD64CC-83DE-4CBF-966F-82CC1CD35F4B}" type="pres">
+      <dgm:prSet presAssocID="{C9164DEF-688D-48BD-8B2D-95F884BEB17C}" presName="vert1" presStyleCnt="0"/>
       <dgm:spPr/>
     </dgm:pt>
     <dgm:pt modelId="{9165DC6B-FFC3-47DE-8419-010C6AE7DCC1}" type="pres">
-      <dgm:prSet presAssocID="{1375BA05-2243-4BAC-92F5-B41E65EA582C}" presName="thickLine" presStyleLbl="alignNode1" presStyleIdx="10" presStyleCnt="11"/>
+      <dgm:prSet presAssocID="{1375BA05-2243-4BAC-92F5-B41E65EA582C}" presName="thickLine" presStyleLbl="alignNode1" presStyleIdx="6" presStyleCnt="7"/>
       <dgm:spPr/>
     </dgm:pt>
     <dgm:pt modelId="{0BF41914-0A91-4601-8161-F0024174EA30}" type="pres">
@@ -4862,7 +5566,7 @@
       <dgm:spPr/>
     </dgm:pt>
     <dgm:pt modelId="{6136C5FB-DFC0-414D-AA14-5F335F51CC93}" type="pres">
-      <dgm:prSet presAssocID="{1375BA05-2243-4BAC-92F5-B41E65EA582C}" presName="tx1" presStyleLbl="revTx" presStyleIdx="10" presStyleCnt="11"/>
+      <dgm:prSet presAssocID="{1375BA05-2243-4BAC-92F5-B41E65EA582C}" presName="tx1" presStyleLbl="revTx" presStyleIdx="6" presStyleCnt="7"/>
       <dgm:spPr/>
     </dgm:pt>
     <dgm:pt modelId="{1B3EA10D-7501-4AC2-8A88-04B617A1F91B}" type="pres">
@@ -4871,71 +5575,47 @@
     </dgm:pt>
   </dgm:ptLst>
   <dgm:cxnLst>
-    <dgm:cxn modelId="{2A58A713-30A6-4AF7-9AD8-D4568299AC92}" type="presOf" srcId="{A1F3173E-701E-426E-B685-6F874EA94487}" destId="{330A25EE-422E-4FD7-8D8F-C4251569371D}" srcOrd="0" destOrd="0" presId="urn:microsoft.com/office/officeart/2008/layout/LinedList"/>
     <dgm:cxn modelId="{0B618F1A-0FCC-4F84-AF08-2220D74465A3}" type="presOf" srcId="{C396129C-6F6D-483D-8804-CDA82D7784E6}" destId="{27AEF0E9-B4F5-4367-87AA-47117623D82A}" srcOrd="0" destOrd="0" presId="urn:microsoft.com/office/officeart/2008/layout/LinedList"/>
-    <dgm:cxn modelId="{BD18AF24-02EB-40A8-8742-4DDC9FF0050D}" srcId="{4595F06F-9620-4B00-8401-AB586D4338E0}" destId="{C396129C-6F6D-483D-8804-CDA82D7784E6}" srcOrd="4" destOrd="0" parTransId="{F0CFD531-F1FB-46F6-BB88-67E39B7EACDC}" sibTransId="{7595CF63-D317-4D17-838A-85805D136A80}"/>
-    <dgm:cxn modelId="{C813843E-7498-4B7A-9C69-41793AF3ACAB}" type="presOf" srcId="{FE400A98-CDA3-4EC8-92CF-C1782F0DE02C}" destId="{CAEBDBF7-3417-43B2-A679-EE11BB6401C3}" srcOrd="0" destOrd="0" presId="urn:microsoft.com/office/officeart/2008/layout/LinedList"/>
+    <dgm:cxn modelId="{F3A64A1D-85C1-4697-9CF2-55E4A85211B4}" type="presOf" srcId="{C9164DEF-688D-48BD-8B2D-95F884BEB17C}" destId="{E9BF1683-1EFE-4323-BC19-A58E2F150A19}" srcOrd="0" destOrd="0" presId="urn:microsoft.com/office/officeart/2008/layout/LinedList"/>
+    <dgm:cxn modelId="{BD18AF24-02EB-40A8-8742-4DDC9FF0050D}" srcId="{4595F06F-9620-4B00-8401-AB586D4338E0}" destId="{C396129C-6F6D-483D-8804-CDA82D7784E6}" srcOrd="2" destOrd="0" parTransId="{F0CFD531-F1FB-46F6-BB88-67E39B7EACDC}" sibTransId="{7595CF63-D317-4D17-838A-85805D136A80}"/>
+    <dgm:cxn modelId="{28B9F339-5CF3-44F4-8255-7218653B26D2}" srcId="{4595F06F-9620-4B00-8401-AB586D4338E0}" destId="{ED176455-57E0-40C1-9E6D-2E424211087F}" srcOrd="4" destOrd="0" parTransId="{A55E7D1E-6C29-4419-9C39-DB65762CD422}" sibTransId="{8AB280F3-B8F9-4CF5-9C51-D257C2A390AE}"/>
     <dgm:cxn modelId="{F896913E-A45C-44FD-B88E-5397DBC7C476}" type="presOf" srcId="{4595F06F-9620-4B00-8401-AB586D4338E0}" destId="{93774174-AED8-41C8-A20A-5D6833F79211}" srcOrd="0" destOrd="0" presId="urn:microsoft.com/office/officeart/2008/layout/LinedList"/>
     <dgm:cxn modelId="{E163E65D-6240-4F44-9AC2-BE1394CE73DF}" type="presOf" srcId="{1375BA05-2243-4BAC-92F5-B41E65EA582C}" destId="{6136C5FB-DFC0-414D-AA14-5F335F51CC93}" srcOrd="0" destOrd="0" presId="urn:microsoft.com/office/officeart/2008/layout/LinedList"/>
-    <dgm:cxn modelId="{0B114662-64AB-46DA-82C9-E124C9DFA5AC}" type="presOf" srcId="{19FDFB1B-DDEA-40E2-A8D9-06D26DD581A7}" destId="{BC07E0A2-C561-4919-8EF5-03126FA1CA37}" srcOrd="0" destOrd="0" presId="urn:microsoft.com/office/officeart/2008/layout/LinedList"/>
-    <dgm:cxn modelId="{20637C44-66CA-4E05-92FA-38EACB66F839}" srcId="{4595F06F-9620-4B00-8401-AB586D4338E0}" destId="{5CF1F397-07B1-46B3-B75C-8199681587EE}" srcOrd="9" destOrd="0" parTransId="{07075355-EB16-41E3-9D72-0FB759387D0A}" sibTransId="{BBEFE91F-D353-4AEB-A12A-113FC5531DEF}"/>
-    <dgm:cxn modelId="{5779FD4C-0A39-4123-97D4-55B5D79E7819}" srcId="{4595F06F-9620-4B00-8401-AB586D4338E0}" destId="{54402EDD-A62E-4CF5-97C3-C6055188DDCD}" srcOrd="6" destOrd="0" parTransId="{E8B3BB37-0079-4CDD-B319-E650CBCB4501}" sibTransId="{93F2D3F5-F9DD-4F9C-A365-860E98BC99E4}"/>
-    <dgm:cxn modelId="{B504786D-6B4E-4B16-A3F4-987521721952}" srcId="{4595F06F-9620-4B00-8401-AB586D4338E0}" destId="{B11D697A-6131-4D1A-838A-202CBA9B88EA}" srcOrd="7" destOrd="0" parTransId="{0E30399A-5967-4812-9A25-7D54A9165BFD}" sibTransId="{A575DED2-02C0-44F3-944A-ECD4DB1EB7E2}"/>
-    <dgm:cxn modelId="{8679C56E-B85A-4BA0-B70E-76B36AA0EFC2}" type="presOf" srcId="{54402EDD-A62E-4CF5-97C3-C6055188DDCD}" destId="{EC577089-7F11-4FFD-8B71-AC58E894EAAA}" srcOrd="0" destOrd="0" presId="urn:microsoft.com/office/officeart/2008/layout/LinedList"/>
+    <dgm:cxn modelId="{A7DA696C-C4DC-41C0-AC84-39736C188988}" type="presOf" srcId="{ED176455-57E0-40C1-9E6D-2E424211087F}" destId="{4A4DDC54-B2AB-4086-B353-CBA045074281}" srcOrd="0" destOrd="0" presId="urn:microsoft.com/office/officeart/2008/layout/LinedList"/>
+    <dgm:cxn modelId="{B504786D-6B4E-4B16-A3F4-987521721952}" srcId="{4595F06F-9620-4B00-8401-AB586D4338E0}" destId="{B11D697A-6131-4D1A-838A-202CBA9B88EA}" srcOrd="3" destOrd="0" parTransId="{0E30399A-5967-4812-9A25-7D54A9165BFD}" sibTransId="{A575DED2-02C0-44F3-944A-ECD4DB1EB7E2}"/>
     <dgm:cxn modelId="{F37A2651-5265-4E22-BCD7-5D21EACF476B}" type="presOf" srcId="{B11D697A-6131-4D1A-838A-202CBA9B88EA}" destId="{99639AD6-3EFF-45B5-8A4F-FC6627B4C4D5}" srcOrd="0" destOrd="0" presId="urn:microsoft.com/office/officeart/2008/layout/LinedList"/>
-    <dgm:cxn modelId="{32CEE651-398D-497B-BF76-434BABBB72C3}" type="presOf" srcId="{5CF1F397-07B1-46B3-B75C-8199681587EE}" destId="{294B491B-03FF-4494-A91E-4E4C6FC983F4}" srcOrd="0" destOrd="0" presId="urn:microsoft.com/office/officeart/2008/layout/LinedList"/>
-    <dgm:cxn modelId="{47C6A558-C3E5-4DD7-9094-0E384A178916}" srcId="{4595F06F-9620-4B00-8401-AB586D4338E0}" destId="{FE400A98-CDA3-4EC8-92CF-C1782F0DE02C}" srcOrd="1" destOrd="0" parTransId="{D00C2D63-2E15-46AA-A33D-1A3276208956}" sibTransId="{4841C0F3-0247-4186-9FB2-5E515A37ED88}"/>
     <dgm:cxn modelId="{E1ED845A-0723-4F12-826F-AF49BCC59101}" srcId="{4595F06F-9620-4B00-8401-AB586D4338E0}" destId="{3C64E810-5122-4B58-8966-E79070BF8047}" srcOrd="0" destOrd="0" parTransId="{6E097758-D910-4050-BBFA-5C8FB1E22CB8}" sibTransId="{8412967F-168D-459B-9A45-623BC49DF484}"/>
-    <dgm:cxn modelId="{B44CED84-628F-4347-91B1-EB30D197412F}" srcId="{4595F06F-9620-4B00-8401-AB586D4338E0}" destId="{D6CDE314-9DDB-4570-A914-D8822E581BB1}" srcOrd="3" destOrd="0" parTransId="{EB66965D-91FC-4F65-AC93-CE92D13FE4E8}" sibTransId="{BCDAC61F-2B51-4693-8778-AD00488FD7CE}"/>
-    <dgm:cxn modelId="{4D655894-BFD5-4FE0-B45E-665C87681B2C}" srcId="{4595F06F-9620-4B00-8401-AB586D4338E0}" destId="{CC2DDDD0-8849-4B7E-B41E-7EEDE4405B25}" srcOrd="8" destOrd="0" parTransId="{129385EC-34CF-4518-A94C-365CB274D759}" sibTransId="{075D1977-FCAE-4405-BEB8-E08BFAF6E356}"/>
-    <dgm:cxn modelId="{5BB4279D-1944-439D-B7E0-82E977C52B20}" srcId="{4595F06F-9620-4B00-8401-AB586D4338E0}" destId="{A1F3173E-701E-426E-B685-6F874EA94487}" srcOrd="2" destOrd="0" parTransId="{4E6D56EC-E071-4B2D-911C-36B1DA2BA581}" sibTransId="{28878280-EA69-45D4-9A92-91AA83ABE34A}"/>
-    <dgm:cxn modelId="{1EC9F2AD-A9AD-4A78-8A63-AEDD65CD5A9C}" srcId="{4595F06F-9620-4B00-8401-AB586D4338E0}" destId="{1375BA05-2243-4BAC-92F5-B41E65EA582C}" srcOrd="10" destOrd="0" parTransId="{600ADA80-52BE-4863-94F6-FB803E8A3806}" sibTransId="{336C9B7A-F49C-45F6-B537-60B529B68AB1}"/>
+    <dgm:cxn modelId="{B44CED84-628F-4347-91B1-EB30D197412F}" srcId="{4595F06F-9620-4B00-8401-AB586D4338E0}" destId="{D6CDE314-9DDB-4570-A914-D8822E581BB1}" srcOrd="1" destOrd="0" parTransId="{EB66965D-91FC-4F65-AC93-CE92D13FE4E8}" sibTransId="{BCDAC61F-2B51-4693-8778-AD00488FD7CE}"/>
+    <dgm:cxn modelId="{1EC9F2AD-A9AD-4A78-8A63-AEDD65CD5A9C}" srcId="{4595F06F-9620-4B00-8401-AB586D4338E0}" destId="{1375BA05-2243-4BAC-92F5-B41E65EA582C}" srcOrd="6" destOrd="0" parTransId="{600ADA80-52BE-4863-94F6-FB803E8A3806}" sibTransId="{336C9B7A-F49C-45F6-B537-60B529B68AB1}"/>
     <dgm:cxn modelId="{087395B3-7F4A-4633-944D-1F36A54C0779}" type="presOf" srcId="{3C64E810-5122-4B58-8966-E79070BF8047}" destId="{6E8DC6BA-D0B1-40E3-8A56-ACF0219C2D9A}" srcOrd="0" destOrd="0" presId="urn:microsoft.com/office/officeart/2008/layout/LinedList"/>
     <dgm:cxn modelId="{77EDF8E2-ABB0-40FA-9AB1-7618B758F601}" type="presOf" srcId="{D6CDE314-9DDB-4570-A914-D8822E581BB1}" destId="{E75FE6AC-7E95-4172-8C1F-0825C5F6F069}" srcOrd="0" destOrd="0" presId="urn:microsoft.com/office/officeart/2008/layout/LinedList"/>
-    <dgm:cxn modelId="{BF2357E9-354F-4B88-AB58-73CD52D47D93}" srcId="{4595F06F-9620-4B00-8401-AB586D4338E0}" destId="{19FDFB1B-DDEA-40E2-A8D9-06D26DD581A7}" srcOrd="5" destOrd="0" parTransId="{F9117135-7C08-4F1C-999B-F4EF8D41EB3D}" sibTransId="{F9DE8E39-E5AC-4009-8709-01AC678CE5A3}"/>
-    <dgm:cxn modelId="{E88329FD-6EE4-46AD-82BA-7A33DCE3A4C2}" type="presOf" srcId="{CC2DDDD0-8849-4B7E-B41E-7EEDE4405B25}" destId="{13A4F3BC-3693-4264-A40E-A80E1F903DDB}" srcOrd="0" destOrd="0" presId="urn:microsoft.com/office/officeart/2008/layout/LinedList"/>
+    <dgm:cxn modelId="{FE6089FE-8AC8-408E-A7C8-09D355887949}" srcId="{4595F06F-9620-4B00-8401-AB586D4338E0}" destId="{C9164DEF-688D-48BD-8B2D-95F884BEB17C}" srcOrd="5" destOrd="0" parTransId="{D5B7A67E-3957-4E72-93D4-0D3EA7C30343}" sibTransId="{B1B2FC15-D130-4B96-92E3-69DCC8C0F8E1}"/>
     <dgm:cxn modelId="{5598F662-742D-4077-85C1-2A9512B664F7}" type="presParOf" srcId="{93774174-AED8-41C8-A20A-5D6833F79211}" destId="{E8A89E55-906E-4C7A-B651-66978894A9B8}" srcOrd="0" destOrd="0" presId="urn:microsoft.com/office/officeart/2008/layout/LinedList"/>
     <dgm:cxn modelId="{4CFB7706-EEAD-40FA-AAE0-94E7E92F63AC}" type="presParOf" srcId="{93774174-AED8-41C8-A20A-5D6833F79211}" destId="{D0E220CE-C292-4837-B314-0C66380E829E}" srcOrd="1" destOrd="0" presId="urn:microsoft.com/office/officeart/2008/layout/LinedList"/>
     <dgm:cxn modelId="{F1D27EBC-7252-4FE2-841E-9DFB4EFC9083}" type="presParOf" srcId="{D0E220CE-C292-4837-B314-0C66380E829E}" destId="{6E8DC6BA-D0B1-40E3-8A56-ACF0219C2D9A}" srcOrd="0" destOrd="0" presId="urn:microsoft.com/office/officeart/2008/layout/LinedList"/>
     <dgm:cxn modelId="{7696663F-1D01-4978-AB3C-E6000D8F22D5}" type="presParOf" srcId="{D0E220CE-C292-4837-B314-0C66380E829E}" destId="{8E58F532-0D1E-4F67-A068-9E39637EAD18}" srcOrd="1" destOrd="0" presId="urn:microsoft.com/office/officeart/2008/layout/LinedList"/>
-    <dgm:cxn modelId="{C8E3F2E2-E410-4F19-9C4D-E16CD000C655}" type="presParOf" srcId="{93774174-AED8-41C8-A20A-5D6833F79211}" destId="{E2DE8678-ED72-491A-AFD6-412536E0D934}" srcOrd="2" destOrd="0" presId="urn:microsoft.com/office/officeart/2008/layout/LinedList"/>
-    <dgm:cxn modelId="{07351719-FE23-4E7C-83DB-FD8E25994534}" type="presParOf" srcId="{93774174-AED8-41C8-A20A-5D6833F79211}" destId="{908913E8-23EE-4082-A133-6B3EEF208EDD}" srcOrd="3" destOrd="0" presId="urn:microsoft.com/office/officeart/2008/layout/LinedList"/>
-    <dgm:cxn modelId="{13C47660-01C5-4015-BE4E-98208EAD7692}" type="presParOf" srcId="{908913E8-23EE-4082-A133-6B3EEF208EDD}" destId="{CAEBDBF7-3417-43B2-A679-EE11BB6401C3}" srcOrd="0" destOrd="0" presId="urn:microsoft.com/office/officeart/2008/layout/LinedList"/>
-    <dgm:cxn modelId="{61BE5FFC-ADA4-49F7-911A-F00E1471595A}" type="presParOf" srcId="{908913E8-23EE-4082-A133-6B3EEF208EDD}" destId="{12DAEF00-ED85-4D0F-A07A-C589A6ABB15B}" srcOrd="1" destOrd="0" presId="urn:microsoft.com/office/officeart/2008/layout/LinedList"/>
-    <dgm:cxn modelId="{A78D9235-0750-4F86-9A80-07810749721B}" type="presParOf" srcId="{93774174-AED8-41C8-A20A-5D6833F79211}" destId="{FC7EE33C-985F-4105-81D7-48336D2F2D54}" srcOrd="4" destOrd="0" presId="urn:microsoft.com/office/officeart/2008/layout/LinedList"/>
-    <dgm:cxn modelId="{1D7D3B60-BAC8-4CD5-A73D-44B7CCE9222F}" type="presParOf" srcId="{93774174-AED8-41C8-A20A-5D6833F79211}" destId="{D842717F-926D-43D6-B05C-1C3C291DAC66}" srcOrd="5" destOrd="0" presId="urn:microsoft.com/office/officeart/2008/layout/LinedList"/>
-    <dgm:cxn modelId="{22FE267E-ED50-46BB-8FBD-AF6E78BA89FC}" type="presParOf" srcId="{D842717F-926D-43D6-B05C-1C3C291DAC66}" destId="{330A25EE-422E-4FD7-8D8F-C4251569371D}" srcOrd="0" destOrd="0" presId="urn:microsoft.com/office/officeart/2008/layout/LinedList"/>
-    <dgm:cxn modelId="{35C279BD-46D1-4D9A-9EF4-EC60A1F11DE0}" type="presParOf" srcId="{D842717F-926D-43D6-B05C-1C3C291DAC66}" destId="{BD615213-CA4D-4F5A-8684-8082BF4A213C}" srcOrd="1" destOrd="0" presId="urn:microsoft.com/office/officeart/2008/layout/LinedList"/>
-    <dgm:cxn modelId="{2F16BC0F-E270-4478-825C-61B56AE03A11}" type="presParOf" srcId="{93774174-AED8-41C8-A20A-5D6833F79211}" destId="{840D6560-AEE1-4392-8014-784E1DCFA043}" srcOrd="6" destOrd="0" presId="urn:microsoft.com/office/officeart/2008/layout/LinedList"/>
-    <dgm:cxn modelId="{AC6BE34C-A064-4F9F-9CFB-EC0DBC1608F6}" type="presParOf" srcId="{93774174-AED8-41C8-A20A-5D6833F79211}" destId="{5F216B2B-A781-4507-99B9-7DD151DB5060}" srcOrd="7" destOrd="0" presId="urn:microsoft.com/office/officeart/2008/layout/LinedList"/>
+    <dgm:cxn modelId="{2F16BC0F-E270-4478-825C-61B56AE03A11}" type="presParOf" srcId="{93774174-AED8-41C8-A20A-5D6833F79211}" destId="{840D6560-AEE1-4392-8014-784E1DCFA043}" srcOrd="2" destOrd="0" presId="urn:microsoft.com/office/officeart/2008/layout/LinedList"/>
+    <dgm:cxn modelId="{AC6BE34C-A064-4F9F-9CFB-EC0DBC1608F6}" type="presParOf" srcId="{93774174-AED8-41C8-A20A-5D6833F79211}" destId="{5F216B2B-A781-4507-99B9-7DD151DB5060}" srcOrd="3" destOrd="0" presId="urn:microsoft.com/office/officeart/2008/layout/LinedList"/>
     <dgm:cxn modelId="{701F2CF8-4FA1-4CAF-97F1-51754BB1CB10}" type="presParOf" srcId="{5F216B2B-A781-4507-99B9-7DD151DB5060}" destId="{E75FE6AC-7E95-4172-8C1F-0825C5F6F069}" srcOrd="0" destOrd="0" presId="urn:microsoft.com/office/officeart/2008/layout/LinedList"/>
     <dgm:cxn modelId="{45299154-5205-4A8B-AB5B-D856BD15420A}" type="presParOf" srcId="{5F216B2B-A781-4507-99B9-7DD151DB5060}" destId="{31F3EC6A-A746-4F80-A0C5-1CAD72E8CD49}" srcOrd="1" destOrd="0" presId="urn:microsoft.com/office/officeart/2008/layout/LinedList"/>
-    <dgm:cxn modelId="{D79CC1A7-5A10-4720-A71B-9D6F5268E3AC}" type="presParOf" srcId="{93774174-AED8-41C8-A20A-5D6833F79211}" destId="{93A181F3-0133-49B9-818F-3DBE61CD3A42}" srcOrd="8" destOrd="0" presId="urn:microsoft.com/office/officeart/2008/layout/LinedList"/>
-    <dgm:cxn modelId="{5A27F7F8-E9F9-4A0D-AD90-037AE359593E}" type="presParOf" srcId="{93774174-AED8-41C8-A20A-5D6833F79211}" destId="{898A1EAC-6DAB-4F4B-9BB4-0A405814659F}" srcOrd="9" destOrd="0" presId="urn:microsoft.com/office/officeart/2008/layout/LinedList"/>
+    <dgm:cxn modelId="{D79CC1A7-5A10-4720-A71B-9D6F5268E3AC}" type="presParOf" srcId="{93774174-AED8-41C8-A20A-5D6833F79211}" destId="{93A181F3-0133-49B9-818F-3DBE61CD3A42}" srcOrd="4" destOrd="0" presId="urn:microsoft.com/office/officeart/2008/layout/LinedList"/>
+    <dgm:cxn modelId="{5A27F7F8-E9F9-4A0D-AD90-037AE359593E}" type="presParOf" srcId="{93774174-AED8-41C8-A20A-5D6833F79211}" destId="{898A1EAC-6DAB-4F4B-9BB4-0A405814659F}" srcOrd="5" destOrd="0" presId="urn:microsoft.com/office/officeart/2008/layout/LinedList"/>
     <dgm:cxn modelId="{695CA6F8-5E96-47A3-A10A-F7A6504CEAEE}" type="presParOf" srcId="{898A1EAC-6DAB-4F4B-9BB4-0A405814659F}" destId="{27AEF0E9-B4F5-4367-87AA-47117623D82A}" srcOrd="0" destOrd="0" presId="urn:microsoft.com/office/officeart/2008/layout/LinedList"/>
     <dgm:cxn modelId="{25F06AD1-E90C-4119-9674-518F97CCD9D2}" type="presParOf" srcId="{898A1EAC-6DAB-4F4B-9BB4-0A405814659F}" destId="{FB8CF28F-61C6-46EE-9F8F-5FEBC92BCA30}" srcOrd="1" destOrd="0" presId="urn:microsoft.com/office/officeart/2008/layout/LinedList"/>
-    <dgm:cxn modelId="{03229F46-8C75-4A3E-84DB-672EC3E13E7C}" type="presParOf" srcId="{93774174-AED8-41C8-A20A-5D6833F79211}" destId="{FEC71D7B-1433-4DAD-9BC9-A9CA39F494A2}" srcOrd="10" destOrd="0" presId="urn:microsoft.com/office/officeart/2008/layout/LinedList"/>
-    <dgm:cxn modelId="{8D9BA391-D492-412E-9CE1-C4369AB6EB42}" type="presParOf" srcId="{93774174-AED8-41C8-A20A-5D6833F79211}" destId="{B84E9B4F-86BB-4E44-A4E5-934A6097B3CD}" srcOrd="11" destOrd="0" presId="urn:microsoft.com/office/officeart/2008/layout/LinedList"/>
-    <dgm:cxn modelId="{8E616C71-8094-4392-9DFC-859801A85B2A}" type="presParOf" srcId="{B84E9B4F-86BB-4E44-A4E5-934A6097B3CD}" destId="{BC07E0A2-C561-4919-8EF5-03126FA1CA37}" srcOrd="0" destOrd="0" presId="urn:microsoft.com/office/officeart/2008/layout/LinedList"/>
-    <dgm:cxn modelId="{3B25AD44-942F-4F4B-A792-2640E7755B3E}" type="presParOf" srcId="{B84E9B4F-86BB-4E44-A4E5-934A6097B3CD}" destId="{8BC76ABF-30C9-47B5-B7CD-E57B370DC074}" srcOrd="1" destOrd="0" presId="urn:microsoft.com/office/officeart/2008/layout/LinedList"/>
-    <dgm:cxn modelId="{C7195181-093D-4B5D-8B5B-56E9314E94CE}" type="presParOf" srcId="{93774174-AED8-41C8-A20A-5D6833F79211}" destId="{6A4AF827-D48F-4A7F-817A-BD8DC7970487}" srcOrd="12" destOrd="0" presId="urn:microsoft.com/office/officeart/2008/layout/LinedList"/>
-    <dgm:cxn modelId="{6F632AFA-E59D-42EC-9A0A-0120ABF46DD6}" type="presParOf" srcId="{93774174-AED8-41C8-A20A-5D6833F79211}" destId="{7CAAA903-E270-46D4-871A-5848D92F5BCA}" srcOrd="13" destOrd="0" presId="urn:microsoft.com/office/officeart/2008/layout/LinedList"/>
-    <dgm:cxn modelId="{AEF7076A-2A52-4DA2-91D2-9FD671D63605}" type="presParOf" srcId="{7CAAA903-E270-46D4-871A-5848D92F5BCA}" destId="{EC577089-7F11-4FFD-8B71-AC58E894EAAA}" srcOrd="0" destOrd="0" presId="urn:microsoft.com/office/officeart/2008/layout/LinedList"/>
-    <dgm:cxn modelId="{96D1D18A-22D2-4326-8689-0AA21281EDDF}" type="presParOf" srcId="{7CAAA903-E270-46D4-871A-5848D92F5BCA}" destId="{DA08A61A-677E-4023-B8F9-6B8F1329281F}" srcOrd="1" destOrd="0" presId="urn:microsoft.com/office/officeart/2008/layout/LinedList"/>
-    <dgm:cxn modelId="{2399BE65-0721-4E33-A85C-ADE57D8E5B8A}" type="presParOf" srcId="{93774174-AED8-41C8-A20A-5D6833F79211}" destId="{76BFB57D-0E7D-46C8-860F-776201DB020D}" srcOrd="14" destOrd="0" presId="urn:microsoft.com/office/officeart/2008/layout/LinedList"/>
-    <dgm:cxn modelId="{BE62542F-7405-4E6E-9AA3-31FE32689DA3}" type="presParOf" srcId="{93774174-AED8-41C8-A20A-5D6833F79211}" destId="{1F4A01ED-7954-4AC7-8870-FEAC577086AC}" srcOrd="15" destOrd="0" presId="urn:microsoft.com/office/officeart/2008/layout/LinedList"/>
+    <dgm:cxn modelId="{2399BE65-0721-4E33-A85C-ADE57D8E5B8A}" type="presParOf" srcId="{93774174-AED8-41C8-A20A-5D6833F79211}" destId="{76BFB57D-0E7D-46C8-860F-776201DB020D}" srcOrd="6" destOrd="0" presId="urn:microsoft.com/office/officeart/2008/layout/LinedList"/>
+    <dgm:cxn modelId="{BE62542F-7405-4E6E-9AA3-31FE32689DA3}" type="presParOf" srcId="{93774174-AED8-41C8-A20A-5D6833F79211}" destId="{1F4A01ED-7954-4AC7-8870-FEAC577086AC}" srcOrd="7" destOrd="0" presId="urn:microsoft.com/office/officeart/2008/layout/LinedList"/>
     <dgm:cxn modelId="{77CD8A2C-2E57-4386-8919-A07C4A20F8E9}" type="presParOf" srcId="{1F4A01ED-7954-4AC7-8870-FEAC577086AC}" destId="{99639AD6-3EFF-45B5-8A4F-FC6627B4C4D5}" srcOrd="0" destOrd="0" presId="urn:microsoft.com/office/officeart/2008/layout/LinedList"/>
     <dgm:cxn modelId="{9BD35462-A781-4173-9729-C7D1060BEEEC}" type="presParOf" srcId="{1F4A01ED-7954-4AC7-8870-FEAC577086AC}" destId="{1976EB6D-CDCA-4FDC-8DD0-DBA6C41D7D5E}" srcOrd="1" destOrd="0" presId="urn:microsoft.com/office/officeart/2008/layout/LinedList"/>
-    <dgm:cxn modelId="{7876E427-8040-4267-AB22-DA5D8DF2B952}" type="presParOf" srcId="{93774174-AED8-41C8-A20A-5D6833F79211}" destId="{23221E2E-A573-4712-8AC3-AE13C884B747}" srcOrd="16" destOrd="0" presId="urn:microsoft.com/office/officeart/2008/layout/LinedList"/>
-    <dgm:cxn modelId="{E4B4D1F1-E429-4D8A-87C2-3BA889A87808}" type="presParOf" srcId="{93774174-AED8-41C8-A20A-5D6833F79211}" destId="{7D817B58-AB1A-4CC4-B8FF-913F2E9F21B5}" srcOrd="17" destOrd="0" presId="urn:microsoft.com/office/officeart/2008/layout/LinedList"/>
-    <dgm:cxn modelId="{38942A60-CCB4-4146-B31B-114D31124A52}" type="presParOf" srcId="{7D817B58-AB1A-4CC4-B8FF-913F2E9F21B5}" destId="{13A4F3BC-3693-4264-A40E-A80E1F903DDB}" srcOrd="0" destOrd="0" presId="urn:microsoft.com/office/officeart/2008/layout/LinedList"/>
-    <dgm:cxn modelId="{6AA2C52F-33EC-4B25-A937-ABFCE171CE19}" type="presParOf" srcId="{7D817B58-AB1A-4CC4-B8FF-913F2E9F21B5}" destId="{D2173F33-88E8-40D8-89F2-0DE442E71D47}" srcOrd="1" destOrd="0" presId="urn:microsoft.com/office/officeart/2008/layout/LinedList"/>
-    <dgm:cxn modelId="{F268B8F0-96A8-4745-AAD4-699CAC3D7FF2}" type="presParOf" srcId="{93774174-AED8-41C8-A20A-5D6833F79211}" destId="{8906D57F-4603-42F3-B539-611F80D8B3FF}" srcOrd="18" destOrd="0" presId="urn:microsoft.com/office/officeart/2008/layout/LinedList"/>
-    <dgm:cxn modelId="{3DC11FCB-E8D3-42F0-8966-F7AEDACFD71F}" type="presParOf" srcId="{93774174-AED8-41C8-A20A-5D6833F79211}" destId="{9E976C45-40F3-4333-9390-1A8E4CB2A8EE}" srcOrd="19" destOrd="0" presId="urn:microsoft.com/office/officeart/2008/layout/LinedList"/>
-    <dgm:cxn modelId="{64FB8458-4F27-4AA7-979B-5950A1DB360B}" type="presParOf" srcId="{9E976C45-40F3-4333-9390-1A8E4CB2A8EE}" destId="{294B491B-03FF-4494-A91E-4E4C6FC983F4}" srcOrd="0" destOrd="0" presId="urn:microsoft.com/office/officeart/2008/layout/LinedList"/>
-    <dgm:cxn modelId="{36CBFB93-B816-4A37-B261-F4C38A0E8C07}" type="presParOf" srcId="{9E976C45-40F3-4333-9390-1A8E4CB2A8EE}" destId="{69EB0970-DEAF-40B4-91D6-B8C8EA34640A}" srcOrd="1" destOrd="0" presId="urn:microsoft.com/office/officeart/2008/layout/LinedList"/>
-    <dgm:cxn modelId="{ED6658FE-16DB-426A-B5A9-EC3B295831D9}" type="presParOf" srcId="{93774174-AED8-41C8-A20A-5D6833F79211}" destId="{9165DC6B-FFC3-47DE-8419-010C6AE7DCC1}" srcOrd="20" destOrd="0" presId="urn:microsoft.com/office/officeart/2008/layout/LinedList"/>
-    <dgm:cxn modelId="{D5310623-A3D2-4A91-A227-5612A0CE1B84}" type="presParOf" srcId="{93774174-AED8-41C8-A20A-5D6833F79211}" destId="{0BF41914-0A91-4601-8161-F0024174EA30}" srcOrd="21" destOrd="0" presId="urn:microsoft.com/office/officeart/2008/layout/LinedList"/>
+    <dgm:cxn modelId="{12D33906-778C-4BED-B709-E162C74C1EF8}" type="presParOf" srcId="{93774174-AED8-41C8-A20A-5D6833F79211}" destId="{D3C88023-5EBF-4DB3-A53B-C2064006C5A4}" srcOrd="8" destOrd="0" presId="urn:microsoft.com/office/officeart/2008/layout/LinedList"/>
+    <dgm:cxn modelId="{F419A325-95A4-43FE-8ED2-0B4B79F3F621}" type="presParOf" srcId="{93774174-AED8-41C8-A20A-5D6833F79211}" destId="{06B52680-0DC4-41EC-8DFF-7AB99062101F}" srcOrd="9" destOrd="0" presId="urn:microsoft.com/office/officeart/2008/layout/LinedList"/>
+    <dgm:cxn modelId="{14254FBB-5F75-438D-A2D4-6F093F1ADC5F}" type="presParOf" srcId="{06B52680-0DC4-41EC-8DFF-7AB99062101F}" destId="{4A4DDC54-B2AB-4086-B353-CBA045074281}" srcOrd="0" destOrd="0" presId="urn:microsoft.com/office/officeart/2008/layout/LinedList"/>
+    <dgm:cxn modelId="{92913AFD-FF45-4C80-8654-5B9EDD74AA2E}" type="presParOf" srcId="{06B52680-0DC4-41EC-8DFF-7AB99062101F}" destId="{9F771DCA-E982-473F-8B21-5568858C2AC6}" srcOrd="1" destOrd="0" presId="urn:microsoft.com/office/officeart/2008/layout/LinedList"/>
+    <dgm:cxn modelId="{3746E8AF-B06B-4D63-B71F-2937A2DEE4A8}" type="presParOf" srcId="{93774174-AED8-41C8-A20A-5D6833F79211}" destId="{8F7FECC6-849E-486E-A6A7-31BEAB1292A6}" srcOrd="10" destOrd="0" presId="urn:microsoft.com/office/officeart/2008/layout/LinedList"/>
+    <dgm:cxn modelId="{184282C1-0403-43D1-9098-7C72D5406154}" type="presParOf" srcId="{93774174-AED8-41C8-A20A-5D6833F79211}" destId="{2149248E-21CB-4C6B-ABE6-F3E68EEEDAEF}" srcOrd="11" destOrd="0" presId="urn:microsoft.com/office/officeart/2008/layout/LinedList"/>
+    <dgm:cxn modelId="{C394AD50-FFEC-4825-80FB-D0E6BE088ACD}" type="presParOf" srcId="{2149248E-21CB-4C6B-ABE6-F3E68EEEDAEF}" destId="{E9BF1683-1EFE-4323-BC19-A58E2F150A19}" srcOrd="0" destOrd="0" presId="urn:microsoft.com/office/officeart/2008/layout/LinedList"/>
+    <dgm:cxn modelId="{97803C89-FE78-44EE-9197-6525497586C5}" type="presParOf" srcId="{2149248E-21CB-4C6B-ABE6-F3E68EEEDAEF}" destId="{73AD64CC-83DE-4CBF-966F-82CC1CD35F4B}" srcOrd="1" destOrd="0" presId="urn:microsoft.com/office/officeart/2008/layout/LinedList"/>
+    <dgm:cxn modelId="{ED6658FE-16DB-426A-B5A9-EC3B295831D9}" type="presParOf" srcId="{93774174-AED8-41C8-A20A-5D6833F79211}" destId="{9165DC6B-FFC3-47DE-8419-010C6AE7DCC1}" srcOrd="12" destOrd="0" presId="urn:microsoft.com/office/officeart/2008/layout/LinedList"/>
+    <dgm:cxn modelId="{D5310623-A3D2-4A91-A227-5612A0CE1B84}" type="presParOf" srcId="{93774174-AED8-41C8-A20A-5D6833F79211}" destId="{0BF41914-0A91-4601-8161-F0024174EA30}" srcOrd="13" destOrd="0" presId="urn:microsoft.com/office/officeart/2008/layout/LinedList"/>
     <dgm:cxn modelId="{2A50EE54-055D-4840-A46A-8D5F990EC4C9}" type="presParOf" srcId="{0BF41914-0A91-4601-8161-F0024174EA30}" destId="{6136C5FB-DFC0-414D-AA14-5F335F51CC93}" srcOrd="0" destOrd="0" presId="urn:microsoft.com/office/officeart/2008/layout/LinedList"/>
     <dgm:cxn modelId="{B8BE9DB1-99D3-44B1-A937-D82C48EC2872}" type="presParOf" srcId="{0BF41914-0A91-4601-8161-F0024174EA30}" destId="{1B3EA10D-7501-4AC2-8A88-04B617A1F91B}" srcOrd="1" destOrd="0" presId="urn:microsoft.com/office/officeart/2008/layout/LinedList"/>
   </dgm:cxnLst>
@@ -5580,7 +6260,7 @@
       </dsp:nvSpPr>
       <dsp:spPr>
         <a:xfrm>
-          <a:off x="0" y="2492"/>
+          <a:off x="0" y="623"/>
           <a:ext cx="6492875" cy="0"/>
         </a:xfrm>
         <a:prstGeom prst="line">
@@ -5629,8 +6309,8 @@
       </dsp:nvSpPr>
       <dsp:spPr>
         <a:xfrm>
-          <a:off x="0" y="2492"/>
-          <a:ext cx="6492875" cy="463674"/>
+          <a:off x="0" y="623"/>
+          <a:ext cx="6492875" cy="729164"/>
         </a:xfrm>
         <a:prstGeom prst="rect">
           <a:avLst/>
@@ -5654,12 +6334,12 @@
         <a:fontRef idx="minor"/>
       </dsp:style>
       <dsp:txBody>
-        <a:bodyPr spcFirstLastPara="0" vert="horz" wrap="square" lIns="80010" tIns="80010" rIns="80010" bIns="80010" numCol="1" spcCol="1270" anchor="t" anchorCtr="0">
+        <a:bodyPr spcFirstLastPara="0" vert="horz" wrap="square" lIns="125730" tIns="125730" rIns="125730" bIns="125730" numCol="1" spcCol="1270" anchor="t" anchorCtr="0">
           <a:noAutofit/>
         </a:bodyPr>
         <a:lstStyle/>
         <a:p>
-          <a:pPr marL="0" lvl="0" indent="0" algn="l" defTabSz="933450">
+          <a:pPr marL="0" lvl="0" indent="0" algn="l" defTabSz="1466850">
             <a:lnSpc>
               <a:spcPct val="90000"/>
             </a:lnSpc>
@@ -5672,235 +6352,14 @@
             <a:buNone/>
           </a:pPr>
           <a:r>
-            <a:rPr lang="en-GB" sz="2100" kern="1200" dirty="0"/>
-            <a:t>Study done by</a:t>
+            <a:rPr lang="en-US" sz="3300" kern="1200" dirty="0"/>
+            <a:t>Objective of the review</a:t>
           </a:r>
-          <a:endParaRPr lang="en-US" sz="2100" kern="1200" dirty="0"/>
         </a:p>
       </dsp:txBody>
       <dsp:txXfrm>
-        <a:off x="0" y="2492"/>
-        <a:ext cx="6492875" cy="463674"/>
-      </dsp:txXfrm>
-    </dsp:sp>
-    <dsp:sp modelId="{E2DE8678-ED72-491A-AFD6-412536E0D934}">
-      <dsp:nvSpPr>
-        <dsp:cNvPr id="0" name=""/>
-        <dsp:cNvSpPr/>
-      </dsp:nvSpPr>
-      <dsp:spPr>
-        <a:xfrm>
-          <a:off x="0" y="466166"/>
-          <a:ext cx="6492875" cy="0"/>
-        </a:xfrm>
-        <a:prstGeom prst="line">
-          <a:avLst/>
-        </a:prstGeom>
-        <a:solidFill>
-          <a:schemeClr val="accent2">
-            <a:hueOff val="-359396"/>
-            <a:satOff val="2472"/>
-            <a:lumOff val="274"/>
-            <a:alphaOff val="0"/>
-          </a:schemeClr>
-        </a:solidFill>
-        <a:ln w="15875" cap="rnd" cmpd="sng" algn="ctr">
-          <a:solidFill>
-            <a:schemeClr val="accent2">
-              <a:hueOff val="-359396"/>
-              <a:satOff val="2472"/>
-              <a:lumOff val="274"/>
-              <a:alphaOff val="0"/>
-            </a:schemeClr>
-          </a:solidFill>
-          <a:prstDash val="solid"/>
-        </a:ln>
-        <a:effectLst/>
-      </dsp:spPr>
-      <dsp:style>
-        <a:lnRef idx="2">
-          <a:scrgbClr r="0" g="0" b="0"/>
-        </a:lnRef>
-        <a:fillRef idx="1">
-          <a:scrgbClr r="0" g="0" b="0"/>
-        </a:fillRef>
-        <a:effectRef idx="0">
-          <a:scrgbClr r="0" g="0" b="0"/>
-        </a:effectRef>
-        <a:fontRef idx="minor">
-          <a:schemeClr val="lt1"/>
-        </a:fontRef>
-      </dsp:style>
-    </dsp:sp>
-    <dsp:sp modelId="{CAEBDBF7-3417-43B2-A679-EE11BB6401C3}">
-      <dsp:nvSpPr>
-        <dsp:cNvPr id="0" name=""/>
-        <dsp:cNvSpPr/>
-      </dsp:nvSpPr>
-      <dsp:spPr>
-        <a:xfrm>
-          <a:off x="0" y="466166"/>
-          <a:ext cx="6492875" cy="463674"/>
-        </a:xfrm>
-        <a:prstGeom prst="rect">
-          <a:avLst/>
-        </a:prstGeom>
-        <a:noFill/>
-        <a:ln>
-          <a:noFill/>
-        </a:ln>
-        <a:effectLst/>
-      </dsp:spPr>
-      <dsp:style>
-        <a:lnRef idx="0">
-          <a:scrgbClr r="0" g="0" b="0"/>
-        </a:lnRef>
-        <a:fillRef idx="0">
-          <a:scrgbClr r="0" g="0" b="0"/>
-        </a:fillRef>
-        <a:effectRef idx="0">
-          <a:scrgbClr r="0" g="0" b="0"/>
-        </a:effectRef>
-        <a:fontRef idx="minor"/>
-      </dsp:style>
-      <dsp:txBody>
-        <a:bodyPr spcFirstLastPara="0" vert="horz" wrap="square" lIns="80010" tIns="80010" rIns="80010" bIns="80010" numCol="1" spcCol="1270" anchor="t" anchorCtr="0">
-          <a:noAutofit/>
-        </a:bodyPr>
-        <a:lstStyle/>
-        <a:p>
-          <a:pPr marL="0" lvl="0" indent="0" algn="l" defTabSz="933450">
-            <a:lnSpc>
-              <a:spcPct val="90000"/>
-            </a:lnSpc>
-            <a:spcBef>
-              <a:spcPct val="0"/>
-            </a:spcBef>
-            <a:spcAft>
-              <a:spcPct val="35000"/>
-            </a:spcAft>
-            <a:buNone/>
-          </a:pPr>
-          <a:r>
-            <a:rPr lang="en-GB" sz="2100" kern="1200"/>
-            <a:t>Serious game as defined by the study</a:t>
-          </a:r>
-          <a:endParaRPr lang="en-US" sz="2100" kern="1200"/>
-        </a:p>
-      </dsp:txBody>
-      <dsp:txXfrm>
-        <a:off x="0" y="466166"/>
-        <a:ext cx="6492875" cy="463674"/>
-      </dsp:txXfrm>
-    </dsp:sp>
-    <dsp:sp modelId="{FC7EE33C-985F-4105-81D7-48336D2F2D54}">
-      <dsp:nvSpPr>
-        <dsp:cNvPr id="0" name=""/>
-        <dsp:cNvSpPr/>
-      </dsp:nvSpPr>
-      <dsp:spPr>
-        <a:xfrm>
-          <a:off x="0" y="929840"/>
-          <a:ext cx="6492875" cy="0"/>
-        </a:xfrm>
-        <a:prstGeom prst="line">
-          <a:avLst/>
-        </a:prstGeom>
-        <a:solidFill>
-          <a:schemeClr val="accent2">
-            <a:hueOff val="-718792"/>
-            <a:satOff val="4944"/>
-            <a:lumOff val="549"/>
-            <a:alphaOff val="0"/>
-          </a:schemeClr>
-        </a:solidFill>
-        <a:ln w="15875" cap="rnd" cmpd="sng" algn="ctr">
-          <a:solidFill>
-            <a:schemeClr val="accent2">
-              <a:hueOff val="-718792"/>
-              <a:satOff val="4944"/>
-              <a:lumOff val="549"/>
-              <a:alphaOff val="0"/>
-            </a:schemeClr>
-          </a:solidFill>
-          <a:prstDash val="solid"/>
-        </a:ln>
-        <a:effectLst/>
-      </dsp:spPr>
-      <dsp:style>
-        <a:lnRef idx="2">
-          <a:scrgbClr r="0" g="0" b="0"/>
-        </a:lnRef>
-        <a:fillRef idx="1">
-          <a:scrgbClr r="0" g="0" b="0"/>
-        </a:fillRef>
-        <a:effectRef idx="0">
-          <a:scrgbClr r="0" g="0" b="0"/>
-        </a:effectRef>
-        <a:fontRef idx="minor">
-          <a:schemeClr val="lt1"/>
-        </a:fontRef>
-      </dsp:style>
-    </dsp:sp>
-    <dsp:sp modelId="{330A25EE-422E-4FD7-8D8F-C4251569371D}">
-      <dsp:nvSpPr>
-        <dsp:cNvPr id="0" name=""/>
-        <dsp:cNvSpPr/>
-      </dsp:nvSpPr>
-      <dsp:spPr>
-        <a:xfrm>
-          <a:off x="0" y="929840"/>
-          <a:ext cx="6492875" cy="463674"/>
-        </a:xfrm>
-        <a:prstGeom prst="rect">
-          <a:avLst/>
-        </a:prstGeom>
-        <a:noFill/>
-        <a:ln>
-          <a:noFill/>
-        </a:ln>
-        <a:effectLst/>
-      </dsp:spPr>
-      <dsp:style>
-        <a:lnRef idx="0">
-          <a:scrgbClr r="0" g="0" b="0"/>
-        </a:lnRef>
-        <a:fillRef idx="0">
-          <a:scrgbClr r="0" g="0" b="0"/>
-        </a:fillRef>
-        <a:effectRef idx="0">
-          <a:scrgbClr r="0" g="0" b="0"/>
-        </a:effectRef>
-        <a:fontRef idx="minor"/>
-      </dsp:style>
-      <dsp:txBody>
-        <a:bodyPr spcFirstLastPara="0" vert="horz" wrap="square" lIns="80010" tIns="80010" rIns="80010" bIns="80010" numCol="1" spcCol="1270" anchor="t" anchorCtr="0">
-          <a:noAutofit/>
-        </a:bodyPr>
-        <a:lstStyle/>
-        <a:p>
-          <a:pPr marL="0" lvl="0" indent="0" algn="l" defTabSz="933450">
-            <a:lnSpc>
-              <a:spcPct val="90000"/>
-            </a:lnSpc>
-            <a:spcBef>
-              <a:spcPct val="0"/>
-            </a:spcBef>
-            <a:spcAft>
-              <a:spcPct val="35000"/>
-            </a:spcAft>
-            <a:buNone/>
-          </a:pPr>
-          <a:r>
-            <a:rPr lang="en-GB" sz="2100" kern="1200"/>
-            <a:t>Focus of the review</a:t>
-          </a:r>
-          <a:endParaRPr lang="en-US" sz="2100" kern="1200"/>
-        </a:p>
-      </dsp:txBody>
-      <dsp:txXfrm>
-        <a:off x="0" y="929840"/>
-        <a:ext cx="6492875" cy="463674"/>
+        <a:off x="0" y="623"/>
+        <a:ext cx="6492875" cy="729164"/>
       </dsp:txXfrm>
     </dsp:sp>
     <dsp:sp modelId="{840D6560-AEE1-4392-8014-784E1DCFA043}">
@@ -5910,7 +6369,7 @@
       </dsp:nvSpPr>
       <dsp:spPr>
         <a:xfrm>
-          <a:off x="0" y="1393514"/>
+          <a:off x="0" y="729788"/>
           <a:ext cx="6492875" cy="0"/>
         </a:xfrm>
         <a:prstGeom prst="line">
@@ -5918,18 +6377,18 @@
         </a:prstGeom>
         <a:solidFill>
           <a:schemeClr val="accent2">
-            <a:hueOff val="-1078188"/>
-            <a:satOff val="7417"/>
-            <a:lumOff val="823"/>
+            <a:hueOff val="-598994"/>
+            <a:satOff val="4120"/>
+            <a:lumOff val="457"/>
             <a:alphaOff val="0"/>
           </a:schemeClr>
         </a:solidFill>
         <a:ln w="15875" cap="rnd" cmpd="sng" algn="ctr">
           <a:solidFill>
             <a:schemeClr val="accent2">
-              <a:hueOff val="-1078188"/>
-              <a:satOff val="7417"/>
-              <a:lumOff val="823"/>
+              <a:hueOff val="-598994"/>
+              <a:satOff val="4120"/>
+              <a:lumOff val="457"/>
               <a:alphaOff val="0"/>
             </a:schemeClr>
           </a:solidFill>
@@ -5959,8 +6418,8 @@
       </dsp:nvSpPr>
       <dsp:spPr>
         <a:xfrm>
-          <a:off x="0" y="1393514"/>
-          <a:ext cx="6492875" cy="463674"/>
+          <a:off x="0" y="729788"/>
+          <a:ext cx="6492875" cy="729164"/>
         </a:xfrm>
         <a:prstGeom prst="rect">
           <a:avLst/>
@@ -5984,12 +6443,12 @@
         <a:fontRef idx="minor"/>
       </dsp:style>
       <dsp:txBody>
-        <a:bodyPr spcFirstLastPara="0" vert="horz" wrap="square" lIns="80010" tIns="80010" rIns="80010" bIns="80010" numCol="1" spcCol="1270" anchor="t" anchorCtr="0">
+        <a:bodyPr spcFirstLastPara="0" vert="horz" wrap="square" lIns="125730" tIns="125730" rIns="125730" bIns="125730" numCol="1" spcCol="1270" anchor="t" anchorCtr="0">
           <a:noAutofit/>
         </a:bodyPr>
         <a:lstStyle/>
         <a:p>
-          <a:pPr marL="0" lvl="0" indent="0" algn="l" defTabSz="933450">
+          <a:pPr marL="0" lvl="0" indent="0" algn="l" defTabSz="1466850">
             <a:lnSpc>
               <a:spcPct val="90000"/>
             </a:lnSpc>
@@ -6002,15 +6461,15 @@
             <a:buNone/>
           </a:pPr>
           <a:r>
-            <a:rPr lang="en-GB" sz="2100" kern="1200"/>
+            <a:rPr lang="en-GB" sz="3300" kern="1200" dirty="0"/>
             <a:t>Methods used</a:t>
           </a:r>
-          <a:endParaRPr lang="en-US" sz="2100" kern="1200"/>
+          <a:endParaRPr lang="en-US" sz="3300" kern="1200" dirty="0"/>
         </a:p>
       </dsp:txBody>
       <dsp:txXfrm>
-        <a:off x="0" y="1393514"/>
-        <a:ext cx="6492875" cy="463674"/>
+        <a:off x="0" y="729788"/>
+        <a:ext cx="6492875" cy="729164"/>
       </dsp:txXfrm>
     </dsp:sp>
     <dsp:sp modelId="{93A181F3-0133-49B9-818F-3DBE61CD3A42}">
@@ -6020,7 +6479,7 @@
       </dsp:nvSpPr>
       <dsp:spPr>
         <a:xfrm>
-          <a:off x="0" y="1857188"/>
+          <a:off x="0" y="1458952"/>
           <a:ext cx="6492875" cy="0"/>
         </a:xfrm>
         <a:prstGeom prst="line">
@@ -6028,18 +6487,18 @@
         </a:prstGeom>
         <a:solidFill>
           <a:schemeClr val="accent2">
-            <a:hueOff val="-1437584"/>
-            <a:satOff val="9889"/>
-            <a:lumOff val="1098"/>
+            <a:hueOff val="-1197987"/>
+            <a:satOff val="8241"/>
+            <a:lumOff val="915"/>
             <a:alphaOff val="0"/>
           </a:schemeClr>
         </a:solidFill>
         <a:ln w="15875" cap="rnd" cmpd="sng" algn="ctr">
           <a:solidFill>
             <a:schemeClr val="accent2">
-              <a:hueOff val="-1437584"/>
-              <a:satOff val="9889"/>
-              <a:lumOff val="1098"/>
+              <a:hueOff val="-1197987"/>
+              <a:satOff val="8241"/>
+              <a:lumOff val="915"/>
               <a:alphaOff val="0"/>
             </a:schemeClr>
           </a:solidFill>
@@ -6069,8 +6528,8 @@
       </dsp:nvSpPr>
       <dsp:spPr>
         <a:xfrm>
-          <a:off x="0" y="1857188"/>
-          <a:ext cx="6492875" cy="463674"/>
+          <a:off x="0" y="1458952"/>
+          <a:ext cx="6492875" cy="729164"/>
         </a:xfrm>
         <a:prstGeom prst="rect">
           <a:avLst/>
@@ -6094,12 +6553,12 @@
         <a:fontRef idx="minor"/>
       </dsp:style>
       <dsp:txBody>
-        <a:bodyPr spcFirstLastPara="0" vert="horz" wrap="square" lIns="80010" tIns="80010" rIns="80010" bIns="80010" numCol="1" spcCol="1270" anchor="t" anchorCtr="0">
+        <a:bodyPr spcFirstLastPara="0" vert="horz" wrap="square" lIns="125730" tIns="125730" rIns="125730" bIns="125730" numCol="1" spcCol="1270" anchor="t" anchorCtr="0">
           <a:noAutofit/>
         </a:bodyPr>
         <a:lstStyle/>
         <a:p>
-          <a:pPr marL="0" lvl="0" indent="0" algn="l" defTabSz="933450">
+          <a:pPr marL="0" lvl="0" indent="0" algn="l" defTabSz="1466850">
             <a:lnSpc>
               <a:spcPct val="90000"/>
             </a:lnSpc>
@@ -6112,25 +6571,25 @@
             <a:buNone/>
           </a:pPr>
           <a:r>
-            <a:rPr lang="en-ZA" sz="2100" kern="1200"/>
+            <a:rPr lang="en-ZA" sz="3300" kern="1200" dirty="0"/>
             <a:t>Search strategy</a:t>
           </a:r>
-          <a:endParaRPr lang="en-US" sz="2100" kern="1200"/>
+          <a:endParaRPr lang="en-US" sz="3300" kern="1200" dirty="0"/>
         </a:p>
       </dsp:txBody>
       <dsp:txXfrm>
-        <a:off x="0" y="1857188"/>
-        <a:ext cx="6492875" cy="463674"/>
+        <a:off x="0" y="1458952"/>
+        <a:ext cx="6492875" cy="729164"/>
       </dsp:txXfrm>
     </dsp:sp>
-    <dsp:sp modelId="{FEC71D7B-1433-4DAD-9BC9-A9CA39F494A2}">
+    <dsp:sp modelId="{76BFB57D-0E7D-46C8-860F-776201DB020D}">
       <dsp:nvSpPr>
         <dsp:cNvPr id="0" name=""/>
         <dsp:cNvSpPr/>
       </dsp:nvSpPr>
       <dsp:spPr>
         <a:xfrm>
-          <a:off x="0" y="2320862"/>
+          <a:off x="0" y="2188117"/>
           <a:ext cx="6492875" cy="0"/>
         </a:xfrm>
         <a:prstGeom prst="line">
@@ -6172,15 +6631,15 @@
         </a:fontRef>
       </dsp:style>
     </dsp:sp>
-    <dsp:sp modelId="{BC07E0A2-C561-4919-8EF5-03126FA1CA37}">
+    <dsp:sp modelId="{99639AD6-3EFF-45B5-8A4F-FC6627B4C4D5}">
       <dsp:nvSpPr>
         <dsp:cNvPr id="0" name=""/>
         <dsp:cNvSpPr/>
       </dsp:nvSpPr>
       <dsp:spPr>
         <a:xfrm>
-          <a:off x="0" y="2320862"/>
-          <a:ext cx="6492875" cy="463674"/>
+          <a:off x="0" y="2188117"/>
+          <a:ext cx="6492875" cy="729164"/>
         </a:xfrm>
         <a:prstGeom prst="rect">
           <a:avLst/>
@@ -6204,12 +6663,12 @@
         <a:fontRef idx="minor"/>
       </dsp:style>
       <dsp:txBody>
-        <a:bodyPr spcFirstLastPara="0" vert="horz" wrap="square" lIns="80010" tIns="80010" rIns="80010" bIns="80010" numCol="1" spcCol="1270" anchor="t" anchorCtr="0">
+        <a:bodyPr spcFirstLastPara="0" vert="horz" wrap="square" lIns="125730" tIns="125730" rIns="125730" bIns="125730" numCol="1" spcCol="1270" anchor="t" anchorCtr="0">
           <a:noAutofit/>
         </a:bodyPr>
         <a:lstStyle/>
         <a:p>
-          <a:pPr marL="0" lvl="0" indent="0" algn="l" defTabSz="933450">
+          <a:pPr marL="0" lvl="0" indent="0" algn="l" defTabSz="1466850">
             <a:lnSpc>
               <a:spcPct val="90000"/>
             </a:lnSpc>
@@ -6222,25 +6681,25 @@
             <a:buNone/>
           </a:pPr>
           <a:r>
-            <a:rPr lang="en-ZA" sz="2100" kern="1200"/>
-            <a:t>Feasibility analysis</a:t>
+            <a:rPr lang="en-ZA" sz="3300" kern="1200" dirty="0"/>
+            <a:t>Studies used</a:t>
           </a:r>
-          <a:endParaRPr lang="en-US" sz="2100" kern="1200"/>
+          <a:endParaRPr lang="en-US" sz="3300" kern="1200" dirty="0"/>
         </a:p>
       </dsp:txBody>
       <dsp:txXfrm>
-        <a:off x="0" y="2320862"/>
-        <a:ext cx="6492875" cy="463674"/>
+        <a:off x="0" y="2188117"/>
+        <a:ext cx="6492875" cy="729164"/>
       </dsp:txXfrm>
     </dsp:sp>
-    <dsp:sp modelId="{6A4AF827-D48F-4A7F-817A-BD8DC7970487}">
+    <dsp:sp modelId="{D3C88023-5EBF-4DB3-A53B-C2064006C5A4}">
       <dsp:nvSpPr>
         <dsp:cNvPr id="0" name=""/>
         <dsp:cNvSpPr/>
       </dsp:nvSpPr>
       <dsp:spPr>
         <a:xfrm>
-          <a:off x="0" y="2784537"/>
+          <a:off x="0" y="2917282"/>
           <a:ext cx="6492875" cy="0"/>
         </a:xfrm>
         <a:prstGeom prst="line">
@@ -6248,18 +6707,18 @@
         </a:prstGeom>
         <a:solidFill>
           <a:schemeClr val="accent2">
-            <a:hueOff val="-2156377"/>
-            <a:satOff val="14833"/>
-            <a:lumOff val="1646"/>
+            <a:hueOff val="-2395974"/>
+            <a:satOff val="16481"/>
+            <a:lumOff val="1829"/>
             <a:alphaOff val="0"/>
           </a:schemeClr>
         </a:solidFill>
         <a:ln w="15875" cap="rnd" cmpd="sng" algn="ctr">
           <a:solidFill>
             <a:schemeClr val="accent2">
-              <a:hueOff val="-2156377"/>
-              <a:satOff val="14833"/>
-              <a:lumOff val="1646"/>
+              <a:hueOff val="-2395974"/>
+              <a:satOff val="16481"/>
+              <a:lumOff val="1829"/>
               <a:alphaOff val="0"/>
             </a:schemeClr>
           </a:solidFill>
@@ -6282,15 +6741,15 @@
         </a:fontRef>
       </dsp:style>
     </dsp:sp>
-    <dsp:sp modelId="{EC577089-7F11-4FFD-8B71-AC58E894EAAA}">
+    <dsp:sp modelId="{4A4DDC54-B2AB-4086-B353-CBA045074281}">
       <dsp:nvSpPr>
         <dsp:cNvPr id="0" name=""/>
         <dsp:cNvSpPr/>
       </dsp:nvSpPr>
       <dsp:spPr>
         <a:xfrm>
-          <a:off x="0" y="2784537"/>
-          <a:ext cx="6492875" cy="463674"/>
+          <a:off x="0" y="2917282"/>
+          <a:ext cx="6492875" cy="729164"/>
         </a:xfrm>
         <a:prstGeom prst="rect">
           <a:avLst/>
@@ -6314,12 +6773,12 @@
         <a:fontRef idx="minor"/>
       </dsp:style>
       <dsp:txBody>
-        <a:bodyPr spcFirstLastPara="0" vert="horz" wrap="square" lIns="80010" tIns="80010" rIns="80010" bIns="80010" numCol="1" spcCol="1270" anchor="t" anchorCtr="0">
+        <a:bodyPr spcFirstLastPara="0" vert="horz" wrap="square" lIns="125730" tIns="125730" rIns="125730" bIns="125730" numCol="1" spcCol="1270" anchor="t" anchorCtr="0">
           <a:noAutofit/>
         </a:bodyPr>
         <a:lstStyle/>
         <a:p>
-          <a:pPr marL="0" lvl="0" indent="0" algn="l" defTabSz="933450">
+          <a:pPr marL="0" lvl="0" indent="0" algn="l" defTabSz="1466850">
             <a:lnSpc>
               <a:spcPct val="90000"/>
             </a:lnSpc>
@@ -6332,25 +6791,24 @@
             <a:buNone/>
           </a:pPr>
           <a:r>
-            <a:rPr lang="en-ZA" sz="2100" kern="1200"/>
-            <a:t>Effectiveness</a:t>
+            <a:rPr lang="en-US" sz="3300" kern="1200" dirty="0"/>
+            <a:t>Findings</a:t>
           </a:r>
-          <a:endParaRPr lang="en-US" sz="2100" kern="1200"/>
         </a:p>
       </dsp:txBody>
       <dsp:txXfrm>
-        <a:off x="0" y="2784537"/>
-        <a:ext cx="6492875" cy="463674"/>
+        <a:off x="0" y="2917282"/>
+        <a:ext cx="6492875" cy="729164"/>
       </dsp:txXfrm>
     </dsp:sp>
-    <dsp:sp modelId="{76BFB57D-0E7D-46C8-860F-776201DB020D}">
+    <dsp:sp modelId="{8F7FECC6-849E-486E-A6A7-31BEAB1292A6}">
       <dsp:nvSpPr>
         <dsp:cNvPr id="0" name=""/>
         <dsp:cNvSpPr/>
       </dsp:nvSpPr>
       <dsp:spPr>
         <a:xfrm>
-          <a:off x="0" y="3248211"/>
+          <a:off x="0" y="3646447"/>
           <a:ext cx="6492875" cy="0"/>
         </a:xfrm>
         <a:prstGeom prst="line">
@@ -6358,18 +6816,18 @@
         </a:prstGeom>
         <a:solidFill>
           <a:schemeClr val="accent2">
-            <a:hueOff val="-2515773"/>
-            <a:satOff val="17305"/>
-            <a:lumOff val="1921"/>
+            <a:hueOff val="-2994968"/>
+            <a:satOff val="20602"/>
+            <a:lumOff val="2287"/>
             <a:alphaOff val="0"/>
           </a:schemeClr>
         </a:solidFill>
         <a:ln w="15875" cap="rnd" cmpd="sng" algn="ctr">
           <a:solidFill>
             <a:schemeClr val="accent2">
-              <a:hueOff val="-2515773"/>
-              <a:satOff val="17305"/>
-              <a:lumOff val="1921"/>
+              <a:hueOff val="-2994968"/>
+              <a:satOff val="20602"/>
+              <a:lumOff val="2287"/>
               <a:alphaOff val="0"/>
             </a:schemeClr>
           </a:solidFill>
@@ -6392,15 +6850,15 @@
         </a:fontRef>
       </dsp:style>
     </dsp:sp>
-    <dsp:sp modelId="{99639AD6-3EFF-45B5-8A4F-FC6627B4C4D5}">
+    <dsp:sp modelId="{E9BF1683-1EFE-4323-BC19-A58E2F150A19}">
       <dsp:nvSpPr>
         <dsp:cNvPr id="0" name=""/>
         <dsp:cNvSpPr/>
       </dsp:nvSpPr>
       <dsp:spPr>
         <a:xfrm>
-          <a:off x="0" y="3248211"/>
-          <a:ext cx="6492875" cy="463674"/>
+          <a:off x="0" y="3646447"/>
+          <a:ext cx="6492875" cy="729164"/>
         </a:xfrm>
         <a:prstGeom prst="rect">
           <a:avLst/>
@@ -6424,12 +6882,12 @@
         <a:fontRef idx="minor"/>
       </dsp:style>
       <dsp:txBody>
-        <a:bodyPr spcFirstLastPara="0" vert="horz" wrap="square" lIns="80010" tIns="80010" rIns="80010" bIns="80010" numCol="1" spcCol="1270" anchor="t" anchorCtr="0">
+        <a:bodyPr spcFirstLastPara="0" vert="horz" wrap="square" lIns="125730" tIns="125730" rIns="125730" bIns="125730" numCol="1" spcCol="1270" anchor="t" anchorCtr="0">
           <a:noAutofit/>
         </a:bodyPr>
         <a:lstStyle/>
         <a:p>
-          <a:pPr marL="0" lvl="0" indent="0" algn="l" defTabSz="933450">
+          <a:pPr marL="0" lvl="0" indent="0" algn="l" defTabSz="1466850">
             <a:lnSpc>
               <a:spcPct val="90000"/>
             </a:lnSpc>
@@ -6442,235 +6900,14 @@
             <a:buNone/>
           </a:pPr>
           <a:r>
-            <a:rPr lang="en-ZA" sz="2100" kern="1200"/>
-            <a:t>Studies used</a:t>
+            <a:rPr lang="en-US" sz="3300" kern="1200" dirty="0"/>
+            <a:t>Efficacy findings</a:t>
           </a:r>
-          <a:endParaRPr lang="en-US" sz="2100" kern="1200"/>
         </a:p>
       </dsp:txBody>
       <dsp:txXfrm>
-        <a:off x="0" y="3248211"/>
-        <a:ext cx="6492875" cy="463674"/>
-      </dsp:txXfrm>
-    </dsp:sp>
-    <dsp:sp modelId="{23221E2E-A573-4712-8AC3-AE13C884B747}">
-      <dsp:nvSpPr>
-        <dsp:cNvPr id="0" name=""/>
-        <dsp:cNvSpPr/>
-      </dsp:nvSpPr>
-      <dsp:spPr>
-        <a:xfrm>
-          <a:off x="0" y="3711885"/>
-          <a:ext cx="6492875" cy="0"/>
-        </a:xfrm>
-        <a:prstGeom prst="line">
-          <a:avLst/>
-        </a:prstGeom>
-        <a:solidFill>
-          <a:schemeClr val="accent2">
-            <a:hueOff val="-2875169"/>
-            <a:satOff val="19778"/>
-            <a:lumOff val="2195"/>
-            <a:alphaOff val="0"/>
-          </a:schemeClr>
-        </a:solidFill>
-        <a:ln w="15875" cap="rnd" cmpd="sng" algn="ctr">
-          <a:solidFill>
-            <a:schemeClr val="accent2">
-              <a:hueOff val="-2875169"/>
-              <a:satOff val="19778"/>
-              <a:lumOff val="2195"/>
-              <a:alphaOff val="0"/>
-            </a:schemeClr>
-          </a:solidFill>
-          <a:prstDash val="solid"/>
-        </a:ln>
-        <a:effectLst/>
-      </dsp:spPr>
-      <dsp:style>
-        <a:lnRef idx="2">
-          <a:scrgbClr r="0" g="0" b="0"/>
-        </a:lnRef>
-        <a:fillRef idx="1">
-          <a:scrgbClr r="0" g="0" b="0"/>
-        </a:fillRef>
-        <a:effectRef idx="0">
-          <a:scrgbClr r="0" g="0" b="0"/>
-        </a:effectRef>
-        <a:fontRef idx="minor">
-          <a:schemeClr val="lt1"/>
-        </a:fontRef>
-      </dsp:style>
-    </dsp:sp>
-    <dsp:sp modelId="{13A4F3BC-3693-4264-A40E-A80E1F903DDB}">
-      <dsp:nvSpPr>
-        <dsp:cNvPr id="0" name=""/>
-        <dsp:cNvSpPr/>
-      </dsp:nvSpPr>
-      <dsp:spPr>
-        <a:xfrm>
-          <a:off x="0" y="3711885"/>
-          <a:ext cx="6492875" cy="463674"/>
-        </a:xfrm>
-        <a:prstGeom prst="rect">
-          <a:avLst/>
-        </a:prstGeom>
-        <a:noFill/>
-        <a:ln>
-          <a:noFill/>
-        </a:ln>
-        <a:effectLst/>
-      </dsp:spPr>
-      <dsp:style>
-        <a:lnRef idx="0">
-          <a:scrgbClr r="0" g="0" b="0"/>
-        </a:lnRef>
-        <a:fillRef idx="0">
-          <a:scrgbClr r="0" g="0" b="0"/>
-        </a:fillRef>
-        <a:effectRef idx="0">
-          <a:scrgbClr r="0" g="0" b="0"/>
-        </a:effectRef>
-        <a:fontRef idx="minor"/>
-      </dsp:style>
-      <dsp:txBody>
-        <a:bodyPr spcFirstLastPara="0" vert="horz" wrap="square" lIns="80010" tIns="80010" rIns="80010" bIns="80010" numCol="1" spcCol="1270" anchor="t" anchorCtr="0">
-          <a:noAutofit/>
-        </a:bodyPr>
-        <a:lstStyle/>
-        <a:p>
-          <a:pPr marL="0" lvl="0" indent="0" algn="l" defTabSz="933450">
-            <a:lnSpc>
-              <a:spcPct val="90000"/>
-            </a:lnSpc>
-            <a:spcBef>
-              <a:spcPct val="0"/>
-            </a:spcBef>
-            <a:spcAft>
-              <a:spcPct val="35000"/>
-            </a:spcAft>
-            <a:buNone/>
-          </a:pPr>
-          <a:r>
-            <a:rPr lang="en-ZA" sz="2100" kern="1200"/>
-            <a:t>Studies focused on</a:t>
-          </a:r>
-          <a:endParaRPr lang="en-US" sz="2100" kern="1200"/>
-        </a:p>
-      </dsp:txBody>
-      <dsp:txXfrm>
-        <a:off x="0" y="3711885"/>
-        <a:ext cx="6492875" cy="463674"/>
-      </dsp:txXfrm>
-    </dsp:sp>
-    <dsp:sp modelId="{8906D57F-4603-42F3-B539-611F80D8B3FF}">
-      <dsp:nvSpPr>
-        <dsp:cNvPr id="0" name=""/>
-        <dsp:cNvSpPr/>
-      </dsp:nvSpPr>
-      <dsp:spPr>
-        <a:xfrm>
-          <a:off x="0" y="4175559"/>
-          <a:ext cx="6492875" cy="0"/>
-        </a:xfrm>
-        <a:prstGeom prst="line">
-          <a:avLst/>
-        </a:prstGeom>
-        <a:solidFill>
-          <a:schemeClr val="accent2">
-            <a:hueOff val="-3234565"/>
-            <a:satOff val="22250"/>
-            <a:lumOff val="2470"/>
-            <a:alphaOff val="0"/>
-          </a:schemeClr>
-        </a:solidFill>
-        <a:ln w="15875" cap="rnd" cmpd="sng" algn="ctr">
-          <a:solidFill>
-            <a:schemeClr val="accent2">
-              <a:hueOff val="-3234565"/>
-              <a:satOff val="22250"/>
-              <a:lumOff val="2470"/>
-              <a:alphaOff val="0"/>
-            </a:schemeClr>
-          </a:solidFill>
-          <a:prstDash val="solid"/>
-        </a:ln>
-        <a:effectLst/>
-      </dsp:spPr>
-      <dsp:style>
-        <a:lnRef idx="2">
-          <a:scrgbClr r="0" g="0" b="0"/>
-        </a:lnRef>
-        <a:fillRef idx="1">
-          <a:scrgbClr r="0" g="0" b="0"/>
-        </a:fillRef>
-        <a:effectRef idx="0">
-          <a:scrgbClr r="0" g="0" b="0"/>
-        </a:effectRef>
-        <a:fontRef idx="minor">
-          <a:schemeClr val="lt1"/>
-        </a:fontRef>
-      </dsp:style>
-    </dsp:sp>
-    <dsp:sp modelId="{294B491B-03FF-4494-A91E-4E4C6FC983F4}">
-      <dsp:nvSpPr>
-        <dsp:cNvPr id="0" name=""/>
-        <dsp:cNvSpPr/>
-      </dsp:nvSpPr>
-      <dsp:spPr>
-        <a:xfrm>
-          <a:off x="0" y="4175559"/>
-          <a:ext cx="6492875" cy="463674"/>
-        </a:xfrm>
-        <a:prstGeom prst="rect">
-          <a:avLst/>
-        </a:prstGeom>
-        <a:noFill/>
-        <a:ln>
-          <a:noFill/>
-        </a:ln>
-        <a:effectLst/>
-      </dsp:spPr>
-      <dsp:style>
-        <a:lnRef idx="0">
-          <a:scrgbClr r="0" g="0" b="0"/>
-        </a:lnRef>
-        <a:fillRef idx="0">
-          <a:scrgbClr r="0" g="0" b="0"/>
-        </a:fillRef>
-        <a:effectRef idx="0">
-          <a:scrgbClr r="0" g="0" b="0"/>
-        </a:effectRef>
-        <a:fontRef idx="minor"/>
-      </dsp:style>
-      <dsp:txBody>
-        <a:bodyPr spcFirstLastPara="0" vert="horz" wrap="square" lIns="80010" tIns="80010" rIns="80010" bIns="80010" numCol="1" spcCol="1270" anchor="t" anchorCtr="0">
-          <a:noAutofit/>
-        </a:bodyPr>
-        <a:lstStyle/>
-        <a:p>
-          <a:pPr marL="0" lvl="0" indent="0" algn="l" defTabSz="933450">
-            <a:lnSpc>
-              <a:spcPct val="90000"/>
-            </a:lnSpc>
-            <a:spcBef>
-              <a:spcPct val="0"/>
-            </a:spcBef>
-            <a:spcAft>
-              <a:spcPct val="35000"/>
-            </a:spcAft>
-            <a:buNone/>
-          </a:pPr>
-          <a:r>
-            <a:rPr lang="en-ZA" sz="2100" kern="1200"/>
-            <a:t>Results</a:t>
-          </a:r>
-          <a:endParaRPr lang="en-US" sz="2100" kern="1200"/>
-        </a:p>
-      </dsp:txBody>
-      <dsp:txXfrm>
-        <a:off x="0" y="4175559"/>
-        <a:ext cx="6492875" cy="463674"/>
+        <a:off x="0" y="3646447"/>
+        <a:ext cx="6492875" cy="729164"/>
       </dsp:txXfrm>
     </dsp:sp>
     <dsp:sp modelId="{9165DC6B-FFC3-47DE-8419-010C6AE7DCC1}">
@@ -6680,7 +6917,7 @@
       </dsp:nvSpPr>
       <dsp:spPr>
         <a:xfrm>
-          <a:off x="0" y="4639233"/>
+          <a:off x="0" y="4375611"/>
           <a:ext cx="6492875" cy="0"/>
         </a:xfrm>
         <a:prstGeom prst="line">
@@ -6729,8 +6966,8 @@
       </dsp:nvSpPr>
       <dsp:spPr>
         <a:xfrm>
-          <a:off x="0" y="4639233"/>
-          <a:ext cx="6492875" cy="463674"/>
+          <a:off x="0" y="4375611"/>
+          <a:ext cx="6492875" cy="729164"/>
         </a:xfrm>
         <a:prstGeom prst="rect">
           <a:avLst/>
@@ -6754,12 +6991,12 @@
         <a:fontRef idx="minor"/>
       </dsp:style>
       <dsp:txBody>
-        <a:bodyPr spcFirstLastPara="0" vert="horz" wrap="square" lIns="80010" tIns="80010" rIns="80010" bIns="80010" numCol="1" spcCol="1270" anchor="t" anchorCtr="0">
+        <a:bodyPr spcFirstLastPara="0" vert="horz" wrap="square" lIns="125730" tIns="125730" rIns="125730" bIns="125730" numCol="1" spcCol="1270" anchor="t" anchorCtr="0">
           <a:noAutofit/>
         </a:bodyPr>
         <a:lstStyle/>
         <a:p>
-          <a:pPr marL="0" lvl="0" indent="0" algn="l" defTabSz="933450">
+          <a:pPr marL="0" lvl="0" indent="0" algn="l" defTabSz="1466850">
             <a:lnSpc>
               <a:spcPct val="90000"/>
             </a:lnSpc>
@@ -6772,15 +7009,15 @@
             <a:buNone/>
           </a:pPr>
           <a:r>
-            <a:rPr lang="en-ZA" sz="2100" kern="1200"/>
+            <a:rPr lang="en-ZA" sz="3300" kern="1200" dirty="0"/>
             <a:t>conclusion</a:t>
           </a:r>
-          <a:endParaRPr lang="en-US" sz="2100" kern="1200"/>
+          <a:endParaRPr lang="en-US" sz="3300" kern="1200" dirty="0"/>
         </a:p>
       </dsp:txBody>
       <dsp:txXfrm>
-        <a:off x="0" y="4639233"/>
-        <a:ext cx="6492875" cy="463674"/>
+        <a:off x="0" y="4375611"/>
+        <a:ext cx="6492875" cy="729164"/>
       </dsp:txXfrm>
     </dsp:sp>
   </dsp:spTree>
@@ -20375,32 +20612,19 @@
         <a:gradFill rotWithShape="1">
           <a:gsLst>
             <a:gs pos="0">
-              <a:schemeClr val="bg2">
-                <a:tint val="96000"/>
-                <a:shade val="100000"/>
-                <a:hueMod val="270000"/>
-                <a:satMod val="200000"/>
-                <a:lumMod val="128000"/>
-              </a:schemeClr>
-            </a:gs>
-            <a:gs pos="50000">
-              <a:schemeClr val="bg2">
-                <a:shade val="100000"/>
-                <a:hueMod val="100000"/>
-                <a:satMod val="110000"/>
-                <a:lumMod val="130000"/>
+              <a:schemeClr val="bg1">
+                <a:tint val="90000"/>
+                <a:lumMod val="110000"/>
               </a:schemeClr>
             </a:gs>
             <a:gs pos="100000">
-              <a:schemeClr val="bg2">
-                <a:shade val="78000"/>
-                <a:hueMod val="44000"/>
-                <a:satMod val="200000"/>
-                <a:lumMod val="69000"/>
+              <a:schemeClr val="bg1">
+                <a:shade val="64000"/>
+                <a:lumMod val="98000"/>
               </a:schemeClr>
             </a:gs>
           </a:gsLst>
-          <a:lin ang="2520000" scaled="0"/>
+          <a:lin ang="5400000" scaled="0"/>
         </a:gradFill>
         <a:effectLst/>
       </p:bgPr>
@@ -20419,6 +20643,482 @@
           <a:chExt cx="0" cy="0"/>
         </a:xfrm>
       </p:grpSpPr>
+      <p:sp useBgFill="1">
+        <p:nvSpPr>
+          <p:cNvPr id="13" name="Rectangle 12">
+            <a:extLst>
+              <a:ext uri="{FF2B5EF4-FFF2-40B4-BE49-F238E27FC236}">
+                <a16:creationId xmlns:a16="http://schemas.microsoft.com/office/drawing/2014/main" id="{01355D4F-439D-46D1-9007-6D39B8422A19}"/>
+              </a:ext>
+              <a:ext uri="{C183D7F6-B498-43B3-948B-1728B52AA6E4}">
+                <adec:decorative xmlns:adec="http://schemas.microsoft.com/office/drawing/2017/decorative" val="1"/>
+              </a:ext>
+            </a:extLst>
+          </p:cNvPr>
+          <p:cNvSpPr>
+            <a:spLocks noGrp="1" noRot="1" noChangeAspect="1" noMove="1" noResize="1" noEditPoints="1" noAdjustHandles="1" noChangeArrowheads="1" noChangeShapeType="1" noTextEdit="1"/>
+          </p:cNvSpPr>
+          <p:nvPr>
+            <p:extLst>
+              <p:ext uri="{386F3935-93C4-4BCD-93E2-E3B085C9AB24}">
+                <p16:designElem xmlns:p16="http://schemas.microsoft.com/office/powerpoint/2015/main" val="1"/>
+              </p:ext>
+            </p:extLst>
+          </p:nvPr>
+        </p:nvSpPr>
+        <p:spPr>
+          <a:xfrm>
+            <a:off x="0" y="0"/>
+            <a:ext cx="12192000" cy="6858000"/>
+          </a:xfrm>
+          <a:prstGeom prst="rect">
+            <a:avLst/>
+          </a:prstGeom>
+          <a:ln>
+            <a:noFill/>
+          </a:ln>
+        </p:spPr>
+        <p:style>
+          <a:lnRef idx="2">
+            <a:schemeClr val="accent1">
+              <a:shade val="50000"/>
+            </a:schemeClr>
+          </a:lnRef>
+          <a:fillRef idx="1">
+            <a:schemeClr val="accent1"/>
+          </a:fillRef>
+          <a:effectRef idx="0">
+            <a:schemeClr val="accent1"/>
+          </a:effectRef>
+          <a:fontRef idx="minor">
+            <a:schemeClr val="lt1"/>
+          </a:fontRef>
+        </p:style>
+        <p:txBody>
+          <a:bodyPr rtlCol="0" anchor="ctr"/>
+          <a:lstStyle/>
+          <a:p>
+            <a:pPr algn="ctr"/>
+            <a:endParaRPr lang="en-US"/>
+          </a:p>
+        </p:txBody>
+      </p:sp>
+      <p:grpSp>
+        <p:nvGrpSpPr>
+          <p:cNvPr id="15" name="Group 14">
+            <a:extLst>
+              <a:ext uri="{FF2B5EF4-FFF2-40B4-BE49-F238E27FC236}">
+                <a16:creationId xmlns:a16="http://schemas.microsoft.com/office/drawing/2014/main" id="{BAACB4EA-FD87-4345-AC16-8265F9596779}"/>
+              </a:ext>
+              <a:ext uri="{C183D7F6-B498-43B3-948B-1728B52AA6E4}">
+                <adec:decorative xmlns:adec="http://schemas.microsoft.com/office/drawing/2017/decorative" val="1"/>
+              </a:ext>
+            </a:extLst>
+          </p:cNvPr>
+          <p:cNvGrpSpPr>
+            <a:grpSpLocks noGrp="1" noUngrp="1" noRot="1" noChangeAspect="1" noMove="1" noResize="1"/>
+          </p:cNvGrpSpPr>
+          <p:nvPr>
+            <p:extLst>
+              <p:ext uri="{386F3935-93C4-4BCD-93E2-E3B085C9AB24}">
+                <p16:designElem xmlns:p16="http://schemas.microsoft.com/office/powerpoint/2015/main" val="1"/>
+              </p:ext>
+            </p:extLst>
+          </p:nvPr>
+        </p:nvGrpSpPr>
+        <p:grpSpPr>
+          <a:xfrm>
+            <a:off x="150812" y="0"/>
+            <a:ext cx="2436813" cy="6858001"/>
+            <a:chOff x="1320800" y="0"/>
+            <a:chExt cx="2436813" cy="6858001"/>
+          </a:xfrm>
+        </p:grpSpPr>
+        <p:sp>
+          <p:nvSpPr>
+            <p:cNvPr id="16" name="Freeform 6">
+              <a:extLst>
+                <a:ext uri="{FF2B5EF4-FFF2-40B4-BE49-F238E27FC236}">
+                  <a16:creationId xmlns:a16="http://schemas.microsoft.com/office/drawing/2014/main" id="{91CE3EAB-07A7-4263-8D91-D1D36B4A6B3E}"/>
+                </a:ext>
+                <a:ext uri="{C183D7F6-B498-43B3-948B-1728B52AA6E4}">
+                  <adec:decorative xmlns:adec="http://schemas.microsoft.com/office/drawing/2017/decorative" val="1"/>
+                </a:ext>
+              </a:extLst>
+            </p:cNvPr>
+            <p:cNvSpPr/>
+            <p:nvPr>
+              <p:extLst>
+                <p:ext uri="{386F3935-93C4-4BCD-93E2-E3B085C9AB24}">
+                  <p16:designElem xmlns:p16="http://schemas.microsoft.com/office/powerpoint/2015/main" val="1"/>
+                </p:ext>
+              </p:extLst>
+            </p:nvPr>
+          </p:nvSpPr>
+          <p:spPr bwMode="auto">
+            <a:xfrm>
+              <a:off x="1627188" y="0"/>
+              <a:ext cx="1122363" cy="5329238"/>
+            </a:xfrm>
+            <a:custGeom>
+              <a:avLst/>
+              <a:gdLst/>
+              <a:ahLst/>
+              <a:cxnLst/>
+              <a:rect l="0" t="0" r="r" b="b"/>
+              <a:pathLst>
+                <a:path w="707" h="3357">
+                  <a:moveTo>
+                    <a:pt x="0" y="3330"/>
+                  </a:moveTo>
+                  <a:lnTo>
+                    <a:pt x="156" y="3357"/>
+                  </a:lnTo>
+                  <a:lnTo>
+                    <a:pt x="707" y="0"/>
+                  </a:lnTo>
+                  <a:lnTo>
+                    <a:pt x="547" y="0"/>
+                  </a:lnTo>
+                  <a:lnTo>
+                    <a:pt x="0" y="3330"/>
+                  </a:lnTo>
+                  <a:close/>
+                </a:path>
+              </a:pathLst>
+            </a:custGeom>
+            <a:solidFill>
+              <a:srgbClr val="B2B2B2"/>
+            </a:solidFill>
+            <a:ln>
+              <a:noFill/>
+            </a:ln>
+          </p:spPr>
+        </p:sp>
+        <p:sp>
+          <p:nvSpPr>
+            <p:cNvPr id="17" name="Freeform 7">
+              <a:extLst>
+                <a:ext uri="{FF2B5EF4-FFF2-40B4-BE49-F238E27FC236}">
+                  <a16:creationId xmlns:a16="http://schemas.microsoft.com/office/drawing/2014/main" id="{E0A91B66-B6C6-48D2-8559-1B010D31C9E9}"/>
+                </a:ext>
+                <a:ext uri="{C183D7F6-B498-43B3-948B-1728B52AA6E4}">
+                  <adec:decorative xmlns:adec="http://schemas.microsoft.com/office/drawing/2017/decorative" val="1"/>
+                </a:ext>
+              </a:extLst>
+            </p:cNvPr>
+            <p:cNvSpPr/>
+            <p:nvPr>
+              <p:extLst>
+                <p:ext uri="{386F3935-93C4-4BCD-93E2-E3B085C9AB24}">
+                  <p16:designElem xmlns:p16="http://schemas.microsoft.com/office/powerpoint/2015/main" val="1"/>
+                </p:ext>
+              </p:extLst>
+            </p:nvPr>
+          </p:nvSpPr>
+          <p:spPr bwMode="auto">
+            <a:xfrm>
+              <a:off x="1320800" y="0"/>
+              <a:ext cx="1117600" cy="5276850"/>
+            </a:xfrm>
+            <a:custGeom>
+              <a:avLst/>
+              <a:gdLst/>
+              <a:ahLst/>
+              <a:cxnLst/>
+              <a:rect l="0" t="0" r="r" b="b"/>
+              <a:pathLst>
+                <a:path w="704" h="3324">
+                  <a:moveTo>
+                    <a:pt x="704" y="0"/>
+                  </a:moveTo>
+                  <a:lnTo>
+                    <a:pt x="545" y="0"/>
+                  </a:lnTo>
+                  <a:lnTo>
+                    <a:pt x="0" y="3300"/>
+                  </a:lnTo>
+                  <a:lnTo>
+                    <a:pt x="157" y="3324"/>
+                  </a:lnTo>
+                  <a:lnTo>
+                    <a:pt x="704" y="0"/>
+                  </a:lnTo>
+                  <a:close/>
+                </a:path>
+              </a:pathLst>
+            </a:custGeom>
+            <a:solidFill>
+              <a:schemeClr val="tx1"/>
+            </a:solidFill>
+            <a:ln>
+              <a:noFill/>
+            </a:ln>
+          </p:spPr>
+        </p:sp>
+        <p:sp>
+          <p:nvSpPr>
+            <p:cNvPr id="18" name="Freeform 8">
+              <a:extLst>
+                <a:ext uri="{FF2B5EF4-FFF2-40B4-BE49-F238E27FC236}">
+                  <a16:creationId xmlns:a16="http://schemas.microsoft.com/office/drawing/2014/main" id="{B61816F4-67FD-4DFC-949B-8BB3492974B7}"/>
+                </a:ext>
+                <a:ext uri="{C183D7F6-B498-43B3-948B-1728B52AA6E4}">
+                  <adec:decorative xmlns:adec="http://schemas.microsoft.com/office/drawing/2017/decorative" val="1"/>
+                </a:ext>
+              </a:extLst>
+            </p:cNvPr>
+            <p:cNvSpPr/>
+            <p:nvPr>
+              <p:extLst>
+                <p:ext uri="{386F3935-93C4-4BCD-93E2-E3B085C9AB24}">
+                  <p16:designElem xmlns:p16="http://schemas.microsoft.com/office/powerpoint/2015/main" val="1"/>
+                </p:ext>
+              </p:extLst>
+            </p:nvPr>
+          </p:nvSpPr>
+          <p:spPr bwMode="auto">
+            <a:xfrm>
+              <a:off x="1320800" y="5238750"/>
+              <a:ext cx="1228725" cy="1619250"/>
+            </a:xfrm>
+            <a:custGeom>
+              <a:avLst/>
+              <a:gdLst/>
+              <a:ahLst/>
+              <a:cxnLst/>
+              <a:rect l="0" t="0" r="r" b="b"/>
+              <a:pathLst>
+                <a:path w="774" h="1020">
+                  <a:moveTo>
+                    <a:pt x="0" y="0"/>
+                  </a:moveTo>
+                  <a:lnTo>
+                    <a:pt x="740" y="1020"/>
+                  </a:lnTo>
+                  <a:lnTo>
+                    <a:pt x="774" y="1020"/>
+                  </a:lnTo>
+                  <a:lnTo>
+                    <a:pt x="0" y="0"/>
+                  </a:lnTo>
+                  <a:close/>
+                </a:path>
+              </a:pathLst>
+            </a:custGeom>
+            <a:solidFill>
+              <a:schemeClr val="tx1">
+                <a:lumMod val="85000"/>
+                <a:lumOff val="15000"/>
+              </a:schemeClr>
+            </a:solidFill>
+            <a:ln>
+              <a:noFill/>
+            </a:ln>
+          </p:spPr>
+        </p:sp>
+        <p:sp>
+          <p:nvSpPr>
+            <p:cNvPr id="19" name="Freeform 9">
+              <a:extLst>
+                <a:ext uri="{FF2B5EF4-FFF2-40B4-BE49-F238E27FC236}">
+                  <a16:creationId xmlns:a16="http://schemas.microsoft.com/office/drawing/2014/main" id="{0A3C8AD5-353F-44A3-8D9C-B2879484CD59}"/>
+                </a:ext>
+                <a:ext uri="{C183D7F6-B498-43B3-948B-1728B52AA6E4}">
+                  <adec:decorative xmlns:adec="http://schemas.microsoft.com/office/drawing/2017/decorative" val="1"/>
+                </a:ext>
+              </a:extLst>
+            </p:cNvPr>
+            <p:cNvSpPr/>
+            <p:nvPr>
+              <p:extLst>
+                <p:ext uri="{386F3935-93C4-4BCD-93E2-E3B085C9AB24}">
+                  <p16:designElem xmlns:p16="http://schemas.microsoft.com/office/powerpoint/2015/main" val="1"/>
+                </p:ext>
+              </p:extLst>
+            </p:nvPr>
+          </p:nvSpPr>
+          <p:spPr bwMode="auto">
+            <a:xfrm>
+              <a:off x="1627188" y="5291138"/>
+              <a:ext cx="1495425" cy="1566863"/>
+            </a:xfrm>
+            <a:custGeom>
+              <a:avLst/>
+              <a:gdLst/>
+              <a:ahLst/>
+              <a:cxnLst/>
+              <a:rect l="0" t="0" r="r" b="b"/>
+              <a:pathLst>
+                <a:path w="942" h="987">
+                  <a:moveTo>
+                    <a:pt x="0" y="0"/>
+                  </a:moveTo>
+                  <a:lnTo>
+                    <a:pt x="909" y="987"/>
+                  </a:lnTo>
+                  <a:lnTo>
+                    <a:pt x="942" y="987"/>
+                  </a:lnTo>
+                  <a:lnTo>
+                    <a:pt x="0" y="0"/>
+                  </a:lnTo>
+                  <a:close/>
+                </a:path>
+              </a:pathLst>
+            </a:custGeom>
+            <a:solidFill>
+              <a:srgbClr val="404040"/>
+            </a:solidFill>
+            <a:ln>
+              <a:noFill/>
+            </a:ln>
+          </p:spPr>
+        </p:sp>
+        <p:sp>
+          <p:nvSpPr>
+            <p:cNvPr id="20" name="Freeform 10">
+              <a:extLst>
+                <a:ext uri="{FF2B5EF4-FFF2-40B4-BE49-F238E27FC236}">
+                  <a16:creationId xmlns:a16="http://schemas.microsoft.com/office/drawing/2014/main" id="{45C8C8DD-D701-477C-BDEB-A11E77CBEE18}"/>
+                </a:ext>
+                <a:ext uri="{C183D7F6-B498-43B3-948B-1728B52AA6E4}">
+                  <adec:decorative xmlns:adec="http://schemas.microsoft.com/office/drawing/2017/decorative" val="1"/>
+                </a:ext>
+              </a:extLst>
+            </p:cNvPr>
+            <p:cNvSpPr/>
+            <p:nvPr>
+              <p:extLst>
+                <p:ext uri="{386F3935-93C4-4BCD-93E2-E3B085C9AB24}">
+                  <p16:designElem xmlns:p16="http://schemas.microsoft.com/office/powerpoint/2015/main" val="1"/>
+                </p:ext>
+              </p:extLst>
+            </p:nvPr>
+          </p:nvSpPr>
+          <p:spPr bwMode="auto">
+            <a:xfrm>
+              <a:off x="1627188" y="5286375"/>
+              <a:ext cx="2130425" cy="1571625"/>
+            </a:xfrm>
+            <a:custGeom>
+              <a:avLst/>
+              <a:gdLst/>
+              <a:ahLst/>
+              <a:cxnLst/>
+              <a:rect l="0" t="0" r="r" b="b"/>
+              <a:pathLst>
+                <a:path w="1342" h="990">
+                  <a:moveTo>
+                    <a:pt x="0" y="3"/>
+                  </a:moveTo>
+                  <a:lnTo>
+                    <a:pt x="942" y="990"/>
+                  </a:lnTo>
+                  <a:lnTo>
+                    <a:pt x="1342" y="990"/>
+                  </a:lnTo>
+                  <a:lnTo>
+                    <a:pt x="156" y="27"/>
+                  </a:lnTo>
+                  <a:lnTo>
+                    <a:pt x="0" y="0"/>
+                  </a:lnTo>
+                  <a:lnTo>
+                    <a:pt x="0" y="3"/>
+                  </a:lnTo>
+                  <a:close/>
+                </a:path>
+              </a:pathLst>
+            </a:custGeom>
+            <a:solidFill>
+              <a:srgbClr val="969696"/>
+            </a:solidFill>
+            <a:ln>
+              <a:noFill/>
+            </a:ln>
+          </p:spPr>
+        </p:sp>
+        <p:sp>
+          <p:nvSpPr>
+            <p:cNvPr id="21" name="Freeform 11">
+              <a:extLst>
+                <a:ext uri="{FF2B5EF4-FFF2-40B4-BE49-F238E27FC236}">
+                  <a16:creationId xmlns:a16="http://schemas.microsoft.com/office/drawing/2014/main" id="{785FD395-5D8A-4EEC-9DFE-41A84A5831E3}"/>
+                </a:ext>
+                <a:ext uri="{C183D7F6-B498-43B3-948B-1728B52AA6E4}">
+                  <adec:decorative xmlns:adec="http://schemas.microsoft.com/office/drawing/2017/decorative" val="1"/>
+                </a:ext>
+              </a:extLst>
+            </p:cNvPr>
+            <p:cNvSpPr/>
+            <p:nvPr>
+              <p:extLst>
+                <p:ext uri="{386F3935-93C4-4BCD-93E2-E3B085C9AB24}">
+                  <p16:designElem xmlns:p16="http://schemas.microsoft.com/office/powerpoint/2015/main" val="1"/>
+                </p:ext>
+              </p:extLst>
+            </p:nvPr>
+          </p:nvSpPr>
+          <p:spPr bwMode="auto">
+            <a:xfrm>
+              <a:off x="1320800" y="5238750"/>
+              <a:ext cx="1695450" cy="1619250"/>
+            </a:xfrm>
+            <a:custGeom>
+              <a:avLst/>
+              <a:gdLst/>
+              <a:ahLst/>
+              <a:cxnLst/>
+              <a:rect l="0" t="0" r="r" b="b"/>
+              <a:pathLst>
+                <a:path w="1068" h="1020">
+                  <a:moveTo>
+                    <a:pt x="1068" y="1020"/>
+                  </a:moveTo>
+                  <a:lnTo>
+                    <a:pt x="184" y="60"/>
+                  </a:lnTo>
+                  <a:lnTo>
+                    <a:pt x="154" y="27"/>
+                  </a:lnTo>
+                  <a:lnTo>
+                    <a:pt x="157" y="27"/>
+                  </a:lnTo>
+                  <a:lnTo>
+                    <a:pt x="157" y="24"/>
+                  </a:lnTo>
+                  <a:lnTo>
+                    <a:pt x="154" y="24"/>
+                  </a:lnTo>
+                  <a:lnTo>
+                    <a:pt x="0" y="0"/>
+                  </a:lnTo>
+                  <a:lnTo>
+                    <a:pt x="0" y="0"/>
+                  </a:lnTo>
+                  <a:lnTo>
+                    <a:pt x="774" y="1020"/>
+                  </a:lnTo>
+                  <a:lnTo>
+                    <a:pt x="1068" y="1020"/>
+                  </a:lnTo>
+                  <a:close/>
+                </a:path>
+              </a:pathLst>
+            </a:custGeom>
+            <a:solidFill>
+              <a:schemeClr val="tx1">
+                <a:lumMod val="75000"/>
+                <a:lumOff val="25000"/>
+              </a:schemeClr>
+            </a:solidFill>
+            <a:ln>
+              <a:noFill/>
+            </a:ln>
+          </p:spPr>
+        </p:sp>
+      </p:grpSp>
       <p:sp>
         <p:nvSpPr>
           <p:cNvPr id="2" name="Title 1">
@@ -20435,7 +21135,617 @@
             <p:ph type="title"/>
           </p:nvPr>
         </p:nvSpPr>
-        <p:spPr/>
+        <p:spPr>
+          <a:xfrm>
+            <a:off x="1484311" y="685800"/>
+            <a:ext cx="10018713" cy="1752599"/>
+          </a:xfrm>
+        </p:spPr>
+        <p:txBody>
+          <a:bodyPr>
+            <a:normAutofit/>
+          </a:bodyPr>
+          <a:lstStyle/>
+          <a:p>
+            <a:r>
+              <a:rPr lang="en-GB" dirty="0"/>
+              <a:t>Efficacy of Musical Intervention in Quality of Life </a:t>
+            </a:r>
+            <a:endParaRPr lang="en-ZA" dirty="0"/>
+          </a:p>
+        </p:txBody>
+      </p:sp>
+      <p:sp>
+        <p:nvSpPr>
+          <p:cNvPr id="8" name="Content Placeholder 2">
+            <a:extLst>
+              <a:ext uri="{FF2B5EF4-FFF2-40B4-BE49-F238E27FC236}">
+                <a16:creationId xmlns:a16="http://schemas.microsoft.com/office/drawing/2014/main" id="{6850682E-104E-9712-E328-02417E6ED92C}"/>
+              </a:ext>
+            </a:extLst>
+          </p:cNvPr>
+          <p:cNvSpPr>
+            <a:spLocks noGrp="1"/>
+          </p:cNvSpPr>
+          <p:nvPr>
+            <p:ph idx="1"/>
+          </p:nvPr>
+        </p:nvSpPr>
+        <p:spPr>
+          <a:xfrm>
+            <a:off x="1484310" y="2666999"/>
+            <a:ext cx="10018713" cy="3124201"/>
+          </a:xfrm>
+        </p:spPr>
+        <p:txBody>
+          <a:bodyPr>
+            <a:normAutofit/>
+          </a:bodyPr>
+          <a:lstStyle/>
+          <a:p>
+            <a:pPr marL="0" indent="0">
+              <a:buNone/>
+            </a:pPr>
+            <a:r>
+              <a:rPr lang="en-GB" dirty="0"/>
+              <a:t>The results suggested that there was a positive effect on patients quality of life after the intervention ended, but no significant effect of music therapy was observed when analysis was done on the quality of live of participants six months after intervention.</a:t>
+            </a:r>
+          </a:p>
+        </p:txBody>
+      </p:sp>
+    </p:spTree>
+    <p:extLst>
+      <p:ext uri="{BB962C8B-B14F-4D97-AF65-F5344CB8AC3E}">
+        <p14:creationId xmlns:p14="http://schemas.microsoft.com/office/powerpoint/2010/main" val="2988115921"/>
+      </p:ext>
+    </p:extLst>
+  </p:cSld>
+  <p:clrMapOvr>
+    <a:masterClrMapping/>
+  </p:clrMapOvr>
+  <p:transition spd="slow">
+    <p:wipe/>
+  </p:transition>
+</p:sld>
+</file>
+
+<file path=ppt/slides/slide11.xml><?xml version="1.0" encoding="utf-8"?>
+<p:sld xmlns:a="http://schemas.openxmlformats.org/drawingml/2006/main" xmlns:r="http://schemas.openxmlformats.org/officeDocument/2006/relationships" xmlns:p="http://schemas.openxmlformats.org/presentationml/2006/main">
+  <p:cSld>
+    <p:bg>
+      <p:bgPr>
+        <a:gradFill rotWithShape="1">
+          <a:gsLst>
+            <a:gs pos="0">
+              <a:schemeClr val="bg1">
+                <a:tint val="90000"/>
+                <a:lumMod val="110000"/>
+              </a:schemeClr>
+            </a:gs>
+            <a:gs pos="100000">
+              <a:schemeClr val="bg1">
+                <a:shade val="64000"/>
+                <a:lumMod val="98000"/>
+              </a:schemeClr>
+            </a:gs>
+          </a:gsLst>
+          <a:lin ang="5400000" scaled="0"/>
+        </a:gradFill>
+        <a:effectLst/>
+      </p:bgPr>
+    </p:bg>
+    <p:spTree>
+      <p:nvGrpSpPr>
+        <p:cNvPr id="1" name=""/>
+        <p:cNvGrpSpPr/>
+        <p:nvPr/>
+      </p:nvGrpSpPr>
+      <p:grpSpPr>
+        <a:xfrm>
+          <a:off x="0" y="0"/>
+          <a:ext cx="0" cy="0"/>
+          <a:chOff x="0" y="0"/>
+          <a:chExt cx="0" cy="0"/>
+        </a:xfrm>
+      </p:grpSpPr>
+      <p:sp useBgFill="1">
+        <p:nvSpPr>
+          <p:cNvPr id="26" name="Rectangle 25">
+            <a:extLst>
+              <a:ext uri="{FF2B5EF4-FFF2-40B4-BE49-F238E27FC236}">
+                <a16:creationId xmlns:a16="http://schemas.microsoft.com/office/drawing/2014/main" id="{01355D4F-439D-46D1-9007-6D39B8422A19}"/>
+              </a:ext>
+              <a:ext uri="{C183D7F6-B498-43B3-948B-1728B52AA6E4}">
+                <adec:decorative xmlns:adec="http://schemas.microsoft.com/office/drawing/2017/decorative" val="1"/>
+              </a:ext>
+            </a:extLst>
+          </p:cNvPr>
+          <p:cNvSpPr>
+            <a:spLocks noGrp="1" noRot="1" noChangeAspect="1" noMove="1" noResize="1" noEditPoints="1" noAdjustHandles="1" noChangeArrowheads="1" noChangeShapeType="1" noTextEdit="1"/>
+          </p:cNvSpPr>
+          <p:nvPr>
+            <p:extLst>
+              <p:ext uri="{386F3935-93C4-4BCD-93E2-E3B085C9AB24}">
+                <p16:designElem xmlns:p16="http://schemas.microsoft.com/office/powerpoint/2015/main" val="1"/>
+              </p:ext>
+            </p:extLst>
+          </p:nvPr>
+        </p:nvSpPr>
+        <p:spPr>
+          <a:xfrm>
+            <a:off x="0" y="0"/>
+            <a:ext cx="12192000" cy="6858000"/>
+          </a:xfrm>
+          <a:prstGeom prst="rect">
+            <a:avLst/>
+          </a:prstGeom>
+          <a:ln>
+            <a:noFill/>
+          </a:ln>
+        </p:spPr>
+        <p:style>
+          <a:lnRef idx="2">
+            <a:schemeClr val="accent1">
+              <a:shade val="50000"/>
+            </a:schemeClr>
+          </a:lnRef>
+          <a:fillRef idx="1">
+            <a:schemeClr val="accent1"/>
+          </a:fillRef>
+          <a:effectRef idx="0">
+            <a:schemeClr val="accent1"/>
+          </a:effectRef>
+          <a:fontRef idx="minor">
+            <a:schemeClr val="lt1"/>
+          </a:fontRef>
+        </p:style>
+        <p:txBody>
+          <a:bodyPr rtlCol="0" anchor="ctr"/>
+          <a:lstStyle/>
+          <a:p>
+            <a:pPr algn="ctr"/>
+            <a:endParaRPr lang="en-US"/>
+          </a:p>
+        </p:txBody>
+      </p:sp>
+      <p:grpSp>
+        <p:nvGrpSpPr>
+          <p:cNvPr id="28" name="Group 27">
+            <a:extLst>
+              <a:ext uri="{FF2B5EF4-FFF2-40B4-BE49-F238E27FC236}">
+                <a16:creationId xmlns:a16="http://schemas.microsoft.com/office/drawing/2014/main" id="{BAACB4EA-FD87-4345-AC16-8265F9596779}"/>
+              </a:ext>
+              <a:ext uri="{C183D7F6-B498-43B3-948B-1728B52AA6E4}">
+                <adec:decorative xmlns:adec="http://schemas.microsoft.com/office/drawing/2017/decorative" val="1"/>
+              </a:ext>
+            </a:extLst>
+          </p:cNvPr>
+          <p:cNvGrpSpPr>
+            <a:grpSpLocks noGrp="1" noUngrp="1" noRot="1" noChangeAspect="1" noMove="1" noResize="1"/>
+          </p:cNvGrpSpPr>
+          <p:nvPr>
+            <p:extLst>
+              <p:ext uri="{386F3935-93C4-4BCD-93E2-E3B085C9AB24}">
+                <p16:designElem xmlns:p16="http://schemas.microsoft.com/office/powerpoint/2015/main" val="1"/>
+              </p:ext>
+            </p:extLst>
+          </p:nvPr>
+        </p:nvGrpSpPr>
+        <p:grpSpPr>
+          <a:xfrm>
+            <a:off x="150812" y="0"/>
+            <a:ext cx="2436813" cy="6858001"/>
+            <a:chOff x="1320800" y="0"/>
+            <a:chExt cx="2436813" cy="6858001"/>
+          </a:xfrm>
+        </p:grpSpPr>
+        <p:sp>
+          <p:nvSpPr>
+            <p:cNvPr id="29" name="Freeform 6">
+              <a:extLst>
+                <a:ext uri="{FF2B5EF4-FFF2-40B4-BE49-F238E27FC236}">
+                  <a16:creationId xmlns:a16="http://schemas.microsoft.com/office/drawing/2014/main" id="{91CE3EAB-07A7-4263-8D91-D1D36B4A6B3E}"/>
+                </a:ext>
+                <a:ext uri="{C183D7F6-B498-43B3-948B-1728B52AA6E4}">
+                  <adec:decorative xmlns:adec="http://schemas.microsoft.com/office/drawing/2017/decorative" val="1"/>
+                </a:ext>
+              </a:extLst>
+            </p:cNvPr>
+            <p:cNvSpPr/>
+            <p:nvPr>
+              <p:extLst>
+                <p:ext uri="{386F3935-93C4-4BCD-93E2-E3B085C9AB24}">
+                  <p16:designElem xmlns:p16="http://schemas.microsoft.com/office/powerpoint/2015/main" val="1"/>
+                </p:ext>
+              </p:extLst>
+            </p:nvPr>
+          </p:nvSpPr>
+          <p:spPr bwMode="auto">
+            <a:xfrm>
+              <a:off x="1627188" y="0"/>
+              <a:ext cx="1122363" cy="5329238"/>
+            </a:xfrm>
+            <a:custGeom>
+              <a:avLst/>
+              <a:gdLst/>
+              <a:ahLst/>
+              <a:cxnLst/>
+              <a:rect l="0" t="0" r="r" b="b"/>
+              <a:pathLst>
+                <a:path w="707" h="3357">
+                  <a:moveTo>
+                    <a:pt x="0" y="3330"/>
+                  </a:moveTo>
+                  <a:lnTo>
+                    <a:pt x="156" y="3357"/>
+                  </a:lnTo>
+                  <a:lnTo>
+                    <a:pt x="707" y="0"/>
+                  </a:lnTo>
+                  <a:lnTo>
+                    <a:pt x="547" y="0"/>
+                  </a:lnTo>
+                  <a:lnTo>
+                    <a:pt x="0" y="3330"/>
+                  </a:lnTo>
+                  <a:close/>
+                </a:path>
+              </a:pathLst>
+            </a:custGeom>
+            <a:solidFill>
+              <a:srgbClr val="B2B2B2"/>
+            </a:solidFill>
+            <a:ln>
+              <a:noFill/>
+            </a:ln>
+          </p:spPr>
+        </p:sp>
+        <p:sp>
+          <p:nvSpPr>
+            <p:cNvPr id="30" name="Freeform 7">
+              <a:extLst>
+                <a:ext uri="{FF2B5EF4-FFF2-40B4-BE49-F238E27FC236}">
+                  <a16:creationId xmlns:a16="http://schemas.microsoft.com/office/drawing/2014/main" id="{E0A91B66-B6C6-48D2-8559-1B010D31C9E9}"/>
+                </a:ext>
+                <a:ext uri="{C183D7F6-B498-43B3-948B-1728B52AA6E4}">
+                  <adec:decorative xmlns:adec="http://schemas.microsoft.com/office/drawing/2017/decorative" val="1"/>
+                </a:ext>
+              </a:extLst>
+            </p:cNvPr>
+            <p:cNvSpPr/>
+            <p:nvPr>
+              <p:extLst>
+                <p:ext uri="{386F3935-93C4-4BCD-93E2-E3B085C9AB24}">
+                  <p16:designElem xmlns:p16="http://schemas.microsoft.com/office/powerpoint/2015/main" val="1"/>
+                </p:ext>
+              </p:extLst>
+            </p:nvPr>
+          </p:nvSpPr>
+          <p:spPr bwMode="auto">
+            <a:xfrm>
+              <a:off x="1320800" y="0"/>
+              <a:ext cx="1117600" cy="5276850"/>
+            </a:xfrm>
+            <a:custGeom>
+              <a:avLst/>
+              <a:gdLst/>
+              <a:ahLst/>
+              <a:cxnLst/>
+              <a:rect l="0" t="0" r="r" b="b"/>
+              <a:pathLst>
+                <a:path w="704" h="3324">
+                  <a:moveTo>
+                    <a:pt x="704" y="0"/>
+                  </a:moveTo>
+                  <a:lnTo>
+                    <a:pt x="545" y="0"/>
+                  </a:lnTo>
+                  <a:lnTo>
+                    <a:pt x="0" y="3300"/>
+                  </a:lnTo>
+                  <a:lnTo>
+                    <a:pt x="157" y="3324"/>
+                  </a:lnTo>
+                  <a:lnTo>
+                    <a:pt x="704" y="0"/>
+                  </a:lnTo>
+                  <a:close/>
+                </a:path>
+              </a:pathLst>
+            </a:custGeom>
+            <a:solidFill>
+              <a:schemeClr val="tx1"/>
+            </a:solidFill>
+            <a:ln>
+              <a:noFill/>
+            </a:ln>
+          </p:spPr>
+        </p:sp>
+        <p:sp>
+          <p:nvSpPr>
+            <p:cNvPr id="31" name="Freeform 8">
+              <a:extLst>
+                <a:ext uri="{FF2B5EF4-FFF2-40B4-BE49-F238E27FC236}">
+                  <a16:creationId xmlns:a16="http://schemas.microsoft.com/office/drawing/2014/main" id="{B61816F4-67FD-4DFC-949B-8BB3492974B7}"/>
+                </a:ext>
+                <a:ext uri="{C183D7F6-B498-43B3-948B-1728B52AA6E4}">
+                  <adec:decorative xmlns:adec="http://schemas.microsoft.com/office/drawing/2017/decorative" val="1"/>
+                </a:ext>
+              </a:extLst>
+            </p:cNvPr>
+            <p:cNvSpPr/>
+            <p:nvPr>
+              <p:extLst>
+                <p:ext uri="{386F3935-93C4-4BCD-93E2-E3B085C9AB24}">
+                  <p16:designElem xmlns:p16="http://schemas.microsoft.com/office/powerpoint/2015/main" val="1"/>
+                </p:ext>
+              </p:extLst>
+            </p:nvPr>
+          </p:nvSpPr>
+          <p:spPr bwMode="auto">
+            <a:xfrm>
+              <a:off x="1320800" y="5238750"/>
+              <a:ext cx="1228725" cy="1619250"/>
+            </a:xfrm>
+            <a:custGeom>
+              <a:avLst/>
+              <a:gdLst/>
+              <a:ahLst/>
+              <a:cxnLst/>
+              <a:rect l="0" t="0" r="r" b="b"/>
+              <a:pathLst>
+                <a:path w="774" h="1020">
+                  <a:moveTo>
+                    <a:pt x="0" y="0"/>
+                  </a:moveTo>
+                  <a:lnTo>
+                    <a:pt x="740" y="1020"/>
+                  </a:lnTo>
+                  <a:lnTo>
+                    <a:pt x="774" y="1020"/>
+                  </a:lnTo>
+                  <a:lnTo>
+                    <a:pt x="0" y="0"/>
+                  </a:lnTo>
+                  <a:close/>
+                </a:path>
+              </a:pathLst>
+            </a:custGeom>
+            <a:solidFill>
+              <a:schemeClr val="tx1">
+                <a:lumMod val="85000"/>
+                <a:lumOff val="15000"/>
+              </a:schemeClr>
+            </a:solidFill>
+            <a:ln>
+              <a:noFill/>
+            </a:ln>
+          </p:spPr>
+        </p:sp>
+        <p:sp>
+          <p:nvSpPr>
+            <p:cNvPr id="32" name="Freeform 9">
+              <a:extLst>
+                <a:ext uri="{FF2B5EF4-FFF2-40B4-BE49-F238E27FC236}">
+                  <a16:creationId xmlns:a16="http://schemas.microsoft.com/office/drawing/2014/main" id="{0A3C8AD5-353F-44A3-8D9C-B2879484CD59}"/>
+                </a:ext>
+                <a:ext uri="{C183D7F6-B498-43B3-948B-1728B52AA6E4}">
+                  <adec:decorative xmlns:adec="http://schemas.microsoft.com/office/drawing/2017/decorative" val="1"/>
+                </a:ext>
+              </a:extLst>
+            </p:cNvPr>
+            <p:cNvSpPr/>
+            <p:nvPr>
+              <p:extLst>
+                <p:ext uri="{386F3935-93C4-4BCD-93E2-E3B085C9AB24}">
+                  <p16:designElem xmlns:p16="http://schemas.microsoft.com/office/powerpoint/2015/main" val="1"/>
+                </p:ext>
+              </p:extLst>
+            </p:nvPr>
+          </p:nvSpPr>
+          <p:spPr bwMode="auto">
+            <a:xfrm>
+              <a:off x="1627188" y="5291138"/>
+              <a:ext cx="1495425" cy="1566863"/>
+            </a:xfrm>
+            <a:custGeom>
+              <a:avLst/>
+              <a:gdLst/>
+              <a:ahLst/>
+              <a:cxnLst/>
+              <a:rect l="0" t="0" r="r" b="b"/>
+              <a:pathLst>
+                <a:path w="942" h="987">
+                  <a:moveTo>
+                    <a:pt x="0" y="0"/>
+                  </a:moveTo>
+                  <a:lnTo>
+                    <a:pt x="909" y="987"/>
+                  </a:lnTo>
+                  <a:lnTo>
+                    <a:pt x="942" y="987"/>
+                  </a:lnTo>
+                  <a:lnTo>
+                    <a:pt x="0" y="0"/>
+                  </a:lnTo>
+                  <a:close/>
+                </a:path>
+              </a:pathLst>
+            </a:custGeom>
+            <a:solidFill>
+              <a:srgbClr val="404040"/>
+            </a:solidFill>
+            <a:ln>
+              <a:noFill/>
+            </a:ln>
+          </p:spPr>
+        </p:sp>
+        <p:sp>
+          <p:nvSpPr>
+            <p:cNvPr id="33" name="Freeform 10">
+              <a:extLst>
+                <a:ext uri="{FF2B5EF4-FFF2-40B4-BE49-F238E27FC236}">
+                  <a16:creationId xmlns:a16="http://schemas.microsoft.com/office/drawing/2014/main" id="{45C8C8DD-D701-477C-BDEB-A11E77CBEE18}"/>
+                </a:ext>
+                <a:ext uri="{C183D7F6-B498-43B3-948B-1728B52AA6E4}">
+                  <adec:decorative xmlns:adec="http://schemas.microsoft.com/office/drawing/2017/decorative" val="1"/>
+                </a:ext>
+              </a:extLst>
+            </p:cNvPr>
+            <p:cNvSpPr/>
+            <p:nvPr>
+              <p:extLst>
+                <p:ext uri="{386F3935-93C4-4BCD-93E2-E3B085C9AB24}">
+                  <p16:designElem xmlns:p16="http://schemas.microsoft.com/office/powerpoint/2015/main" val="1"/>
+                </p:ext>
+              </p:extLst>
+            </p:nvPr>
+          </p:nvSpPr>
+          <p:spPr bwMode="auto">
+            <a:xfrm>
+              <a:off x="1627188" y="5286375"/>
+              <a:ext cx="2130425" cy="1571625"/>
+            </a:xfrm>
+            <a:custGeom>
+              <a:avLst/>
+              <a:gdLst/>
+              <a:ahLst/>
+              <a:cxnLst/>
+              <a:rect l="0" t="0" r="r" b="b"/>
+              <a:pathLst>
+                <a:path w="1342" h="990">
+                  <a:moveTo>
+                    <a:pt x="0" y="3"/>
+                  </a:moveTo>
+                  <a:lnTo>
+                    <a:pt x="942" y="990"/>
+                  </a:lnTo>
+                  <a:lnTo>
+                    <a:pt x="1342" y="990"/>
+                  </a:lnTo>
+                  <a:lnTo>
+                    <a:pt x="156" y="27"/>
+                  </a:lnTo>
+                  <a:lnTo>
+                    <a:pt x="0" y="0"/>
+                  </a:lnTo>
+                  <a:lnTo>
+                    <a:pt x="0" y="3"/>
+                  </a:lnTo>
+                  <a:close/>
+                </a:path>
+              </a:pathLst>
+            </a:custGeom>
+            <a:solidFill>
+              <a:srgbClr val="969696"/>
+            </a:solidFill>
+            <a:ln>
+              <a:noFill/>
+            </a:ln>
+          </p:spPr>
+        </p:sp>
+        <p:sp>
+          <p:nvSpPr>
+            <p:cNvPr id="34" name="Freeform 11">
+              <a:extLst>
+                <a:ext uri="{FF2B5EF4-FFF2-40B4-BE49-F238E27FC236}">
+                  <a16:creationId xmlns:a16="http://schemas.microsoft.com/office/drawing/2014/main" id="{785FD395-5D8A-4EEC-9DFE-41A84A5831E3}"/>
+                </a:ext>
+                <a:ext uri="{C183D7F6-B498-43B3-948B-1728B52AA6E4}">
+                  <adec:decorative xmlns:adec="http://schemas.microsoft.com/office/drawing/2017/decorative" val="1"/>
+                </a:ext>
+              </a:extLst>
+            </p:cNvPr>
+            <p:cNvSpPr/>
+            <p:nvPr>
+              <p:extLst>
+                <p:ext uri="{386F3935-93C4-4BCD-93E2-E3B085C9AB24}">
+                  <p16:designElem xmlns:p16="http://schemas.microsoft.com/office/powerpoint/2015/main" val="1"/>
+                </p:ext>
+              </p:extLst>
+            </p:nvPr>
+          </p:nvSpPr>
+          <p:spPr bwMode="auto">
+            <a:xfrm>
+              <a:off x="1320800" y="5238750"/>
+              <a:ext cx="1695450" cy="1619250"/>
+            </a:xfrm>
+            <a:custGeom>
+              <a:avLst/>
+              <a:gdLst/>
+              <a:ahLst/>
+              <a:cxnLst/>
+              <a:rect l="0" t="0" r="r" b="b"/>
+              <a:pathLst>
+                <a:path w="1068" h="1020">
+                  <a:moveTo>
+                    <a:pt x="1068" y="1020"/>
+                  </a:moveTo>
+                  <a:lnTo>
+                    <a:pt x="184" y="60"/>
+                  </a:lnTo>
+                  <a:lnTo>
+                    <a:pt x="154" y="27"/>
+                  </a:lnTo>
+                  <a:lnTo>
+                    <a:pt x="157" y="27"/>
+                  </a:lnTo>
+                  <a:lnTo>
+                    <a:pt x="157" y="24"/>
+                  </a:lnTo>
+                  <a:lnTo>
+                    <a:pt x="154" y="24"/>
+                  </a:lnTo>
+                  <a:lnTo>
+                    <a:pt x="0" y="0"/>
+                  </a:lnTo>
+                  <a:lnTo>
+                    <a:pt x="0" y="0"/>
+                  </a:lnTo>
+                  <a:lnTo>
+                    <a:pt x="774" y="1020"/>
+                  </a:lnTo>
+                  <a:lnTo>
+                    <a:pt x="1068" y="1020"/>
+                  </a:lnTo>
+                  <a:close/>
+                </a:path>
+              </a:pathLst>
+            </a:custGeom>
+            <a:solidFill>
+              <a:schemeClr val="tx1">
+                <a:lumMod val="75000"/>
+                <a:lumOff val="25000"/>
+              </a:schemeClr>
+            </a:solidFill>
+            <a:ln>
+              <a:noFill/>
+            </a:ln>
+          </p:spPr>
+        </p:sp>
+      </p:grpSp>
+      <p:sp>
+        <p:nvSpPr>
+          <p:cNvPr id="2" name="Title 1">
+            <a:extLst>
+              <a:ext uri="{FF2B5EF4-FFF2-40B4-BE49-F238E27FC236}">
+                <a16:creationId xmlns:a16="http://schemas.microsoft.com/office/drawing/2014/main" id="{DCF5A9AB-D7A3-52C1-BBAB-9CA217326193}"/>
+              </a:ext>
+            </a:extLst>
+          </p:cNvPr>
+          <p:cNvSpPr>
+            <a:spLocks noGrp="1"/>
+          </p:cNvSpPr>
+          <p:nvPr>
+            <p:ph type="title"/>
+          </p:nvPr>
+        </p:nvSpPr>
+        <p:spPr>
+          <a:xfrm>
+            <a:off x="1484311" y="685800"/>
+            <a:ext cx="10018713" cy="1752599"/>
+          </a:xfrm>
+        </p:spPr>
         <p:txBody>
           <a:bodyPr>
             <a:normAutofit/>
@@ -20468,12 +21778,12 @@
         </p:nvSpPr>
         <p:spPr>
           <a:xfrm>
-            <a:off x="680321" y="2336873"/>
-            <a:ext cx="9613861" cy="3395060"/>
+            <a:off x="1484310" y="2666999"/>
+            <a:ext cx="10018713" cy="3124201"/>
           </a:xfrm>
         </p:spPr>
         <p:txBody>
-          <a:bodyPr anchor="ctr">
+          <a:bodyPr>
             <a:normAutofit/>
           </a:bodyPr>
           <a:lstStyle/>
@@ -20482,69 +21792,10 @@
               <a:buNone/>
             </a:pPr>
             <a:r>
-              <a:rPr lang="en-US" sz="2000" dirty="0"/>
-              <a:t>The effectiveness of serious games were </a:t>
+              <a:rPr lang="en-GB" dirty="0"/>
+              <a:t>When studying the depressive states of patients six moths after intervention the results indicated a positive effect even though the meta-analysis suggested there was no short term effect.</a:t>
             </a:r>
-            <a:r>
-              <a:rPr lang="en-US" sz="2000" dirty="0" err="1"/>
-              <a:t>avaluated</a:t>
-            </a:r>
-            <a:r>
-              <a:rPr lang="en-US" sz="2000" dirty="0"/>
-              <a:t> using the following outcome domains:</a:t>
-            </a:r>
-          </a:p>
-          <a:p>
-            <a:pPr marL="514350" indent="-514350">
-              <a:buFont typeface="+mj-lt"/>
-              <a:buAutoNum type="romanUcPeriod"/>
-            </a:pPr>
-            <a:r>
-              <a:rPr lang="en-US" sz="2000" dirty="0"/>
-              <a:t>Cognitive function</a:t>
-            </a:r>
-          </a:p>
-          <a:p>
-            <a:pPr lvl="1"/>
-            <a:r>
-              <a:rPr lang="en-US" sz="1600" dirty="0"/>
-              <a:t>Attention, language, memory, orientation, verbal learning etc.</a:t>
-            </a:r>
-          </a:p>
-          <a:p>
-            <a:pPr marL="514350" indent="-514350">
-              <a:buFont typeface="+mj-lt"/>
-              <a:buAutoNum type="romanUcPeriod"/>
-            </a:pPr>
-            <a:r>
-              <a:rPr lang="en-US" sz="2000" dirty="0"/>
-              <a:t>Physical function</a:t>
-            </a:r>
-          </a:p>
-          <a:p>
-            <a:pPr lvl="1"/>
-            <a:r>
-              <a:rPr lang="en-US" sz="1600" dirty="0"/>
-              <a:t>Balance, gait, and ADL(activities of daily living)</a:t>
-            </a:r>
-          </a:p>
-          <a:p>
-            <a:pPr marL="514350" indent="-514350">
-              <a:buFont typeface="+mj-lt"/>
-              <a:buAutoNum type="romanUcPeriod"/>
-            </a:pPr>
-            <a:r>
-              <a:rPr lang="en-US" sz="2000" dirty="0"/>
-              <a:t>Personal/behavioral aspects</a:t>
-            </a:r>
-          </a:p>
-          <a:p>
-            <a:pPr lvl="1"/>
-            <a:r>
-              <a:rPr lang="en-US" sz="1600" dirty="0"/>
-              <a:t>QoL(Quality of Life) and mood</a:t>
-            </a:r>
-            <a:endParaRPr lang="en-ZA" sz="1600" dirty="0"/>
+            <a:endParaRPr lang="en-ZA" dirty="0"/>
           </a:p>
         </p:txBody>
       </p:sp>
@@ -20558,22 +21809,13 @@
   <p:clrMapOvr>
     <a:masterClrMapping/>
   </p:clrMapOvr>
-  <mc:AlternateContent xmlns:mc="http://schemas.openxmlformats.org/markup-compatibility/2006">
-    <mc:Choice xmlns:p14="http://schemas.microsoft.com/office/powerpoint/2010/main" Requires="p14">
-      <p:transition spd="slow" p14:dur="1500">
-        <p:split orient="vert"/>
-      </p:transition>
-    </mc:Choice>
-    <mc:Fallback>
-      <p:transition spd="slow">
-        <p:split orient="vert"/>
-      </p:transition>
-    </mc:Fallback>
-  </mc:AlternateContent>
+  <p:transition spd="slow">
+    <p:wipe/>
+  </p:transition>
 </p:sld>
 </file>
 
-<file path=ppt/slides/slide11.xml><?xml version="1.0" encoding="utf-8"?>
+<file path=ppt/slides/slide12.xml><?xml version="1.0" encoding="utf-8"?>
 <p:sld xmlns:a="http://schemas.openxmlformats.org/drawingml/2006/main" xmlns:r="http://schemas.openxmlformats.org/officeDocument/2006/relationships" xmlns:p="http://schemas.openxmlformats.org/presentationml/2006/main">
   <p:cSld>
     <p:bg>
@@ -21331,15 +22573,15 @@
   <p:clrMapOvr>
     <a:masterClrMapping/>
   </p:clrMapOvr>
-  <mc:AlternateContent xmlns:mc="http://schemas.openxmlformats.org/markup-compatibility/2006" xmlns:p14="http://schemas.microsoft.com/office/powerpoint/2010/main">
-    <mc:Choice Requires="p14">
-      <p:transition spd="slow" p14:dur="1500">
-        <p:split orient="vert"/>
+  <mc:AlternateContent xmlns:mc="http://schemas.openxmlformats.org/markup-compatibility/2006">
+    <mc:Choice xmlns:p15="http://schemas.microsoft.com/office/powerpoint/2012/main" Requires="p15">
+      <p:transition xmlns:p14="http://schemas.microsoft.com/office/powerpoint/2010/main" spd="slow" p14:dur="6000">
+        <p15:prstTrans prst="curtains"/>
       </p:transition>
     </mc:Choice>
-    <mc:Fallback xmlns="">
+    <mc:Fallback>
       <p:transition spd="slow">
-        <p:split orient="vert"/>
+        <p:fade/>
       </p:transition>
     </mc:Fallback>
   </mc:AlternateContent>
@@ -22083,7 +23325,7 @@
             <p:ph idx="1"/>
             <p:extLst>
               <p:ext uri="{D42A27DB-BD31-4B8C-83A1-F6EECF244321}">
-                <p14:modId xmlns:p14="http://schemas.microsoft.com/office/powerpoint/2010/main" val="4124390675"/>
+                <p14:modId xmlns:p14="http://schemas.microsoft.com/office/powerpoint/2010/main" val="924693428"/>
               </p:ext>
             </p:extLst>
           </p:nvPr>
@@ -22119,36 +23361,9 @@
   <p:cSld>
     <p:bg>
       <p:bgPr>
-        <a:gradFill rotWithShape="1">
-          <a:gsLst>
-            <a:gs pos="0">
-              <a:schemeClr val="bg2">
-                <a:tint val="96000"/>
-                <a:shade val="100000"/>
-                <a:hueMod val="270000"/>
-                <a:satMod val="200000"/>
-                <a:lumMod val="128000"/>
-              </a:schemeClr>
-            </a:gs>
-            <a:gs pos="50000">
-              <a:schemeClr val="bg2">
-                <a:shade val="100000"/>
-                <a:hueMod val="100000"/>
-                <a:satMod val="110000"/>
-                <a:lumMod val="130000"/>
-              </a:schemeClr>
-            </a:gs>
-            <a:gs pos="100000">
-              <a:schemeClr val="bg2">
-                <a:shade val="78000"/>
-                <a:hueMod val="44000"/>
-                <a:satMod val="200000"/>
-                <a:lumMod val="69000"/>
-              </a:schemeClr>
-            </a:gs>
-          </a:gsLst>
-          <a:lin ang="2520000" scaled="0"/>
-        </a:gradFill>
+        <a:solidFill>
+          <a:schemeClr val="bg2"/>
+        </a:solidFill>
         <a:effectLst/>
       </p:bgPr>
     </p:bg>
@@ -22168,6 +23383,557 @@
       </p:grpSpPr>
       <p:sp>
         <p:nvSpPr>
+          <p:cNvPr id="43" name="Rectangle 25">
+            <a:extLst>
+              <a:ext uri="{FF2B5EF4-FFF2-40B4-BE49-F238E27FC236}">
+                <a16:creationId xmlns:a16="http://schemas.microsoft.com/office/drawing/2014/main" id="{F659138C-74A1-445B-848C-3608AE871A9F}"/>
+              </a:ext>
+              <a:ext uri="{C183D7F6-B498-43B3-948B-1728B52AA6E4}">
+                <adec:decorative xmlns:adec="http://schemas.microsoft.com/office/drawing/2017/decorative" val="1"/>
+              </a:ext>
+            </a:extLst>
+          </p:cNvPr>
+          <p:cNvSpPr>
+            <a:spLocks noGrp="1" noRot="1" noChangeAspect="1" noMove="1" noResize="1" noEditPoints="1" noAdjustHandles="1" noChangeArrowheads="1" noChangeShapeType="1" noTextEdit="1"/>
+          </p:cNvSpPr>
+          <p:nvPr>
+            <p:extLst>
+              <p:ext uri="{386F3935-93C4-4BCD-93E2-E3B085C9AB24}">
+                <p16:designElem xmlns:p16="http://schemas.microsoft.com/office/powerpoint/2015/main" val="1"/>
+              </p:ext>
+            </p:extLst>
+          </p:nvPr>
+        </p:nvSpPr>
+        <p:spPr>
+          <a:xfrm>
+            <a:off x="0" y="0"/>
+            <a:ext cx="12192000" cy="6858000"/>
+          </a:xfrm>
+          <a:prstGeom prst="rect">
+            <a:avLst/>
+          </a:prstGeom>
+          <a:solidFill>
+            <a:schemeClr val="bg1">
+              <a:lumMod val="75000"/>
+              <a:lumOff val="25000"/>
+            </a:schemeClr>
+          </a:solidFill>
+          <a:ln>
+            <a:noFill/>
+          </a:ln>
+        </p:spPr>
+        <p:style>
+          <a:lnRef idx="2">
+            <a:schemeClr val="accent1">
+              <a:shade val="50000"/>
+            </a:schemeClr>
+          </a:lnRef>
+          <a:fillRef idx="1002">
+            <a:schemeClr val="dk2"/>
+          </a:fillRef>
+          <a:effectRef idx="0">
+            <a:schemeClr val="accent1"/>
+          </a:effectRef>
+          <a:fontRef idx="minor">
+            <a:schemeClr val="lt1"/>
+          </a:fontRef>
+        </p:style>
+        <p:txBody>
+          <a:bodyPr rtlCol="0" anchor="ctr"/>
+          <a:lstStyle/>
+          <a:p>
+            <a:pPr algn="ctr"/>
+            <a:endParaRPr lang="en-US"/>
+          </a:p>
+        </p:txBody>
+      </p:sp>
+      <p:grpSp>
+        <p:nvGrpSpPr>
+          <p:cNvPr id="28" name="Group 27">
+            <a:extLst>
+              <a:ext uri="{FF2B5EF4-FFF2-40B4-BE49-F238E27FC236}">
+                <a16:creationId xmlns:a16="http://schemas.microsoft.com/office/drawing/2014/main" id="{7DFD7409-66D7-4C9C-B528-E79EB64A4D31}"/>
+              </a:ext>
+              <a:ext uri="{C183D7F6-B498-43B3-948B-1728B52AA6E4}">
+                <adec:decorative xmlns:adec="http://schemas.microsoft.com/office/drawing/2017/decorative" val="1"/>
+              </a:ext>
+            </a:extLst>
+          </p:cNvPr>
+          <p:cNvGrpSpPr>
+            <a:grpSpLocks noGrp="1" noUngrp="1" noRot="1" noChangeAspect="1" noMove="1" noResize="1"/>
+          </p:cNvGrpSpPr>
+          <p:nvPr>
+            <p:extLst>
+              <p:ext uri="{386F3935-93C4-4BCD-93E2-E3B085C9AB24}">
+                <p16:designElem xmlns:p16="http://schemas.microsoft.com/office/powerpoint/2015/main" val="1"/>
+              </p:ext>
+            </p:extLst>
+          </p:nvPr>
+        </p:nvGrpSpPr>
+        <p:grpSpPr>
+          <a:xfrm>
+            <a:off x="1087455" y="0"/>
+            <a:ext cx="5014912" cy="6862763"/>
+            <a:chOff x="2928938" y="-4763"/>
+            <a:chExt cx="5014912" cy="6862763"/>
+          </a:xfrm>
+        </p:grpSpPr>
+        <p:sp>
+          <p:nvSpPr>
+            <p:cNvPr id="29" name="Freeform 6">
+              <a:extLst>
+                <a:ext uri="{FF2B5EF4-FFF2-40B4-BE49-F238E27FC236}">
+                  <a16:creationId xmlns:a16="http://schemas.microsoft.com/office/drawing/2014/main" id="{87990EF0-5F6F-4FE3-AA65-8968AF2DF8A8}"/>
+                </a:ext>
+                <a:ext uri="{C183D7F6-B498-43B3-948B-1728B52AA6E4}">
+                  <adec:decorative xmlns:adec="http://schemas.microsoft.com/office/drawing/2017/decorative" val="1"/>
+                </a:ext>
+              </a:extLst>
+            </p:cNvPr>
+            <p:cNvSpPr/>
+            <p:nvPr>
+              <p:extLst>
+                <p:ext uri="{386F3935-93C4-4BCD-93E2-E3B085C9AB24}">
+                  <p16:designElem xmlns:p16="http://schemas.microsoft.com/office/powerpoint/2015/main" val="1"/>
+                </p:ext>
+              </p:extLst>
+            </p:nvPr>
+          </p:nvSpPr>
+          <p:spPr bwMode="auto">
+            <a:xfrm>
+              <a:off x="3367088" y="-4763"/>
+              <a:ext cx="1063625" cy="2782888"/>
+            </a:xfrm>
+            <a:custGeom>
+              <a:avLst/>
+              <a:gdLst/>
+              <a:ahLst/>
+              <a:cxnLst/>
+              <a:rect l="0" t="0" r="r" b="b"/>
+              <a:pathLst>
+                <a:path w="670" h="1753">
+                  <a:moveTo>
+                    <a:pt x="0" y="1696"/>
+                  </a:moveTo>
+                  <a:lnTo>
+                    <a:pt x="225" y="1753"/>
+                  </a:lnTo>
+                  <a:lnTo>
+                    <a:pt x="670" y="0"/>
+                  </a:lnTo>
+                  <a:lnTo>
+                    <a:pt x="430" y="0"/>
+                  </a:lnTo>
+                  <a:lnTo>
+                    <a:pt x="0" y="1696"/>
+                  </a:lnTo>
+                  <a:close/>
+                </a:path>
+              </a:pathLst>
+            </a:custGeom>
+            <a:solidFill>
+              <a:schemeClr val="accent1">
+                <a:lumMod val="75000"/>
+              </a:schemeClr>
+            </a:solidFill>
+            <a:ln>
+              <a:noFill/>
+            </a:ln>
+          </p:spPr>
+        </p:sp>
+        <p:sp>
+          <p:nvSpPr>
+            <p:cNvPr id="30" name="Freeform 7">
+              <a:extLst>
+                <a:ext uri="{FF2B5EF4-FFF2-40B4-BE49-F238E27FC236}">
+                  <a16:creationId xmlns:a16="http://schemas.microsoft.com/office/drawing/2014/main" id="{D78F7598-94C7-46E9-8B2A-CB44A0F25268}"/>
+                </a:ext>
+                <a:ext uri="{C183D7F6-B498-43B3-948B-1728B52AA6E4}">
+                  <adec:decorative xmlns:adec="http://schemas.microsoft.com/office/drawing/2017/decorative" val="1"/>
+                </a:ext>
+              </a:extLst>
+            </p:cNvPr>
+            <p:cNvSpPr/>
+            <p:nvPr>
+              <p:extLst>
+                <p:ext uri="{386F3935-93C4-4BCD-93E2-E3B085C9AB24}">
+                  <p16:designElem xmlns:p16="http://schemas.microsoft.com/office/powerpoint/2015/main" val="1"/>
+                </p:ext>
+              </p:extLst>
+            </p:nvPr>
+          </p:nvSpPr>
+          <p:spPr bwMode="auto">
+            <a:xfrm>
+              <a:off x="2928938" y="-4763"/>
+              <a:ext cx="1035050" cy="2673350"/>
+            </a:xfrm>
+            <a:custGeom>
+              <a:avLst/>
+              <a:gdLst/>
+              <a:ahLst/>
+              <a:cxnLst/>
+              <a:rect l="0" t="0" r="r" b="b"/>
+              <a:pathLst>
+                <a:path w="652" h="1684">
+                  <a:moveTo>
+                    <a:pt x="225" y="1684"/>
+                  </a:moveTo>
+                  <a:lnTo>
+                    <a:pt x="652" y="0"/>
+                  </a:lnTo>
+                  <a:lnTo>
+                    <a:pt x="411" y="0"/>
+                  </a:lnTo>
+                  <a:lnTo>
+                    <a:pt x="0" y="1627"/>
+                  </a:lnTo>
+                  <a:lnTo>
+                    <a:pt x="219" y="1681"/>
+                  </a:lnTo>
+                  <a:lnTo>
+                    <a:pt x="225" y="1684"/>
+                  </a:lnTo>
+                  <a:close/>
+                </a:path>
+              </a:pathLst>
+            </a:custGeom>
+            <a:solidFill>
+              <a:srgbClr val="595959"/>
+            </a:solidFill>
+            <a:ln>
+              <a:noFill/>
+            </a:ln>
+          </p:spPr>
+        </p:sp>
+        <p:sp>
+          <p:nvSpPr>
+            <p:cNvPr id="31" name="Freeform 12">
+              <a:extLst>
+                <a:ext uri="{FF2B5EF4-FFF2-40B4-BE49-F238E27FC236}">
+                  <a16:creationId xmlns:a16="http://schemas.microsoft.com/office/drawing/2014/main" id="{99D2CBB1-072D-4875-B7D7-CADB0ABF30EC}"/>
+                </a:ext>
+                <a:ext uri="{C183D7F6-B498-43B3-948B-1728B52AA6E4}">
+                  <adec:decorative xmlns:adec="http://schemas.microsoft.com/office/drawing/2017/decorative" val="1"/>
+                </a:ext>
+              </a:extLst>
+            </p:cNvPr>
+            <p:cNvSpPr/>
+            <p:nvPr>
+              <p:extLst>
+                <p:ext uri="{386F3935-93C4-4BCD-93E2-E3B085C9AB24}">
+                  <p16:designElem xmlns:p16="http://schemas.microsoft.com/office/powerpoint/2015/main" val="1"/>
+                </p:ext>
+              </p:extLst>
+            </p:nvPr>
+          </p:nvSpPr>
+          <p:spPr bwMode="auto">
+            <a:xfrm>
+              <a:off x="2928938" y="2582862"/>
+              <a:ext cx="2693987" cy="4275138"/>
+            </a:xfrm>
+            <a:custGeom>
+              <a:avLst/>
+              <a:gdLst/>
+              <a:ahLst/>
+              <a:cxnLst/>
+              <a:rect l="0" t="0" r="r" b="b"/>
+              <a:pathLst>
+                <a:path w="1697" h="2693">
+                  <a:moveTo>
+                    <a:pt x="0" y="0"/>
+                  </a:moveTo>
+                  <a:lnTo>
+                    <a:pt x="1622" y="2693"/>
+                  </a:lnTo>
+                  <a:lnTo>
+                    <a:pt x="1697" y="2693"/>
+                  </a:lnTo>
+                  <a:lnTo>
+                    <a:pt x="0" y="0"/>
+                  </a:lnTo>
+                  <a:close/>
+                </a:path>
+              </a:pathLst>
+            </a:custGeom>
+            <a:solidFill>
+              <a:srgbClr val="262626"/>
+            </a:solidFill>
+            <a:ln>
+              <a:noFill/>
+            </a:ln>
+          </p:spPr>
+        </p:sp>
+        <p:sp>
+          <p:nvSpPr>
+            <p:cNvPr id="32" name="Freeform 13">
+              <a:extLst>
+                <a:ext uri="{FF2B5EF4-FFF2-40B4-BE49-F238E27FC236}">
+                  <a16:creationId xmlns:a16="http://schemas.microsoft.com/office/drawing/2014/main" id="{58F600B4-EE22-4BA5-A764-9D80C335C3A6}"/>
+                </a:ext>
+                <a:ext uri="{C183D7F6-B498-43B3-948B-1728B52AA6E4}">
+                  <adec:decorative xmlns:adec="http://schemas.microsoft.com/office/drawing/2017/decorative" val="1"/>
+                </a:ext>
+              </a:extLst>
+            </p:cNvPr>
+            <p:cNvSpPr/>
+            <p:nvPr>
+              <p:extLst>
+                <p:ext uri="{386F3935-93C4-4BCD-93E2-E3B085C9AB24}">
+                  <p16:designElem xmlns:p16="http://schemas.microsoft.com/office/powerpoint/2015/main" val="1"/>
+                </p:ext>
+              </p:extLst>
+            </p:nvPr>
+          </p:nvSpPr>
+          <p:spPr bwMode="auto">
+            <a:xfrm>
+              <a:off x="3371850" y="2692400"/>
+              <a:ext cx="3332162" cy="4165600"/>
+            </a:xfrm>
+            <a:custGeom>
+              <a:avLst/>
+              <a:gdLst/>
+              <a:ahLst/>
+              <a:cxnLst/>
+              <a:rect l="0" t="0" r="r" b="b"/>
+              <a:pathLst>
+                <a:path w="2099" h="2624">
+                  <a:moveTo>
+                    <a:pt x="2099" y="2624"/>
+                  </a:moveTo>
+                  <a:lnTo>
+                    <a:pt x="0" y="0"/>
+                  </a:lnTo>
+                  <a:lnTo>
+                    <a:pt x="2021" y="2624"/>
+                  </a:lnTo>
+                  <a:lnTo>
+                    <a:pt x="2099" y="2624"/>
+                  </a:lnTo>
+                  <a:close/>
+                </a:path>
+              </a:pathLst>
+            </a:custGeom>
+            <a:solidFill>
+              <a:schemeClr val="accent1">
+                <a:lumMod val="50000"/>
+              </a:schemeClr>
+            </a:solidFill>
+            <a:ln>
+              <a:noFill/>
+            </a:ln>
+          </p:spPr>
+        </p:sp>
+        <p:sp>
+          <p:nvSpPr>
+            <p:cNvPr id="33" name="Freeform 14">
+              <a:extLst>
+                <a:ext uri="{FF2B5EF4-FFF2-40B4-BE49-F238E27FC236}">
+                  <a16:creationId xmlns:a16="http://schemas.microsoft.com/office/drawing/2014/main" id="{1E8DAD02-2B30-48A9-ACE0-2E9193091875}"/>
+                </a:ext>
+                <a:ext uri="{C183D7F6-B498-43B3-948B-1728B52AA6E4}">
+                  <adec:decorative xmlns:adec="http://schemas.microsoft.com/office/drawing/2017/decorative" val="1"/>
+                </a:ext>
+              </a:extLst>
+            </p:cNvPr>
+            <p:cNvSpPr/>
+            <p:nvPr>
+              <p:extLst>
+                <p:ext uri="{386F3935-93C4-4BCD-93E2-E3B085C9AB24}">
+                  <p16:designElem xmlns:p16="http://schemas.microsoft.com/office/powerpoint/2015/main" val="1"/>
+                </p:ext>
+              </p:extLst>
+            </p:nvPr>
+          </p:nvSpPr>
+          <p:spPr bwMode="auto">
+            <a:xfrm>
+              <a:off x="3367088" y="2687637"/>
+              <a:ext cx="4576762" cy="4170363"/>
+            </a:xfrm>
+            <a:custGeom>
+              <a:avLst/>
+              <a:gdLst/>
+              <a:ahLst/>
+              <a:cxnLst/>
+              <a:rect l="0" t="0" r="r" b="b"/>
+              <a:pathLst>
+                <a:path w="2883" h="2627">
+                  <a:moveTo>
+                    <a:pt x="0" y="0"/>
+                  </a:moveTo>
+                  <a:lnTo>
+                    <a:pt x="3" y="3"/>
+                  </a:lnTo>
+                  <a:lnTo>
+                    <a:pt x="2102" y="2627"/>
+                  </a:lnTo>
+                  <a:lnTo>
+                    <a:pt x="2883" y="2627"/>
+                  </a:lnTo>
+                  <a:lnTo>
+                    <a:pt x="225" y="57"/>
+                  </a:lnTo>
+                  <a:lnTo>
+                    <a:pt x="0" y="0"/>
+                  </a:lnTo>
+                  <a:close/>
+                </a:path>
+              </a:pathLst>
+            </a:custGeom>
+            <a:solidFill>
+              <a:schemeClr val="accent1">
+                <a:lumMod val="75000"/>
+              </a:schemeClr>
+            </a:solidFill>
+            <a:ln>
+              <a:noFill/>
+            </a:ln>
+          </p:spPr>
+        </p:sp>
+        <p:sp>
+          <p:nvSpPr>
+            <p:cNvPr id="34" name="Freeform 15">
+              <a:extLst>
+                <a:ext uri="{FF2B5EF4-FFF2-40B4-BE49-F238E27FC236}">
+                  <a16:creationId xmlns:a16="http://schemas.microsoft.com/office/drawing/2014/main" id="{F8F76B12-142C-41AF-B239-F414ABCFA261}"/>
+                </a:ext>
+                <a:ext uri="{C183D7F6-B498-43B3-948B-1728B52AA6E4}">
+                  <adec:decorative xmlns:adec="http://schemas.microsoft.com/office/drawing/2017/decorative" val="1"/>
+                </a:ext>
+              </a:extLst>
+            </p:cNvPr>
+            <p:cNvSpPr/>
+            <p:nvPr>
+              <p:extLst>
+                <p:ext uri="{386F3935-93C4-4BCD-93E2-E3B085C9AB24}">
+                  <p16:designElem xmlns:p16="http://schemas.microsoft.com/office/powerpoint/2015/main" val="1"/>
+                </p:ext>
+              </p:extLst>
+            </p:nvPr>
+          </p:nvSpPr>
+          <p:spPr bwMode="auto">
+            <a:xfrm>
+              <a:off x="2928938" y="2578100"/>
+              <a:ext cx="3584575" cy="4279900"/>
+            </a:xfrm>
+            <a:custGeom>
+              <a:avLst/>
+              <a:gdLst/>
+              <a:ahLst/>
+              <a:cxnLst/>
+              <a:rect l="0" t="0" r="r" b="b"/>
+              <a:pathLst>
+                <a:path w="2258" h="2696">
+                  <a:moveTo>
+                    <a:pt x="2258" y="2696"/>
+                  </a:moveTo>
+                  <a:lnTo>
+                    <a:pt x="264" y="111"/>
+                  </a:lnTo>
+                  <a:lnTo>
+                    <a:pt x="228" y="60"/>
+                  </a:lnTo>
+                  <a:lnTo>
+                    <a:pt x="225" y="57"/>
+                  </a:lnTo>
+                  <a:lnTo>
+                    <a:pt x="0" y="0"/>
+                  </a:lnTo>
+                  <a:lnTo>
+                    <a:pt x="0" y="3"/>
+                  </a:lnTo>
+                  <a:lnTo>
+                    <a:pt x="1697" y="2696"/>
+                  </a:lnTo>
+                  <a:lnTo>
+                    <a:pt x="2258" y="2696"/>
+                  </a:lnTo>
+                  <a:close/>
+                </a:path>
+              </a:pathLst>
+            </a:custGeom>
+            <a:solidFill>
+              <a:srgbClr val="404040"/>
+            </a:solidFill>
+            <a:ln>
+              <a:noFill/>
+            </a:ln>
+          </p:spPr>
+        </p:sp>
+      </p:grpSp>
+      <p:sp useBgFill="1">
+        <p:nvSpPr>
+          <p:cNvPr id="44" name="Rectangle 35">
+            <a:extLst>
+              <a:ext uri="{FF2B5EF4-FFF2-40B4-BE49-F238E27FC236}">
+                <a16:creationId xmlns:a16="http://schemas.microsoft.com/office/drawing/2014/main" id="{225F4217-4021-45A0-812B-398F9A7A93F9}"/>
+              </a:ext>
+              <a:ext uri="{C183D7F6-B498-43B3-948B-1728B52AA6E4}">
+                <adec:decorative xmlns:adec="http://schemas.microsoft.com/office/drawing/2017/decorative" val="1"/>
+              </a:ext>
+            </a:extLst>
+          </p:cNvPr>
+          <p:cNvSpPr>
+            <a:spLocks noGrp="1" noRot="1" noChangeAspect="1" noMove="1" noResize="1" noEditPoints="1" noAdjustHandles="1" noChangeArrowheads="1" noChangeShapeType="1" noTextEdit="1"/>
+          </p:cNvSpPr>
+          <p:nvPr>
+            <p:extLst>
+              <p:ext uri="{386F3935-93C4-4BCD-93E2-E3B085C9AB24}">
+                <p16:designElem xmlns:p16="http://schemas.microsoft.com/office/powerpoint/2015/main" val="1"/>
+              </p:ext>
+            </p:extLst>
+          </p:nvPr>
+        </p:nvSpPr>
+        <p:spPr>
+          <a:xfrm>
+            <a:off x="648929" y="667808"/>
+            <a:ext cx="10894142" cy="5580592"/>
+          </a:xfrm>
+          <a:prstGeom prst="rect">
+            <a:avLst/>
+          </a:prstGeom>
+          <a:ln w="3175" cap="sq">
+            <a:solidFill>
+              <a:schemeClr val="bg1">
+                <a:lumMod val="65000"/>
+              </a:schemeClr>
+            </a:solidFill>
+            <a:miter lim="800000"/>
+          </a:ln>
+          <a:effectLst>
+            <a:outerShdw blurRad="63500" algn="ctr" rotWithShape="0">
+              <a:prstClr val="black">
+                <a:alpha val="40000"/>
+              </a:prstClr>
+            </a:outerShdw>
+          </a:effectLst>
+        </p:spPr>
+        <p:style>
+          <a:lnRef idx="2">
+            <a:schemeClr val="accent1">
+              <a:shade val="50000"/>
+            </a:schemeClr>
+          </a:lnRef>
+          <a:fillRef idx="1">
+            <a:schemeClr val="accent1"/>
+          </a:fillRef>
+          <a:effectRef idx="0">
+            <a:schemeClr val="accent1"/>
+          </a:effectRef>
+          <a:fontRef idx="minor">
+            <a:schemeClr val="lt1"/>
+          </a:fontRef>
+        </p:style>
+        <p:txBody>
+          <a:bodyPr rtlCol="0" anchor="ctr"/>
+          <a:lstStyle/>
+          <a:p>
+            <a:pPr algn="ctr"/>
+            <a:endParaRPr lang="en-US"/>
+          </a:p>
+        </p:txBody>
+      </p:sp>
+      <p:sp>
+        <p:nvSpPr>
           <p:cNvPr id="2" name="Title 1">
             <a:extLst>
               <a:ext uri="{FF2B5EF4-FFF2-40B4-BE49-F238E27FC236}">
@@ -22184,8 +23950,8 @@
         </p:nvSpPr>
         <p:spPr>
           <a:xfrm>
-            <a:off x="680321" y="2063262"/>
-            <a:ext cx="3739279" cy="2661052"/>
+            <a:off x="1189702" y="1261872"/>
+            <a:ext cx="3145536" cy="4334256"/>
           </a:xfrm>
         </p:spPr>
         <p:txBody>
@@ -22196,13 +23962,65 @@
           <a:p>
             <a:pPr algn="r"/>
             <a:r>
-              <a:rPr lang="en-GB" sz="4400" dirty="0"/>
-              <a:t>Focus of the review</a:t>
+              <a:rPr lang="en-GB" sz="3600"/>
+              <a:t>Object of the review</a:t>
             </a:r>
-            <a:endParaRPr lang="en-ZA" sz="4400" dirty="0"/>
+            <a:endParaRPr lang="en-ZA" sz="3600"/>
           </a:p>
         </p:txBody>
       </p:sp>
+      <p:cxnSp>
+        <p:nvCxnSpPr>
+          <p:cNvPr id="38" name="Straight Connector 37">
+            <a:extLst>
+              <a:ext uri="{FF2B5EF4-FFF2-40B4-BE49-F238E27FC236}">
+                <a16:creationId xmlns:a16="http://schemas.microsoft.com/office/drawing/2014/main" id="{486F4EBC-E415-40E4-A8BA-BA66F0B632CB}"/>
+              </a:ext>
+              <a:ext uri="{C183D7F6-B498-43B3-948B-1728B52AA6E4}">
+                <adec:decorative xmlns:adec="http://schemas.microsoft.com/office/drawing/2017/decorative" val="1"/>
+              </a:ext>
+            </a:extLst>
+          </p:cNvPr>
+          <p:cNvCxnSpPr>
+            <a:cxnSpLocks noGrp="1" noRot="1" noChangeAspect="1" noMove="1" noResize="1" noEditPoints="1" noAdjustHandles="1" noChangeArrowheads="1" noChangeShapeType="1"/>
+          </p:cNvCxnSpPr>
+          <p:nvPr>
+            <p:extLst>
+              <p:ext uri="{386F3935-93C4-4BCD-93E2-E3B085C9AB24}">
+                <p16:designElem xmlns:p16="http://schemas.microsoft.com/office/powerpoint/2015/main" val="1"/>
+              </p:ext>
+            </p:extLst>
+          </p:nvPr>
+        </p:nvCxnSpPr>
+        <p:spPr>
+          <a:xfrm>
+            <a:off x="4654295" y="1920240"/>
+            <a:ext cx="0" cy="3017520"/>
+          </a:xfrm>
+          <a:prstGeom prst="line">
+            <a:avLst/>
+          </a:prstGeom>
+          <a:ln w="15875">
+            <a:solidFill>
+              <a:schemeClr val="tx1"/>
+            </a:solidFill>
+          </a:ln>
+        </p:spPr>
+        <p:style>
+          <a:lnRef idx="1">
+            <a:schemeClr val="accent1"/>
+          </a:lnRef>
+          <a:fillRef idx="0">
+            <a:schemeClr val="accent1"/>
+          </a:fillRef>
+          <a:effectRef idx="0">
+            <a:schemeClr val="accent1"/>
+          </a:effectRef>
+          <a:fontRef idx="minor">
+            <a:schemeClr val="tx1"/>
+          </a:fontRef>
+        </p:style>
+      </p:cxnSp>
       <p:sp>
         <p:nvSpPr>
           <p:cNvPr id="21" name="Content Placeholder 2">
@@ -22221,12 +24039,12 @@
         </p:nvSpPr>
         <p:spPr>
           <a:xfrm>
-            <a:off x="5287995" y="661106"/>
-            <a:ext cx="6257362" cy="5503101"/>
+            <a:off x="5007932" y="1261873"/>
+            <a:ext cx="5951013" cy="4449422"/>
           </a:xfrm>
         </p:spPr>
         <p:txBody>
-          <a:bodyPr anchor="ctr">
+          <a:bodyPr>
             <a:normAutofit/>
           </a:bodyPr>
           <a:lstStyle/>
@@ -22236,34 +24054,7 @@
             </a:pPr>
             <a:r>
               <a:rPr lang="en-GB" sz="2000" dirty="0"/>
-              <a:t>Analysing the implementation of serious games and the effects on</a:t>
-            </a:r>
-          </a:p>
-          <a:p>
-            <a:r>
-              <a:rPr lang="en-GB" sz="2000" dirty="0"/>
-              <a:t>cognition</a:t>
-            </a:r>
-          </a:p>
-          <a:p>
-            <a:r>
-              <a:rPr lang="en-GB" sz="2000" dirty="0"/>
-              <a:t>physical performance </a:t>
-            </a:r>
-          </a:p>
-          <a:p>
-            <a:r>
-              <a:rPr lang="en-GB" sz="2000" dirty="0"/>
-              <a:t>personal/behavioural aspects</a:t>
-            </a:r>
-          </a:p>
-          <a:p>
-            <a:pPr marL="0" indent="0">
-              <a:buNone/>
-            </a:pPr>
-            <a:r>
-              <a:rPr lang="en-GB" sz="2000" dirty="0"/>
-              <a:t>The paper attempts to determine whether serious games are feasible or effective, as well as which factors need to be considered when using serious games with people with dementia.</a:t>
+              <a:t>The objective of the systematic review is to see whether the application of music therapy in people living with dementia has an effect on cognitive function, quality of life, and/or depressive state</a:t>
             </a:r>
             <a:endParaRPr lang="en-ZA" sz="2000" dirty="0"/>
           </a:p>
@@ -22277,7 +24068,7 @@
     </p:extLst>
   </p:cSld>
   <p:clrMapOvr>
-    <a:masterClrMapping/>
+    <a:overrideClrMapping bg1="dk1" tx1="lt1" bg2="dk2" tx2="lt2" accent1="accent1" accent2="accent2" accent3="accent3" accent4="accent4" accent5="accent5" accent6="accent6" hlink="hlink" folHlink="folHlink"/>
   </p:clrMapOvr>
   <p:transition spd="slow">
     <p:wipe/>
@@ -23137,6 +24928,192 @@
             <p:ph idx="1"/>
             <p:extLst>
               <p:ext uri="{D42A27DB-BD31-4B8C-83A1-F6EECF244321}">
+                <p14:modId xmlns:p14="http://schemas.microsoft.com/office/powerpoint/2010/main" val="70997275"/>
+              </p:ext>
+            </p:extLst>
+          </p:nvPr>
+        </p:nvGraphicFramePr>
+        <p:xfrm>
+          <a:off x="1259456" y="1682153"/>
+          <a:ext cx="10752526" cy="4511614"/>
+        </p:xfrm>
+        <a:graphic>
+          <a:graphicData uri="http://schemas.openxmlformats.org/drawingml/2006/chart">
+            <c:chart xmlns:c="http://schemas.openxmlformats.org/drawingml/2006/chart" xmlns:r="http://schemas.openxmlformats.org/officeDocument/2006/relationships" r:id="rId2"/>
+          </a:graphicData>
+        </a:graphic>
+      </p:graphicFrame>
+    </p:spTree>
+    <p:extLst>
+      <p:ext uri="{BB962C8B-B14F-4D97-AF65-F5344CB8AC3E}">
+        <p14:creationId xmlns:p14="http://schemas.microsoft.com/office/powerpoint/2010/main" val="3523519385"/>
+      </p:ext>
+    </p:extLst>
+  </p:cSld>
+  <p:clrMapOvr>
+    <a:masterClrMapping/>
+  </p:clrMapOvr>
+  <p:transition spd="med">
+    <p:pull/>
+  </p:transition>
+  <p:timing>
+    <p:tnLst>
+      <p:par>
+        <p:cTn id="1" dur="indefinite" restart="never" nodeType="tmRoot">
+          <p:childTnLst>
+            <p:seq concurrent="1" nextAc="seek">
+              <p:cTn id="2" dur="indefinite" nodeType="mainSeq">
+                <p:childTnLst>
+                  <p:par>
+                    <p:cTn id="3" fill="hold">
+                      <p:stCondLst>
+                        <p:cond delay="indefinite"/>
+                      </p:stCondLst>
+                      <p:childTnLst>
+                        <p:par>
+                          <p:cTn id="4" fill="hold">
+                            <p:stCondLst>
+                              <p:cond delay="0"/>
+                            </p:stCondLst>
+                            <p:childTnLst>
+                              <p:par>
+                                <p:cTn id="5" presetID="10" presetClass="exit" presetSubtype="0" fill="hold" grpId="0" nodeType="clickEffect">
+                                  <p:stCondLst>
+                                    <p:cond delay="0"/>
+                                  </p:stCondLst>
+                                  <p:childTnLst>
+                                    <p:animEffect transition="out" filter="fade">
+                                      <p:cBhvr>
+                                        <p:cTn id="6" dur="500"/>
+                                        <p:tgtEl>
+                                          <p:spTgt spid="6"/>
+                                        </p:tgtEl>
+                                      </p:cBhvr>
+                                    </p:animEffect>
+                                    <p:set>
+                                      <p:cBhvr>
+                                        <p:cTn id="7" dur="1" fill="hold">
+                                          <p:stCondLst>
+                                            <p:cond delay="499"/>
+                                          </p:stCondLst>
+                                        </p:cTn>
+                                        <p:tgtEl>
+                                          <p:spTgt spid="6"/>
+                                        </p:tgtEl>
+                                        <p:attrNameLst>
+                                          <p:attrName>style.visibility</p:attrName>
+                                        </p:attrNameLst>
+                                      </p:cBhvr>
+                                      <p:to>
+                                        <p:strVal val="hidden"/>
+                                      </p:to>
+                                    </p:set>
+                                  </p:childTnLst>
+                                </p:cTn>
+                              </p:par>
+                            </p:childTnLst>
+                          </p:cTn>
+                        </p:par>
+                      </p:childTnLst>
+                    </p:cTn>
+                  </p:par>
+                </p:childTnLst>
+              </p:cTn>
+              <p:prevCondLst>
+                <p:cond evt="onPrev" delay="0">
+                  <p:tgtEl>
+                    <p:sldTgt/>
+                  </p:tgtEl>
+                </p:cond>
+              </p:prevCondLst>
+              <p:nextCondLst>
+                <p:cond evt="onNext" delay="0">
+                  <p:tgtEl>
+                    <p:sldTgt/>
+                  </p:tgtEl>
+                </p:cond>
+              </p:nextCondLst>
+            </p:seq>
+          </p:childTnLst>
+        </p:cTn>
+      </p:par>
+    </p:tnLst>
+    <p:bldLst>
+      <p:bldGraphic spid="6" grpId="0">
+        <p:bldAsOne/>
+      </p:bldGraphic>
+    </p:bldLst>
+  </p:timing>
+</p:sld>
+</file>
+
+<file path=ppt/slides/slide7.xml><?xml version="1.0" encoding="utf-8"?>
+<p:sld xmlns:a="http://schemas.openxmlformats.org/drawingml/2006/main" xmlns:r="http://schemas.openxmlformats.org/officeDocument/2006/relationships" xmlns:p="http://schemas.openxmlformats.org/presentationml/2006/main">
+  <p:cSld>
+    <p:spTree>
+      <p:nvGrpSpPr>
+        <p:cNvPr id="1" name=""/>
+        <p:cNvGrpSpPr/>
+        <p:nvPr/>
+      </p:nvGrpSpPr>
+      <p:grpSpPr>
+        <a:xfrm>
+          <a:off x="0" y="0"/>
+          <a:ext cx="0" cy="0"/>
+          <a:chOff x="0" y="0"/>
+          <a:chExt cx="0" cy="0"/>
+        </a:xfrm>
+      </p:grpSpPr>
+      <p:sp>
+        <p:nvSpPr>
+          <p:cNvPr id="2" name="Title 1">
+            <a:extLst>
+              <a:ext uri="{FF2B5EF4-FFF2-40B4-BE49-F238E27FC236}">
+                <a16:creationId xmlns:a16="http://schemas.microsoft.com/office/drawing/2014/main" id="{427C294E-6AAC-7684-3B3F-DCFD7B304AE5}"/>
+              </a:ext>
+            </a:extLst>
+          </p:cNvPr>
+          <p:cNvSpPr>
+            <a:spLocks noGrp="1"/>
+          </p:cNvSpPr>
+          <p:nvPr>
+            <p:ph type="title"/>
+          </p:nvPr>
+        </p:nvSpPr>
+        <p:spPr>
+          <a:xfrm>
+            <a:off x="1484312" y="0"/>
+            <a:ext cx="10018713" cy="1752599"/>
+          </a:xfrm>
+        </p:spPr>
+        <p:txBody>
+          <a:bodyPr/>
+          <a:lstStyle/>
+          <a:p>
+            <a:r>
+              <a:rPr lang="en-US" dirty="0"/>
+              <a:t>Studies used</a:t>
+            </a:r>
+            <a:endParaRPr lang="en-ZA" dirty="0"/>
+          </a:p>
+        </p:txBody>
+      </p:sp>
+      <p:graphicFrame>
+        <p:nvGraphicFramePr>
+          <p:cNvPr id="6" name="Content Placeholder 5">
+            <a:extLst>
+              <a:ext uri="{FF2B5EF4-FFF2-40B4-BE49-F238E27FC236}">
+                <a16:creationId xmlns:a16="http://schemas.microsoft.com/office/drawing/2014/main" id="{67A4DA51-BFC4-4D21-4164-7C58DB6079FA}"/>
+              </a:ext>
+            </a:extLst>
+          </p:cNvPr>
+          <p:cNvGraphicFramePr>
+            <a:graphicFrameLocks noGrp="1"/>
+          </p:cNvGraphicFramePr>
+          <p:nvPr>
+            <p:ph idx="1"/>
+            <p:extLst>
+              <p:ext uri="{D42A27DB-BD31-4B8C-83A1-F6EECF244321}">
                 <p14:modId xmlns:p14="http://schemas.microsoft.com/office/powerpoint/2010/main" val="1577821235"/>
               </p:ext>
             </p:extLst>
@@ -23162,13 +25139,106 @@
   <p:clrMapOvr>
     <a:masterClrMapping/>
   </p:clrMapOvr>
-  <p:transition spd="med">
-    <p:pull/>
-  </p:transition>
+  <mc:AlternateContent xmlns:mc="http://schemas.openxmlformats.org/markup-compatibility/2006">
+    <mc:Choice xmlns:p14="http://schemas.microsoft.com/office/powerpoint/2010/main" Requires="p14">
+      <p:transition p14:dur="10"/>
+    </mc:Choice>
+    <mc:Fallback>
+      <p:transition/>
+    </mc:Fallback>
+  </mc:AlternateContent>
+  <p:timing>
+    <p:tnLst>
+      <p:par>
+        <p:cTn id="1" dur="indefinite" restart="never" nodeType="tmRoot">
+          <p:childTnLst>
+            <p:seq concurrent="1" nextAc="seek">
+              <p:cTn id="2" dur="indefinite" nodeType="mainSeq">
+                <p:childTnLst>
+                  <p:par>
+                    <p:cTn id="3" fill="hold">
+                      <p:stCondLst>
+                        <p:cond delay="indefinite"/>
+                      </p:stCondLst>
+                      <p:childTnLst>
+                        <p:par>
+                          <p:cTn id="4" fill="hold">
+                            <p:stCondLst>
+                              <p:cond delay="0"/>
+                            </p:stCondLst>
+                            <p:childTnLst>
+                              <p:par>
+                                <p:cTn id="5" presetID="10" presetClass="entr" presetSubtype="0" fill="hold" grpId="0" nodeType="clickEffect">
+                                  <p:stCondLst>
+                                    <p:cond delay="0"/>
+                                  </p:stCondLst>
+                                  <p:childTnLst>
+                                    <p:set>
+                                      <p:cBhvr>
+                                        <p:cTn id="6" dur="1" fill="hold">
+                                          <p:stCondLst>
+                                            <p:cond delay="0"/>
+                                          </p:stCondLst>
+                                        </p:cTn>
+                                        <p:tgtEl>
+                                          <p:spTgt spid="6"/>
+                                        </p:tgtEl>
+                                        <p:attrNameLst>
+                                          <p:attrName>style.visibility</p:attrName>
+                                        </p:attrNameLst>
+                                      </p:cBhvr>
+                                      <p:to>
+                                        <p:strVal val="visible"/>
+                                      </p:to>
+                                    </p:set>
+                                    <p:animEffect transition="in" filter="fade">
+                                      <p:cBhvr>
+                                        <p:cTn id="7" dur="500"/>
+                                        <p:tgtEl>
+                                          <p:spTgt spid="6"/>
+                                        </p:tgtEl>
+                                      </p:cBhvr>
+                                    </p:animEffect>
+                                  </p:childTnLst>
+                                </p:cTn>
+                              </p:par>
+                            </p:childTnLst>
+                          </p:cTn>
+                        </p:par>
+                      </p:childTnLst>
+                    </p:cTn>
+                  </p:par>
+                </p:childTnLst>
+              </p:cTn>
+              <p:prevCondLst>
+                <p:cond evt="onPrev" delay="0">
+                  <p:tgtEl>
+                    <p:sldTgt/>
+                  </p:tgtEl>
+                </p:cond>
+              </p:prevCondLst>
+              <p:nextCondLst>
+                <p:cond evt="onNext" delay="0">
+                  <p:tgtEl>
+                    <p:sldTgt/>
+                  </p:tgtEl>
+                </p:cond>
+              </p:nextCondLst>
+            </p:seq>
+          </p:childTnLst>
+        </p:cTn>
+      </p:par>
+    </p:tnLst>
+    <p:bldLst>
+      <p:bldGraphic spid="6" grpId="0">
+        <p:bldAsOne/>
+      </p:bldGraphic>
+    </p:bldLst>
+  </p:timing>
 </p:sld>
 </file>
 
-<file path=ppt/slides/slide7.xml><?xml version="1.0" encoding="utf-8"?>
+<file path=ppt/slides/slide8.xml><?xml version="1.0" encoding="utf-8"?>
 <p:sld xmlns:a="http://schemas.openxmlformats.org/drawingml/2006/main" xmlns:r="http://schemas.openxmlformats.org/officeDocument/2006/relationships" xmlns:p="http://schemas.openxmlformats.org/presentationml/2006/main">
   <p:cSld>
     <p:bg>
@@ -23285,12 +25355,12 @@
     <a:masterClrMapping/>
   </p:clrMapOvr>
   <p:transition spd="slow">
-    <p:cover/>
+    <p:wipe/>
   </p:transition>
 </p:sld>
 </file>
 
-<file path=ppt/slides/slide8.xml><?xml version="1.0" encoding="utf-8"?>
+<file path=ppt/slides/slide9.xml><?xml version="1.0" encoding="utf-8"?>
 <p:sld xmlns:a="http://schemas.openxmlformats.org/drawingml/2006/main" xmlns:r="http://schemas.openxmlformats.org/officeDocument/2006/relationships" xmlns:p="http://schemas.openxmlformats.org/presentationml/2006/main">
   <p:cSld>
     <p:bg>
@@ -23899,224 +25969,9 @@
   <p:clrMapOvr>
     <a:masterClrMapping/>
   </p:clrMapOvr>
-  <mc:AlternateContent xmlns:mc="http://schemas.openxmlformats.org/markup-compatibility/2006" xmlns:p14="http://schemas.microsoft.com/office/powerpoint/2010/main">
-    <mc:Choice Requires="p14">
-      <p:transition spd="slow" p14:dur="1500">
-        <p:split orient="vert"/>
-      </p:transition>
-    </mc:Choice>
-    <mc:Fallback xmlns="">
-      <p:transition spd="slow">
-        <p:split orient="vert"/>
-      </p:transition>
-    </mc:Fallback>
-  </mc:AlternateContent>
-</p:sld>
-</file>
-
-<file path=ppt/slides/slide9.xml><?xml version="1.0" encoding="utf-8"?>
-<p:sld xmlns:a="http://schemas.openxmlformats.org/drawingml/2006/main" xmlns:r="http://schemas.openxmlformats.org/officeDocument/2006/relationships" xmlns:p="http://schemas.openxmlformats.org/presentationml/2006/main">
-  <p:cSld>
-    <p:bg>
-      <p:bgPr>
-        <a:gradFill rotWithShape="1">
-          <a:gsLst>
-            <a:gs pos="0">
-              <a:schemeClr val="bg2">
-                <a:tint val="96000"/>
-                <a:shade val="100000"/>
-                <a:hueMod val="270000"/>
-                <a:satMod val="200000"/>
-                <a:lumMod val="128000"/>
-              </a:schemeClr>
-            </a:gs>
-            <a:gs pos="50000">
-              <a:schemeClr val="bg2">
-                <a:shade val="100000"/>
-                <a:hueMod val="100000"/>
-                <a:satMod val="110000"/>
-                <a:lumMod val="130000"/>
-              </a:schemeClr>
-            </a:gs>
-            <a:gs pos="100000">
-              <a:schemeClr val="bg2">
-                <a:shade val="78000"/>
-                <a:hueMod val="44000"/>
-                <a:satMod val="200000"/>
-                <a:lumMod val="69000"/>
-              </a:schemeClr>
-            </a:gs>
-          </a:gsLst>
-          <a:lin ang="2520000" scaled="0"/>
-        </a:gradFill>
-        <a:effectLst/>
-      </p:bgPr>
-    </p:bg>
-    <p:spTree>
-      <p:nvGrpSpPr>
-        <p:cNvPr id="1" name=""/>
-        <p:cNvGrpSpPr/>
-        <p:nvPr/>
-      </p:nvGrpSpPr>
-      <p:grpSpPr>
-        <a:xfrm>
-          <a:off x="0" y="0"/>
-          <a:ext cx="0" cy="0"/>
-          <a:chOff x="0" y="0"/>
-          <a:chExt cx="0" cy="0"/>
-        </a:xfrm>
-      </p:grpSpPr>
-      <p:sp>
-        <p:nvSpPr>
-          <p:cNvPr id="2" name="Title 1">
-            <a:extLst>
-              <a:ext uri="{FF2B5EF4-FFF2-40B4-BE49-F238E27FC236}">
-                <a16:creationId xmlns:a16="http://schemas.microsoft.com/office/drawing/2014/main" id="{DCF5A9AB-D7A3-52C1-BBAB-9CA217326193}"/>
-              </a:ext>
-            </a:extLst>
-          </p:cNvPr>
-          <p:cNvSpPr>
-            <a:spLocks noGrp="1"/>
-          </p:cNvSpPr>
-          <p:nvPr>
-            <p:ph type="title"/>
-          </p:nvPr>
-        </p:nvSpPr>
-        <p:spPr/>
-        <p:txBody>
-          <a:bodyPr>
-            <a:normAutofit/>
-          </a:bodyPr>
-          <a:lstStyle/>
-          <a:p>
-            <a:r>
-              <a:rPr lang="en-GB" dirty="0"/>
-              <a:t>Efficacy of Musical Intervention in Quality of Life </a:t>
-            </a:r>
-            <a:endParaRPr lang="en-ZA" dirty="0"/>
-          </a:p>
-        </p:txBody>
-      </p:sp>
-      <p:sp>
-        <p:nvSpPr>
-          <p:cNvPr id="8" name="Content Placeholder 2">
-            <a:extLst>
-              <a:ext uri="{FF2B5EF4-FFF2-40B4-BE49-F238E27FC236}">
-                <a16:creationId xmlns:a16="http://schemas.microsoft.com/office/drawing/2014/main" id="{6850682E-104E-9712-E328-02417E6ED92C}"/>
-              </a:ext>
-            </a:extLst>
-          </p:cNvPr>
-          <p:cNvSpPr>
-            <a:spLocks noGrp="1"/>
-          </p:cNvSpPr>
-          <p:nvPr>
-            <p:ph idx="1"/>
-          </p:nvPr>
-        </p:nvSpPr>
-        <p:spPr>
-          <a:xfrm>
-            <a:off x="680321" y="2336873"/>
-            <a:ext cx="9613861" cy="3395060"/>
-          </a:xfrm>
-        </p:spPr>
-        <p:txBody>
-          <a:bodyPr anchor="ctr">
-            <a:normAutofit/>
-          </a:bodyPr>
-          <a:lstStyle/>
-          <a:p>
-            <a:pPr marL="0" indent="0">
-              <a:buNone/>
-            </a:pPr>
-            <a:r>
-              <a:rPr lang="en-US" sz="2000" dirty="0"/>
-              <a:t>The effectiveness of serious games were </a:t>
-            </a:r>
-            <a:r>
-              <a:rPr lang="en-US" sz="2000" dirty="0" err="1"/>
-              <a:t>avaluated</a:t>
-            </a:r>
-            <a:r>
-              <a:rPr lang="en-US" sz="2000" dirty="0"/>
-              <a:t> using the following outcome domains:</a:t>
-            </a:r>
-          </a:p>
-          <a:p>
-            <a:pPr marL="514350" indent="-514350">
-              <a:buFont typeface="+mj-lt"/>
-              <a:buAutoNum type="romanUcPeriod"/>
-            </a:pPr>
-            <a:r>
-              <a:rPr lang="en-US" sz="2000" dirty="0"/>
-              <a:t>Cognitive function</a:t>
-            </a:r>
-          </a:p>
-          <a:p>
-            <a:pPr lvl="1"/>
-            <a:r>
-              <a:rPr lang="en-US" sz="1600" dirty="0"/>
-              <a:t>Attention, language, memory, orientation, verbal learning etc.</a:t>
-            </a:r>
-          </a:p>
-          <a:p>
-            <a:pPr marL="514350" indent="-514350">
-              <a:buFont typeface="+mj-lt"/>
-              <a:buAutoNum type="romanUcPeriod"/>
-            </a:pPr>
-            <a:r>
-              <a:rPr lang="en-US" sz="2000" dirty="0"/>
-              <a:t>Physical function</a:t>
-            </a:r>
-          </a:p>
-          <a:p>
-            <a:pPr lvl="1"/>
-            <a:r>
-              <a:rPr lang="en-US" sz="1600" dirty="0"/>
-              <a:t>Balance, gait, and ADL(activities of daily living)</a:t>
-            </a:r>
-          </a:p>
-          <a:p>
-            <a:pPr marL="514350" indent="-514350">
-              <a:buFont typeface="+mj-lt"/>
-              <a:buAutoNum type="romanUcPeriod"/>
-            </a:pPr>
-            <a:r>
-              <a:rPr lang="en-US" sz="2000" dirty="0"/>
-              <a:t>Personal/behavioral aspects</a:t>
-            </a:r>
-          </a:p>
-          <a:p>
-            <a:pPr lvl="1"/>
-            <a:r>
-              <a:rPr lang="en-US" sz="1600" dirty="0"/>
-              <a:t>QoL(Quality of Life) and mood</a:t>
-            </a:r>
-            <a:endParaRPr lang="en-ZA" sz="1600" dirty="0"/>
-          </a:p>
-        </p:txBody>
-      </p:sp>
-    </p:spTree>
-    <p:extLst>
-      <p:ext uri="{BB962C8B-B14F-4D97-AF65-F5344CB8AC3E}">
-        <p14:creationId xmlns:p14="http://schemas.microsoft.com/office/powerpoint/2010/main" val="2988115921"/>
-      </p:ext>
-    </p:extLst>
-  </p:cSld>
-  <p:clrMapOvr>
-    <a:masterClrMapping/>
-  </p:clrMapOvr>
-  <mc:AlternateContent xmlns:mc="http://schemas.openxmlformats.org/markup-compatibility/2006">
-    <mc:Choice xmlns:p14="http://schemas.microsoft.com/office/powerpoint/2010/main" Requires="p14">
-      <p:transition spd="slow" p14:dur="1500">
-        <p:split orient="vert"/>
-      </p:transition>
-    </mc:Choice>
-    <mc:Fallback>
-      <p:transition spd="slow">
-        <p:split orient="vert"/>
-      </p:transition>
-    </mc:Fallback>
-  </mc:AlternateContent>
+  <p:transition spd="slow">
+    <p:push dir="u"/>
+  </p:transition>
 </p:sld>
 </file>
 

--- a/MusicTherapy.pptx
+++ b/MusicTherapy.pptx
@@ -22573,13 +22573,13 @@
   <p:clrMapOvr>
     <a:masterClrMapping/>
   </p:clrMapOvr>
-  <mc:AlternateContent xmlns:mc="http://schemas.openxmlformats.org/markup-compatibility/2006">
-    <mc:Choice xmlns:p15="http://schemas.microsoft.com/office/powerpoint/2012/main" Requires="p15">
+  <mc:AlternateContent xmlns:mc="http://schemas.openxmlformats.org/markup-compatibility/2006" xmlns:p15="http://schemas.microsoft.com/office/powerpoint/2012/main">
+    <mc:Choice Requires="p15">
       <p:transition xmlns:p14="http://schemas.microsoft.com/office/powerpoint/2010/main" spd="slow" p14:dur="6000">
         <p15:prstTrans prst="curtains"/>
       </p:transition>
     </mc:Choice>
-    <mc:Fallback>
+    <mc:Fallback xmlns="">
       <p:transition spd="slow">
         <p:fade/>
       </p:transition>
@@ -25139,11 +25139,11 @@
   <p:clrMapOvr>
     <a:masterClrMapping/>
   </p:clrMapOvr>
-  <mc:AlternateContent xmlns:mc="http://schemas.openxmlformats.org/markup-compatibility/2006">
-    <mc:Choice xmlns:p14="http://schemas.microsoft.com/office/powerpoint/2010/main" Requires="p14">
+  <mc:AlternateContent xmlns:mc="http://schemas.openxmlformats.org/markup-compatibility/2006" xmlns:p14="http://schemas.microsoft.com/office/powerpoint/2010/main">
+    <mc:Choice Requires="p14">
       <p:transition p14:dur="10"/>
     </mc:Choice>
-    <mc:Fallback>
+    <mc:Fallback xmlns="">
       <p:transition/>
     </mc:Fallback>
   </mc:AlternateContent>
